--- a/diploma/Проектирование и разработка веб-фильтра для обеспечения контроля доступа к сетевым ресурсам.pptx
+++ b/diploma/Проектирование и разработка веб-фильтра для обеспечения контроля доступа к сетевым ресурсам.pptx
@@ -2,10 +2,10 @@
 <file path=ppt/presentation.xml><?xml version="1.0" encoding="utf-8"?>
 <p:presentation xmlns:a="http://schemas.openxmlformats.org/drawingml/2006/main" xmlns:r="http://schemas.openxmlformats.org/officeDocument/2006/relationships" xmlns:p="http://schemas.openxmlformats.org/presentationml/2006/main" showSpecialPlsOnTitleSld="0" saveSubsetFonts="1">
   <p:sldMasterIdLst>
-    <p:sldMasterId id="2147483678" r:id="rId1"/>
+    <p:sldMasterId id="2147483696" r:id="rId1"/>
   </p:sldMasterIdLst>
   <p:notesMasterIdLst>
-    <p:notesMasterId r:id="rId16"/>
+    <p:notesMasterId r:id="rId18"/>
   </p:notesMasterIdLst>
   <p:sldIdLst>
     <p:sldId id="256" r:id="rId2"/>
@@ -22,8 +22,10 @@
     <p:sldId id="267" r:id="rId13"/>
     <p:sldId id="268" r:id="rId14"/>
     <p:sldId id="269" r:id="rId15"/>
+    <p:sldId id="270" r:id="rId16"/>
+    <p:sldId id="271" r:id="rId17"/>
   </p:sldIdLst>
-  <p:sldSz cx="12192000" cy="6858000"/>
+  <p:sldSz cx="9144000" cy="6858000" type="screen4x3"/>
   <p:notesSz cx="6858000" cy="9144000"/>
   <p:defaultTextStyle>
     <a:defPPr>
@@ -139,6 +141,8 @@
             <p14:sldId id="267"/>
             <p14:sldId id="268"/>
             <p14:sldId id="269"/>
+            <p14:sldId id="270"/>
+            <p14:sldId id="271"/>
           </p14:sldIdLst>
         </p14:section>
       </p14:sectionLst>
@@ -232,7 +236,7 @@
           <a:p>
             <a:fld id="{02429CAE-21E7-4E13-8CFD-F846C3BDEA47}" type="datetimeFigureOut">
               <a:rPr lang="ru-RU" smtClean="0"/>
-              <a:t>28.10.2018</a:t>
+              <a:t>03.12.2018</a:t>
             </a:fld>
             <a:endParaRPr lang="ru-RU"/>
           </a:p>
@@ -250,8 +254,8 @@
         </p:nvSpPr>
         <p:spPr>
           <a:xfrm>
-            <a:off x="685800" y="1143000"/>
-            <a:ext cx="5486400" cy="3086100"/>
+            <a:off x="1371600" y="1143000"/>
+            <a:ext cx="4114800" cy="3086100"/>
           </a:xfrm>
           <a:prstGeom prst="rect">
             <a:avLst/>
@@ -519,7 +523,7 @@
       </p:grpSpPr>
       <p:pic>
         <p:nvPicPr>
-          <p:cNvPr id="66" name="Picture 2" descr="\\DROBO-FS\QuickDrops\JB\PPTX NG\Droplets\LightingOverlay.png"/>
+          <p:cNvPr id="62" name="Picture 2" descr="\\DROBO-FS\QuickDrops\JB\PPTX NG\Droplets\LightingOverlay.png"/>
           <p:cNvPicPr>
             <a:picLocks noChangeAspect="1" noChangeArrowheads="1"/>
           </p:cNvPicPr>
@@ -548,8 +552,8 @@
         </p:blipFill>
         <p:spPr bwMode="auto">
           <a:xfrm>
-            <a:off x="0" y="-1"/>
-            <a:ext cx="12192003" cy="6858001"/>
+            <a:off x="1" y="-1"/>
+            <a:ext cx="9144002" cy="6858001"/>
           </a:xfrm>
           <a:prstGeom prst="rect">
             <a:avLst/>
@@ -568,7 +572,7 @@
       </p:pic>
       <p:grpSp>
         <p:nvGrpSpPr>
-          <p:cNvPr id="11" name="Group 10"/>
+          <p:cNvPr id="66" name="Group 65"/>
           <p:cNvGrpSpPr/>
           <p:nvPr/>
         </p:nvGrpSpPr>
@@ -596,7 +600,7 @@
         </p:grpSpPr>
         <p:sp>
           <p:nvSpPr>
-            <p:cNvPr id="12" name="Rectangle 5"/>
+            <p:cNvPr id="67" name="Rectangle 5"/>
             <p:cNvSpPr>
               <a:spLocks noChangeArrowheads="1"/>
             </p:cNvSpPr>
@@ -630,7 +634,7 @@
         </p:sp>
         <p:sp>
           <p:nvSpPr>
-            <p:cNvPr id="13" name="Freeform 6"/>
+            <p:cNvPr id="68" name="Freeform 6"/>
             <p:cNvSpPr>
               <a:spLocks noEditPoints="1"/>
             </p:cNvSpPr>
@@ -720,7 +724,7 @@
         </p:sp>
         <p:sp>
           <p:nvSpPr>
-            <p:cNvPr id="14" name="Freeform 7"/>
+            <p:cNvPr id="69" name="Freeform 7"/>
             <p:cNvSpPr>
               <a:spLocks noEditPoints="1"/>
             </p:cNvSpPr>
@@ -810,7 +814,7 @@
         </p:sp>
         <p:sp>
           <p:nvSpPr>
-            <p:cNvPr id="15" name="Rectangle 8"/>
+            <p:cNvPr id="70" name="Rectangle 8"/>
             <p:cNvSpPr>
               <a:spLocks noChangeArrowheads="1"/>
             </p:cNvSpPr>
@@ -844,7 +848,7 @@
         </p:sp>
         <p:sp>
           <p:nvSpPr>
-            <p:cNvPr id="16" name="Freeform 9"/>
+            <p:cNvPr id="71" name="Freeform 9"/>
             <p:cNvSpPr>
               <a:spLocks noEditPoints="1"/>
             </p:cNvSpPr>
@@ -934,7 +938,7 @@
         </p:sp>
         <p:sp>
           <p:nvSpPr>
-            <p:cNvPr id="17" name="Freeform 10"/>
+            <p:cNvPr id="72" name="Freeform 10"/>
             <p:cNvSpPr/>
             <p:nvPr/>
           </p:nvSpPr>
@@ -996,7 +1000,7 @@
         </p:sp>
         <p:sp>
           <p:nvSpPr>
-            <p:cNvPr id="18" name="Freeform 11"/>
+            <p:cNvPr id="73" name="Freeform 11"/>
             <p:cNvSpPr/>
             <p:nvPr/>
           </p:nvSpPr>
@@ -1058,7 +1062,7 @@
         </p:sp>
         <p:sp>
           <p:nvSpPr>
-            <p:cNvPr id="19" name="Freeform 12"/>
+            <p:cNvPr id="74" name="Freeform 12"/>
             <p:cNvSpPr>
               <a:spLocks noEditPoints="1"/>
             </p:cNvSpPr>
@@ -1148,7 +1152,7 @@
         </p:sp>
         <p:sp>
           <p:nvSpPr>
-            <p:cNvPr id="20" name="Freeform 13"/>
+            <p:cNvPr id="75" name="Freeform 13"/>
             <p:cNvSpPr/>
             <p:nvPr/>
           </p:nvSpPr>
@@ -1210,7 +1214,7 @@
         </p:sp>
         <p:sp>
           <p:nvSpPr>
-            <p:cNvPr id="21" name="Freeform 14"/>
+            <p:cNvPr id="76" name="Freeform 14"/>
             <p:cNvSpPr/>
             <p:nvPr/>
           </p:nvSpPr>
@@ -1272,7 +1276,7 @@
         </p:sp>
         <p:sp>
           <p:nvSpPr>
-            <p:cNvPr id="22" name="Freeform 15"/>
+            <p:cNvPr id="77" name="Freeform 15"/>
             <p:cNvSpPr>
               <a:spLocks noEditPoints="1"/>
             </p:cNvSpPr>
@@ -1362,7 +1366,7 @@
         </p:sp>
         <p:sp>
           <p:nvSpPr>
-            <p:cNvPr id="23" name="Freeform 16"/>
+            <p:cNvPr id="78" name="Freeform 16"/>
             <p:cNvSpPr>
               <a:spLocks noEditPoints="1"/>
             </p:cNvSpPr>
@@ -1452,7 +1456,7 @@
         </p:sp>
         <p:sp>
           <p:nvSpPr>
-            <p:cNvPr id="24" name="Freeform 17"/>
+            <p:cNvPr id="79" name="Freeform 17"/>
             <p:cNvSpPr/>
             <p:nvPr/>
           </p:nvSpPr>
@@ -1514,7 +1518,7 @@
         </p:sp>
         <p:sp>
           <p:nvSpPr>
-            <p:cNvPr id="25" name="Freeform 18"/>
+            <p:cNvPr id="80" name="Freeform 18"/>
             <p:cNvSpPr>
               <a:spLocks noEditPoints="1"/>
             </p:cNvSpPr>
@@ -1624,7 +1628,7 @@
         </p:sp>
         <p:sp>
           <p:nvSpPr>
-            <p:cNvPr id="26" name="Freeform 19"/>
+            <p:cNvPr id="81" name="Freeform 19"/>
             <p:cNvSpPr/>
             <p:nvPr/>
           </p:nvSpPr>
@@ -1686,7 +1690,7 @@
         </p:sp>
         <p:sp>
           <p:nvSpPr>
-            <p:cNvPr id="27" name="Freeform 20"/>
+            <p:cNvPr id="82" name="Freeform 20"/>
             <p:cNvSpPr>
               <a:spLocks noEditPoints="1"/>
             </p:cNvSpPr>
@@ -1776,7 +1780,7 @@
         </p:sp>
         <p:sp>
           <p:nvSpPr>
-            <p:cNvPr id="28" name="Freeform 21"/>
+            <p:cNvPr id="83" name="Freeform 21"/>
             <p:cNvSpPr>
               <a:spLocks noEditPoints="1"/>
             </p:cNvSpPr>
@@ -1866,7 +1870,7 @@
         </p:sp>
         <p:sp>
           <p:nvSpPr>
-            <p:cNvPr id="29" name="Freeform 22"/>
+            <p:cNvPr id="84" name="Freeform 22"/>
             <p:cNvSpPr/>
             <p:nvPr/>
           </p:nvSpPr>
@@ -1928,7 +1932,7 @@
         </p:sp>
         <p:sp>
           <p:nvSpPr>
-            <p:cNvPr id="30" name="Freeform 23"/>
+            <p:cNvPr id="85" name="Freeform 23"/>
             <p:cNvSpPr>
               <a:spLocks noEditPoints="1"/>
             </p:cNvSpPr>
@@ -2018,7 +2022,7 @@
         </p:sp>
         <p:sp>
           <p:nvSpPr>
-            <p:cNvPr id="31" name="Freeform 24"/>
+            <p:cNvPr id="86" name="Freeform 24"/>
             <p:cNvSpPr>
               <a:spLocks noEditPoints="1"/>
             </p:cNvSpPr>
@@ -2108,7 +2112,7 @@
         </p:sp>
         <p:sp>
           <p:nvSpPr>
-            <p:cNvPr id="32" name="Freeform 25"/>
+            <p:cNvPr id="87" name="Freeform 25"/>
             <p:cNvSpPr/>
             <p:nvPr/>
           </p:nvSpPr>
@@ -2164,7 +2168,7 @@
         </p:sp>
         <p:sp>
           <p:nvSpPr>
-            <p:cNvPr id="33" name="Freeform 26"/>
+            <p:cNvPr id="88" name="Freeform 26"/>
             <p:cNvSpPr>
               <a:spLocks noEditPoints="1"/>
             </p:cNvSpPr>
@@ -2254,7 +2258,7 @@
         </p:sp>
         <p:sp>
           <p:nvSpPr>
-            <p:cNvPr id="34" name="Freeform 27"/>
+            <p:cNvPr id="89" name="Freeform 27"/>
             <p:cNvSpPr/>
             <p:nvPr/>
           </p:nvSpPr>
@@ -2310,7 +2314,7 @@
         </p:sp>
         <p:sp>
           <p:nvSpPr>
-            <p:cNvPr id="35" name="Freeform 28"/>
+            <p:cNvPr id="90" name="Freeform 28"/>
             <p:cNvSpPr>
               <a:spLocks noEditPoints="1"/>
             </p:cNvSpPr>
@@ -2400,7 +2404,7 @@
         </p:sp>
         <p:sp>
           <p:nvSpPr>
-            <p:cNvPr id="36" name="Freeform 29"/>
+            <p:cNvPr id="91" name="Freeform 29"/>
             <p:cNvSpPr/>
             <p:nvPr/>
           </p:nvSpPr>
@@ -2468,7 +2472,7 @@
         </p:sp>
         <p:sp>
           <p:nvSpPr>
-            <p:cNvPr id="37" name="Freeform 30"/>
+            <p:cNvPr id="92" name="Freeform 30"/>
             <p:cNvSpPr>
               <a:spLocks noEditPoints="1"/>
             </p:cNvSpPr>
@@ -2558,7 +2562,7 @@
         </p:sp>
         <p:sp>
           <p:nvSpPr>
-            <p:cNvPr id="38" name="Freeform 31"/>
+            <p:cNvPr id="93" name="Freeform 31"/>
             <p:cNvSpPr/>
             <p:nvPr/>
           </p:nvSpPr>
@@ -2626,7 +2630,7 @@
         </p:sp>
         <p:sp>
           <p:nvSpPr>
-            <p:cNvPr id="39" name="Freeform 32"/>
+            <p:cNvPr id="94" name="Freeform 32"/>
             <p:cNvSpPr>
               <a:spLocks noEditPoints="1"/>
             </p:cNvSpPr>
@@ -2716,7 +2720,7 @@
         </p:sp>
         <p:sp>
           <p:nvSpPr>
-            <p:cNvPr id="40" name="Rectangle 33"/>
+            <p:cNvPr id="95" name="Rectangle 33"/>
             <p:cNvSpPr>
               <a:spLocks noChangeArrowheads="1"/>
             </p:cNvSpPr>
@@ -2750,7 +2754,7 @@
         </p:sp>
         <p:sp>
           <p:nvSpPr>
-            <p:cNvPr id="41" name="Freeform 34"/>
+            <p:cNvPr id="96" name="Freeform 34"/>
             <p:cNvSpPr>
               <a:spLocks noEditPoints="1"/>
             </p:cNvSpPr>
@@ -2840,7 +2844,7 @@
         </p:sp>
         <p:sp>
           <p:nvSpPr>
-            <p:cNvPr id="42" name="Freeform 35"/>
+            <p:cNvPr id="97" name="Freeform 35"/>
             <p:cNvSpPr/>
             <p:nvPr/>
           </p:nvSpPr>
@@ -2902,7 +2906,7 @@
         </p:sp>
         <p:sp>
           <p:nvSpPr>
-            <p:cNvPr id="43" name="Freeform 36"/>
+            <p:cNvPr id="98" name="Freeform 36"/>
             <p:cNvSpPr/>
             <p:nvPr/>
           </p:nvSpPr>
@@ -2964,7 +2968,7 @@
         </p:sp>
         <p:sp>
           <p:nvSpPr>
-            <p:cNvPr id="44" name="Freeform 37"/>
+            <p:cNvPr id="99" name="Freeform 37"/>
             <p:cNvSpPr>
               <a:spLocks noEditPoints="1"/>
             </p:cNvSpPr>
@@ -3054,7 +3058,7 @@
         </p:sp>
         <p:sp>
           <p:nvSpPr>
-            <p:cNvPr id="45" name="Freeform 38"/>
+            <p:cNvPr id="100" name="Freeform 38"/>
             <p:cNvSpPr/>
             <p:nvPr/>
           </p:nvSpPr>
@@ -3122,7 +3126,7 @@
         </p:sp>
         <p:sp>
           <p:nvSpPr>
-            <p:cNvPr id="46" name="Freeform 39"/>
+            <p:cNvPr id="101" name="Freeform 39"/>
             <p:cNvSpPr/>
             <p:nvPr/>
           </p:nvSpPr>
@@ -3184,7 +3188,7 @@
         </p:sp>
         <p:sp>
           <p:nvSpPr>
-            <p:cNvPr id="47" name="Freeform 40"/>
+            <p:cNvPr id="102" name="Freeform 40"/>
             <p:cNvSpPr>
               <a:spLocks noEditPoints="1"/>
             </p:cNvSpPr>
@@ -3274,7 +3278,7 @@
         </p:sp>
         <p:sp>
           <p:nvSpPr>
-            <p:cNvPr id="48" name="Freeform 41"/>
+            <p:cNvPr id="103" name="Freeform 41"/>
             <p:cNvSpPr/>
             <p:nvPr/>
           </p:nvSpPr>
@@ -3336,7 +3340,7 @@
         </p:sp>
         <p:sp>
           <p:nvSpPr>
-            <p:cNvPr id="49" name="Freeform 42"/>
+            <p:cNvPr id="104" name="Freeform 42"/>
             <p:cNvSpPr>
               <a:spLocks noEditPoints="1"/>
             </p:cNvSpPr>
@@ -3426,7 +3430,7 @@
         </p:sp>
         <p:sp>
           <p:nvSpPr>
-            <p:cNvPr id="50" name="Freeform 43"/>
+            <p:cNvPr id="105" name="Freeform 43"/>
             <p:cNvSpPr/>
             <p:nvPr/>
           </p:nvSpPr>
@@ -3488,7 +3492,7 @@
         </p:sp>
         <p:sp>
           <p:nvSpPr>
-            <p:cNvPr id="51" name="Freeform 44"/>
+            <p:cNvPr id="106" name="Freeform 44"/>
             <p:cNvSpPr>
               <a:spLocks noEditPoints="1"/>
             </p:cNvSpPr>
@@ -3578,7 +3582,7 @@
         </p:sp>
         <p:sp>
           <p:nvSpPr>
-            <p:cNvPr id="52" name="Rectangle 45"/>
+            <p:cNvPr id="107" name="Rectangle 45"/>
             <p:cNvSpPr>
               <a:spLocks noChangeArrowheads="1"/>
             </p:cNvSpPr>
@@ -3612,7 +3616,7 @@
         </p:sp>
         <p:sp>
           <p:nvSpPr>
-            <p:cNvPr id="53" name="Freeform 46"/>
+            <p:cNvPr id="108" name="Freeform 46"/>
             <p:cNvSpPr/>
             <p:nvPr/>
           </p:nvSpPr>
@@ -3677,7 +3681,7 @@
         </p:sp>
         <p:sp>
           <p:nvSpPr>
-            <p:cNvPr id="54" name="Freeform 47"/>
+            <p:cNvPr id="109" name="Freeform 47"/>
             <p:cNvSpPr>
               <a:spLocks noEditPoints="1"/>
             </p:cNvSpPr>
@@ -3767,7 +3771,7 @@
         </p:sp>
         <p:sp>
           <p:nvSpPr>
-            <p:cNvPr id="55" name="Freeform 48"/>
+            <p:cNvPr id="110" name="Freeform 48"/>
             <p:cNvSpPr/>
             <p:nvPr/>
           </p:nvSpPr>
@@ -3829,7 +3833,7 @@
         </p:sp>
         <p:sp>
           <p:nvSpPr>
-            <p:cNvPr id="56" name="Freeform 49"/>
+            <p:cNvPr id="111" name="Freeform 49"/>
             <p:cNvSpPr>
               <a:spLocks noEditPoints="1"/>
             </p:cNvSpPr>
@@ -3919,7 +3923,7 @@
         </p:sp>
         <p:sp>
           <p:nvSpPr>
-            <p:cNvPr id="57" name="Freeform 50"/>
+            <p:cNvPr id="112" name="Freeform 50"/>
             <p:cNvSpPr>
               <a:spLocks noEditPoints="1"/>
             </p:cNvSpPr>
@@ -4009,7 +4013,7 @@
         </p:sp>
         <p:sp>
           <p:nvSpPr>
-            <p:cNvPr id="58" name="Freeform 51"/>
+            <p:cNvPr id="113" name="Freeform 51"/>
             <p:cNvSpPr/>
             <p:nvPr/>
           </p:nvSpPr>
@@ -4074,7 +4078,7 @@
         </p:sp>
         <p:sp>
           <p:nvSpPr>
-            <p:cNvPr id="59" name="Freeform 52"/>
+            <p:cNvPr id="114" name="Freeform 52"/>
             <p:cNvSpPr/>
             <p:nvPr/>
           </p:nvSpPr>
@@ -4136,7 +4140,7 @@
         </p:sp>
         <p:sp>
           <p:nvSpPr>
-            <p:cNvPr id="60" name="Freeform 53"/>
+            <p:cNvPr id="115" name="Freeform 53"/>
             <p:cNvSpPr>
               <a:spLocks noEditPoints="1"/>
             </p:cNvSpPr>
@@ -4226,7 +4230,7 @@
         </p:sp>
         <p:sp>
           <p:nvSpPr>
-            <p:cNvPr id="61" name="Freeform 54"/>
+            <p:cNvPr id="116" name="Freeform 54"/>
             <p:cNvSpPr>
               <a:spLocks noEditPoints="1"/>
             </p:cNvSpPr>
@@ -4316,7 +4320,7 @@
         </p:sp>
         <p:sp>
           <p:nvSpPr>
-            <p:cNvPr id="62" name="Freeform 55"/>
+            <p:cNvPr id="117" name="Freeform 55"/>
             <p:cNvSpPr/>
             <p:nvPr/>
           </p:nvSpPr>
@@ -4378,7 +4382,7 @@
         </p:sp>
         <p:sp>
           <p:nvSpPr>
-            <p:cNvPr id="63" name="Freeform 56"/>
+            <p:cNvPr id="118" name="Freeform 56"/>
             <p:cNvSpPr>
               <a:spLocks noEditPoints="1"/>
             </p:cNvSpPr>
@@ -4498,7 +4502,7 @@
         </p:sp>
         <p:sp>
           <p:nvSpPr>
-            <p:cNvPr id="64" name="Freeform 57"/>
+            <p:cNvPr id="119" name="Freeform 57"/>
             <p:cNvSpPr/>
             <p:nvPr/>
           </p:nvSpPr>
@@ -4566,7 +4570,7 @@
         </p:sp>
         <p:sp>
           <p:nvSpPr>
-            <p:cNvPr id="65" name="Freeform 58"/>
+            <p:cNvPr id="120" name="Freeform 58"/>
             <p:cNvSpPr>
               <a:spLocks noEditPoints="1"/>
             </p:cNvSpPr>
@@ -4667,8 +4671,8 @@
         </p:nvSpPr>
         <p:spPr>
           <a:xfrm>
-            <a:off x="1876424" y="1122363"/>
-            <a:ext cx="8791575" cy="2387600"/>
+            <a:off x="1900238" y="1122363"/>
+            <a:ext cx="6593681" cy="2387600"/>
           </a:xfrm>
         </p:spPr>
         <p:txBody>
@@ -4701,8 +4705,8 @@
         </p:nvSpPr>
         <p:spPr>
           <a:xfrm>
-            <a:off x="1876424" y="3602038"/>
-            <a:ext cx="8791575" cy="1655762"/>
+            <a:off x="1900238" y="3602038"/>
+            <a:ext cx="6593681" cy="1655762"/>
           </a:xfrm>
         </p:spPr>
         <p:txBody>
@@ -4772,8 +4776,8 @@
         </p:nvSpPr>
         <p:spPr>
           <a:xfrm>
-            <a:off x="7077511" y="5410201"/>
-            <a:ext cx="2743200" cy="365125"/>
+            <a:off x="5801052" y="5410202"/>
+            <a:ext cx="2057400" cy="365125"/>
           </a:xfrm>
         </p:spPr>
         <p:txBody>
@@ -4782,7 +4786,7 @@
           <a:p>
             <a:fld id="{6CE3A0D3-11C0-4218-826D-05D3D9912C1F}" type="datetime1">
               <a:rPr lang="ru-RU" smtClean="0"/>
-              <a:t>28.10.2018</a:t>
+              <a:t>03.12.2018</a:t>
             </a:fld>
             <a:endParaRPr lang="ru-RU"/>
           </a:p>
@@ -4800,8 +4804,8 @@
         </p:nvSpPr>
         <p:spPr>
           <a:xfrm>
-            <a:off x="1876424" y="5410201"/>
-            <a:ext cx="5124886" cy="365125"/>
+            <a:off x="1900237" y="5410202"/>
+            <a:ext cx="3843665" cy="365125"/>
           </a:xfrm>
         </p:spPr>
         <p:txBody>
@@ -4824,8 +4828,8 @@
         </p:nvSpPr>
         <p:spPr>
           <a:xfrm>
-            <a:off x="9896911" y="5410199"/>
-            <a:ext cx="771089" cy="365125"/>
+            <a:off x="7915603" y="5410200"/>
+            <a:ext cx="578317" cy="365125"/>
           </a:xfrm>
         </p:spPr>
         <p:txBody>
@@ -4843,7 +4847,7 @@
     </p:spTree>
     <p:extLst>
       <p:ext uri="{BB962C8B-B14F-4D97-AF65-F5344CB8AC3E}">
-        <p14:creationId xmlns:p14="http://schemas.microsoft.com/office/powerpoint/2010/main" val="2516021167"/>
+        <p14:creationId xmlns:p14="http://schemas.microsoft.com/office/powerpoint/2010/main" val="347027184"/>
       </p:ext>
     </p:extLst>
   </p:cSld>
@@ -4862,6 +4866,13 @@
       </p:transition>
     </mc:Fallback>
   </mc:AlternateContent>
+  <p:timing>
+    <p:tnLst>
+      <p:par>
+        <p:cTn id="1" dur="indefinite" restart="never" nodeType="tmRoot"/>
+      </p:par>
+    </p:tnLst>
+  </p:timing>
 </p:sldLayout>
 </file>
 
@@ -4894,8 +4905,8 @@
         </p:nvSpPr>
         <p:spPr>
           <a:xfrm>
-            <a:off x="1141410" y="4304664"/>
-            <a:ext cx="9912355" cy="819355"/>
+            <a:off x="856058" y="4304665"/>
+            <a:ext cx="7434266" cy="819355"/>
           </a:xfrm>
         </p:spPr>
         <p:txBody>
@@ -4928,12 +4939,12 @@
         </p:nvSpPr>
         <p:spPr>
           <a:xfrm>
-            <a:off x="1141411" y="606426"/>
-            <a:ext cx="9912354" cy="3299778"/>
+            <a:off x="856058" y="606426"/>
+            <a:ext cx="7434266" cy="3299778"/>
           </a:xfrm>
           <a:prstGeom prst="round2DiagRect">
             <a:avLst>
-              <a:gd name="adj1" fmla="val 4860"/>
+              <a:gd name="adj1" fmla="val 5101"/>
               <a:gd name="adj2" fmla="val 0"/>
             </a:avLst>
           </a:prstGeom>
@@ -4989,8 +5000,8 @@
         </p:nvSpPr>
         <p:spPr>
           <a:xfrm>
-            <a:off x="1141364" y="5124020"/>
-            <a:ext cx="9910859" cy="682472"/>
+            <a:off x="856024" y="5124020"/>
+            <a:ext cx="7433144" cy="682472"/>
           </a:xfrm>
         </p:spPr>
         <p:txBody>
@@ -5061,7 +5072,7 @@
           <a:p>
             <a:fld id="{55AE26A9-429B-4827-9938-D8FC26BFC5B9}" type="datetime1">
               <a:rPr lang="ru-RU" smtClean="0"/>
-              <a:t>28.10.2018</a:t>
+              <a:t>03.12.2018</a:t>
             </a:fld>
             <a:endParaRPr lang="ru-RU"/>
           </a:p>
@@ -5112,7 +5123,7 @@
     </p:spTree>
     <p:extLst>
       <p:ext uri="{BB962C8B-B14F-4D97-AF65-F5344CB8AC3E}">
-        <p14:creationId xmlns:p14="http://schemas.microsoft.com/office/powerpoint/2010/main" val="146591738"/>
+        <p14:creationId xmlns:p14="http://schemas.microsoft.com/office/powerpoint/2010/main" val="2685090029"/>
       </p:ext>
     </p:extLst>
   </p:cSld>
@@ -5131,6 +5142,13 @@
       </p:transition>
     </mc:Fallback>
   </mc:AlternateContent>
+  <p:timing>
+    <p:tnLst>
+      <p:par>
+        <p:cTn id="1" dur="indefinite" restart="never" nodeType="tmRoot"/>
+      </p:par>
+    </p:tnLst>
+  </p:timing>
 </p:sldLayout>
 </file>
 
@@ -5163,8 +5181,8 @@
         </p:nvSpPr>
         <p:spPr>
           <a:xfrm>
-            <a:off x="1141456" y="609600"/>
-            <a:ext cx="9905955" cy="3429000"/>
+            <a:off x="856093" y="609600"/>
+            <a:ext cx="7429466" cy="3429000"/>
           </a:xfrm>
         </p:spPr>
         <p:txBody>
@@ -5197,8 +5215,8 @@
         </p:nvSpPr>
         <p:spPr>
           <a:xfrm>
-            <a:off x="1141410" y="4419599"/>
-            <a:ext cx="9904459" cy="1371599"/>
+            <a:off x="856058" y="4419600"/>
+            <a:ext cx="7428344" cy="1371599"/>
           </a:xfrm>
         </p:spPr>
         <p:txBody>
@@ -5269,7 +5287,7 @@
           <a:p>
             <a:fld id="{0567A75A-6B72-441B-84AD-470ED9052699}" type="datetime1">
               <a:rPr lang="ru-RU" smtClean="0"/>
-              <a:t>28.10.2018</a:t>
+              <a:t>03.12.2018</a:t>
             </a:fld>
             <a:endParaRPr lang="ru-RU"/>
           </a:p>
@@ -5320,7 +5338,7 @@
     </p:spTree>
     <p:extLst>
       <p:ext uri="{BB962C8B-B14F-4D97-AF65-F5344CB8AC3E}">
-        <p14:creationId xmlns:p14="http://schemas.microsoft.com/office/powerpoint/2010/main" val="576714742"/>
+        <p14:creationId xmlns:p14="http://schemas.microsoft.com/office/powerpoint/2010/main" val="1572198892"/>
       </p:ext>
     </p:extLst>
   </p:cSld>
@@ -5339,6 +5357,13 @@
       </p:transition>
     </mc:Fallback>
   </mc:AlternateContent>
+  <p:timing>
+    <p:tnLst>
+      <p:par>
+        <p:cTn id="1" dur="indefinite" restart="never" nodeType="tmRoot"/>
+      </p:par>
+    </p:tnLst>
+  </p:timing>
 </p:sldLayout>
 </file>
 
@@ -5371,8 +5396,8 @@
         </p:nvSpPr>
         <p:spPr>
           <a:xfrm>
-            <a:off x="1446212" y="609599"/>
-            <a:ext cx="9302752" cy="2748429"/>
+            <a:off x="1084659" y="609600"/>
+            <a:ext cx="6977064" cy="2748429"/>
           </a:xfrm>
         </p:spPr>
         <p:txBody>
@@ -5405,8 +5430,8 @@
         </p:nvSpPr>
         <p:spPr>
           <a:xfrm>
-            <a:off x="1720644" y="3365557"/>
-            <a:ext cx="8752299" cy="548968"/>
+            <a:off x="1290484" y="3365557"/>
+            <a:ext cx="6564224" cy="548968"/>
           </a:xfrm>
         </p:spPr>
         <p:txBody>
@@ -5472,8 +5497,8 @@
         </p:nvSpPr>
         <p:spPr>
           <a:xfrm>
-            <a:off x="1141411" y="4309919"/>
-            <a:ext cx="9906002" cy="1489496"/>
+            <a:off x="856058" y="4309919"/>
+            <a:ext cx="7429502" cy="1489496"/>
           </a:xfrm>
         </p:spPr>
         <p:txBody>
@@ -5544,7 +5569,7 @@
           <a:p>
             <a:fld id="{E60C514B-042C-453C-A56D-B30DCB0B24B6}" type="datetime1">
               <a:rPr lang="ru-RU" smtClean="0"/>
-              <a:t>28.10.2018</a:t>
+              <a:t>03.12.2018</a:t>
             </a:fld>
             <a:endParaRPr lang="ru-RU"/>
           </a:p>
@@ -5594,14 +5619,14 @@
       </p:sp>
       <p:sp>
         <p:nvSpPr>
-          <p:cNvPr id="60" name="TextBox 59"/>
+          <p:cNvPr id="52" name="TextBox 51"/>
           <p:cNvSpPr txBox="1"/>
           <p:nvPr/>
         </p:nvSpPr>
         <p:spPr>
           <a:xfrm>
-            <a:off x="903512" y="732394"/>
-            <a:ext cx="609600" cy="584776"/>
+            <a:off x="696579" y="718458"/>
+            <a:ext cx="457200" cy="584776"/>
           </a:xfrm>
           <a:prstGeom prst="rect">
             <a:avLst/>
@@ -5698,7 +5723,7 @@
             </a:lvl9pPr>
           </a:lstStyle>
           <a:p>
-            <a:pPr lvl="0" algn="r"/>
+            <a:pPr lvl="0"/>
             <a:r>
               <a:rPr lang="en-US" sz="8000" dirty="0">
                 <a:solidFill>
@@ -5713,14 +5738,14 @@
       </p:sp>
       <p:sp>
         <p:nvSpPr>
-          <p:cNvPr id="61" name="TextBox 60"/>
+          <p:cNvPr id="53" name="TextBox 52"/>
           <p:cNvSpPr txBox="1"/>
           <p:nvPr/>
         </p:nvSpPr>
         <p:spPr>
           <a:xfrm>
-            <a:off x="10537370" y="2764972"/>
-            <a:ext cx="609600" cy="584776"/>
+            <a:off x="7817473" y="2764972"/>
+            <a:ext cx="457200" cy="584776"/>
           </a:xfrm>
           <a:prstGeom prst="rect">
             <a:avLst/>
@@ -5817,7 +5842,7 @@
             </a:lvl9pPr>
           </a:lstStyle>
           <a:p>
-            <a:pPr lvl="0" algn="r"/>
+            <a:pPr lvl="0"/>
             <a:r>
               <a:rPr lang="en-US" sz="8000" dirty="0">
                 <a:solidFill>
@@ -5833,7 +5858,7 @@
     </p:spTree>
     <p:extLst>
       <p:ext uri="{BB962C8B-B14F-4D97-AF65-F5344CB8AC3E}">
-        <p14:creationId xmlns:p14="http://schemas.microsoft.com/office/powerpoint/2010/main" val="1379124061"/>
+        <p14:creationId xmlns:p14="http://schemas.microsoft.com/office/powerpoint/2010/main" val="4184441237"/>
       </p:ext>
     </p:extLst>
   </p:cSld>
@@ -5852,6 +5877,13 @@
       </p:transition>
     </mc:Fallback>
   </mc:AlternateContent>
+  <p:timing>
+    <p:tnLst>
+      <p:par>
+        <p:cTn id="1" dur="indefinite" restart="never" nodeType="tmRoot"/>
+      </p:par>
+    </p:tnLst>
+  </p:timing>
 </p:sldLayout>
 </file>
 
@@ -5884,8 +5916,8 @@
         </p:nvSpPr>
         <p:spPr>
           <a:xfrm>
-            <a:off x="1141410" y="2134041"/>
-            <a:ext cx="9906001" cy="2511835"/>
+            <a:off x="856058" y="2134042"/>
+            <a:ext cx="7429501" cy="2511835"/>
           </a:xfrm>
         </p:spPr>
         <p:txBody>
@@ -5918,8 +5950,8 @@
         </p:nvSpPr>
         <p:spPr>
           <a:xfrm>
-            <a:off x="1141364" y="4657655"/>
-            <a:ext cx="9904505" cy="1140644"/>
+            <a:off x="856023" y="4657655"/>
+            <a:ext cx="7428379" cy="1140644"/>
           </a:xfrm>
         </p:spPr>
         <p:txBody>
@@ -5990,7 +6022,7 @@
           <a:p>
             <a:fld id="{8DC830DF-1054-47DC-B59A-273C5262839E}" type="datetime1">
               <a:rPr lang="ru-RU" smtClean="0"/>
-              <a:t>28.10.2018</a:t>
+              <a:t>03.12.2018</a:t>
             </a:fld>
             <a:endParaRPr lang="ru-RU"/>
           </a:p>
@@ -6041,7 +6073,7 @@
     </p:spTree>
     <p:extLst>
       <p:ext uri="{BB962C8B-B14F-4D97-AF65-F5344CB8AC3E}">
-        <p14:creationId xmlns:p14="http://schemas.microsoft.com/office/powerpoint/2010/main" val="537900418"/>
+        <p14:creationId xmlns:p14="http://schemas.microsoft.com/office/powerpoint/2010/main" val="2409658613"/>
       </p:ext>
     </p:extLst>
   </p:cSld>
@@ -6060,6 +6092,13 @@
       </p:transition>
     </mc:Fallback>
   </mc:AlternateContent>
+  <p:timing>
+    <p:tnLst>
+      <p:par>
+        <p:cTn id="1" dur="indefinite" restart="never" nodeType="tmRoot"/>
+      </p:par>
+    </p:tnLst>
+  </p:timing>
 </p:sldLayout>
 </file>
 
@@ -6092,8 +6131,8 @@
         </p:nvSpPr>
         <p:spPr>
           <a:xfrm>
-            <a:off x="1141413" y="609600"/>
-            <a:ext cx="9905998" cy="1905000"/>
+            <a:off x="856060" y="609600"/>
+            <a:ext cx="7429499" cy="1905000"/>
           </a:xfrm>
         </p:spPr>
         <p:txBody>
@@ -6120,8 +6159,8 @@
         </p:nvSpPr>
         <p:spPr>
           <a:xfrm>
-            <a:off x="1141410" y="2674463"/>
-            <a:ext cx="3196899" cy="685800"/>
+            <a:off x="856058" y="2674463"/>
+            <a:ext cx="2397674" cy="685800"/>
           </a:xfrm>
         </p:spPr>
         <p:txBody>
@@ -6134,7 +6173,7 @@
                 <a:spcPct val="90000"/>
               </a:lnSpc>
               <a:buNone/>
-              <a:defRPr sz="2400" b="0" cap="all" baseline="0">
+              <a:defRPr sz="2000" b="0" cap="all" baseline="0">
                 <a:solidFill>
                   <a:schemeClr val="tx1"/>
                 </a:solidFill>
@@ -6194,8 +6233,8 @@
         </p:nvSpPr>
         <p:spPr>
           <a:xfrm>
-            <a:off x="1127918" y="3360263"/>
-            <a:ext cx="3208735" cy="2430936"/>
+            <a:off x="856059" y="3360263"/>
+            <a:ext cx="2396432" cy="2430936"/>
           </a:xfrm>
         </p:spPr>
         <p:txBody>
@@ -6261,8 +6300,8 @@
         </p:nvSpPr>
         <p:spPr>
           <a:xfrm>
-            <a:off x="4514766" y="2677635"/>
-            <a:ext cx="3184385" cy="685800"/>
+            <a:off x="3386075" y="2677635"/>
+            <a:ext cx="2388289" cy="685800"/>
           </a:xfrm>
         </p:spPr>
         <p:txBody>
@@ -6275,7 +6314,7 @@
                 <a:spcPct val="90000"/>
               </a:lnSpc>
               <a:buNone/>
-              <a:defRPr sz="2400" b="0" cap="all" baseline="0">
+              <a:defRPr sz="2000" b="0" cap="all" baseline="0">
                 <a:solidFill>
                   <a:schemeClr val="tx1"/>
                 </a:solidFill>
@@ -6335,8 +6374,8 @@
         </p:nvSpPr>
         <p:spPr>
           <a:xfrm>
-            <a:off x="4504213" y="3363435"/>
-            <a:ext cx="3195830" cy="2430936"/>
+            <a:off x="3386075" y="3363435"/>
+            <a:ext cx="2388958" cy="2430936"/>
           </a:xfrm>
         </p:spPr>
         <p:txBody>
@@ -6402,8 +6441,8 @@
         </p:nvSpPr>
         <p:spPr>
           <a:xfrm>
-            <a:off x="7852442" y="2674463"/>
-            <a:ext cx="3194968" cy="685800"/>
+            <a:off x="5889332" y="2674463"/>
+            <a:ext cx="2396226" cy="685800"/>
           </a:xfrm>
         </p:spPr>
         <p:txBody>
@@ -6416,7 +6455,7 @@
                 <a:spcPct val="90000"/>
               </a:lnSpc>
               <a:buNone/>
-              <a:defRPr sz="2400" b="0" cap="all" baseline="0">
+              <a:defRPr sz="2000" b="0" cap="all" baseline="0">
                 <a:solidFill>
                   <a:schemeClr val="tx1"/>
                 </a:solidFill>
@@ -6476,8 +6515,8 @@
         </p:nvSpPr>
         <p:spPr>
           <a:xfrm>
-            <a:off x="7852442" y="3360263"/>
-            <a:ext cx="3194968" cy="2430936"/>
+            <a:off x="5889332" y="3360263"/>
+            <a:ext cx="2396226" cy="2430936"/>
           </a:xfrm>
         </p:spPr>
         <p:txBody>
@@ -6548,7 +6587,7 @@
           <a:p>
             <a:fld id="{40A43AC7-122A-40EF-A5D8-9157F5AFC634}" type="datetime1">
               <a:rPr lang="ru-RU" smtClean="0"/>
-              <a:t>28.10.2018</a:t>
+              <a:t>03.12.2018</a:t>
             </a:fld>
             <a:endParaRPr lang="ru-RU"/>
           </a:p>
@@ -6599,7 +6638,7 @@
     </p:spTree>
     <p:extLst>
       <p:ext uri="{BB962C8B-B14F-4D97-AF65-F5344CB8AC3E}">
-        <p14:creationId xmlns:p14="http://schemas.microsoft.com/office/powerpoint/2010/main" val="4010879244"/>
+        <p14:creationId xmlns:p14="http://schemas.microsoft.com/office/powerpoint/2010/main" val="3463967088"/>
       </p:ext>
     </p:extLst>
   </p:cSld>
@@ -6618,6 +6657,13 @@
       </p:transition>
     </mc:Fallback>
   </mc:AlternateContent>
+  <p:timing>
+    <p:tnLst>
+      <p:par>
+        <p:cTn id="1" dur="indefinite" restart="never" nodeType="tmRoot"/>
+      </p:par>
+    </p:tnLst>
+  </p:timing>
 </p:sldLayout>
 </file>
 
@@ -6650,8 +6696,8 @@
         </p:nvSpPr>
         <p:spPr>
           <a:xfrm>
-            <a:off x="1141411" y="609600"/>
-            <a:ext cx="9905999" cy="1905000"/>
+            <a:off x="856059" y="609600"/>
+            <a:ext cx="7429499" cy="1905000"/>
           </a:xfrm>
         </p:spPr>
         <p:txBody>
@@ -6678,8 +6724,8 @@
         </p:nvSpPr>
         <p:spPr>
           <a:xfrm>
-            <a:off x="1141413" y="4404596"/>
-            <a:ext cx="3195240" cy="576262"/>
+            <a:off x="856060" y="4404596"/>
+            <a:ext cx="2396430" cy="576262"/>
           </a:xfrm>
         </p:spPr>
         <p:txBody>
@@ -6752,8 +6798,8 @@
         </p:nvSpPr>
         <p:spPr>
           <a:xfrm>
-            <a:off x="1141413" y="2666998"/>
-            <a:ext cx="3195240" cy="1524000"/>
+            <a:off x="856060" y="2666998"/>
+            <a:ext cx="2396430" cy="1524000"/>
           </a:xfrm>
           <a:prstGeom prst="round2DiagRect">
             <a:avLst/>
@@ -6783,7 +6829,7 @@
           <a:lstStyle>
             <a:lvl1pPr>
               <a:buNone/>
-              <a:defRPr lang="en-US" sz="2000" dirty="0"/>
+              <a:defRPr lang="en-US" sz="1800" dirty="0"/>
             </a:lvl1pPr>
           </a:lstStyle>
           <a:p>
@@ -6810,8 +6856,8 @@
         </p:nvSpPr>
         <p:spPr>
           <a:xfrm>
-            <a:off x="1141413" y="4980858"/>
-            <a:ext cx="3195240" cy="817843"/>
+            <a:off x="856060" y="4980859"/>
+            <a:ext cx="2396430" cy="817843"/>
           </a:xfrm>
         </p:spPr>
         <p:txBody>
@@ -6877,8 +6923,8 @@
         </p:nvSpPr>
         <p:spPr>
           <a:xfrm>
-            <a:off x="4489053" y="4404596"/>
-            <a:ext cx="3200400" cy="576262"/>
+            <a:off x="3366790" y="4404596"/>
+            <a:ext cx="2400300" cy="576262"/>
           </a:xfrm>
         </p:spPr>
         <p:txBody>
@@ -6951,8 +6997,8 @@
         </p:nvSpPr>
         <p:spPr>
           <a:xfrm>
-            <a:off x="4489053" y="2666998"/>
-            <a:ext cx="3198940" cy="1524000"/>
+            <a:off x="3366790" y="2666998"/>
+            <a:ext cx="2399205" cy="1524000"/>
           </a:xfrm>
           <a:prstGeom prst="round2DiagRect">
             <a:avLst/>
@@ -6982,7 +7028,7 @@
           <a:lstStyle>
             <a:lvl1pPr>
               <a:buNone/>
-              <a:defRPr lang="en-US" sz="2000" dirty="0"/>
+              <a:defRPr lang="en-US" sz="1800" dirty="0"/>
             </a:lvl1pPr>
           </a:lstStyle>
           <a:p>
@@ -7009,8 +7055,8 @@
         </p:nvSpPr>
         <p:spPr>
           <a:xfrm>
-            <a:off x="4487593" y="4980857"/>
-            <a:ext cx="3200400" cy="810342"/>
+            <a:off x="3365695" y="4980857"/>
+            <a:ext cx="2400300" cy="810342"/>
           </a:xfrm>
         </p:spPr>
         <p:txBody>
@@ -7076,8 +7122,8 @@
         </p:nvSpPr>
         <p:spPr>
           <a:xfrm>
-            <a:off x="7852567" y="4404595"/>
-            <a:ext cx="3190741" cy="576262"/>
+            <a:off x="5889426" y="4404595"/>
+            <a:ext cx="2393056" cy="576262"/>
           </a:xfrm>
         </p:spPr>
         <p:txBody>
@@ -7150,8 +7196,8 @@
         </p:nvSpPr>
         <p:spPr>
           <a:xfrm>
-            <a:off x="7852442" y="2666998"/>
-            <a:ext cx="3194969" cy="1524000"/>
+            <a:off x="5889332" y="2666998"/>
+            <a:ext cx="2396227" cy="1524000"/>
           </a:xfrm>
           <a:prstGeom prst="round2DiagRect">
             <a:avLst/>
@@ -7181,7 +7227,7 @@
           <a:lstStyle>
             <a:lvl1pPr>
               <a:buNone/>
-              <a:defRPr lang="en-US" sz="2000" dirty="0"/>
+              <a:defRPr lang="en-US" sz="1800" dirty="0"/>
             </a:lvl1pPr>
           </a:lstStyle>
           <a:p>
@@ -7208,8 +7254,8 @@
         </p:nvSpPr>
         <p:spPr>
           <a:xfrm>
-            <a:off x="7852442" y="4980854"/>
-            <a:ext cx="3194968" cy="810345"/>
+            <a:off x="5889332" y="4980855"/>
+            <a:ext cx="2396226" cy="810345"/>
           </a:xfrm>
         </p:spPr>
         <p:txBody>
@@ -7280,7 +7326,7 @@
           <a:p>
             <a:fld id="{C8FDEFFE-A5A7-41C1-ACB0-1BD5D3BF6AFE}" type="datetime1">
               <a:rPr lang="ru-RU" smtClean="0"/>
-              <a:t>28.10.2018</a:t>
+              <a:t>03.12.2018</a:t>
             </a:fld>
             <a:endParaRPr lang="ru-RU"/>
           </a:p>
@@ -7299,7 +7345,11 @@
         <p:spPr/>
         <p:txBody>
           <a:bodyPr/>
-          <a:lstStyle/>
+          <a:lstStyle>
+            <a:lvl1pPr>
+              <a:defRPr cap="all" baseline="0"/>
+            </a:lvl1pPr>
+          </a:lstStyle>
           <a:p>
             <a:endParaRPr lang="ru-RU"/>
           </a:p>
@@ -7331,7 +7381,7 @@
     </p:spTree>
     <p:extLst>
       <p:ext uri="{BB962C8B-B14F-4D97-AF65-F5344CB8AC3E}">
-        <p14:creationId xmlns:p14="http://schemas.microsoft.com/office/powerpoint/2010/main" val="98947667"/>
+        <p14:creationId xmlns:p14="http://schemas.microsoft.com/office/powerpoint/2010/main" val="2794799045"/>
       </p:ext>
     </p:extLst>
   </p:cSld>
@@ -7350,6 +7400,13 @@
       </p:transition>
     </mc:Fallback>
   </mc:AlternateContent>
+  <p:timing>
+    <p:tnLst>
+      <p:par>
+        <p:cTn id="1" dur="indefinite" restart="never" nodeType="tmRoot"/>
+      </p:par>
+    </p:tnLst>
+  </p:timing>
 </p:sldLayout>
 </file>
 
@@ -7462,7 +7519,7 @@
           <a:p>
             <a:fld id="{CE228D3C-1F67-4C11-96BA-B2B3A2C7659C}" type="datetime1">
               <a:rPr lang="ru-RU" smtClean="0"/>
-              <a:t>28.10.2018</a:t>
+              <a:t>03.12.2018</a:t>
             </a:fld>
             <a:endParaRPr lang="ru-RU"/>
           </a:p>
@@ -7513,7 +7570,7 @@
     </p:spTree>
     <p:extLst>
       <p:ext uri="{BB962C8B-B14F-4D97-AF65-F5344CB8AC3E}">
-        <p14:creationId xmlns:p14="http://schemas.microsoft.com/office/powerpoint/2010/main" val="1757710642"/>
+        <p14:creationId xmlns:p14="http://schemas.microsoft.com/office/powerpoint/2010/main" val="2093051778"/>
       </p:ext>
     </p:extLst>
   </p:cSld>
@@ -7532,6 +7589,13 @@
       </p:transition>
     </mc:Fallback>
   </mc:AlternateContent>
+  <p:timing>
+    <p:tnLst>
+      <p:par>
+        <p:cTn id="1" dur="indefinite" restart="never" nodeType="tmRoot"/>
+      </p:par>
+    </p:tnLst>
+  </p:timing>
 </p:sldLayout>
 </file>
 
@@ -7564,8 +7628,8 @@
         </p:nvSpPr>
         <p:spPr>
           <a:xfrm>
-            <a:off x="9042400" y="609599"/>
-            <a:ext cx="2005011" cy="5181601"/>
+            <a:off x="6781801" y="609600"/>
+            <a:ext cx="1503758" cy="5181601"/>
           </a:xfrm>
         </p:spPr>
         <p:txBody>
@@ -7592,8 +7656,8 @@
         </p:nvSpPr>
         <p:spPr>
           <a:xfrm>
-            <a:off x="1141410" y="609599"/>
-            <a:ext cx="7748590" cy="5181601"/>
+            <a:off x="856057" y="609600"/>
+            <a:ext cx="5811443" cy="5181601"/>
           </a:xfrm>
         </p:spPr>
         <p:txBody>
@@ -7654,7 +7718,7 @@
           <a:p>
             <a:fld id="{3D784623-CFB1-42B8-993B-8A45B33DE479}" type="datetime1">
               <a:rPr lang="ru-RU" smtClean="0"/>
-              <a:t>28.10.2018</a:t>
+              <a:t>03.12.2018</a:t>
             </a:fld>
             <a:endParaRPr lang="ru-RU"/>
           </a:p>
@@ -7705,7 +7769,7 @@
     </p:spTree>
     <p:extLst>
       <p:ext uri="{BB962C8B-B14F-4D97-AF65-F5344CB8AC3E}">
-        <p14:creationId xmlns:p14="http://schemas.microsoft.com/office/powerpoint/2010/main" val="1038475562"/>
+        <p14:creationId xmlns:p14="http://schemas.microsoft.com/office/powerpoint/2010/main" val="1859025606"/>
       </p:ext>
     </p:extLst>
   </p:cSld>
@@ -7724,6 +7788,13 @@
       </p:transition>
     </mc:Fallback>
   </mc:AlternateContent>
+  <p:timing>
+    <p:tnLst>
+      <p:par>
+        <p:cTn id="1" dur="indefinite" restart="never" nodeType="tmRoot"/>
+      </p:par>
+    </p:tnLst>
+  </p:timing>
 </p:sldLayout>
 </file>
 
@@ -7746,7 +7817,7 @@
       </p:grpSpPr>
       <p:sp>
         <p:nvSpPr>
-          <p:cNvPr id="2" name="Title 1"/>
+          <p:cNvPr id="47" name="Title 1"/>
           <p:cNvSpPr>
             <a:spLocks noGrp="1"/>
           </p:cNvSpPr>
@@ -7754,7 +7825,12 @@
             <p:ph type="title"/>
           </p:nvPr>
         </p:nvSpPr>
-        <p:spPr/>
+        <p:spPr>
+          <a:xfrm>
+            <a:off x="856060" y="618518"/>
+            <a:ext cx="7429499" cy="1478570"/>
+          </a:xfrm>
+        </p:spPr>
         <p:txBody>
           <a:bodyPr/>
           <a:lstStyle/>
@@ -7769,7 +7845,7 @@
       </p:sp>
       <p:sp>
         <p:nvSpPr>
-          <p:cNvPr id="3" name="Content Placeholder 2"/>
+          <p:cNvPr id="48" name="Content Placeholder 2"/>
           <p:cNvSpPr>
             <a:spLocks noGrp="1"/>
           </p:cNvSpPr>
@@ -7777,7 +7853,12 @@
             <p:ph idx="1"/>
           </p:nvPr>
         </p:nvSpPr>
-        <p:spPr/>
+        <p:spPr>
+          <a:xfrm>
+            <a:off x="856060" y="2249487"/>
+            <a:ext cx="7429499" cy="3541714"/>
+          </a:xfrm>
+        </p:spPr>
         <p:txBody>
           <a:bodyPr/>
           <a:lstStyle/>
@@ -7821,7 +7902,7 @@
       </p:sp>
       <p:sp>
         <p:nvSpPr>
-          <p:cNvPr id="4" name="Date Placeholder 3"/>
+          <p:cNvPr id="49" name="Date Placeholder 3"/>
           <p:cNvSpPr>
             <a:spLocks noGrp="1"/>
           </p:cNvSpPr>
@@ -7829,14 +7910,19 @@
             <p:ph type="dt" sz="half" idx="10"/>
           </p:nvPr>
         </p:nvSpPr>
-        <p:spPr/>
+        <p:spPr>
+          <a:xfrm>
+            <a:off x="5592691" y="5883277"/>
+            <a:ext cx="2057400" cy="365125"/>
+          </a:xfrm>
+        </p:spPr>
         <p:txBody>
           <a:bodyPr/>
           <a:lstStyle/>
           <a:p>
             <a:fld id="{8AF8D699-DD03-4CB4-928C-5019108BC414}" type="datetime1">
               <a:rPr lang="ru-RU" smtClean="0"/>
-              <a:t>28.10.2018</a:t>
+              <a:t>03.12.2018</a:t>
             </a:fld>
             <a:endParaRPr lang="ru-RU"/>
           </a:p>
@@ -7844,7 +7930,7 @@
       </p:sp>
       <p:sp>
         <p:nvSpPr>
-          <p:cNvPr id="5" name="Footer Placeholder 4"/>
+          <p:cNvPr id="50" name="Footer Placeholder 4"/>
           <p:cNvSpPr>
             <a:spLocks noGrp="1"/>
           </p:cNvSpPr>
@@ -7852,7 +7938,12 @@
             <p:ph type="ftr" sz="quarter" idx="11"/>
           </p:nvPr>
         </p:nvSpPr>
-        <p:spPr/>
+        <p:spPr>
+          <a:xfrm>
+            <a:off x="856059" y="5883276"/>
+            <a:ext cx="4679482" cy="365125"/>
+          </a:xfrm>
+        </p:spPr>
         <p:txBody>
           <a:bodyPr/>
           <a:lstStyle/>
@@ -7863,7 +7954,7 @@
       </p:sp>
       <p:sp>
         <p:nvSpPr>
-          <p:cNvPr id="6" name="Slide Number Placeholder 5"/>
+          <p:cNvPr id="51" name="Slide Number Placeholder 5"/>
           <p:cNvSpPr>
             <a:spLocks noGrp="1"/>
           </p:cNvSpPr>
@@ -7871,7 +7962,12 @@
             <p:ph type="sldNum" sz="quarter" idx="12"/>
           </p:nvPr>
         </p:nvSpPr>
-        <p:spPr/>
+        <p:spPr>
+          <a:xfrm>
+            <a:off x="7707241" y="5883275"/>
+            <a:ext cx="578317" cy="365125"/>
+          </a:xfrm>
+        </p:spPr>
         <p:txBody>
           <a:bodyPr/>
           <a:lstStyle/>
@@ -7887,7 +7983,7 @@
     </p:spTree>
     <p:extLst>
       <p:ext uri="{BB962C8B-B14F-4D97-AF65-F5344CB8AC3E}">
-        <p14:creationId xmlns:p14="http://schemas.microsoft.com/office/powerpoint/2010/main" val="621122150"/>
+        <p14:creationId xmlns:p14="http://schemas.microsoft.com/office/powerpoint/2010/main" val="2282923216"/>
       </p:ext>
     </p:extLst>
   </p:cSld>
@@ -7906,6 +8002,13 @@
       </p:transition>
     </mc:Fallback>
   </mc:AlternateContent>
+  <p:timing>
+    <p:tnLst>
+      <p:par>
+        <p:cTn id="1" dur="indefinite" restart="never" nodeType="tmRoot"/>
+      </p:par>
+    </p:tnLst>
+  </p:timing>
 </p:sldLayout>
 </file>
 
@@ -7938,8 +8041,8 @@
         </p:nvSpPr>
         <p:spPr>
           <a:xfrm>
-            <a:off x="1141411" y="1419226"/>
-            <a:ext cx="9906000" cy="2852737"/>
+            <a:off x="856058" y="1419227"/>
+            <a:ext cx="7429500" cy="2852737"/>
           </a:xfrm>
         </p:spPr>
         <p:txBody>
@@ -7972,8 +8075,8 @@
         </p:nvSpPr>
         <p:spPr>
           <a:xfrm>
-            <a:off x="1141411" y="4424362"/>
-            <a:ext cx="9906000" cy="1374776"/>
+            <a:off x="856058" y="4424362"/>
+            <a:ext cx="7429500" cy="1374776"/>
           </a:xfrm>
         </p:spPr>
         <p:txBody>
@@ -8098,7 +8201,7 @@
           <a:p>
             <a:fld id="{DEADDDC8-5C66-4EB4-8EA8-F92E0D313217}" type="datetime1">
               <a:rPr lang="ru-RU" smtClean="0"/>
-              <a:t>28.10.2018</a:t>
+              <a:t>03.12.2018</a:t>
             </a:fld>
             <a:endParaRPr lang="ru-RU"/>
           </a:p>
@@ -8149,7 +8252,7 @@
     </p:spTree>
     <p:extLst>
       <p:ext uri="{BB962C8B-B14F-4D97-AF65-F5344CB8AC3E}">
-        <p14:creationId xmlns:p14="http://schemas.microsoft.com/office/powerpoint/2010/main" val="1826669415"/>
+        <p14:creationId xmlns:p14="http://schemas.microsoft.com/office/powerpoint/2010/main" val="232993991"/>
       </p:ext>
     </p:extLst>
   </p:cSld>
@@ -8168,6 +8271,13 @@
       </p:transition>
     </mc:Fallback>
   </mc:AlternateContent>
+  <p:timing>
+    <p:tnLst>
+      <p:par>
+        <p:cTn id="1" dur="indefinite" restart="never" nodeType="tmRoot"/>
+      </p:par>
+    </p:tnLst>
+  </p:timing>
 </p:sldLayout>
 </file>
 
@@ -8223,8 +8333,8 @@
         </p:nvSpPr>
         <p:spPr>
           <a:xfrm>
-            <a:off x="1141410" y="2249486"/>
-            <a:ext cx="4878389" cy="3541714"/>
+            <a:off x="856058" y="2249486"/>
+            <a:ext cx="3658792" cy="3541714"/>
           </a:xfrm>
         </p:spPr>
         <p:txBody>
@@ -8280,8 +8390,8 @@
         </p:nvSpPr>
         <p:spPr>
           <a:xfrm>
-            <a:off x="6172200" y="2249486"/>
-            <a:ext cx="4875211" cy="3541714"/>
+            <a:off x="4629151" y="2249486"/>
+            <a:ext cx="3656408" cy="3541714"/>
           </a:xfrm>
         </p:spPr>
         <p:txBody>
@@ -8342,7 +8452,7 @@
           <a:p>
             <a:fld id="{D3EA0D31-CEE4-4AF2-B379-AE6F074CFC71}" type="datetime1">
               <a:rPr lang="ru-RU" smtClean="0"/>
-              <a:t>28.10.2018</a:t>
+              <a:t>03.12.2018</a:t>
             </a:fld>
             <a:endParaRPr lang="ru-RU"/>
           </a:p>
@@ -8393,7 +8503,7 @@
     </p:spTree>
     <p:extLst>
       <p:ext uri="{BB962C8B-B14F-4D97-AF65-F5344CB8AC3E}">
-        <p14:creationId xmlns:p14="http://schemas.microsoft.com/office/powerpoint/2010/main" val="2840583346"/>
+        <p14:creationId xmlns:p14="http://schemas.microsoft.com/office/powerpoint/2010/main" val="946928605"/>
       </p:ext>
     </p:extLst>
   </p:cSld>
@@ -8412,6 +8522,13 @@
       </p:transition>
     </mc:Fallback>
   </mc:AlternateContent>
+  <p:timing>
+    <p:tnLst>
+      <p:par>
+        <p:cTn id="1" dur="indefinite" restart="never" nodeType="tmRoot"/>
+      </p:par>
+    </p:tnLst>
+  </p:timing>
 </p:sldLayout>
 </file>
 
@@ -8444,8 +8561,8 @@
         </p:nvSpPr>
         <p:spPr>
           <a:xfrm>
-            <a:off x="1141411" y="619126"/>
-            <a:ext cx="9906000" cy="1477961"/>
+            <a:off x="856058" y="619127"/>
+            <a:ext cx="7429500" cy="1477961"/>
           </a:xfrm>
         </p:spPr>
         <p:txBody>
@@ -8472,8 +8589,8 @@
         </p:nvSpPr>
         <p:spPr>
           <a:xfrm>
-            <a:off x="1370019" y="2249486"/>
-            <a:ext cx="4649783" cy="823912"/>
+            <a:off x="1078902" y="2249486"/>
+            <a:ext cx="3435949" cy="823912"/>
           </a:xfrm>
         </p:spPr>
         <p:txBody>
@@ -8544,8 +8661,8 @@
         </p:nvSpPr>
         <p:spPr>
           <a:xfrm>
-            <a:off x="1141410" y="3073397"/>
-            <a:ext cx="4878391" cy="2717801"/>
+            <a:off x="856058" y="3073398"/>
+            <a:ext cx="3658793" cy="2717801"/>
           </a:xfrm>
         </p:spPr>
         <p:txBody>
@@ -8601,8 +8718,8 @@
         </p:nvSpPr>
         <p:spPr>
           <a:xfrm>
-            <a:off x="6400808" y="2249485"/>
-            <a:ext cx="4646602" cy="823912"/>
+            <a:off x="4851992" y="2249485"/>
+            <a:ext cx="3433565" cy="823912"/>
           </a:xfrm>
         </p:spPr>
         <p:txBody>
@@ -8673,8 +8790,8 @@
         </p:nvSpPr>
         <p:spPr>
           <a:xfrm>
-            <a:off x="6172200" y="3073397"/>
-            <a:ext cx="4875210" cy="2717801"/>
+            <a:off x="4629150" y="3073398"/>
+            <a:ext cx="3656408" cy="2717801"/>
           </a:xfrm>
         </p:spPr>
         <p:txBody>
@@ -8735,7 +8852,7 @@
           <a:p>
             <a:fld id="{0D0204F0-FD3D-445A-9F8A-EA8888D7BCAD}" type="datetime1">
               <a:rPr lang="ru-RU" smtClean="0"/>
-              <a:t>28.10.2018</a:t>
+              <a:t>03.12.2018</a:t>
             </a:fld>
             <a:endParaRPr lang="ru-RU"/>
           </a:p>
@@ -8786,7 +8903,7 @@
     </p:spTree>
     <p:extLst>
       <p:ext uri="{BB962C8B-B14F-4D97-AF65-F5344CB8AC3E}">
-        <p14:creationId xmlns:p14="http://schemas.microsoft.com/office/powerpoint/2010/main" val="516350104"/>
+        <p14:creationId xmlns:p14="http://schemas.microsoft.com/office/powerpoint/2010/main" val="718052310"/>
       </p:ext>
     </p:extLst>
   </p:cSld>
@@ -8805,6 +8922,13 @@
       </p:transition>
     </mc:Fallback>
   </mc:AlternateContent>
+  <p:timing>
+    <p:tnLst>
+      <p:par>
+        <p:cTn id="1" dur="indefinite" restart="never" nodeType="tmRoot"/>
+      </p:par>
+    </p:tnLst>
+  </p:timing>
 </p:sldLayout>
 </file>
 
@@ -8865,7 +8989,7 @@
           <a:p>
             <a:fld id="{79D964CF-661A-4293-AF93-D22D19D6059B}" type="datetime1">
               <a:rPr lang="ru-RU" smtClean="0"/>
-              <a:t>28.10.2018</a:t>
+              <a:t>03.12.2018</a:t>
             </a:fld>
             <a:endParaRPr lang="ru-RU"/>
           </a:p>
@@ -8916,7 +9040,7 @@
     </p:spTree>
     <p:extLst>
       <p:ext uri="{BB962C8B-B14F-4D97-AF65-F5344CB8AC3E}">
-        <p14:creationId xmlns:p14="http://schemas.microsoft.com/office/powerpoint/2010/main" val="1425449450"/>
+        <p14:creationId xmlns:p14="http://schemas.microsoft.com/office/powerpoint/2010/main" val="533776880"/>
       </p:ext>
     </p:extLst>
   </p:cSld>
@@ -8935,6 +9059,13 @@
       </p:transition>
     </mc:Fallback>
   </mc:AlternateContent>
+  <p:timing>
+    <p:tnLst>
+      <p:par>
+        <p:cTn id="1" dur="indefinite" restart="never" nodeType="tmRoot"/>
+      </p:par>
+    </p:tnLst>
+  </p:timing>
 </p:sldLayout>
 </file>
 
@@ -8972,7 +9103,7 @@
           <a:p>
             <a:fld id="{2E3C569C-F533-4640-A0F0-ABBE87EC8E22}" type="datetime1">
               <a:rPr lang="ru-RU" smtClean="0"/>
-              <a:t>28.10.2018</a:t>
+              <a:t>03.12.2018</a:t>
             </a:fld>
             <a:endParaRPr lang="ru-RU"/>
           </a:p>
@@ -9023,7 +9154,7 @@
     </p:spTree>
     <p:extLst>
       <p:ext uri="{BB962C8B-B14F-4D97-AF65-F5344CB8AC3E}">
-        <p14:creationId xmlns:p14="http://schemas.microsoft.com/office/powerpoint/2010/main" val="2617492217"/>
+        <p14:creationId xmlns:p14="http://schemas.microsoft.com/office/powerpoint/2010/main" val="1139671935"/>
       </p:ext>
     </p:extLst>
   </p:cSld>
@@ -9042,6 +9173,13 @@
       </p:transition>
     </mc:Fallback>
   </mc:AlternateContent>
+  <p:timing>
+    <p:tnLst>
+      <p:par>
+        <p:cTn id="1" dur="indefinite" restart="never" nodeType="tmRoot"/>
+      </p:par>
+    </p:tnLst>
+  </p:timing>
 </p:sldLayout>
 </file>
 
@@ -9074,8 +9212,8 @@
         </p:nvSpPr>
         <p:spPr>
           <a:xfrm>
-            <a:off x="1146705" y="609601"/>
-            <a:ext cx="3856037" cy="1639884"/>
+            <a:off x="860029" y="609601"/>
+            <a:ext cx="2892028" cy="1639884"/>
           </a:xfrm>
         </p:spPr>
         <p:txBody>
@@ -9106,8 +9244,8 @@
         </p:nvSpPr>
         <p:spPr>
           <a:xfrm>
-            <a:off x="5156200" y="592666"/>
-            <a:ext cx="5891209" cy="5198534"/>
+            <a:off x="3867150" y="592666"/>
+            <a:ext cx="4418407" cy="5198534"/>
           </a:xfrm>
         </p:spPr>
         <p:txBody>
@@ -9163,8 +9301,8 @@
         </p:nvSpPr>
         <p:spPr>
           <a:xfrm>
-            <a:off x="1146705" y="2249486"/>
-            <a:ext cx="3856037" cy="3541714"/>
+            <a:off x="860029" y="2249486"/>
+            <a:ext cx="2892028" cy="3541714"/>
           </a:xfrm>
         </p:spPr>
         <p:txBody>
@@ -9233,7 +9371,7 @@
           <a:p>
             <a:fld id="{98A143AC-6FEB-4281-B0A2-862F882D8863}" type="datetime1">
               <a:rPr lang="ru-RU" smtClean="0"/>
-              <a:t>28.10.2018</a:t>
+              <a:t>03.12.2018</a:t>
             </a:fld>
             <a:endParaRPr lang="ru-RU"/>
           </a:p>
@@ -9284,7 +9422,7 @@
     </p:spTree>
     <p:extLst>
       <p:ext uri="{BB962C8B-B14F-4D97-AF65-F5344CB8AC3E}">
-        <p14:creationId xmlns:p14="http://schemas.microsoft.com/office/powerpoint/2010/main" val="2928272682"/>
+        <p14:creationId xmlns:p14="http://schemas.microsoft.com/office/powerpoint/2010/main" val="2144605293"/>
       </p:ext>
     </p:extLst>
   </p:cSld>
@@ -9303,6 +9441,13 @@
       </p:transition>
     </mc:Fallback>
   </mc:AlternateContent>
+  <p:timing>
+    <p:tnLst>
+      <p:par>
+        <p:cTn id="1" dur="indefinite" restart="never" nodeType="tmRoot"/>
+      </p:par>
+    </p:tnLst>
+  </p:timing>
 </p:sldLayout>
 </file>
 
@@ -9335,8 +9480,8 @@
         </p:nvSpPr>
         <p:spPr>
           <a:xfrm>
-            <a:off x="1141413" y="609600"/>
-            <a:ext cx="5934508" cy="1639886"/>
+            <a:off x="856061" y="609600"/>
+            <a:ext cx="3753962" cy="1639886"/>
           </a:xfrm>
         </p:spPr>
         <p:txBody>
@@ -9367,12 +9512,12 @@
         </p:nvSpPr>
         <p:spPr>
           <a:xfrm>
-            <a:off x="7380721" y="609601"/>
-            <a:ext cx="3666690" cy="5181599"/>
+            <a:off x="4832866" y="609600"/>
+            <a:ext cx="3452693" cy="5181602"/>
           </a:xfrm>
           <a:prstGeom prst="round2DiagRect">
             <a:avLst>
-              <a:gd name="adj1" fmla="val 5608"/>
+              <a:gd name="adj1" fmla="val 6074"/>
               <a:gd name="adj2" fmla="val 0"/>
             </a:avLst>
           </a:prstGeom>
@@ -9395,46 +9540,18 @@
           </a:effectLst>
         </p:spPr>
         <p:txBody>
-          <a:bodyPr anchor="t"/>
+          <a:bodyPr vert="horz" lIns="91440" tIns="45720" rIns="91440" bIns="45720" rtlCol="0" anchor="t">
+            <a:normAutofit/>
+          </a:bodyPr>
           <a:lstStyle>
-            <a:lvl1pPr marL="0" indent="0">
-              <a:buNone/>
-              <a:defRPr sz="3200"/>
+            <a:lvl1pPr>
+              <a:defRPr lang="en-US" sz="3200"/>
             </a:lvl1pPr>
-            <a:lvl2pPr marL="457200" indent="0">
-              <a:buNone/>
-              <a:defRPr sz="2800"/>
-            </a:lvl2pPr>
-            <a:lvl3pPr marL="914400" indent="0">
-              <a:buNone/>
-              <a:defRPr sz="2400"/>
-            </a:lvl3pPr>
-            <a:lvl4pPr marL="1371600" indent="0">
-              <a:buNone/>
-              <a:defRPr sz="2000"/>
-            </a:lvl4pPr>
-            <a:lvl5pPr marL="1828800" indent="0">
-              <a:buNone/>
-              <a:defRPr sz="2000"/>
-            </a:lvl5pPr>
-            <a:lvl6pPr marL="2286000" indent="0">
-              <a:buNone/>
-              <a:defRPr sz="2000"/>
-            </a:lvl6pPr>
-            <a:lvl7pPr marL="2743200" indent="0">
-              <a:buNone/>
-              <a:defRPr sz="2000"/>
-            </a:lvl7pPr>
-            <a:lvl8pPr marL="3200400" indent="0">
-              <a:buNone/>
-              <a:defRPr sz="2000"/>
-            </a:lvl8pPr>
-            <a:lvl9pPr marL="3657600" indent="0">
-              <a:buNone/>
-              <a:defRPr sz="2000"/>
-            </a:lvl9pPr>
           </a:lstStyle>
           <a:p>
+            <a:pPr marL="0" lvl="0" indent="0">
+              <a:buNone/>
+            </a:pPr>
             <a:r>
               <a:rPr lang="ru-RU" smtClean="0"/>
               <a:t>Вставка рисунка</a:t>
@@ -9455,8 +9572,8 @@
         </p:nvSpPr>
         <p:spPr>
           <a:xfrm>
-            <a:off x="1141410" y="2249486"/>
-            <a:ext cx="5934511" cy="3541714"/>
+            <a:off x="856059" y="2249486"/>
+            <a:ext cx="3753964" cy="3541714"/>
           </a:xfrm>
         </p:spPr>
         <p:txBody>
@@ -9525,7 +9642,7 @@
           <a:p>
             <a:fld id="{BA0BBDB4-D773-4C88-8280-304BDB61AD94}" type="datetime1">
               <a:rPr lang="ru-RU" smtClean="0"/>
-              <a:t>28.10.2018</a:t>
+              <a:t>03.12.2018</a:t>
             </a:fld>
             <a:endParaRPr lang="ru-RU"/>
           </a:p>
@@ -9576,7 +9693,7 @@
     </p:spTree>
     <p:extLst>
       <p:ext uri="{BB962C8B-B14F-4D97-AF65-F5344CB8AC3E}">
-        <p14:creationId xmlns:p14="http://schemas.microsoft.com/office/powerpoint/2010/main" val="34842526"/>
+        <p14:creationId xmlns:p14="http://schemas.microsoft.com/office/powerpoint/2010/main" val="3711970336"/>
       </p:ext>
     </p:extLst>
   </p:cSld>
@@ -9595,6 +9712,13 @@
       </p:transition>
     </mc:Fallback>
   </mc:AlternateContent>
+  <p:timing>
+    <p:tnLst>
+      <p:par>
+        <p:cTn id="1" dur="indefinite" restart="never" nodeType="tmRoot"/>
+      </p:par>
+    </p:tnLst>
+  </p:timing>
 </p:sldLayout>
 </file>
 
@@ -9651,8 +9775,8 @@
         </p:blipFill>
         <p:spPr bwMode="auto">
           <a:xfrm>
-            <a:off x="0" y="-1"/>
-            <a:ext cx="12192003" cy="6858001"/>
+            <a:off x="1" y="-1"/>
+            <a:ext cx="9144002" cy="6858001"/>
           </a:xfrm>
           <a:prstGeom prst="rect">
             <a:avLst/>
@@ -9678,9 +9802,9 @@
         <p:grpSpPr>
           <a:xfrm>
             <a:off x="-14288" y="0"/>
-            <a:ext cx="12053888" cy="6858001"/>
+            <a:ext cx="9041774" cy="6858001"/>
             <a:chOff x="-14288" y="0"/>
-            <a:chExt cx="12053888" cy="6858001"/>
+            <a:chExt cx="9041774" cy="6858001"/>
           </a:xfrm>
           <a:gradFill flip="none" rotWithShape="1">
             <a:gsLst>
@@ -11694,7 +11818,7 @@
           </p:nvGrpSpPr>
           <p:grpSpPr>
             <a:xfrm>
-              <a:off x="11364912" y="0"/>
+              <a:off x="8352798" y="0"/>
               <a:ext cx="674688" cy="6848476"/>
               <a:chOff x="11364912" y="0"/>
               <a:chExt cx="674688" cy="6848476"/>
@@ -12490,8 +12614,8 @@
         </p:nvSpPr>
         <p:spPr>
           <a:xfrm>
-            <a:off x="1141413" y="618518"/>
-            <a:ext cx="9905998" cy="1478570"/>
+            <a:off x="856060" y="618518"/>
+            <a:ext cx="7429499" cy="1478570"/>
           </a:xfrm>
           <a:prstGeom prst="rect">
             <a:avLst/>
@@ -12519,8 +12643,8 @@
         </p:nvSpPr>
         <p:spPr>
           <a:xfrm>
-            <a:off x="1141412" y="2249487"/>
-            <a:ext cx="9905999" cy="3541714"/>
+            <a:off x="856060" y="2249487"/>
+            <a:ext cx="7429499" cy="3541714"/>
           </a:xfrm>
           <a:prstGeom prst="rect">
             <a:avLst/>
@@ -12581,8 +12705,8 @@
         </p:nvSpPr>
         <p:spPr>
           <a:xfrm>
-            <a:off x="7456921" y="5883276"/>
-            <a:ext cx="2743200" cy="365125"/>
+            <a:off x="5592691" y="5883277"/>
+            <a:ext cx="2057400" cy="365125"/>
           </a:xfrm>
           <a:prstGeom prst="rect">
             <a:avLst/>
@@ -12604,7 +12728,7 @@
           <a:p>
             <a:fld id="{890B2DC0-7E56-4418-A0C4-B2612185CCB6}" type="datetime1">
               <a:rPr lang="ru-RU" smtClean="0"/>
-              <a:t>28.10.2018</a:t>
+              <a:t>03.12.2018</a:t>
             </a:fld>
             <a:endParaRPr lang="ru-RU"/>
           </a:p>
@@ -12622,8 +12746,8 @@
         </p:nvSpPr>
         <p:spPr>
           <a:xfrm>
-            <a:off x="1141411" y="5883275"/>
-            <a:ext cx="6239309" cy="365125"/>
+            <a:off x="856059" y="5883276"/>
+            <a:ext cx="4679482" cy="365125"/>
           </a:xfrm>
           <a:prstGeom prst="rect">
             <a:avLst/>
@@ -12633,7 +12757,7 @@
           <a:bodyPr vert="horz" lIns="91440" tIns="45720" rIns="91440" bIns="45720" rtlCol="0" anchor="ctr"/>
           <a:lstStyle>
             <a:lvl1pPr algn="l">
-              <a:defRPr sz="1050" cap="all" baseline="0">
+              <a:defRPr sz="1050">
                 <a:solidFill>
                   <a:schemeClr val="tx1">
                     <a:tint val="75000"/>
@@ -12659,8 +12783,8 @@
         </p:nvSpPr>
         <p:spPr>
           <a:xfrm>
-            <a:off x="10276321" y="5883274"/>
-            <a:ext cx="771089" cy="365125"/>
+            <a:off x="7707241" y="5883275"/>
+            <a:ext cx="578317" cy="365125"/>
           </a:xfrm>
           <a:prstGeom prst="rect">
             <a:avLst/>
@@ -12691,29 +12815,29 @@
     </p:spTree>
     <p:extLst>
       <p:ext uri="{BB962C8B-B14F-4D97-AF65-F5344CB8AC3E}">
-        <p14:creationId xmlns:p14="http://schemas.microsoft.com/office/powerpoint/2010/main" val="3690593836"/>
+        <p14:creationId xmlns:p14="http://schemas.microsoft.com/office/powerpoint/2010/main" val="4113840334"/>
       </p:ext>
     </p:extLst>
   </p:cSld>
   <p:clrMap bg1="dk1" tx1="lt1" bg2="dk2" tx2="lt2" accent1="accent1" accent2="accent2" accent3="accent3" accent4="accent4" accent5="accent5" accent6="accent6" hlink="hlink" folHlink="folHlink"/>
   <p:sldLayoutIdLst>
-    <p:sldLayoutId id="2147483679" r:id="rId1"/>
-    <p:sldLayoutId id="2147483680" r:id="rId2"/>
-    <p:sldLayoutId id="2147483681" r:id="rId3"/>
-    <p:sldLayoutId id="2147483682" r:id="rId4"/>
-    <p:sldLayoutId id="2147483683" r:id="rId5"/>
-    <p:sldLayoutId id="2147483684" r:id="rId6"/>
-    <p:sldLayoutId id="2147483685" r:id="rId7"/>
-    <p:sldLayoutId id="2147483686" r:id="rId8"/>
-    <p:sldLayoutId id="2147483687" r:id="rId9"/>
-    <p:sldLayoutId id="2147483688" r:id="rId10"/>
-    <p:sldLayoutId id="2147483689" r:id="rId11"/>
-    <p:sldLayoutId id="2147483690" r:id="rId12"/>
-    <p:sldLayoutId id="2147483691" r:id="rId13"/>
-    <p:sldLayoutId id="2147483692" r:id="rId14"/>
-    <p:sldLayoutId id="2147483693" r:id="rId15"/>
-    <p:sldLayoutId id="2147483694" r:id="rId16"/>
-    <p:sldLayoutId id="2147483695" r:id="rId17"/>
+    <p:sldLayoutId id="2147483697" r:id="rId1"/>
+    <p:sldLayoutId id="2147483698" r:id="rId2"/>
+    <p:sldLayoutId id="2147483699" r:id="rId3"/>
+    <p:sldLayoutId id="2147483700" r:id="rId4"/>
+    <p:sldLayoutId id="2147483701" r:id="rId5"/>
+    <p:sldLayoutId id="2147483702" r:id="rId6"/>
+    <p:sldLayoutId id="2147483703" r:id="rId7"/>
+    <p:sldLayoutId id="2147483704" r:id="rId8"/>
+    <p:sldLayoutId id="2147483705" r:id="rId9"/>
+    <p:sldLayoutId id="2147483706" r:id="rId10"/>
+    <p:sldLayoutId id="2147483707" r:id="rId11"/>
+    <p:sldLayoutId id="2147483708" r:id="rId12"/>
+    <p:sldLayoutId id="2147483709" r:id="rId13"/>
+    <p:sldLayoutId id="2147483710" r:id="rId14"/>
+    <p:sldLayoutId id="2147483711" r:id="rId15"/>
+    <p:sldLayoutId id="2147483712" r:id="rId16"/>
+    <p:sldLayoutId id="2147483713" r:id="rId17"/>
   </p:sldLayoutIdLst>
   <mc:AlternateContent xmlns:mc="http://schemas.openxmlformats.org/markup-compatibility/2006" xmlns:p14="http://schemas.microsoft.com/office/powerpoint/2010/main">
     <mc:Choice Requires="p14">
@@ -12727,6 +12851,13 @@
       </p:transition>
     </mc:Fallback>
   </mc:AlternateContent>
+  <p:timing>
+    <p:tnLst>
+      <p:par>
+        <p:cTn id="1" dur="indefinite" restart="never" nodeType="tmRoot"/>
+      </p:par>
+    </p:tnLst>
+  </p:timing>
   <p:hf hdr="0" dt="0"/>
   <p:txStyles>
     <p:titleStyle>
@@ -13045,8 +13176,8 @@
         </p:nvSpPr>
         <p:spPr>
           <a:xfrm>
-            <a:off x="1870365" y="212734"/>
-            <a:ext cx="8354290" cy="2062103"/>
+            <a:off x="1402774" y="374837"/>
+            <a:ext cx="6265718" cy="1815882"/>
           </a:xfrm>
           <a:prstGeom prst="rect">
             <a:avLst/>
@@ -13060,84 +13191,84 @@
           <a:p>
             <a:pPr algn="ctr"/>
             <a:r>
-              <a:rPr lang="ru-RU" sz="1600" dirty="0">
+              <a:rPr lang="ru-RU" sz="1400" dirty="0">
                 <a:latin typeface="+mj-lt"/>
               </a:rPr>
               <a:t>МИНИСТЕРСТВО ОБРАЗОВАНИЯ И НАУКИ</a:t>
             </a:r>
             <a:br>
-              <a:rPr lang="ru-RU" sz="1600" dirty="0">
+              <a:rPr lang="ru-RU" sz="1400" dirty="0">
                 <a:latin typeface="+mj-lt"/>
               </a:rPr>
             </a:br>
             <a:r>
-              <a:rPr lang="ru-RU" sz="1600" dirty="0">
+              <a:rPr lang="ru-RU" sz="1400" dirty="0">
                 <a:latin typeface="+mj-lt"/>
               </a:rPr>
               <a:t>РОССИЙСКОЙ ФЕДЕРАЦИИ</a:t>
             </a:r>
             <a:br>
-              <a:rPr lang="ru-RU" sz="1600" dirty="0">
+              <a:rPr lang="ru-RU" sz="1400" dirty="0">
                 <a:latin typeface="+mj-lt"/>
               </a:rPr>
             </a:br>
             <a:r>
-              <a:rPr lang="ru-RU" sz="1600" dirty="0">
+              <a:rPr lang="ru-RU" sz="1400" dirty="0">
                 <a:latin typeface="+mj-lt"/>
               </a:rPr>
               <a:t>федеральное государственное автономное образовательное</a:t>
             </a:r>
             <a:br>
-              <a:rPr lang="ru-RU" sz="1600" dirty="0">
+              <a:rPr lang="ru-RU" sz="1400" dirty="0">
                 <a:latin typeface="+mj-lt"/>
               </a:rPr>
             </a:br>
             <a:r>
-              <a:rPr lang="ru-RU" sz="1600" dirty="0">
+              <a:rPr lang="ru-RU" sz="1400" dirty="0">
                 <a:latin typeface="+mj-lt"/>
               </a:rPr>
               <a:t>учреждение высшего образования</a:t>
             </a:r>
             <a:br>
-              <a:rPr lang="ru-RU" sz="1600" dirty="0">
+              <a:rPr lang="ru-RU" sz="1400" dirty="0">
                 <a:latin typeface="+mj-lt"/>
               </a:rPr>
             </a:br>
             <a:r>
-              <a:rPr lang="ru-RU" sz="1600" dirty="0">
+              <a:rPr lang="ru-RU" sz="1400" dirty="0">
                 <a:latin typeface="+mj-lt"/>
               </a:rPr>
               <a:t>«Самарский национальный исследовательский университет</a:t>
             </a:r>
             <a:br>
-              <a:rPr lang="ru-RU" sz="1600" dirty="0">
+              <a:rPr lang="ru-RU" sz="1400" dirty="0">
                 <a:latin typeface="+mj-lt"/>
               </a:rPr>
             </a:br>
             <a:r>
-              <a:rPr lang="ru-RU" sz="1600" dirty="0">
+              <a:rPr lang="ru-RU" sz="1400" dirty="0">
                 <a:latin typeface="+mj-lt"/>
               </a:rPr>
               <a:t>имени академика С.П. Королева»</a:t>
             </a:r>
             <a:br>
-              <a:rPr lang="ru-RU" sz="1600" dirty="0">
+              <a:rPr lang="ru-RU" sz="1400" dirty="0">
                 <a:latin typeface="+mj-lt"/>
               </a:rPr>
             </a:br>
             <a:r>
-              <a:rPr lang="ru-RU" sz="1600" dirty="0">
+              <a:rPr lang="ru-RU" sz="1400" dirty="0">
                 <a:latin typeface="+mj-lt"/>
               </a:rPr>
               <a:t> институт информатики, математики и электроники</a:t>
             </a:r>
             <a:br>
-              <a:rPr lang="ru-RU" sz="1600" dirty="0">
+              <a:rPr lang="ru-RU" sz="1400" dirty="0">
                 <a:latin typeface="+mj-lt"/>
               </a:rPr>
             </a:br>
             <a:r>
-              <a:rPr lang="ru-RU" sz="1600" dirty="0">
+              <a:rPr lang="ru-RU" sz="1400" dirty="0">
                 <a:latin typeface="+mj-lt"/>
               </a:rPr>
               <a:t>факультет математики</a:t>
@@ -13153,8 +13284,8 @@
         </p:nvSpPr>
         <p:spPr>
           <a:xfrm>
-            <a:off x="5637934" y="2451809"/>
-            <a:ext cx="6096000" cy="646331"/>
+            <a:off x="4228451" y="2696107"/>
+            <a:ext cx="4572000" cy="523220"/>
           </a:xfrm>
           <a:prstGeom prst="rect">
             <a:avLst/>
@@ -13168,12 +13299,12 @@
           <a:p>
             <a:pPr algn="r"/>
             <a:r>
-              <a:rPr lang="ru-RU" dirty="0">
+              <a:rPr lang="ru-RU" sz="1400" dirty="0">
                 <a:latin typeface="+mj-lt"/>
               </a:rPr>
               <a:t>Кафедра безопасности информационных систем</a:t>
             </a:r>
-            <a:endParaRPr lang="ru-RU" dirty="0">
+            <a:endParaRPr lang="ru-RU" sz="1400" dirty="0">
               <a:solidFill>
                 <a:srgbClr val="FF0000"/>
               </a:solidFill>
@@ -13183,7 +13314,7 @@
           <a:p>
             <a:pPr algn="r"/>
             <a:r>
-              <a:rPr lang="ru-RU" dirty="0">
+              <a:rPr lang="ru-RU" sz="1400" dirty="0">
                 <a:latin typeface="+mj-lt"/>
               </a:rPr>
               <a:t>Специальность «Компьютерная безопасность»</a:t>
@@ -13199,8 +13330,8 @@
         </p:nvSpPr>
         <p:spPr>
           <a:xfrm>
-            <a:off x="2507674" y="3358239"/>
-            <a:ext cx="7716981" cy="1384995"/>
+            <a:off x="1880756" y="3597602"/>
+            <a:ext cx="5787736" cy="1200329"/>
           </a:xfrm>
           <a:prstGeom prst="rect">
             <a:avLst/>
@@ -13214,7 +13345,7 @@
           <a:p>
             <a:pPr algn="ctr"/>
             <a:r>
-              <a:rPr lang="ru-RU" sz="2800" dirty="0">
+              <a:rPr lang="ru-RU" sz="2400" dirty="0">
                 <a:latin typeface="+mj-lt"/>
               </a:rPr>
               <a:t>Проектирование и разработка веб-фильтра для обеспечения контроля доступа к сетевым ресурсам</a:t>
@@ -13230,8 +13361,8 @@
         </p:nvSpPr>
         <p:spPr>
           <a:xfrm>
-            <a:off x="6248400" y="5003333"/>
-            <a:ext cx="5804188" cy="2135969"/>
+            <a:off x="4535633" y="5053096"/>
+            <a:ext cx="4353141" cy="1885901"/>
           </a:xfrm>
           <a:prstGeom prst="rect">
             <a:avLst/>
@@ -13243,7 +13374,7 @@
           </a:bodyPr>
           <a:lstStyle/>
           <a:p>
-            <a:pPr lvl="0" algn="r" defTabSz="914400">
+            <a:pPr algn="r" defTabSz="685800">
               <a:lnSpc>
                 <a:spcPct val="90000"/>
               </a:lnSpc>
@@ -13254,7 +13385,7 @@
               <a:defRPr/>
             </a:pPr>
             <a:r>
-              <a:rPr lang="ru-RU" sz="1600" spc="200" dirty="0">
+              <a:rPr lang="ru-RU" sz="1400" spc="150" dirty="0">
                 <a:latin typeface="+mj-lt"/>
               </a:rPr>
               <a:t>Выполнил студент</a:t>
@@ -13272,13 +13403,13 @@
               <a:defRPr/>
             </a:pPr>
             <a:r>
-              <a:rPr lang="en-US" sz="1600" spc="-1" dirty="0" smtClean="0">
+              <a:rPr lang="en-US" sz="1400" spc="-1" dirty="0">
                 <a:latin typeface="+mj-lt"/>
               </a:rPr>
               <a:t>6</a:t>
             </a:r>
             <a:r>
-              <a:rPr lang="ru-RU" sz="1600" spc="-1" dirty="0" smtClean="0">
+              <a:rPr lang="ru-RU" sz="1400" spc="-1" dirty="0">
                 <a:solidFill>
                   <a:srgbClr val="FF0000"/>
                 </a:solidFill>
@@ -13287,32 +13418,26 @@
               <a:t> </a:t>
             </a:r>
             <a:r>
-              <a:rPr lang="ru-RU" sz="1600" spc="-1" dirty="0">
+              <a:rPr lang="ru-RU" sz="1400" spc="-1" dirty="0">
                 <a:latin typeface="+mj-lt"/>
               </a:rPr>
               <a:t>курса </a:t>
             </a:r>
             <a:r>
-              <a:rPr lang="en-US" sz="1600" dirty="0" smtClean="0">
+              <a:rPr lang="en-US" sz="1400" dirty="0">
                 <a:latin typeface="+mj-lt"/>
               </a:rPr>
               <a:t>6642-100501D</a:t>
             </a:r>
             <a:r>
-              <a:rPr lang="ru-RU" sz="1600" spc="-1" dirty="0" smtClean="0">
+              <a:rPr lang="ru-RU" sz="1400" spc="-1" dirty="0">
                 <a:latin typeface="+mj-lt"/>
               </a:rPr>
-              <a:t> </a:t>
-            </a:r>
-            <a:r>
-              <a:rPr lang="ru-RU" sz="1600" spc="-1" dirty="0">
-                <a:latin typeface="+mj-lt"/>
-              </a:rPr>
-              <a:t>группы</a:t>
-            </a:r>
-          </a:p>
-          <a:p>
-            <a:pPr lvl="0" algn="r" defTabSz="914400">
+              <a:t> группы</a:t>
+            </a:r>
+          </a:p>
+          <a:p>
+            <a:pPr algn="r" defTabSz="685800">
               <a:lnSpc>
                 <a:spcPct val="90000"/>
               </a:lnSpc>
@@ -13323,20 +13448,20 @@
               <a:defRPr/>
             </a:pPr>
             <a:r>
-              <a:rPr lang="ru-RU" sz="1600" spc="-1" dirty="0" err="1">
+              <a:rPr lang="ru-RU" sz="1400" spc="-1" dirty="0" err="1">
                 <a:latin typeface="+mj-lt"/>
               </a:rPr>
               <a:t>Бизин</a:t>
             </a:r>
             <a:r>
-              <a:rPr lang="ru-RU" sz="1600" spc="-1" dirty="0">
+              <a:rPr lang="ru-RU" sz="1400" spc="-1" dirty="0">
                 <a:latin typeface="+mj-lt"/>
               </a:rPr>
               <a:t> Дмитрий Алексеевич</a:t>
             </a:r>
           </a:p>
           <a:p>
-            <a:pPr marL="216000" lvl="0" indent="-216000" defTabSz="914400">
+            <a:pPr marL="162000" indent="-162000" defTabSz="685800">
               <a:lnSpc>
                 <a:spcPct val="90000"/>
               </a:lnSpc>
@@ -13347,7 +13472,7 @@
               <a:defRPr/>
             </a:pPr>
             <a:r>
-              <a:rPr lang="ru-RU" sz="1600" spc="-1" dirty="0">
+              <a:rPr lang="ru-RU" sz="1400" spc="-1" dirty="0">
                 <a:solidFill>
                   <a:srgbClr val="FF0000"/>
                 </a:solidFill>
@@ -13357,7 +13482,7 @@
             </a:r>
           </a:p>
           <a:p>
-            <a:pPr marL="216000" lvl="0" indent="-216000" algn="r" defTabSz="914400">
+            <a:pPr marL="162000" indent="-162000" algn="r" defTabSz="685800">
               <a:lnSpc>
                 <a:spcPct val="90000"/>
               </a:lnSpc>
@@ -13368,19 +13493,19 @@
               <a:defRPr/>
             </a:pPr>
             <a:r>
-              <a:rPr lang="ru-RU" sz="1600" spc="-1" dirty="0">
+              <a:rPr lang="ru-RU" sz="1400" spc="-1" dirty="0">
                 <a:latin typeface="+mj-lt"/>
               </a:rPr>
               <a:t>Научный руководитель</a:t>
             </a:r>
-            <a:endParaRPr lang="ru-RU" sz="1600" dirty="0">
+            <a:endParaRPr lang="ru-RU" sz="1400" dirty="0">
               <a:latin typeface="+mj-lt"/>
             </a:endParaRPr>
           </a:p>
           <a:p>
             <a:pPr algn="r"/>
             <a:r>
-              <a:rPr lang="ru-RU" sz="1600" dirty="0">
+              <a:rPr lang="ru-RU" sz="1400" dirty="0">
                 <a:latin typeface="+mj-lt"/>
               </a:rPr>
               <a:t>старший преподаватель кафедры БИС</a:t>
@@ -13389,20 +13514,20 @@
           <a:p>
             <a:pPr algn="r"/>
             <a:r>
-              <a:rPr lang="ru-RU" sz="1600" dirty="0" err="1">
+              <a:rPr lang="ru-RU" sz="1400" dirty="0" err="1">
                 <a:latin typeface="+mj-lt"/>
               </a:rPr>
               <a:t>Бурлов</a:t>
             </a:r>
             <a:r>
-              <a:rPr lang="ru-RU" sz="1600" dirty="0">
+              <a:rPr lang="ru-RU" sz="1400" dirty="0">
                 <a:latin typeface="+mj-lt"/>
               </a:rPr>
               <a:t> Сергей Александрович</a:t>
             </a:r>
           </a:p>
           <a:p>
-            <a:pPr lvl="0" defTabSz="914400">
+            <a:pPr defTabSz="685800">
               <a:lnSpc>
                 <a:spcPct val="90000"/>
               </a:lnSpc>
@@ -13412,12 +13537,12 @@
               <a:buSzPct val="100000"/>
               <a:defRPr/>
             </a:pPr>
-            <a:endParaRPr lang="ru-RU" sz="1600" spc="200" dirty="0">
+            <a:endParaRPr lang="ru-RU" sz="1400" spc="150" dirty="0">
               <a:latin typeface="+mj-lt"/>
             </a:endParaRPr>
           </a:p>
           <a:p>
-            <a:pPr lvl="0" defTabSz="914400">
+            <a:pPr defTabSz="685800">
               <a:lnSpc>
                 <a:spcPct val="90000"/>
               </a:lnSpc>
@@ -13427,7 +13552,7 @@
               <a:buSzPct val="100000"/>
               <a:defRPr/>
             </a:pPr>
-            <a:endParaRPr lang="ru-RU" sz="1600" spc="200" dirty="0">
+            <a:endParaRPr lang="ru-RU" sz="1400" spc="150" dirty="0">
               <a:latin typeface="+mj-lt"/>
             </a:endParaRPr>
           </a:p>
@@ -13494,12 +13619,14 @@
         </p:nvSpPr>
         <p:spPr>
           <a:xfrm>
-            <a:off x="1141413" y="253394"/>
-            <a:ext cx="9905998" cy="822355"/>
+            <a:off x="856060" y="639018"/>
+            <a:ext cx="7429499" cy="616766"/>
           </a:xfrm>
         </p:spPr>
         <p:txBody>
-          <a:bodyPr/>
+          <a:bodyPr>
+            <a:normAutofit fontScale="90000"/>
+          </a:bodyPr>
           <a:lstStyle/>
           <a:p>
             <a:pPr algn="ctr"/>
@@ -13511,8 +13638,8 @@
           </a:p>
         </p:txBody>
       </p:sp>
-      <mc:AlternateContent xmlns:mc="http://schemas.openxmlformats.org/markup-compatibility/2006">
-        <mc:Choice xmlns:a14="http://schemas.microsoft.com/office/drawing/2010/main" Requires="a14">
+      <mc:AlternateContent xmlns:mc="http://schemas.openxmlformats.org/markup-compatibility/2006" xmlns:a14="http://schemas.microsoft.com/office/drawing/2010/main">
+        <mc:Choice Requires="a14">
           <p:sp>
             <p:nvSpPr>
               <p:cNvPr id="3" name="Объект 2"/>
@@ -13525,8 +13652,8 @@
             </p:nvSpPr>
             <p:spPr>
               <a:xfrm>
-                <a:off x="942110" y="1219200"/>
-                <a:ext cx="10529454" cy="6082145"/>
+                <a:off x="720436" y="1439142"/>
+                <a:ext cx="7897091" cy="4378252"/>
               </a:xfrm>
             </p:spPr>
             <p:txBody>
@@ -13534,16 +13661,6 @@
                 <a:noAutofit/>
               </a:bodyPr>
               <a:lstStyle/>
-              <a:p>
-                <a:r>
-                  <a:rPr lang="ru-RU" dirty="0"/>
-                  <a:t>Следует отличать классификацию от </a:t>
-                </a:r>
-                <a:r>
-                  <a:rPr lang="ru-RU" dirty="0" smtClean="0"/>
-                  <a:t>кластеризации</a:t>
-                </a:r>
-              </a:p>
               <a:p>
                 <a14:m>
                   <m:oMath xmlns:m="http://schemas.openxmlformats.org/officeDocument/2006/math">
@@ -13997,95 +14114,10 @@
                   <a:t>Ф</a:t>
                 </a:r>
               </a:p>
-              <a:p>
-                <a:r>
-                  <a:rPr lang="ru-RU" dirty="0" smtClean="0"/>
-                  <a:t>Если классификатор возвращает значение из диапазона </a:t>
-                </a:r>
-                <a:r>
-                  <a:rPr lang="en-US" dirty="0" smtClean="0"/>
-                  <a:t>[0; 1]</a:t>
-                </a:r>
-                <a:r>
-                  <a:rPr lang="ru-RU" dirty="0" smtClean="0"/>
-                  <a:t> (</a:t>
-                </a:r>
-                <a:r>
-                  <a:rPr lang="ru-RU" dirty="0"/>
-                  <a:t>вероятность попадания документа </a:t>
-                </a:r>
-                <a14:m>
-                  <m:oMath xmlns:m="http://schemas.openxmlformats.org/officeDocument/2006/math">
-                    <m:sSub>
-                      <m:sSubPr>
-                        <m:ctrlPr>
-                          <a:rPr lang="ru-RU" i="1">
-                            <a:latin typeface="Cambria Math" panose="02040503050406030204" pitchFamily="18" charset="0"/>
-                          </a:rPr>
-                        </m:ctrlPr>
-                      </m:sSubPr>
-                      <m:e>
-                        <m:r>
-                          <a:rPr lang="ru-RU" i="1">
-                            <a:latin typeface="Cambria Math" panose="02040503050406030204" pitchFamily="18" charset="0"/>
-                          </a:rPr>
-                          <m:t>𝑑</m:t>
-                        </m:r>
-                      </m:e>
-                      <m:sub>
-                        <m:r>
-                          <a:rPr lang="ru-RU" i="1">
-                            <a:latin typeface="Cambria Math" panose="02040503050406030204" pitchFamily="18" charset="0"/>
-                          </a:rPr>
-                          <m:t>𝑖</m:t>
-                        </m:r>
-                      </m:sub>
-                    </m:sSub>
-                  </m:oMath>
-                </a14:m>
-                <a:r>
-                  <a:rPr lang="ru-RU" dirty="0"/>
-                  <a:t> в категорию </a:t>
-                </a:r>
-                <a14:m>
-                  <m:oMath xmlns:m="http://schemas.openxmlformats.org/officeDocument/2006/math">
-                    <m:sSub>
-                      <m:sSubPr>
-                        <m:ctrlPr>
-                          <a:rPr lang="ru-RU" i="1">
-                            <a:latin typeface="Cambria Math" panose="02040503050406030204" pitchFamily="18" charset="0"/>
-                          </a:rPr>
-                        </m:ctrlPr>
-                      </m:sSubPr>
-                      <m:e>
-                        <m:r>
-                          <a:rPr lang="ru-RU" i="1">
-                            <a:latin typeface="Cambria Math" panose="02040503050406030204" pitchFamily="18" charset="0"/>
-                          </a:rPr>
-                          <m:t>𝑐</m:t>
-                        </m:r>
-                      </m:e>
-                      <m:sub>
-                        <m:r>
-                          <a:rPr lang="ru-RU" i="1">
-                            <a:latin typeface="Cambria Math" panose="02040503050406030204" pitchFamily="18" charset="0"/>
-                          </a:rPr>
-                          <m:t>𝑗</m:t>
-                        </m:r>
-                      </m:sub>
-                    </m:sSub>
-                  </m:oMath>
-                </a14:m>
-                <a:r>
-                  <a:rPr lang="ru-RU" dirty="0" smtClean="0"/>
-                  <a:t>), то он называется вероятностным</a:t>
-                </a:r>
-                <a:endParaRPr lang="ru-RU" dirty="0"/>
-              </a:p>
             </p:txBody>
           </p:sp>
         </mc:Choice>
-        <mc:Fallback>
+        <mc:Fallback xmlns="">
           <p:sp>
             <p:nvSpPr>
               <p:cNvPr id="3" name="Объект 2"/>
@@ -14098,13 +14130,13 @@
             </p:nvSpPr>
             <p:spPr>
               <a:xfrm>
-                <a:off x="942110" y="1219200"/>
-                <a:ext cx="10529454" cy="6082145"/>
+                <a:off x="720436" y="1439142"/>
+                <a:ext cx="7897091" cy="4378252"/>
               </a:xfrm>
               <a:blipFill>
                 <a:blip r:embed="rId2"/>
                 <a:stretch>
-                  <a:fillRect l="-1216" t="-1503" r="-232"/>
+                  <a:fillRect l="-1543" t="-1393"/>
                 </a:stretch>
               </a:blipFill>
             </p:spPr>
@@ -14135,8 +14167,8 @@
         </p:nvSpPr>
         <p:spPr>
           <a:xfrm>
-            <a:off x="10276322" y="6248398"/>
-            <a:ext cx="771089" cy="365125"/>
+            <a:off x="7707242" y="6000752"/>
+            <a:ext cx="578317" cy="273844"/>
           </a:xfrm>
         </p:spPr>
         <p:txBody>
@@ -14144,7 +14176,7 @@
           <a:lstStyle/>
           <a:p>
             <a:fld id="{1C4D5114-E5B0-41F9-82DF-C29AB2C90EE3}" type="slidenum">
-              <a:rPr lang="ru-RU" sz="1600" smtClean="0"/>
+              <a:rPr lang="ru-RU" sz="1600"/>
               <a:t>10</a:t>
             </a:fld>
             <a:endParaRPr lang="ru-RU" sz="1600" dirty="0"/>
@@ -14212,8 +14244,8 @@
         </p:nvSpPr>
         <p:spPr>
           <a:xfrm>
-            <a:off x="1141412" y="369136"/>
-            <a:ext cx="9905998" cy="891627"/>
+            <a:off x="856059" y="690757"/>
+            <a:ext cx="7429499" cy="668720"/>
           </a:xfrm>
         </p:spPr>
         <p:txBody>
@@ -14243,76 +14275,89 @@
         </p:nvSpPr>
         <p:spPr>
           <a:xfrm>
-            <a:off x="1141412" y="1468582"/>
-            <a:ext cx="10094624" cy="4876800"/>
+            <a:off x="540327" y="1723160"/>
+            <a:ext cx="8257308" cy="4037560"/>
           </a:xfrm>
         </p:spPr>
         <p:txBody>
           <a:bodyPr>
-            <a:normAutofit/>
+            <a:noAutofit/>
           </a:bodyPr>
           <a:lstStyle/>
           <a:p>
             <a:r>
-              <a:rPr lang="ru-RU" sz="2500" dirty="0" smtClean="0"/>
+              <a:rPr lang="ru-RU" dirty="0"/>
               <a:t>Вероятностный алгоритм классификации</a:t>
             </a:r>
           </a:p>
           <a:p>
             <a:r>
-              <a:rPr lang="ru-RU" sz="2500" dirty="0" smtClean="0"/>
-              <a:t>Относится к категории алгоритмов машинного обучения с учителем (алгоритм учится на обучающей выборке данных)</a:t>
-            </a:r>
-          </a:p>
-          <a:p>
-            <a:r>
-              <a:rPr lang="ru-RU" sz="2500" dirty="0" smtClean="0"/>
-              <a:t>Обучающая выборка </a:t>
-            </a:r>
-            <a:r>
-              <a:rPr lang="ru-RU" sz="2500" dirty="0" smtClean="0"/>
-              <a:t>–</a:t>
-            </a:r>
-            <a:r>
-              <a:rPr lang="en-US" sz="2500" dirty="0" smtClean="0"/>
+              <a:rPr lang="ru-RU" dirty="0"/>
+              <a:t>Относится к категории алгоритмов машинного обучения с </a:t>
+            </a:r>
+            <a:r>
+              <a:rPr lang="ru-RU" dirty="0" smtClean="0"/>
+              <a:t>учителем</a:t>
+            </a:r>
+          </a:p>
+          <a:p>
+            <a:r>
+              <a:rPr lang="ru-RU" dirty="0" smtClean="0"/>
+              <a:t>Обучающая </a:t>
+            </a:r>
+            <a:r>
+              <a:rPr lang="ru-RU" dirty="0"/>
+              <a:t>выборка –</a:t>
+            </a:r>
+            <a:r>
+              <a:rPr lang="en-US" dirty="0"/>
               <a:t> </a:t>
             </a:r>
             <a:r>
-              <a:rPr lang="ru-RU" sz="2500" dirty="0" smtClean="0"/>
-              <a:t>это </a:t>
-            </a:r>
-            <a:r>
-              <a:rPr lang="ru-RU" sz="2500" dirty="0" smtClean="0"/>
-              <a:t>карта (отображение) ключевое слово -</a:t>
-            </a:r>
-            <a:r>
-              <a:rPr lang="en-US" sz="2500" dirty="0" smtClean="0"/>
+              <a:rPr lang="ru-RU" dirty="0"/>
+              <a:t>это карта (отображение) ключевое слово -</a:t>
+            </a:r>
+            <a:r>
+              <a:rPr lang="en-US" dirty="0"/>
               <a:t>&gt;</a:t>
             </a:r>
             <a:r>
-              <a:rPr lang="ru-RU" sz="2500" dirty="0" smtClean="0"/>
+              <a:rPr lang="ru-RU" dirty="0"/>
               <a:t> категория</a:t>
             </a:r>
           </a:p>
           <a:p>
             <a:r>
-              <a:rPr lang="ru-RU" sz="2500" dirty="0" smtClean="0"/>
-              <a:t>На вход алгоритму передается множество слов (предварительно обработанный контент веб-страницы)</a:t>
-            </a:r>
-          </a:p>
-          <a:p>
-            <a:r>
-              <a:rPr lang="ru-RU" sz="2500" dirty="0" smtClean="0"/>
-              <a:t>Алгоритм возвращает карту категория </a:t>
-            </a:r>
-            <a:r>
-              <a:rPr lang="en-US" sz="2500" dirty="0" smtClean="0"/>
+              <a:rPr lang="ru-RU" dirty="0"/>
+              <a:t>На вход алгоритму передается </a:t>
+            </a:r>
+            <a:r>
+              <a:rPr lang="ru-RU" dirty="0" smtClean="0"/>
+              <a:t>текст</a:t>
+            </a:r>
+          </a:p>
+          <a:p>
+            <a:r>
+              <a:rPr lang="ru-RU" dirty="0" smtClean="0"/>
+              <a:t>Алгоритм </a:t>
+            </a:r>
+            <a:r>
+              <a:rPr lang="ru-RU" dirty="0"/>
+              <a:t>возвращает карту категория </a:t>
+            </a:r>
+            <a:r>
+              <a:rPr lang="en-US" dirty="0"/>
               <a:t>-&gt; </a:t>
             </a:r>
             <a:r>
-              <a:rPr lang="ru-RU" sz="2500" dirty="0" smtClean="0"/>
-              <a:t>вероятность попадания веб-страницы в данную категорию</a:t>
-            </a:r>
+              <a:rPr lang="ru-RU" dirty="0"/>
+              <a:t>вероятность попадания </a:t>
+            </a:r>
+            <a:r>
+              <a:rPr lang="ru-RU" dirty="0" smtClean="0"/>
+              <a:t>текста в эту категорию</a:t>
+            </a:r>
+            <a:endParaRPr lang="ru-RU" dirty="0"/>
           </a:p>
         </p:txBody>
       </p:sp>
@@ -14328,8 +14373,8 @@
         </p:nvSpPr>
         <p:spPr>
           <a:xfrm>
-            <a:off x="10276321" y="6245946"/>
-            <a:ext cx="771089" cy="365125"/>
+            <a:off x="7707241" y="5971201"/>
+            <a:ext cx="578317" cy="273844"/>
           </a:xfrm>
         </p:spPr>
         <p:txBody>
@@ -14337,7 +14382,7 @@
           <a:lstStyle/>
           <a:p>
             <a:fld id="{1C4D5114-E5B0-41F9-82DF-C29AB2C90EE3}" type="slidenum">
-              <a:rPr lang="ru-RU" sz="1600" smtClean="0"/>
+              <a:rPr lang="ru-RU" sz="1600"/>
               <a:t>11</a:t>
             </a:fld>
             <a:endParaRPr lang="ru-RU" sz="1600" dirty="0"/>
@@ -14393,6 +14438,62 @@
           <a:chExt cx="0" cy="0"/>
         </a:xfrm>
       </p:grpSpPr>
+      <p:sp>
+        <p:nvSpPr>
+          <p:cNvPr id="2" name="Заголовок 1"/>
+          <p:cNvSpPr>
+            <a:spLocks noGrp="1"/>
+          </p:cNvSpPr>
+          <p:nvPr>
+            <p:ph type="title"/>
+          </p:nvPr>
+        </p:nvSpPr>
+        <p:spPr>
+          <a:xfrm>
+            <a:off x="856059" y="413730"/>
+            <a:ext cx="7429499" cy="1276525"/>
+          </a:xfrm>
+        </p:spPr>
+        <p:txBody>
+          <a:bodyPr/>
+          <a:lstStyle/>
+          <a:p>
+            <a:pPr algn="ctr"/>
+            <a:r>
+              <a:rPr lang="ru-RU" dirty="0"/>
+              <a:t>Наивный байесовский классификатор</a:t>
+            </a:r>
+          </a:p>
+        </p:txBody>
+      </p:sp>
+      <p:sp>
+        <p:nvSpPr>
+          <p:cNvPr id="5" name="Номер слайда 4"/>
+          <p:cNvSpPr>
+            <a:spLocks noGrp="1"/>
+          </p:cNvSpPr>
+          <p:nvPr>
+            <p:ph type="sldNum" sz="quarter" idx="12"/>
+          </p:nvPr>
+        </p:nvSpPr>
+        <p:spPr>
+          <a:xfrm>
+            <a:off x="7707241" y="6166304"/>
+            <a:ext cx="578317" cy="365125"/>
+          </a:xfrm>
+        </p:spPr>
+        <p:txBody>
+          <a:bodyPr/>
+          <a:lstStyle/>
+          <a:p>
+            <a:fld id="{1C4D5114-E5B0-41F9-82DF-C29AB2C90EE3}" type="slidenum">
+              <a:rPr lang="ru-RU" sz="1600"/>
+              <a:t>12</a:t>
+            </a:fld>
+            <a:endParaRPr lang="ru-RU" sz="1600" dirty="0"/>
+          </a:p>
+        </p:txBody>
+      </p:sp>
       <mc:AlternateContent xmlns:mc="http://schemas.openxmlformats.org/markup-compatibility/2006" xmlns:a14="http://schemas.microsoft.com/office/drawing/2010/main">
         <mc:Choice Requires="a14">
           <p:sp>
@@ -14402,18 +14503,18 @@
                 <a:spLocks noGrp="1"/>
               </p:cNvSpPr>
               <p:nvPr>
-                <p:ph idx="1"/>
+                <p:ph idx="4294967295"/>
               </p:nvPr>
             </p:nvSpPr>
             <p:spPr>
               <a:xfrm>
-                <a:off x="803564" y="401782"/>
-                <a:ext cx="10257700" cy="5846617"/>
+                <a:off x="580501" y="1567509"/>
+                <a:ext cx="7980614" cy="4963920"/>
               </a:xfrm>
             </p:spPr>
             <p:txBody>
               <a:bodyPr>
-                <a:normAutofit lnSpcReduction="10000"/>
+                <a:noAutofit/>
               </a:bodyPr>
               <a:lstStyle/>
               <a:p>
@@ -14424,7 +14525,7 @@
                 <a14:m>
                   <m:oMath xmlns:m="http://schemas.openxmlformats.org/officeDocument/2006/math">
                     <m:r>
-                      <a:rPr lang="ru-RU" i="1">
+                      <a:rPr lang="ru-RU" i="1" smtClean="0">
                         <a:latin typeface="Cambria Math" panose="02040503050406030204" pitchFamily="18" charset="0"/>
                       </a:rPr>
                       <m:t>𝑃</m:t>
@@ -14432,7 +14533,7 @@
                     <m:d>
                       <m:dPr>
                         <m:ctrlPr>
-                          <a:rPr lang="ru-RU" i="1">
+                          <a:rPr lang="ru-RU" i="1" smtClean="0">
                             <a:latin typeface="Cambria Math" panose="02040503050406030204" pitchFamily="18" charset="0"/>
                           </a:rPr>
                         </m:ctrlPr>
@@ -14466,7 +14567,7 @@
                       </m:e>
                       <m:e>
                         <m:r>
-                          <a:rPr lang="ru-RU" i="1">
+                          <a:rPr lang="ru-RU" i="1" smtClean="0">
                             <a:latin typeface="Cambria Math" panose="02040503050406030204" pitchFamily="18" charset="0"/>
                           </a:rPr>
                           <m:t>𝑑</m:t>
@@ -14477,15 +14578,7 @@
                 </a14:m>
                 <a:r>
                   <a:rPr lang="ru-RU" dirty="0" smtClean="0"/>
-                  <a:t> </a:t>
-                </a:r>
-                <a:r>
-                  <a:rPr lang="ru-RU" dirty="0"/>
-                  <a:t>–</a:t>
-                </a:r>
-                <a:r>
-                  <a:rPr lang="ru-RU" dirty="0" smtClean="0"/>
-                  <a:t> вероятность того, что документ </a:t>
+                  <a:t> – вероятность того, что документ </a:t>
                 </a:r>
                 <a:r>
                   <a:rPr lang="en-US" i="1" dirty="0" smtClean="0"/>
@@ -14508,7 +14601,7 @@
                     <m:sSub>
                       <m:sSubPr>
                         <m:ctrlPr>
-                          <a:rPr lang="ru-RU" i="1">
+                          <a:rPr lang="ru-RU" i="1" smtClean="0">
                             <a:latin typeface="Cambria Math" panose="02040503050406030204" pitchFamily="18" charset="0"/>
                           </a:rPr>
                         </m:ctrlPr>
@@ -14582,98 +14675,11 @@
               <a:p>
                 <a:r>
                   <a:rPr lang="ru-RU" dirty="0" smtClean="0"/>
-                  <a:t>Задача классификатора заключается в том, чтобы подобрать </a:t>
+                  <a:t>Задача найти</a:t>
                 </a:r>
-                <a14:m>
-                  <m:oMath xmlns:m="http://schemas.openxmlformats.org/officeDocument/2006/math">
-                    <m:sSub>
-                      <m:sSubPr>
-                        <m:ctrlPr>
-                          <a:rPr lang="ru-RU" i="1">
-                            <a:latin typeface="Cambria Math" panose="02040503050406030204" pitchFamily="18" charset="0"/>
-                          </a:rPr>
-                        </m:ctrlPr>
-                      </m:sSubPr>
-                      <m:e>
-                        <m:r>
-                          <a:rPr lang="ru-RU" i="1">
-                            <a:latin typeface="Cambria Math" panose="02040503050406030204" pitchFamily="18" charset="0"/>
-                          </a:rPr>
-                          <m:t>𝑐</m:t>
-                        </m:r>
-                      </m:e>
-                      <m:sub>
-                        <m:r>
-                          <a:rPr lang="ru-RU" i="1">
-                            <a:latin typeface="Cambria Math" panose="02040503050406030204" pitchFamily="18" charset="0"/>
-                          </a:rPr>
-                          <m:t>𝑖</m:t>
-                        </m:r>
-                      </m:sub>
-                    </m:sSub>
-                  </m:oMath>
-                </a14:m>
                 <a:r>
-                  <a:rPr lang="ru-RU" dirty="0" smtClean="0"/>
-                  <a:t>, при котором значение </a:t>
-                </a:r>
-                <a14:m>
-                  <m:oMath xmlns:m="http://schemas.openxmlformats.org/officeDocument/2006/math">
-                    <m:r>
-                      <a:rPr lang="ru-RU" i="1">
-                        <a:latin typeface="Cambria Math" panose="02040503050406030204" pitchFamily="18" charset="0"/>
-                      </a:rPr>
-                      <m:t>𝑃</m:t>
-                    </m:r>
-                    <m:d>
-                      <m:dPr>
-                        <m:ctrlPr>
-                          <a:rPr lang="ru-RU" i="1">
-                            <a:latin typeface="Cambria Math" panose="02040503050406030204" pitchFamily="18" charset="0"/>
-                          </a:rPr>
-                        </m:ctrlPr>
-                      </m:dPr>
-                      <m:e>
-                        <m:sSub>
-                          <m:sSubPr>
-                            <m:ctrlPr>
-                              <a:rPr lang="ru-RU" i="1">
-                                <a:latin typeface="Cambria Math" panose="02040503050406030204" pitchFamily="18" charset="0"/>
-                              </a:rPr>
-                            </m:ctrlPr>
-                          </m:sSubPr>
-                          <m:e>
-                            <m:r>
-                              <a:rPr lang="ru-RU" i="1">
-                                <a:latin typeface="Cambria Math" panose="02040503050406030204" pitchFamily="18" charset="0"/>
-                              </a:rPr>
-                              <m:t>𝑐</m:t>
-                            </m:r>
-                          </m:e>
-                          <m:sub>
-                            <m:r>
-                              <a:rPr lang="ru-RU" i="1">
-                                <a:latin typeface="Cambria Math" panose="02040503050406030204" pitchFamily="18" charset="0"/>
-                              </a:rPr>
-                              <m:t>𝑖</m:t>
-                            </m:r>
-                          </m:sub>
-                        </m:sSub>
-                      </m:e>
-                      <m:e>
-                        <m:r>
-                          <a:rPr lang="ru-RU" i="1">
-                            <a:latin typeface="Cambria Math" panose="02040503050406030204" pitchFamily="18" charset="0"/>
-                          </a:rPr>
-                          <m:t>𝑑</m:t>
-                        </m:r>
-                      </m:e>
-                    </m:d>
-                  </m:oMath>
-                </a14:m>
-                <a:r>
-                  <a:rPr lang="ru-RU" dirty="0" smtClean="0"/>
-                  <a:t> будет максимальным, т.е. найти </a:t>
+                  <a:rPr lang="en-US" dirty="0" smtClean="0"/>
+                  <a:t> </a:t>
                 </a:r>
                 <a14:m>
                   <m:oMath xmlns:m="http://schemas.openxmlformats.org/officeDocument/2006/math">
@@ -14681,27 +14687,21 @@
                       <m:rPr>
                         <m:sty m:val="p"/>
                       </m:rPr>
-                      <a:rPr lang="en-US">
+                      <a:rPr lang="en-US" b="0" i="0" smtClean="0">
                         <a:latin typeface="Cambria Math" panose="02040503050406030204" pitchFamily="18" charset="0"/>
                       </a:rPr>
                       <m:t>arg</m:t>
                     </m:r>
                     <m:r>
-                      <a:rPr lang="en-US" i="1" smtClean="0">
+                      <a:rPr lang="en-US" b="0" i="1" smtClean="0">
                         <a:latin typeface="Cambria Math" panose="02040503050406030204" pitchFamily="18" charset="0"/>
                       </a:rPr>
-                      <m:t> </m:t>
-                    </m:r>
-                    <m:r>
-                      <a:rPr lang="en-US" i="1">
-                        <a:latin typeface="Cambria Math" panose="02040503050406030204" pitchFamily="18" charset="0"/>
-                      </a:rPr>
-                      <m:t>(</m:t>
+                      <m:t>⁡(</m:t>
                     </m:r>
                     <m:func>
                       <m:funcPr>
                         <m:ctrlPr>
-                          <a:rPr lang="ru-RU" i="1">
+                          <a:rPr lang="en-US" b="0" i="1" smtClean="0">
                             <a:latin typeface="Cambria Math" panose="02040503050406030204" pitchFamily="18" charset="0"/>
                           </a:rPr>
                         </m:ctrlPr>
@@ -14710,7 +14710,7 @@
                         <m:limLow>
                           <m:limLowPr>
                             <m:ctrlPr>
-                              <a:rPr lang="ru-RU" i="1">
+                              <a:rPr lang="en-US" b="0" i="1" smtClean="0">
                                 <a:latin typeface="Cambria Math" panose="02040503050406030204" pitchFamily="18" charset="0"/>
                               </a:rPr>
                             </m:ctrlPr>
@@ -14720,7 +14720,7 @@
                               <m:rPr>
                                 <m:sty m:val="p"/>
                               </m:rPr>
-                              <a:rPr lang="en-US">
+                              <a:rPr lang="en-US" b="0" i="0" smtClean="0">
                                 <a:latin typeface="Cambria Math" panose="02040503050406030204" pitchFamily="18" charset="0"/>
                               </a:rPr>
                               <m:t>max</m:t>
@@ -14730,14 +14730,14 @@
                             <m:sSub>
                               <m:sSubPr>
                                 <m:ctrlPr>
-                                  <a:rPr lang="ru-RU" i="1">
+                                  <a:rPr lang="en-US" b="0" i="1" smtClean="0">
                                     <a:latin typeface="Cambria Math" panose="02040503050406030204" pitchFamily="18" charset="0"/>
                                   </a:rPr>
                                 </m:ctrlPr>
                               </m:sSubPr>
                               <m:e>
                                 <m:r>
-                                  <a:rPr lang="en-US" i="1">
+                                  <a:rPr lang="en-US" b="0" i="1" smtClean="0">
                                     <a:latin typeface="Cambria Math" panose="02040503050406030204" pitchFamily="18" charset="0"/>
                                   </a:rPr>
                                   <m:t>𝑐</m:t>
@@ -14745,7 +14745,7 @@
                               </m:e>
                               <m:sub>
                                 <m:r>
-                                  <a:rPr lang="en-US" i="1">
+                                  <a:rPr lang="en-US" b="0" i="1" smtClean="0">
                                     <a:latin typeface="Cambria Math" panose="02040503050406030204" pitchFamily="18" charset="0"/>
                                   </a:rPr>
                                   <m:t>𝑖</m:t>
@@ -14757,59 +14757,64 @@
                       </m:fName>
                       <m:e>
                         <m:r>
-                          <a:rPr lang="ru-RU" i="1">
+                          <a:rPr lang="en-US" b="0" i="1" smtClean="0">
                             <a:latin typeface="Cambria Math" panose="02040503050406030204" pitchFamily="18" charset="0"/>
                           </a:rPr>
                           <m:t>𝑃</m:t>
                         </m:r>
-                        <m:d>
-                          <m:dPr>
+                        <m:r>
+                          <a:rPr lang="en-US" b="0" i="1" smtClean="0">
+                            <a:latin typeface="Cambria Math" panose="02040503050406030204" pitchFamily="18" charset="0"/>
+                          </a:rPr>
+                          <m:t>(</m:t>
+                        </m:r>
+                        <m:sSub>
+                          <m:sSubPr>
                             <m:ctrlPr>
-                              <a:rPr lang="ru-RU" i="1">
+                              <a:rPr lang="en-US" b="0" i="1" smtClean="0">
                                 <a:latin typeface="Cambria Math" panose="02040503050406030204" pitchFamily="18" charset="0"/>
                               </a:rPr>
                             </m:ctrlPr>
-                          </m:dPr>
-                          <m:e>
-                            <m:sSub>
-                              <m:sSubPr>
-                                <m:ctrlPr>
-                                  <a:rPr lang="ru-RU" i="1">
-                                    <a:latin typeface="Cambria Math" panose="02040503050406030204" pitchFamily="18" charset="0"/>
-                                  </a:rPr>
-                                </m:ctrlPr>
-                              </m:sSubPr>
-                              <m:e>
-                                <m:r>
-                                  <a:rPr lang="ru-RU" i="1">
-                                    <a:latin typeface="Cambria Math" panose="02040503050406030204" pitchFamily="18" charset="0"/>
-                                  </a:rPr>
-                                  <m:t>𝑐</m:t>
-                                </m:r>
-                              </m:e>
-                              <m:sub>
-                                <m:r>
-                                  <a:rPr lang="ru-RU" i="1">
-                                    <a:latin typeface="Cambria Math" panose="02040503050406030204" pitchFamily="18" charset="0"/>
-                                  </a:rPr>
-                                  <m:t>𝑖</m:t>
-                                </m:r>
-                              </m:sub>
-                            </m:sSub>
-                          </m:e>
+                          </m:sSubPr>
                           <m:e>
                             <m:r>
-                              <a:rPr lang="ru-RU" i="1">
+                              <a:rPr lang="en-US" b="0" i="1" smtClean="0">
                                 <a:latin typeface="Cambria Math" panose="02040503050406030204" pitchFamily="18" charset="0"/>
                               </a:rPr>
-                              <m:t>𝑑</m:t>
+                              <m:t>𝑐</m:t>
                             </m:r>
                           </m:e>
-                        </m:d>
+                          <m:sub>
+                            <m:r>
+                              <a:rPr lang="en-US" b="0" i="1" smtClean="0">
+                                <a:latin typeface="Cambria Math" panose="02040503050406030204" pitchFamily="18" charset="0"/>
+                              </a:rPr>
+                              <m:t>𝑖</m:t>
+                            </m:r>
+                          </m:sub>
+                        </m:sSub>
+                        <m:r>
+                          <a:rPr lang="en-US" b="0" i="1" smtClean="0">
+                            <a:latin typeface="Cambria Math" panose="02040503050406030204" pitchFamily="18" charset="0"/>
+                          </a:rPr>
+                          <m:t>|</m:t>
+                        </m:r>
+                        <m:r>
+                          <a:rPr lang="en-US" b="0" i="1" smtClean="0">
+                            <a:latin typeface="Cambria Math" panose="02040503050406030204" pitchFamily="18" charset="0"/>
+                          </a:rPr>
+                          <m:t>𝑑</m:t>
+                        </m:r>
+                        <m:r>
+                          <a:rPr lang="en-US" b="0" i="1" smtClean="0">
+                            <a:latin typeface="Cambria Math" panose="02040503050406030204" pitchFamily="18" charset="0"/>
+                          </a:rPr>
+                          <m:t>)</m:t>
+                        </m:r>
                       </m:e>
                     </m:func>
                     <m:r>
-                      <a:rPr lang="en-US" i="1">
+                      <a:rPr lang="en-US" b="0" i="1" smtClean="0">
                         <a:latin typeface="Cambria Math" panose="02040503050406030204" pitchFamily="18" charset="0"/>
                       </a:rPr>
                       <m:t>)</m:t>
@@ -15033,117 +15038,11 @@
               <a:p>
                 <a:r>
                   <a:rPr lang="ru-RU" dirty="0" smtClean="0"/>
-                  <a:t>Вычисление </a:t>
-                </a:r>
-                <a14:m>
-                  <m:oMath xmlns:m="http://schemas.openxmlformats.org/officeDocument/2006/math">
-                    <m:r>
-                      <a:rPr lang="ru-RU" i="1">
-                        <a:latin typeface="Cambria Math" panose="02040503050406030204" pitchFamily="18" charset="0"/>
-                      </a:rPr>
-                      <m:t>𝑃</m:t>
-                    </m:r>
-                    <m:r>
-                      <a:rPr lang="ru-RU" i="1">
-                        <a:latin typeface="Cambria Math" panose="02040503050406030204" pitchFamily="18" charset="0"/>
-                      </a:rPr>
-                      <m:t>(</m:t>
-                    </m:r>
-                    <m:r>
-                      <a:rPr lang="ru-RU" i="1">
-                        <a:latin typeface="Cambria Math" panose="02040503050406030204" pitchFamily="18" charset="0"/>
-                      </a:rPr>
-                      <m:t>𝑑</m:t>
-                    </m:r>
-                    <m:r>
-                      <a:rPr lang="ru-RU" i="1">
-                        <a:latin typeface="Cambria Math" panose="02040503050406030204" pitchFamily="18" charset="0"/>
-                      </a:rPr>
-                      <m:t>|</m:t>
-                    </m:r>
-                    <m:sSub>
-                      <m:sSubPr>
-                        <m:ctrlPr>
-                          <a:rPr lang="ru-RU" i="1">
-                            <a:latin typeface="Cambria Math" panose="02040503050406030204" pitchFamily="18" charset="0"/>
-                          </a:rPr>
-                        </m:ctrlPr>
-                      </m:sSubPr>
-                      <m:e>
-                        <m:r>
-                          <a:rPr lang="ru-RU" i="1">
-                            <a:latin typeface="Cambria Math" panose="02040503050406030204" pitchFamily="18" charset="0"/>
-                          </a:rPr>
-                          <m:t>𝑐</m:t>
-                        </m:r>
-                      </m:e>
-                      <m:sub>
-                        <m:r>
-                          <a:rPr lang="ru-RU" i="1">
-                            <a:latin typeface="Cambria Math" panose="02040503050406030204" pitchFamily="18" charset="0"/>
-                          </a:rPr>
-                          <m:t>𝑖</m:t>
-                        </m:r>
-                      </m:sub>
-                    </m:sSub>
-                    <m:r>
-                      <a:rPr lang="ru-RU" i="1">
-                        <a:latin typeface="Cambria Math" panose="02040503050406030204" pitchFamily="18" charset="0"/>
-                      </a:rPr>
-                      <m:t>)</m:t>
-                    </m:r>
-                  </m:oMath>
-                </a14:m>
-                <a:r>
-                  <a:rPr lang="en-US" dirty="0" smtClean="0"/>
-                  <a:t> </a:t>
-                </a:r>
-                <a:r>
-                  <a:rPr lang="ru-RU" dirty="0" smtClean="0"/>
-                  <a:t>затруднительно из-за большого количества слов документа </a:t>
-                </a:r>
-                <a14:m>
-                  <m:oMath xmlns:m="http://schemas.openxmlformats.org/officeDocument/2006/math">
-                    <m:sSub>
-                      <m:sSubPr>
-                        <m:ctrlPr>
-                          <a:rPr lang="ru-RU" i="1">
-                            <a:latin typeface="Cambria Math" panose="02040503050406030204" pitchFamily="18" charset="0"/>
-                          </a:rPr>
-                        </m:ctrlPr>
-                      </m:sSubPr>
-                      <m:e>
-                        <m:r>
-                          <a:rPr lang="en-US" i="1">
-                            <a:latin typeface="Cambria Math" panose="02040503050406030204" pitchFamily="18" charset="0"/>
-                          </a:rPr>
-                          <m:t>𝑡</m:t>
-                        </m:r>
-                      </m:e>
-                      <m:sub>
-                        <m:r>
-                          <a:rPr lang="en-US" i="1">
-                            <a:latin typeface="Cambria Math" panose="02040503050406030204" pitchFamily="18" charset="0"/>
-                          </a:rPr>
-                          <m:t>𝑗</m:t>
-                        </m:r>
-                      </m:sub>
-                    </m:sSub>
-                  </m:oMath>
-                </a14:m>
-                <a:r>
-                  <a:rPr lang="ru-RU" dirty="0" smtClean="0"/>
-                  <a:t>, поэтому делается «наивное» предположение об их попарной независимости</a:t>
-                </a:r>
-              </a:p>
-              <a:p>
-                <a:r>
-                  <a:rPr lang="ru-RU" dirty="0" smtClean="0"/>
-                  <a:t>Тогда можно воспользоваться формулой</a:t>
+                  <a:t>«Наивное» предположение о попарной независимости слов документа </a:t>
                 </a:r>
                 <a:r>
                   <a:rPr lang="en-US" dirty="0" smtClean="0"/>
-                  <a:t>: </a:t>
+                  <a:t>=&gt; </a:t>
                 </a:r>
                 <a14:m>
                   <m:oMath xmlns:m="http://schemas.openxmlformats.org/officeDocument/2006/math">
@@ -15324,18 +15223,18 @@
                 <a:spLocks noGrp="1" noRot="1" noChangeAspect="1" noMove="1" noResize="1" noEditPoints="1" noAdjustHandles="1" noChangeArrowheads="1" noChangeShapeType="1" noTextEdit="1"/>
               </p:cNvSpPr>
               <p:nvPr>
-                <p:ph idx="1"/>
+                <p:ph idx="4294967295"/>
               </p:nvPr>
             </p:nvSpPr>
             <p:spPr>
               <a:xfrm>
-                <a:off x="803564" y="401782"/>
-                <a:ext cx="10257700" cy="5846617"/>
+                <a:off x="580501" y="1567509"/>
+                <a:ext cx="7980614" cy="4963920"/>
               </a:xfrm>
               <a:blipFill>
                 <a:blip r:embed="rId2"/>
                 <a:stretch>
-                  <a:fillRect l="-1248" t="-1564" r="-1367" b="-14494"/>
+                  <a:fillRect l="-2979" t="-1720" b="-18428"/>
                 </a:stretch>
               </a:blipFill>
             </p:spPr>
@@ -15356,29 +15255,127 @@
       </mc:AlternateContent>
       <p:sp>
         <p:nvSpPr>
-          <p:cNvPr id="5" name="Номер слайда 4"/>
+          <p:cNvPr id="4" name="Rectangle 2"/>
           <p:cNvSpPr>
-            <a:spLocks noGrp="1"/>
+            <a:spLocks noChangeArrowheads="1"/>
           </p:cNvSpPr>
-          <p:nvPr>
-            <p:ph type="sldNum" sz="quarter" idx="12"/>
-          </p:nvPr>
+          <p:nvPr/>
         </p:nvSpPr>
-        <p:spPr>
+        <p:spPr bwMode="auto">
           <a:xfrm>
-            <a:off x="10290175" y="6248399"/>
-            <a:ext cx="771089" cy="365125"/>
+            <a:off x="0" y="0"/>
+            <a:ext cx="9144000" cy="0"/>
           </a:xfrm>
+          <a:prstGeom prst="rect">
+            <a:avLst/>
+          </a:prstGeom>
+          <a:noFill/>
+          <a:ln>
+            <a:noFill/>
+          </a:ln>
+          <a:effectLst/>
+          <a:extLst>
+            <a:ext uri="{909E8E84-426E-40DD-AFC4-6F175D3DCCD1}">
+              <a14:hiddenFill xmlns:a14="http://schemas.microsoft.com/office/drawing/2010/main">
+                <a:solidFill>
+                  <a:schemeClr val="accent1"/>
+                </a:solidFill>
+              </a14:hiddenFill>
+            </a:ext>
+            <a:ext uri="{91240B29-F687-4F45-9708-019B960494DF}">
+              <a14:hiddenLine xmlns:a14="http://schemas.microsoft.com/office/drawing/2010/main" w="9525">
+                <a:solidFill>
+                  <a:schemeClr val="tx1"/>
+                </a:solidFill>
+                <a:miter lim="800000"/>
+                <a:headEnd/>
+                <a:tailEnd/>
+              </a14:hiddenLine>
+            </a:ext>
+            <a:ext uri="{AF507438-7753-43E0-B8FC-AC1667EBCBE1}">
+              <a14:hiddenEffects xmlns:a14="http://schemas.microsoft.com/office/drawing/2010/main">
+                <a:effectLst>
+                  <a:outerShdw dist="35921" dir="2700000" algn="ctr" rotWithShape="0">
+                    <a:schemeClr val="bg2"/>
+                  </a:outerShdw>
+                </a:effectLst>
+              </a14:hiddenEffects>
+            </a:ext>
+          </a:extLst>
         </p:spPr>
         <p:txBody>
-          <a:bodyPr/>
+          <a:bodyPr vert="horz" wrap="none" lIns="91440" tIns="45720" rIns="91440" bIns="45720" numCol="1" anchor="ctr" anchorCtr="0" compatLnSpc="1">
+            <a:prstTxWarp prst="textNoShape">
+              <a:avLst/>
+            </a:prstTxWarp>
+            <a:spAutoFit/>
+          </a:bodyPr>
           <a:lstStyle/>
           <a:p>
-            <a:fld id="{1C4D5114-E5B0-41F9-82DF-C29AB2C90EE3}" type="slidenum">
-              <a:rPr lang="ru-RU" sz="1600" smtClean="0"/>
-              <a:t>12</a:t>
-            </a:fld>
-            <a:endParaRPr lang="ru-RU" sz="1600" dirty="0"/>
+            <a:endParaRPr lang="ru-RU"/>
+          </a:p>
+        </p:txBody>
+      </p:sp>
+      <p:sp>
+        <p:nvSpPr>
+          <p:cNvPr id="7" name="Rectangle 5"/>
+          <p:cNvSpPr>
+            <a:spLocks noChangeArrowheads="1"/>
+          </p:cNvSpPr>
+          <p:nvPr/>
+        </p:nvSpPr>
+        <p:spPr bwMode="auto">
+          <a:xfrm>
+            <a:off x="0" y="0"/>
+            <a:ext cx="9144000" cy="0"/>
+          </a:xfrm>
+          <a:prstGeom prst="rect">
+            <a:avLst/>
+          </a:prstGeom>
+          <a:noFill/>
+          <a:ln>
+            <a:noFill/>
+          </a:ln>
+          <a:effectLst/>
+          <a:extLst>
+            <a:ext uri="{909E8E84-426E-40DD-AFC4-6F175D3DCCD1}">
+              <a14:hiddenFill xmlns:a14="http://schemas.microsoft.com/office/drawing/2010/main">
+                <a:solidFill>
+                  <a:schemeClr val="accent1"/>
+                </a:solidFill>
+              </a14:hiddenFill>
+            </a:ext>
+            <a:ext uri="{91240B29-F687-4F45-9708-019B960494DF}">
+              <a14:hiddenLine xmlns:a14="http://schemas.microsoft.com/office/drawing/2010/main" w="9525">
+                <a:solidFill>
+                  <a:schemeClr val="tx1"/>
+                </a:solidFill>
+                <a:miter lim="800000"/>
+                <a:headEnd/>
+                <a:tailEnd/>
+              </a14:hiddenLine>
+            </a:ext>
+            <a:ext uri="{AF507438-7753-43E0-B8FC-AC1667EBCBE1}">
+              <a14:hiddenEffects xmlns:a14="http://schemas.microsoft.com/office/drawing/2010/main">
+                <a:effectLst>
+                  <a:outerShdw dist="35921" dir="2700000" algn="ctr" rotWithShape="0">
+                    <a:schemeClr val="bg2"/>
+                  </a:outerShdw>
+                </a:effectLst>
+              </a14:hiddenEffects>
+            </a:ext>
+          </a:extLst>
+        </p:spPr>
+        <p:txBody>
+          <a:bodyPr vert="horz" wrap="none" lIns="91440" tIns="45720" rIns="91440" bIns="45720" numCol="1" anchor="ctr" anchorCtr="0" compatLnSpc="1">
+            <a:prstTxWarp prst="textNoShape">
+              <a:avLst/>
+            </a:prstTxWarp>
+            <a:spAutoFit/>
+          </a:bodyPr>
+          <a:lstStyle/>
+          <a:p>
+            <a:endParaRPr lang="ru-RU"/>
           </a:p>
         </p:txBody>
       </p:sp>
@@ -15443,8 +15440,8 @@
         </p:nvSpPr>
         <p:spPr>
           <a:xfrm>
-            <a:off x="1141412" y="244445"/>
-            <a:ext cx="9905998" cy="808500"/>
+            <a:off x="856059" y="570321"/>
+            <a:ext cx="7429499" cy="606375"/>
           </a:xfrm>
         </p:spPr>
         <p:txBody>
@@ -15472,8 +15469,8 @@
         </p:nvSpPr>
         <p:spPr>
           <a:xfrm>
-            <a:off x="969817" y="1136072"/>
-            <a:ext cx="10501745" cy="5029199"/>
+            <a:off x="364568" y="1317420"/>
+            <a:ext cx="8412480" cy="4495551"/>
           </a:xfrm>
         </p:spPr>
         <p:txBody>
@@ -15483,99 +15480,90 @@
           <a:lstStyle/>
           <a:p>
             <a:r>
-              <a:rPr lang="ru-RU" sz="2500" dirty="0" smtClean="0"/>
+              <a:rPr lang="ru-RU" dirty="0"/>
               <a:t>Контент-фильтр написан на ЯП </a:t>
             </a:r>
             <a:r>
-              <a:rPr lang="en-US" sz="2500" i="1" dirty="0" smtClean="0"/>
+              <a:rPr lang="en-US" i="1" dirty="0"/>
               <a:t>Java</a:t>
             </a:r>
-            <a:endParaRPr lang="ru-RU" sz="2500" dirty="0"/>
-          </a:p>
-          <a:p>
-            <a:r>
-              <a:rPr lang="ru-RU" sz="2500" dirty="0" smtClean="0"/>
-              <a:t>Многопоточный. Каждый клиент веб-фильтра обрабатывается отдельным потоком</a:t>
-            </a:r>
-          </a:p>
-          <a:p>
-            <a:r>
-              <a:rPr lang="ru-RU" sz="2500" dirty="0" smtClean="0"/>
-              <a:t>Работа контент-фильтра как прокси реализована на сокетах, т.е. происходит работа на уровне протоколов </a:t>
-            </a:r>
-            <a:r>
-              <a:rPr lang="en-US" sz="2500" i="1" dirty="0" smtClean="0"/>
-              <a:t>TCP/IP</a:t>
-            </a:r>
-            <a:endParaRPr lang="ru-RU" sz="2500" i="1" dirty="0" smtClean="0"/>
-          </a:p>
-          <a:p>
-            <a:r>
-              <a:rPr lang="ru-RU" sz="2500" dirty="0" smtClean="0"/>
-              <a:t>Управление веб-фильтром реализовано при помощи технологии </a:t>
-            </a:r>
-            <a:r>
-              <a:rPr lang="en-US" sz="2500" i="1" dirty="0" smtClean="0"/>
-              <a:t>Java Servlets</a:t>
-            </a:r>
-            <a:r>
-              <a:rPr lang="ru-RU" sz="2500" dirty="0" smtClean="0"/>
-              <a:t> (работа на уровне протокола </a:t>
-            </a:r>
-            <a:r>
-              <a:rPr lang="en-US" sz="2500" i="1" dirty="0" smtClean="0"/>
-              <a:t>HTTP</a:t>
-            </a:r>
-            <a:r>
-              <a:rPr lang="ru-RU" sz="2500" i="1" dirty="0" smtClean="0"/>
+            <a:endParaRPr lang="ru-RU" dirty="0"/>
+          </a:p>
+          <a:p>
+            <a:r>
+              <a:rPr lang="ru-RU" dirty="0" smtClean="0"/>
+              <a:t>Многопоточный</a:t>
+            </a:r>
+            <a:endParaRPr lang="en-US" dirty="0" smtClean="0"/>
+          </a:p>
+          <a:p>
+            <a:r>
+              <a:rPr lang="ru-RU" dirty="0" smtClean="0"/>
+              <a:t>Работа </a:t>
+            </a:r>
+            <a:r>
+              <a:rPr lang="ru-RU" dirty="0"/>
+              <a:t>контент-фильтра как прокси реализована на </a:t>
+            </a:r>
+            <a:r>
+              <a:rPr lang="ru-RU" dirty="0" smtClean="0"/>
+              <a:t>сокетах</a:t>
+            </a:r>
+            <a:endParaRPr lang="en-US" dirty="0" smtClean="0"/>
+          </a:p>
+          <a:p>
+            <a:r>
+              <a:rPr lang="ru-RU" dirty="0" smtClean="0"/>
+              <a:t>Управление </a:t>
+            </a:r>
+            <a:r>
+              <a:rPr lang="ru-RU" dirty="0"/>
+              <a:t>веб-фильтром реализовано при помощи технологии </a:t>
+            </a:r>
+            <a:r>
+              <a:rPr lang="en-US" i="1" dirty="0"/>
+              <a:t>Java </a:t>
+            </a:r>
+            <a:r>
+              <a:rPr lang="en-US" i="1" dirty="0" smtClean="0"/>
+              <a:t>Servlets</a:t>
+            </a:r>
+            <a:endParaRPr lang="en-US" dirty="0" smtClean="0"/>
+          </a:p>
+          <a:p>
+            <a:r>
+              <a:rPr lang="ru-RU" dirty="0" smtClean="0"/>
+              <a:t>В </a:t>
+            </a:r>
+            <a:r>
+              <a:rPr lang="ru-RU" dirty="0"/>
+              <a:t>качестве хранилища настроек и черных списков используется встроенная (</a:t>
+            </a:r>
+            <a:r>
+              <a:rPr lang="en-US" i="1" dirty="0"/>
+              <a:t>embedded</a:t>
+            </a:r>
+            <a:r>
+              <a:rPr lang="ru-RU" i="1" dirty="0"/>
+              <a:t>)</a:t>
+            </a:r>
+            <a:r>
+              <a:rPr lang="en-US" dirty="0"/>
               <a:t> </a:t>
             </a:r>
             <a:r>
-              <a:rPr lang="ru-RU" sz="2500" dirty="0" smtClean="0"/>
-              <a:t>)</a:t>
-            </a:r>
-          </a:p>
-          <a:p>
-            <a:r>
-              <a:rPr lang="ru-RU" sz="2500" dirty="0" smtClean="0"/>
-              <a:t>В качестве хранилища настроек и черных списков используется </a:t>
-            </a:r>
-            <a:r>
-              <a:rPr lang="en-US" sz="2500" i="1" dirty="0" smtClean="0"/>
-              <a:t>embedded</a:t>
-            </a:r>
-            <a:r>
-              <a:rPr lang="en-US" sz="2500" dirty="0" smtClean="0"/>
+              <a:rPr lang="ru-RU" dirty="0"/>
+              <a:t>база данных</a:t>
+            </a:r>
+            <a:r>
+              <a:rPr lang="en-US" i="1" dirty="0"/>
               <a:t> </a:t>
             </a:r>
             <a:r>
-              <a:rPr lang="ru-RU" sz="2500" dirty="0" smtClean="0"/>
-              <a:t>БД</a:t>
-            </a:r>
-            <a:r>
-              <a:rPr lang="en-US" sz="2500" i="1" dirty="0"/>
-              <a:t> </a:t>
-            </a:r>
-            <a:r>
-              <a:rPr lang="en-US" sz="2500" i="1" dirty="0" smtClean="0"/>
+              <a:rPr lang="en-US" i="1" dirty="0" smtClean="0"/>
               <a:t>H2</a:t>
             </a:r>
-            <a:endParaRPr lang="ru-RU" sz="2500" dirty="0"/>
-          </a:p>
-          <a:p>
-            <a:r>
-              <a:rPr lang="ru-RU" sz="2500" dirty="0" smtClean="0"/>
-              <a:t>Исходный код в открытом доступе на </a:t>
-            </a:r>
-            <a:r>
-              <a:rPr lang="en-US" sz="2500" i="1" dirty="0" smtClean="0"/>
-              <a:t>github</a:t>
-            </a:r>
-            <a:r>
-              <a:rPr lang="en-US" sz="2500" i="1" dirty="0" smtClean="0"/>
-              <a:t>.com</a:t>
-            </a:r>
-            <a:endParaRPr lang="ru-RU" sz="2500" dirty="0"/>
+            <a:endParaRPr lang="ru-RU" dirty="0"/>
           </a:p>
         </p:txBody>
       </p:sp>
@@ -15591,8 +15579,8 @@
         </p:nvSpPr>
         <p:spPr>
           <a:xfrm>
-            <a:off x="10276321" y="6248399"/>
-            <a:ext cx="771089" cy="365125"/>
+            <a:off x="7707241" y="5969428"/>
+            <a:ext cx="578317" cy="273844"/>
           </a:xfrm>
         </p:spPr>
         <p:txBody>
@@ -15600,7 +15588,7 @@
           <a:lstStyle/>
           <a:p>
             <a:fld id="{1C4D5114-E5B0-41F9-82DF-C29AB2C90EE3}" type="slidenum">
-              <a:rPr lang="ru-RU" sz="1600" smtClean="0"/>
+              <a:rPr lang="ru-RU" sz="1600"/>
               <a:t>13</a:t>
             </a:fld>
             <a:endParaRPr lang="ru-RU" sz="1600" dirty="0"/>
@@ -15668,8 +15656,8 @@
         </p:nvSpPr>
         <p:spPr>
           <a:xfrm>
-            <a:off x="1141412" y="382992"/>
-            <a:ext cx="9905998" cy="1016318"/>
+            <a:off x="856060" y="700357"/>
+            <a:ext cx="7429499" cy="762239"/>
           </a:xfrm>
         </p:spPr>
         <p:txBody>
@@ -15697,13 +15685,13 @@
         </p:nvSpPr>
         <p:spPr>
           <a:xfrm>
-            <a:off x="1141412" y="1399310"/>
-            <a:ext cx="9905999" cy="4849089"/>
+            <a:off x="856060" y="1684665"/>
+            <a:ext cx="7778489" cy="4089118"/>
           </a:xfrm>
         </p:spPr>
         <p:txBody>
           <a:bodyPr>
-            <a:normAutofit lnSpcReduction="10000"/>
+            <a:noAutofit/>
           </a:bodyPr>
           <a:lstStyle/>
           <a:p>
@@ -15711,99 +15699,64 @@
               <a:buNone/>
             </a:pPr>
             <a:r>
-              <a:rPr lang="ru-RU" sz="2600" dirty="0" smtClean="0"/>
-              <a:t>Реализовано:</a:t>
-            </a:r>
-          </a:p>
-          <a:p>
-            <a:r>
-              <a:rPr lang="ru-RU" sz="2600" dirty="0"/>
-              <a:t>ф</a:t>
-            </a:r>
-            <a:r>
-              <a:rPr lang="ru-RU" sz="2600" dirty="0" smtClean="0"/>
-              <a:t>ункционал фильтрации по </a:t>
-            </a:r>
-            <a:r>
-              <a:rPr lang="en-US" sz="2600" i="1" dirty="0" smtClean="0"/>
+              <a:rPr lang="ru-RU" dirty="0"/>
+              <a:t>Возможности веб-фильтра:</a:t>
+            </a:r>
+          </a:p>
+          <a:p>
+            <a:r>
+              <a:rPr lang="ru-RU" dirty="0"/>
+              <a:t>функционал фильтрации по </a:t>
+            </a:r>
+            <a:r>
+              <a:rPr lang="en-US" i="1" dirty="0"/>
               <a:t>IP/URL;</a:t>
             </a:r>
-            <a:endParaRPr lang="ru-RU" sz="2600" i="1" dirty="0" smtClean="0"/>
-          </a:p>
-          <a:p>
-            <a:r>
-              <a:rPr lang="ru-RU" sz="2600" dirty="0" smtClean="0"/>
+            <a:endParaRPr lang="ru-RU" i="1" dirty="0"/>
+          </a:p>
+          <a:p>
+            <a:r>
+              <a:rPr lang="ru-RU" dirty="0"/>
               <a:t>фильтрация контента «на лету» по содержимому с использованием байесовского классификатора</a:t>
             </a:r>
             <a:r>
-              <a:rPr lang="en-US" sz="2600" dirty="0" smtClean="0"/>
+              <a:rPr lang="en-US" dirty="0"/>
               <a:t>;</a:t>
             </a:r>
           </a:p>
           <a:p>
             <a:r>
-              <a:rPr lang="ru-RU" sz="2600" dirty="0"/>
-              <a:t>в</a:t>
-            </a:r>
-            <a:r>
-              <a:rPr lang="ru-RU" sz="2600" dirty="0" smtClean="0"/>
-              <a:t>еб-интерфейс управления веб-фильтром</a:t>
-            </a:r>
-            <a:endParaRPr lang="ru-RU" sz="2600" dirty="0" smtClean="0"/>
-          </a:p>
-          <a:p>
-            <a:pPr marL="0" indent="0">
-              <a:buNone/>
-            </a:pPr>
-            <a:r>
-              <a:rPr lang="ru-RU" sz="2600" dirty="0" smtClean="0"/>
-              <a:t>Будет реализовано:</a:t>
-            </a:r>
-          </a:p>
-          <a:p>
-            <a:r>
-              <a:rPr lang="ru-RU" sz="2600" dirty="0"/>
-              <a:t>м</a:t>
-            </a:r>
-            <a:r>
-              <a:rPr lang="ru-RU" sz="2600" dirty="0" smtClean="0"/>
-              <a:t>ониторинг соединений в режиме </a:t>
-            </a:r>
-            <a:r>
-              <a:rPr lang="en-US" sz="2600" i="1" dirty="0" smtClean="0"/>
-              <a:t>real-time</a:t>
-            </a:r>
-            <a:r>
-              <a:rPr lang="en-US" sz="2600" dirty="0" smtClean="0"/>
+              <a:rPr lang="ru-RU" dirty="0"/>
+              <a:t>веб-интерфейс управления веб-фильтром</a:t>
+            </a:r>
+            <a:r>
+              <a:rPr lang="en-US" dirty="0"/>
               <a:t>;</a:t>
             </a:r>
-          </a:p>
-          <a:p>
-            <a:r>
-              <a:rPr lang="ru-RU" sz="2600" dirty="0"/>
-              <a:t>р</a:t>
-            </a:r>
-            <a:r>
-              <a:rPr lang="ru-RU" sz="2600" dirty="0" smtClean="0"/>
-              <a:t>абота веб-фильтра по протоколу </a:t>
-            </a:r>
-            <a:r>
-              <a:rPr lang="en-US" sz="2600" i="1" dirty="0" smtClean="0"/>
+            <a:endParaRPr lang="ru-RU" dirty="0"/>
+          </a:p>
+          <a:p>
+            <a:r>
+              <a:rPr lang="ru-RU" dirty="0"/>
+              <a:t>работа веб-фильтра по протоколу </a:t>
+            </a:r>
+            <a:r>
+              <a:rPr lang="en-US" i="1" dirty="0"/>
               <a:t>HTTPS</a:t>
             </a:r>
             <a:r>
-              <a:rPr lang="en-US" sz="2600" dirty="0" smtClean="0"/>
+              <a:rPr lang="en-US" dirty="0"/>
               <a:t> </a:t>
             </a:r>
             <a:r>
-              <a:rPr lang="ru-RU" sz="2600" dirty="0" smtClean="0"/>
+              <a:rPr lang="ru-RU" dirty="0"/>
               <a:t>с использованием технологии </a:t>
             </a:r>
             <a:r>
-              <a:rPr lang="en-US" sz="2600" i="1" dirty="0" smtClean="0"/>
+              <a:rPr lang="en-US" i="1" dirty="0"/>
               <a:t>Trusted MITM</a:t>
             </a:r>
-            <a:endParaRPr lang="ru-RU" sz="2600" dirty="0"/>
+            <a:endParaRPr lang="ru-RU" dirty="0"/>
           </a:p>
         </p:txBody>
       </p:sp>
@@ -15819,8 +15772,8 @@
         </p:nvSpPr>
         <p:spPr>
           <a:xfrm>
-            <a:off x="10276321" y="6248399"/>
-            <a:ext cx="771089" cy="365125"/>
+            <a:off x="7707242" y="5992586"/>
+            <a:ext cx="578317" cy="273844"/>
           </a:xfrm>
         </p:spPr>
         <p:txBody>
@@ -15828,7 +15781,7 @@
           <a:lstStyle/>
           <a:p>
             <a:fld id="{1C4D5114-E5B0-41F9-82DF-C29AB2C90EE3}" type="slidenum">
-              <a:rPr lang="ru-RU" sz="1600" smtClean="0"/>
+              <a:rPr lang="ru-RU" sz="1600"/>
               <a:t>14</a:t>
             </a:fld>
             <a:endParaRPr lang="ru-RU" sz="1600" dirty="0"/>
@@ -15839,6 +15792,278 @@
     <p:extLst>
       <p:ext uri="{BB962C8B-B14F-4D97-AF65-F5344CB8AC3E}">
         <p14:creationId xmlns:p14="http://schemas.microsoft.com/office/powerpoint/2010/main" val="3370648250"/>
+      </p:ext>
+    </p:extLst>
+  </p:cSld>
+  <p:clrMapOvr>
+    <a:masterClrMapping/>
+  </p:clrMapOvr>
+  <mc:AlternateContent xmlns:mc="http://schemas.openxmlformats.org/markup-compatibility/2006" xmlns:p14="http://schemas.microsoft.com/office/powerpoint/2010/main">
+    <mc:Choice Requires="p14">
+      <p:transition spd="slow" p14:dur="1300">
+        <p14:pan dir="u"/>
+      </p:transition>
+    </mc:Choice>
+    <mc:Fallback xmlns="">
+      <p:transition spd="slow">
+        <p:fade/>
+      </p:transition>
+    </mc:Fallback>
+  </mc:AlternateContent>
+  <p:timing>
+    <p:tnLst>
+      <p:par>
+        <p:cTn id="1" dur="indefinite" restart="never" nodeType="tmRoot"/>
+      </p:par>
+    </p:tnLst>
+  </p:timing>
+</p:sld>
+</file>
+
+<file path=ppt/slides/slide15.xml><?xml version="1.0" encoding="utf-8"?>
+<p:sld xmlns:a="http://schemas.openxmlformats.org/drawingml/2006/main" xmlns:r="http://schemas.openxmlformats.org/officeDocument/2006/relationships" xmlns:p="http://schemas.openxmlformats.org/presentationml/2006/main">
+  <p:cSld>
+    <p:spTree>
+      <p:nvGrpSpPr>
+        <p:cNvPr id="1" name=""/>
+        <p:cNvGrpSpPr/>
+        <p:nvPr/>
+      </p:nvGrpSpPr>
+      <p:grpSpPr>
+        <a:xfrm>
+          <a:off x="0" y="0"/>
+          <a:ext cx="0" cy="0"/>
+          <a:chOff x="0" y="0"/>
+          <a:chExt cx="0" cy="0"/>
+        </a:xfrm>
+      </p:grpSpPr>
+      <p:sp>
+        <p:nvSpPr>
+          <p:cNvPr id="2" name="Заголовок 1"/>
+          <p:cNvSpPr>
+            <a:spLocks noGrp="1"/>
+          </p:cNvSpPr>
+          <p:nvPr>
+            <p:ph type="title"/>
+          </p:nvPr>
+        </p:nvSpPr>
+        <p:spPr>
+          <a:xfrm>
+            <a:off x="856060" y="611589"/>
+            <a:ext cx="7429499" cy="731066"/>
+          </a:xfrm>
+        </p:spPr>
+        <p:txBody>
+          <a:bodyPr/>
+          <a:lstStyle/>
+          <a:p>
+            <a:pPr algn="ctr"/>
+            <a:r>
+              <a:rPr lang="ru-RU" dirty="0" smtClean="0"/>
+              <a:t>ЗАКЛЮЧЕНИЕ</a:t>
+            </a:r>
+            <a:endParaRPr lang="ru-RU" dirty="0"/>
+          </a:p>
+        </p:txBody>
+      </p:sp>
+      <p:sp>
+        <p:nvSpPr>
+          <p:cNvPr id="3" name="Объект 2"/>
+          <p:cNvSpPr>
+            <a:spLocks noGrp="1"/>
+          </p:cNvSpPr>
+          <p:nvPr>
+            <p:ph idx="1"/>
+          </p:nvPr>
+        </p:nvSpPr>
+        <p:spPr>
+          <a:xfrm>
+            <a:off x="509451" y="1342654"/>
+            <a:ext cx="8098971" cy="4875265"/>
+          </a:xfrm>
+        </p:spPr>
+        <p:txBody>
+          <a:bodyPr>
+            <a:noAutofit/>
+          </a:bodyPr>
+          <a:lstStyle/>
+          <a:p>
+            <a:r>
+              <a:rPr lang="ru-RU" dirty="0"/>
+              <a:t>В результате работы была достигнута поставленная цель: проектирование и разработка веб-фильтра для обеспечения контроля доступа к веб-ресурсам</a:t>
+            </a:r>
+          </a:p>
+          <a:p>
+            <a:pPr marL="0" indent="0">
+              <a:buNone/>
+            </a:pPr>
+            <a:r>
+              <a:rPr lang="ru-RU" dirty="0"/>
+              <a:t>Также были выполнены поставленные задачи:</a:t>
+            </a:r>
+          </a:p>
+          <a:p>
+            <a:r>
+              <a:rPr lang="ru-RU" dirty="0" smtClean="0"/>
+              <a:t>проанализирована предметная область </a:t>
+            </a:r>
+            <a:r>
+              <a:rPr lang="ru-RU" dirty="0"/>
+              <a:t>и </a:t>
+            </a:r>
+            <a:r>
+              <a:rPr lang="ru-RU" dirty="0" smtClean="0"/>
+              <a:t>текущие решения</a:t>
+            </a:r>
+            <a:r>
+              <a:rPr lang="en-US" dirty="0" smtClean="0"/>
+              <a:t>;</a:t>
+            </a:r>
+            <a:endParaRPr lang="en-US" dirty="0"/>
+          </a:p>
+          <a:p>
+            <a:r>
+              <a:rPr lang="ru-RU" dirty="0" smtClean="0"/>
+              <a:t>спроектирован веб-фильтр</a:t>
+            </a:r>
+            <a:r>
+              <a:rPr lang="en-US" dirty="0" smtClean="0"/>
+              <a:t>;</a:t>
+            </a:r>
+            <a:endParaRPr lang="en-US" dirty="0"/>
+          </a:p>
+          <a:p>
+            <a:r>
+              <a:rPr lang="ru-RU" dirty="0"/>
+              <a:t>р</a:t>
+            </a:r>
+            <a:r>
+              <a:rPr lang="ru-RU" dirty="0" smtClean="0"/>
+              <a:t>азработан веб-фильтр </a:t>
+            </a:r>
+            <a:r>
+              <a:rPr lang="ru-RU" dirty="0"/>
+              <a:t>и </a:t>
+            </a:r>
+            <a:r>
+              <a:rPr lang="ru-RU" dirty="0" smtClean="0"/>
+              <a:t>протестирована его работа</a:t>
+            </a:r>
+            <a:endParaRPr lang="en-US" dirty="0"/>
+          </a:p>
+        </p:txBody>
+      </p:sp>
+      <p:sp>
+        <p:nvSpPr>
+          <p:cNvPr id="5" name="Номер слайда 4"/>
+          <p:cNvSpPr>
+            <a:spLocks noGrp="1"/>
+          </p:cNvSpPr>
+          <p:nvPr>
+            <p:ph type="sldNum" sz="quarter" idx="12"/>
+          </p:nvPr>
+        </p:nvSpPr>
+        <p:spPr>
+          <a:xfrm>
+            <a:off x="7707242" y="6217919"/>
+            <a:ext cx="578317" cy="273844"/>
+          </a:xfrm>
+        </p:spPr>
+        <p:txBody>
+          <a:bodyPr/>
+          <a:lstStyle/>
+          <a:p>
+            <a:fld id="{1C4D5114-E5B0-41F9-82DF-C29AB2C90EE3}" type="slidenum">
+              <a:rPr lang="ru-RU" sz="1600"/>
+              <a:t>15</a:t>
+            </a:fld>
+            <a:endParaRPr lang="ru-RU" sz="1600" dirty="0"/>
+          </a:p>
+        </p:txBody>
+      </p:sp>
+    </p:spTree>
+    <p:extLst>
+      <p:ext uri="{BB962C8B-B14F-4D97-AF65-F5344CB8AC3E}">
+        <p14:creationId xmlns:p14="http://schemas.microsoft.com/office/powerpoint/2010/main" val="4095584576"/>
+      </p:ext>
+    </p:extLst>
+  </p:cSld>
+  <p:clrMapOvr>
+    <a:masterClrMapping/>
+  </p:clrMapOvr>
+  <mc:AlternateContent xmlns:mc="http://schemas.openxmlformats.org/markup-compatibility/2006" xmlns:p14="http://schemas.microsoft.com/office/powerpoint/2010/main">
+    <mc:Choice Requires="p14">
+      <p:transition spd="slow" p14:dur="1300">
+        <p14:pan dir="u"/>
+      </p:transition>
+    </mc:Choice>
+    <mc:Fallback xmlns="">
+      <p:transition spd="slow">
+        <p:fade/>
+      </p:transition>
+    </mc:Fallback>
+  </mc:AlternateContent>
+  <p:timing>
+    <p:tnLst>
+      <p:par>
+        <p:cTn id="1" dur="indefinite" restart="never" nodeType="tmRoot"/>
+      </p:par>
+    </p:tnLst>
+  </p:timing>
+</p:sld>
+</file>
+
+<file path=ppt/slides/slide16.xml><?xml version="1.0" encoding="utf-8"?>
+<p:sld xmlns:a="http://schemas.openxmlformats.org/drawingml/2006/main" xmlns:r="http://schemas.openxmlformats.org/officeDocument/2006/relationships" xmlns:p="http://schemas.openxmlformats.org/presentationml/2006/main">
+  <p:cSld>
+    <p:spTree>
+      <p:nvGrpSpPr>
+        <p:cNvPr id="1" name=""/>
+        <p:cNvGrpSpPr/>
+        <p:nvPr/>
+      </p:nvGrpSpPr>
+      <p:grpSpPr>
+        <a:xfrm>
+          <a:off x="0" y="0"/>
+          <a:ext cx="0" cy="0"/>
+          <a:chOff x="0" y="0"/>
+          <a:chExt cx="0" cy="0"/>
+        </a:xfrm>
+      </p:grpSpPr>
+      <p:sp>
+        <p:nvSpPr>
+          <p:cNvPr id="2" name="Заголовок 1"/>
+          <p:cNvSpPr>
+            <a:spLocks noGrp="1"/>
+          </p:cNvSpPr>
+          <p:nvPr>
+            <p:ph type="title"/>
+          </p:nvPr>
+        </p:nvSpPr>
+        <p:spPr>
+          <a:xfrm>
+            <a:off x="866306" y="2166505"/>
+            <a:ext cx="7620540" cy="2244437"/>
+          </a:xfrm>
+        </p:spPr>
+        <p:txBody>
+          <a:bodyPr>
+            <a:normAutofit/>
+          </a:bodyPr>
+          <a:lstStyle/>
+          <a:p>
+            <a:pPr algn="ctr"/>
+            <a:r>
+              <a:rPr lang="ru-RU" sz="3600" dirty="0"/>
+              <a:t>Спасибо за внимание!</a:t>
+            </a:r>
+          </a:p>
+        </p:txBody>
+      </p:sp>
+    </p:spTree>
+    <p:extLst>
+      <p:ext uri="{BB962C8B-B14F-4D97-AF65-F5344CB8AC3E}">
+        <p14:creationId xmlns:p14="http://schemas.microsoft.com/office/powerpoint/2010/main" val="2857357914"/>
       </p:ext>
     </p:extLst>
   </p:cSld>
@@ -15896,8 +16121,8 @@
         </p:nvSpPr>
         <p:spPr>
           <a:xfrm>
-            <a:off x="1141412" y="260782"/>
-            <a:ext cx="9905998" cy="919452"/>
+            <a:off x="856059" y="567928"/>
+            <a:ext cx="7429499" cy="689589"/>
           </a:xfrm>
         </p:spPr>
         <p:txBody>
@@ -15925,63 +16150,62 @@
         </p:nvSpPr>
         <p:spPr>
           <a:xfrm>
-            <a:off x="1141412" y="1180234"/>
-            <a:ext cx="9905999" cy="5287385"/>
+            <a:off x="352697" y="1257517"/>
+            <a:ext cx="8451669" cy="4751397"/>
           </a:xfrm>
         </p:spPr>
         <p:txBody>
           <a:bodyPr>
-            <a:normAutofit/>
+            <a:noAutofit/>
           </a:bodyPr>
           <a:lstStyle/>
           <a:p>
             <a:r>
-              <a:rPr lang="ru-RU" sz="2600" dirty="0"/>
-              <a:t>В последнее время в интернете все больше появляется противозаконного </a:t>
-            </a:r>
-            <a:r>
-              <a:rPr lang="ru-RU" sz="2600" dirty="0" smtClean="0"/>
-              <a:t>контента</a:t>
-            </a:r>
-          </a:p>
-          <a:p>
-            <a:r>
-              <a:rPr lang="ru-RU" sz="2600" dirty="0"/>
-              <a:t>Блокирование таких ресурсов по </a:t>
-            </a:r>
-            <a:r>
-              <a:rPr lang="en-US" sz="2600" i="1" dirty="0"/>
+              <a:rPr lang="ru-RU" dirty="0"/>
+              <a:t>В последнее время в интернете все больше появляется противозаконного контента</a:t>
+            </a:r>
+          </a:p>
+          <a:p>
+            <a:r>
+              <a:rPr lang="ru-RU" dirty="0"/>
+              <a:t>Блокирование </a:t>
+            </a:r>
+            <a:r>
+              <a:rPr lang="ru-RU" dirty="0" smtClean="0"/>
+              <a:t>таких ресурсов по </a:t>
+            </a:r>
+            <a:r>
+              <a:rPr lang="en-US" i="1" dirty="0"/>
               <a:t>IP</a:t>
             </a:r>
             <a:r>
-              <a:rPr lang="ru-RU" sz="2600" dirty="0"/>
-              <a:t>-адресу не приносит особого </a:t>
-            </a:r>
-            <a:r>
-              <a:rPr lang="ru-RU" sz="2600" dirty="0" smtClean="0"/>
-              <a:t>результата</a:t>
-            </a:r>
-          </a:p>
-          <a:p>
-            <a:r>
-              <a:rPr lang="ru-RU" sz="2600" dirty="0"/>
-              <a:t>В такой ситуации фильтрация на основании содержимого сайта будет давать наилучший </a:t>
-            </a:r>
-            <a:r>
-              <a:rPr lang="ru-RU" sz="2600" dirty="0" smtClean="0"/>
-              <a:t>результат</a:t>
-            </a:r>
-          </a:p>
-          <a:p>
-            <a:r>
-              <a:rPr lang="ru-RU" sz="2600" dirty="0"/>
-              <a:t>В связи с этим тема фильтрации (классификации) веб-контента очень актуальна в образовательных </a:t>
-            </a:r>
-            <a:r>
-              <a:rPr lang="ru-RU" sz="2600" dirty="0" smtClean="0"/>
-              <a:t>учреждениях и на предприятиях с регламентированной политикой безопасности</a:t>
-            </a:r>
-            <a:endParaRPr lang="ru-RU" sz="2600" dirty="0"/>
+              <a:rPr lang="ru-RU" dirty="0"/>
+              <a:t>-адресу не приносит особого результата</a:t>
+            </a:r>
+          </a:p>
+          <a:p>
+            <a:r>
+              <a:rPr lang="ru-RU" dirty="0"/>
+              <a:t>Ф</a:t>
+            </a:r>
+            <a:r>
+              <a:rPr lang="ru-RU" dirty="0" smtClean="0"/>
+              <a:t>ильтрация </a:t>
+            </a:r>
+            <a:r>
+              <a:rPr lang="ru-RU" dirty="0"/>
+              <a:t>на основании содержимого сайта будет давать наилучший результат</a:t>
+            </a:r>
+          </a:p>
+          <a:p>
+            <a:r>
+              <a:rPr lang="ru-RU" dirty="0" smtClean="0"/>
+              <a:t>Фильтрации веб-контента </a:t>
+            </a:r>
+            <a:r>
+              <a:rPr lang="ru-RU" dirty="0"/>
+              <a:t>очень актуальна в образовательных учреждениях и на предприятиях с регламентированной политикой информационной безопасности</a:t>
+            </a:r>
           </a:p>
         </p:txBody>
       </p:sp>
@@ -15997,8 +16221,8 @@
         </p:nvSpPr>
         <p:spPr>
           <a:xfrm>
-            <a:off x="10276321" y="6102494"/>
-            <a:ext cx="771089" cy="365125"/>
+            <a:off x="7707241" y="6232539"/>
+            <a:ext cx="578317" cy="273844"/>
           </a:xfrm>
         </p:spPr>
         <p:txBody>
@@ -16006,7 +16230,7 @@
           <a:lstStyle/>
           <a:p>
             <a:fld id="{1C4D5114-E5B0-41F9-82DF-C29AB2C90EE3}" type="slidenum">
-              <a:rPr lang="ru-RU" sz="1600" smtClean="0"/>
+              <a:rPr lang="ru-RU" sz="1600"/>
               <a:t>2</a:t>
             </a:fld>
             <a:endParaRPr lang="ru-RU" sz="1600" dirty="0"/>
@@ -16074,8 +16298,8 @@
         </p:nvSpPr>
         <p:spPr>
           <a:xfrm>
-            <a:off x="1141413" y="424553"/>
-            <a:ext cx="9905998" cy="905482"/>
+            <a:off x="856059" y="489667"/>
+            <a:ext cx="7429499" cy="679112"/>
           </a:xfrm>
         </p:spPr>
         <p:txBody>
@@ -16103,8 +16327,8 @@
         </p:nvSpPr>
         <p:spPr>
           <a:xfrm>
-            <a:off x="1141412" y="1454727"/>
-            <a:ext cx="9905999" cy="5070763"/>
+            <a:off x="457201" y="1308215"/>
+            <a:ext cx="8151222" cy="4870515"/>
           </a:xfrm>
         </p:spPr>
         <p:txBody>
@@ -16114,16 +16338,8 @@
           <a:lstStyle/>
           <a:p>
             <a:r>
-              <a:rPr lang="ru-RU" sz="2600" dirty="0" smtClean="0"/>
-              <a:t>Цель: </a:t>
-            </a:r>
-            <a:r>
-              <a:rPr lang="ru-RU" sz="2600" dirty="0"/>
-              <a:t>проектирование и разработка веб-фильтра для обеспечения контроля доступа к сетевым </a:t>
-            </a:r>
-            <a:r>
-              <a:rPr lang="ru-RU" sz="2600" dirty="0" smtClean="0"/>
-              <a:t>ресурсам</a:t>
+              <a:rPr lang="ru-RU" dirty="0"/>
+              <a:t>Цель: проектирование и разработка веб-фильтра для обеспечения контроля доступа к веб-ресурсам</a:t>
             </a:r>
           </a:p>
           <a:p>
@@ -16131,57 +16347,44 @@
               <a:buNone/>
             </a:pPr>
             <a:r>
-              <a:rPr lang="ru-RU" sz="2600" dirty="0" smtClean="0"/>
+              <a:rPr lang="ru-RU" dirty="0"/>
               <a:t>Задачи:</a:t>
             </a:r>
           </a:p>
           <a:p>
             <a:r>
-              <a:rPr lang="ru-RU" sz="2600" dirty="0"/>
-              <a:t>проектирование веб-фильтра (выбор и обоснование используемых технологий</a:t>
-            </a:r>
-            <a:r>
-              <a:rPr lang="ru-RU" sz="2600" dirty="0" smtClean="0"/>
-              <a:t>)</a:t>
-            </a:r>
-            <a:r>
-              <a:rPr lang="en-US" sz="2600" dirty="0" smtClean="0"/>
+              <a:rPr lang="ru-RU" dirty="0"/>
+              <a:t>анализ предметной области и текущих решений</a:t>
+            </a:r>
+            <a:r>
+              <a:rPr lang="en-US" dirty="0"/>
               <a:t>;</a:t>
             </a:r>
           </a:p>
           <a:p>
             <a:r>
-              <a:rPr lang="ru-RU" sz="2600" dirty="0"/>
-              <a:t>выбор и обоснование алгоритма классификации </a:t>
-            </a:r>
-            <a:r>
-              <a:rPr lang="ru-RU" sz="2600" dirty="0" smtClean="0"/>
-              <a:t>текста</a:t>
-            </a:r>
-            <a:r>
-              <a:rPr lang="en-US" sz="2600" dirty="0" smtClean="0"/>
+              <a:rPr lang="ru-RU" dirty="0"/>
+              <a:t>проектирование веб-фильтра (выбор используемых технологий, в том числе выбор алгоритма классификации текста)</a:t>
+            </a:r>
+            <a:r>
+              <a:rPr lang="en-US" dirty="0"/>
               <a:t>;</a:t>
             </a:r>
           </a:p>
           <a:p>
             <a:r>
-              <a:rPr lang="ru-RU" sz="2600" dirty="0"/>
-              <a:t>разработка </a:t>
-            </a:r>
-            <a:r>
-              <a:rPr lang="ru-RU" sz="2600" dirty="0" smtClean="0"/>
-              <a:t>веб-фильтра</a:t>
-            </a:r>
-            <a:r>
-              <a:rPr lang="en-US" sz="2600" dirty="0" smtClean="0"/>
-              <a:t>;</a:t>
-            </a:r>
-          </a:p>
-          <a:p>
-            <a:r>
-              <a:rPr lang="ru-RU" sz="2600" dirty="0"/>
-              <a:t>тестирование работы веб-фильтра</a:t>
-            </a:r>
+              <a:rPr lang="ru-RU" dirty="0" smtClean="0"/>
+              <a:t>разработка веб-фильтра </a:t>
+            </a:r>
+            <a:r>
+              <a:rPr lang="ru-RU" dirty="0"/>
+              <a:t>и тестирование </a:t>
+            </a:r>
+            <a:r>
+              <a:rPr lang="ru-RU" dirty="0" smtClean="0"/>
+              <a:t>его работы</a:t>
+            </a:r>
+            <a:endParaRPr lang="en-US" dirty="0"/>
           </a:p>
         </p:txBody>
       </p:sp>
@@ -16197,8 +16400,8 @@
         </p:nvSpPr>
         <p:spPr>
           <a:xfrm>
-            <a:off x="10276322" y="6007965"/>
-            <a:ext cx="771089" cy="365125"/>
+            <a:off x="7707241" y="6077940"/>
+            <a:ext cx="578317" cy="273844"/>
           </a:xfrm>
         </p:spPr>
         <p:txBody>
@@ -16206,7 +16409,7 @@
           <a:lstStyle/>
           <a:p>
             <a:fld id="{1C4D5114-E5B0-41F9-82DF-C29AB2C90EE3}" type="slidenum">
-              <a:rPr lang="ru-RU" sz="1600" smtClean="0"/>
+              <a:rPr lang="ru-RU" sz="1600"/>
               <a:t>3</a:t>
             </a:fld>
             <a:endParaRPr lang="ru-RU" sz="1600" dirty="0"/>
@@ -16274,8 +16477,8 @@
         </p:nvSpPr>
         <p:spPr>
           <a:xfrm>
-            <a:off x="1141412" y="461645"/>
-            <a:ext cx="9905998" cy="960900"/>
+            <a:off x="856059" y="666664"/>
+            <a:ext cx="7429499" cy="720675"/>
           </a:xfrm>
         </p:spPr>
         <p:txBody>
@@ -16303,8 +16506,8 @@
         </p:nvSpPr>
         <p:spPr>
           <a:xfrm>
-            <a:off x="1141412" y="1422545"/>
-            <a:ext cx="9905999" cy="4211783"/>
+            <a:off x="600891" y="1649839"/>
+            <a:ext cx="7994469" cy="4202321"/>
           </a:xfrm>
         </p:spPr>
         <p:txBody>
@@ -16314,43 +16517,35 @@
           <a:lstStyle/>
           <a:p>
             <a:r>
-              <a:rPr lang="ru-RU" sz="2800" dirty="0" smtClean="0"/>
-              <a:t>Веб-фильтр </a:t>
-            </a:r>
-            <a:r>
-              <a:rPr lang="ru-RU" sz="2800" dirty="0"/>
-              <a:t>(контент-фильтр) – это программное или программно-аппаратное устройство, которое ограничивает доступ к веб-сайтам на основании анализа их </a:t>
-            </a:r>
-            <a:r>
-              <a:rPr lang="ru-RU" sz="2800" dirty="0" smtClean="0"/>
-              <a:t>содержимого</a:t>
-            </a:r>
-          </a:p>
-          <a:p>
-            <a:r>
-              <a:rPr lang="ru-RU" sz="2800" dirty="0" smtClean="0"/>
+              <a:rPr lang="ru-RU" dirty="0"/>
+              <a:t>Веб-фильтр (контент-фильтр) – это программное или программно-аппаратное устройство, которое ограничивает доступ к веб-сайтам на основании анализа их содержимого</a:t>
+            </a:r>
+          </a:p>
+          <a:p>
+            <a:r>
+              <a:rPr lang="ru-RU" dirty="0"/>
               <a:t>В данной работе будет рассмотрена программная реализация</a:t>
             </a:r>
           </a:p>
           <a:p>
             <a:r>
-              <a:rPr lang="ru-RU" sz="2800" dirty="0"/>
+              <a:rPr lang="ru-RU" dirty="0"/>
               <a:t>По своей сути контент-фильтр – это веб прокси-сервер, который перехватывает </a:t>
             </a:r>
             <a:r>
-              <a:rPr lang="en-US" sz="2800" i="1" dirty="0"/>
+              <a:rPr lang="en-US" i="1" dirty="0"/>
               <a:t>HTTP</a:t>
             </a:r>
             <a:r>
-              <a:rPr lang="ru-RU" sz="2800" i="1" dirty="0"/>
+              <a:rPr lang="ru-RU" i="1" dirty="0"/>
               <a:t>/</a:t>
             </a:r>
             <a:r>
-              <a:rPr lang="en-US" sz="2800" i="1" dirty="0"/>
+              <a:rPr lang="en-US" i="1" dirty="0"/>
               <a:t>HTTPS</a:t>
             </a:r>
             <a:r>
-              <a:rPr lang="ru-RU" sz="2800" dirty="0"/>
+              <a:rPr lang="ru-RU" dirty="0"/>
               <a:t>-запросы и анализирует их</a:t>
             </a:r>
           </a:p>
@@ -16368,8 +16563,8 @@
         </p:nvSpPr>
         <p:spPr>
           <a:xfrm>
-            <a:off x="10276322" y="6104947"/>
-            <a:ext cx="771089" cy="365125"/>
+            <a:off x="7707241" y="6089104"/>
+            <a:ext cx="578317" cy="273844"/>
           </a:xfrm>
         </p:spPr>
         <p:txBody>
@@ -16377,7 +16572,7 @@
           <a:lstStyle/>
           <a:p>
             <a:fld id="{1C4D5114-E5B0-41F9-82DF-C29AB2C90EE3}" type="slidenum">
-              <a:rPr lang="ru-RU" sz="1600" smtClean="0"/>
+              <a:rPr lang="ru-RU" sz="1600"/>
               <a:t>4</a:t>
             </a:fld>
             <a:endParaRPr lang="ru-RU" sz="1600" dirty="0"/>
@@ -16445,12 +16640,14 @@
         </p:nvSpPr>
         <p:spPr>
           <a:xfrm>
-            <a:off x="1141413" y="618518"/>
-            <a:ext cx="9905998" cy="850064"/>
+            <a:off x="850039" y="666206"/>
+            <a:ext cx="7429499" cy="793717"/>
           </a:xfrm>
         </p:spPr>
         <p:txBody>
-          <a:bodyPr/>
+          <a:bodyPr>
+            <a:normAutofit fontScale="90000"/>
+          </a:bodyPr>
           <a:lstStyle/>
           <a:p>
             <a:pPr algn="ctr"/>
@@ -16459,29 +16656,6 @@
               <a:t>Общая Схема работы веб-фильтра</a:t>
             </a:r>
             <a:endParaRPr lang="ru-RU" dirty="0"/>
-          </a:p>
-        </p:txBody>
-      </p:sp>
-      <p:sp>
-        <p:nvSpPr>
-          <p:cNvPr id="5" name="Номер слайда 4"/>
-          <p:cNvSpPr>
-            <a:spLocks noGrp="1"/>
-          </p:cNvSpPr>
-          <p:nvPr>
-            <p:ph type="sldNum" sz="quarter" idx="12"/>
-          </p:nvPr>
-        </p:nvSpPr>
-        <p:spPr/>
-        <p:txBody>
-          <a:bodyPr/>
-          <a:lstStyle/>
-          <a:p>
-            <a:fld id="{1C4D5114-E5B0-41F9-82DF-C29AB2C90EE3}" type="slidenum">
-              <a:rPr lang="ru-RU" sz="1600" smtClean="0"/>
-              <a:t>5</a:t>
-            </a:fld>
-            <a:endParaRPr lang="ru-RU" sz="1600" dirty="0"/>
           </a:p>
         </p:txBody>
       </p:sp>
@@ -16510,8 +16684,8 @@
         </p:blipFill>
         <p:spPr bwMode="auto">
           <a:xfrm>
-            <a:off x="665018" y="1579418"/>
-            <a:ext cx="10842735" cy="4114799"/>
+            <a:off x="498764" y="2041814"/>
+            <a:ext cx="8132051" cy="3086099"/>
           </a:xfrm>
           <a:prstGeom prst="rect">
             <a:avLst/>
@@ -16522,6 +16696,29 @@
           </a:ln>
         </p:spPr>
       </p:pic>
+      <p:sp>
+        <p:nvSpPr>
+          <p:cNvPr id="5" name="Номер слайда 4"/>
+          <p:cNvSpPr>
+            <a:spLocks noGrp="1"/>
+          </p:cNvSpPr>
+          <p:nvPr>
+            <p:ph type="sldNum" sz="quarter" idx="12"/>
+          </p:nvPr>
+        </p:nvSpPr>
+        <p:spPr/>
+        <p:txBody>
+          <a:bodyPr/>
+          <a:lstStyle/>
+          <a:p>
+            <a:fld id="{1C4D5114-E5B0-41F9-82DF-C29AB2C90EE3}" type="slidenum">
+              <a:rPr lang="ru-RU" sz="1600"/>
+              <a:t>5</a:t>
+            </a:fld>
+            <a:endParaRPr lang="ru-RU" sz="1600" dirty="0"/>
+          </a:p>
+        </p:txBody>
+      </p:sp>
     </p:spTree>
     <p:extLst>
       <p:ext uri="{BB962C8B-B14F-4D97-AF65-F5344CB8AC3E}">
@@ -16583,8 +16780,8 @@
         </p:nvSpPr>
         <p:spPr>
           <a:xfrm>
-            <a:off x="1141412" y="244444"/>
-            <a:ext cx="9905998" cy="960900"/>
+            <a:off x="856059" y="403274"/>
+            <a:ext cx="7429499" cy="720675"/>
           </a:xfrm>
         </p:spPr>
         <p:txBody>
@@ -16612,8 +16809,8 @@
         </p:nvSpPr>
         <p:spPr>
           <a:xfrm>
-            <a:off x="858982" y="1205345"/>
-            <a:ext cx="10515600" cy="5043054"/>
+            <a:off x="627457" y="1123949"/>
+            <a:ext cx="8031633" cy="5483154"/>
           </a:xfrm>
         </p:spPr>
         <p:txBody>
@@ -16630,26 +16827,7 @@
               <a:rPr lang="en-US" i="1" dirty="0" smtClean="0"/>
               <a:t>HTTP</a:t>
             </a:r>
-            <a:r>
-              <a:rPr lang="ru-RU" dirty="0" smtClean="0"/>
-              <a:t>, т.к. </a:t>
-            </a:r>
-            <a:r>
-              <a:rPr lang="ru-RU" dirty="0"/>
-              <a:t>контент, передаваемый по протоколу </a:t>
-            </a:r>
-            <a:r>
-              <a:rPr lang="en-US" i="1" dirty="0"/>
-              <a:t>HTTPS</a:t>
-            </a:r>
-            <a:r>
-              <a:rPr lang="ru-RU" dirty="0"/>
-              <a:t>, </a:t>
-            </a:r>
-            <a:r>
-              <a:rPr lang="ru-RU" dirty="0" smtClean="0"/>
-              <a:t>зашифрован, и его анализ не представляется возможным</a:t>
-            </a:r>
+            <a:endParaRPr lang="ru-RU" dirty="0" smtClean="0"/>
           </a:p>
           <a:p>
             <a:r>
@@ -16676,11 +16854,7 @@
             </a:r>
             <a:r>
               <a:rPr lang="ru-RU" dirty="0" smtClean="0"/>
-              <a:t>-трафиком (генерация поддельного сертификата веб-фильтром, подписанного доверенным лицом, чтобы клиент поверил в подлинность веб-сервера)</a:t>
-            </a:r>
-            <a:r>
-              <a:rPr lang="ru-RU" i="1" dirty="0" smtClean="0"/>
-              <a:t> </a:t>
+              <a:t>-трафиком</a:t>
             </a:r>
             <a:endParaRPr lang="en-US" i="1" dirty="0" smtClean="0"/>
           </a:p>
@@ -16700,6 +16874,14 @@
             <a:r>
               <a:rPr lang="en-US" i="1" dirty="0" smtClean="0"/>
               <a:t>MITM</a:t>
+            </a:r>
+            <a:r>
+              <a:rPr lang="ru-RU" dirty="0"/>
+              <a:t> </a:t>
+            </a:r>
+            <a:r>
+              <a:rPr lang="ru-RU" dirty="0" smtClean="0"/>
+              <a:t>и согласен на это (устанавливает корневой сертификат)</a:t>
             </a:r>
             <a:endParaRPr lang="ru-RU" i="1" dirty="0"/>
           </a:p>
@@ -16717,8 +16899,8 @@
         </p:nvSpPr>
         <p:spPr>
           <a:xfrm>
-            <a:off x="10276321" y="6248399"/>
-            <a:ext cx="771089" cy="365125"/>
+            <a:off x="7707241" y="6111587"/>
+            <a:ext cx="578317" cy="273844"/>
           </a:xfrm>
         </p:spPr>
         <p:txBody>
@@ -16726,7 +16908,7 @@
           <a:lstStyle/>
           <a:p>
             <a:fld id="{1C4D5114-E5B0-41F9-82DF-C29AB2C90EE3}" type="slidenum">
-              <a:rPr lang="ru-RU" sz="1600" smtClean="0"/>
+              <a:rPr lang="ru-RU" sz="1600"/>
               <a:t>6</a:t>
             </a:fld>
             <a:endParaRPr lang="ru-RU" sz="1600" dirty="0"/>
@@ -16794,12 +16976,14 @@
         </p:nvSpPr>
         <p:spPr>
           <a:xfrm>
-            <a:off x="1141412" y="313717"/>
-            <a:ext cx="9905998" cy="891627"/>
+            <a:off x="856058" y="760029"/>
+            <a:ext cx="7429499" cy="668720"/>
           </a:xfrm>
         </p:spPr>
         <p:txBody>
-          <a:bodyPr/>
+          <a:bodyPr>
+            <a:normAutofit fontScale="90000"/>
+          </a:bodyPr>
           <a:lstStyle/>
           <a:p>
             <a:pPr algn="ctr"/>
@@ -16812,34 +16996,6 @@
               <a:t>Trusted MITM</a:t>
             </a:r>
             <a:endParaRPr lang="ru-RU" dirty="0"/>
-          </a:p>
-        </p:txBody>
-      </p:sp>
-      <p:sp>
-        <p:nvSpPr>
-          <p:cNvPr id="5" name="Номер слайда 4"/>
-          <p:cNvSpPr>
-            <a:spLocks noGrp="1"/>
-          </p:cNvSpPr>
-          <p:nvPr>
-            <p:ph type="sldNum" sz="quarter" idx="12"/>
-          </p:nvPr>
-        </p:nvSpPr>
-        <p:spPr>
-          <a:xfrm>
-            <a:off x="10281658" y="6273655"/>
-            <a:ext cx="771089" cy="365125"/>
-          </a:xfrm>
-        </p:spPr>
-        <p:txBody>
-          <a:bodyPr/>
-          <a:lstStyle/>
-          <a:p>
-            <a:fld id="{1C4D5114-E5B0-41F9-82DF-C29AB2C90EE3}" type="slidenum">
-              <a:rPr lang="ru-RU" sz="1600" smtClean="0"/>
-              <a:t>7</a:t>
-            </a:fld>
-            <a:endParaRPr lang="ru-RU" sz="1600" dirty="0"/>
           </a:p>
         </p:txBody>
       </p:sp>
@@ -16868,8 +17024,8 @@
         </p:blipFill>
         <p:spPr bwMode="auto">
           <a:xfrm>
-            <a:off x="2085342" y="1413162"/>
-            <a:ext cx="8018137" cy="5043055"/>
+            <a:off x="1105441" y="1750867"/>
+            <a:ext cx="6791650" cy="4054188"/>
           </a:xfrm>
           <a:prstGeom prst="rect">
             <a:avLst/>
@@ -16882,6 +17038,34 @@
           </a:ln>
         </p:spPr>
       </p:pic>
+      <p:sp>
+        <p:nvSpPr>
+          <p:cNvPr id="5" name="Номер слайда 4"/>
+          <p:cNvSpPr>
+            <a:spLocks noGrp="1"/>
+          </p:cNvSpPr>
+          <p:nvPr>
+            <p:ph type="sldNum" sz="quarter" idx="12"/>
+          </p:nvPr>
+        </p:nvSpPr>
+        <p:spPr>
+          <a:xfrm>
+            <a:off x="7707240" y="6253486"/>
+            <a:ext cx="578317" cy="273844"/>
+          </a:xfrm>
+        </p:spPr>
+        <p:txBody>
+          <a:bodyPr/>
+          <a:lstStyle/>
+          <a:p>
+            <a:fld id="{1C4D5114-E5B0-41F9-82DF-C29AB2C90EE3}" type="slidenum">
+              <a:rPr lang="ru-RU" sz="1600"/>
+              <a:t>7</a:t>
+            </a:fld>
+            <a:endParaRPr lang="ru-RU" sz="1600" dirty="0"/>
+          </a:p>
+        </p:txBody>
+      </p:sp>
     </p:spTree>
     <p:extLst>
       <p:ext uri="{BB962C8B-B14F-4D97-AF65-F5344CB8AC3E}">
@@ -16943,12 +17127,14 @@
         </p:nvSpPr>
         <p:spPr>
           <a:xfrm>
-            <a:off x="1141412" y="272154"/>
-            <a:ext cx="9905998" cy="988609"/>
+            <a:off x="856059" y="633488"/>
+            <a:ext cx="7429499" cy="741457"/>
           </a:xfrm>
         </p:spPr>
         <p:txBody>
-          <a:bodyPr/>
+          <a:bodyPr>
+            <a:normAutofit fontScale="90000"/>
+          </a:bodyPr>
           <a:lstStyle/>
           <a:p>
             <a:pPr algn="ctr"/>
@@ -16972,8 +17158,8 @@
         </p:nvSpPr>
         <p:spPr>
           <a:xfrm>
-            <a:off x="878175" y="1260763"/>
-            <a:ext cx="10432472" cy="4622511"/>
+            <a:off x="658631" y="1678132"/>
+            <a:ext cx="7824354" cy="4260056"/>
           </a:xfrm>
         </p:spPr>
         <p:txBody>
@@ -16986,69 +17172,57 @@
               <a:buNone/>
             </a:pPr>
             <a:r>
-              <a:rPr lang="ru-RU" sz="2800" dirty="0" smtClean="0"/>
+              <a:rPr lang="ru-RU" dirty="0"/>
               <a:t>Методы:</a:t>
             </a:r>
           </a:p>
           <a:p>
             <a:r>
-              <a:rPr lang="ru-RU" sz="2800" dirty="0" smtClean="0"/>
-              <a:t>фильтрация </a:t>
-            </a:r>
-            <a:r>
-              <a:rPr lang="ru-RU" sz="2800" dirty="0"/>
-              <a:t>с использованием справочника ключевых </a:t>
-            </a:r>
-            <a:r>
-              <a:rPr lang="ru-RU" sz="2800" dirty="0" smtClean="0"/>
-              <a:t>слов</a:t>
-            </a:r>
-            <a:r>
-              <a:rPr lang="en-US" sz="2800" dirty="0" smtClean="0"/>
+              <a:rPr lang="ru-RU" dirty="0"/>
+              <a:t>фильтрация с использованием справочника ключевых слов</a:t>
+            </a:r>
+            <a:r>
+              <a:rPr lang="en-US" dirty="0"/>
               <a:t>;</a:t>
             </a:r>
           </a:p>
           <a:p>
             <a:r>
-              <a:rPr lang="ru-RU" sz="2800" dirty="0"/>
+              <a:rPr lang="ru-RU" dirty="0"/>
               <a:t>фильтрация на основе списков </a:t>
             </a:r>
             <a:r>
-              <a:rPr lang="en-US" sz="2800" i="1" dirty="0" smtClean="0"/>
+              <a:rPr lang="en-US" i="1" dirty="0"/>
               <a:t>IP/URL</a:t>
             </a:r>
             <a:r>
-              <a:rPr lang="ru-RU" sz="2800" dirty="0" smtClean="0"/>
+              <a:rPr lang="ru-RU" dirty="0"/>
               <a:t> (черные списки)</a:t>
             </a:r>
             <a:r>
-              <a:rPr lang="en-US" sz="2800" i="1" dirty="0" smtClean="0"/>
+              <a:rPr lang="en-US" i="1" dirty="0"/>
               <a:t>;</a:t>
             </a:r>
           </a:p>
           <a:p>
             <a:r>
-              <a:rPr lang="ru-RU" sz="2800" dirty="0"/>
+              <a:rPr lang="ru-RU" dirty="0"/>
               <a:t>динамическая </a:t>
             </a:r>
             <a:r>
-              <a:rPr lang="ru-RU" sz="2800" dirty="0" smtClean="0"/>
-              <a:t>фильтрация (</a:t>
-            </a:r>
-            <a:r>
-              <a:rPr lang="ru-RU" sz="2800" dirty="0"/>
-              <a:t>содержимое ресурса анализируется в момент поступления запроса к </a:t>
-            </a:r>
-            <a:r>
-              <a:rPr lang="ru-RU" sz="2800" dirty="0" smtClean="0"/>
-              <a:t>нему в режиме реального времени)</a:t>
-            </a:r>
-            <a:endParaRPr lang="en-US" sz="2800" i="1" dirty="0" smtClean="0"/>
-          </a:p>
-          <a:p>
-            <a:r>
-              <a:rPr lang="ru-RU" sz="2800" dirty="0" smtClean="0"/>
-              <a:t>На практике обычно применяется совокупность методов для обеспечения лучших результатов</a:t>
+              <a:rPr lang="ru-RU" dirty="0" smtClean="0"/>
+              <a:t>фильтрация</a:t>
+            </a:r>
+            <a:endParaRPr lang="en-US" dirty="0" smtClean="0"/>
+          </a:p>
+          <a:p>
+            <a:r>
+              <a:rPr lang="ru-RU" dirty="0" smtClean="0"/>
+              <a:t>На </a:t>
+            </a:r>
+            <a:r>
+              <a:rPr lang="ru-RU" dirty="0"/>
+              <a:t>практике обычно применяется совокупность методов для обеспечения лучших результатов</a:t>
             </a:r>
           </a:p>
         </p:txBody>
@@ -17065,8 +17239,8 @@
         </p:nvSpPr>
         <p:spPr>
           <a:xfrm>
-            <a:off x="10276321" y="6035674"/>
-            <a:ext cx="771089" cy="365125"/>
+            <a:off x="7707241" y="5938188"/>
+            <a:ext cx="578317" cy="273844"/>
           </a:xfrm>
         </p:spPr>
         <p:txBody>
@@ -17074,7 +17248,7 @@
           <a:lstStyle/>
           <a:p>
             <a:fld id="{1C4D5114-E5B0-41F9-82DF-C29AB2C90EE3}" type="slidenum">
-              <a:rPr lang="ru-RU" sz="1600" smtClean="0"/>
+              <a:rPr lang="ru-RU" sz="1600"/>
               <a:t>8</a:t>
             </a:fld>
             <a:endParaRPr lang="ru-RU" sz="1600" dirty="0"/>
@@ -17142,8 +17316,8 @@
         </p:nvSpPr>
         <p:spPr>
           <a:xfrm>
-            <a:off x="1141413" y="410700"/>
-            <a:ext cx="10053060" cy="919337"/>
+            <a:off x="856059" y="777348"/>
+            <a:ext cx="7539795" cy="689503"/>
           </a:xfrm>
         </p:spPr>
         <p:txBody>
@@ -17173,23 +17347,19 @@
         </p:nvSpPr>
         <p:spPr>
           <a:xfrm>
-            <a:off x="1141412" y="1330038"/>
-            <a:ext cx="10191606" cy="4918362"/>
+            <a:off x="856059" y="1939636"/>
+            <a:ext cx="7643706" cy="4173781"/>
           </a:xfrm>
         </p:spPr>
         <p:txBody>
           <a:bodyPr>
-            <a:normAutofit/>
+            <a:noAutofit/>
           </a:bodyPr>
           <a:lstStyle/>
           <a:p>
             <a:r>
-              <a:rPr lang="ru-RU" sz="2600" dirty="0"/>
-              <a:t>Категории задаются разработчиком системы контентной </a:t>
-            </a:r>
-            <a:r>
-              <a:rPr lang="ru-RU" sz="2600" dirty="0" smtClean="0"/>
-              <a:t>фильтрации</a:t>
+              <a:rPr lang="ru-RU" dirty="0"/>
+              <a:t>Категории задаются разработчиком системы контентной фильтрации</a:t>
             </a:r>
           </a:p>
           <a:p>
@@ -17197,56 +17367,54 @@
               <a:buNone/>
             </a:pPr>
             <a:r>
-              <a:rPr lang="ru-RU" sz="2600" dirty="0" smtClean="0"/>
+              <a:rPr lang="ru-RU" dirty="0"/>
               <a:t>Способы категоризации:</a:t>
             </a:r>
           </a:p>
           <a:p>
             <a:r>
-              <a:rPr lang="ru-RU" sz="2600" dirty="0"/>
+              <a:rPr lang="ru-RU" dirty="0"/>
               <a:t>использование регулярно обновляемых баз данных </a:t>
             </a:r>
             <a:r>
-              <a:rPr lang="ru-RU" sz="2600" dirty="0" err="1"/>
+              <a:rPr lang="ru-RU" dirty="0" err="1"/>
               <a:t>категоризированных</a:t>
             </a:r>
             <a:r>
-              <a:rPr lang="ru-RU" sz="2600" dirty="0"/>
-              <a:t> </a:t>
-            </a:r>
-            <a:r>
-              <a:rPr lang="ru-RU" sz="2600" dirty="0" smtClean="0"/>
-              <a:t>ресурсов</a:t>
-            </a:r>
-            <a:r>
-              <a:rPr lang="en-US" sz="2600" dirty="0" smtClean="0"/>
+              <a:rPr lang="ru-RU" dirty="0"/>
+              <a:t> ресурсов</a:t>
+            </a:r>
+            <a:r>
+              <a:rPr lang="en-US" dirty="0"/>
               <a:t>;</a:t>
             </a:r>
-            <a:endParaRPr lang="ru-RU" sz="2600" dirty="0"/>
-          </a:p>
-          <a:p>
-            <a:r>
-              <a:rPr lang="ru-RU" sz="2600" dirty="0"/>
-              <a:t>категоризация контента «на лету» при помощи анализа содержимого </a:t>
-            </a:r>
-            <a:r>
-              <a:rPr lang="ru-RU" sz="2600" dirty="0" smtClean="0"/>
-              <a:t>страниц</a:t>
-            </a:r>
-            <a:r>
-              <a:rPr lang="en-US" sz="2600" dirty="0" smtClean="0"/>
+            <a:endParaRPr lang="ru-RU" dirty="0"/>
+          </a:p>
+          <a:p>
+            <a:r>
+              <a:rPr lang="ru-RU" dirty="0"/>
+              <a:t>категоризация контента «на лету</a:t>
+            </a:r>
+            <a:r>
+              <a:rPr lang="ru-RU" dirty="0" smtClean="0"/>
+              <a:t>»</a:t>
+            </a:r>
+            <a:r>
+              <a:rPr lang="en-US" dirty="0" smtClean="0"/>
               <a:t>;</a:t>
             </a:r>
-          </a:p>
-          <a:p>
-            <a:r>
-              <a:rPr lang="ru-RU" sz="2600" dirty="0"/>
-              <a:t>использование данных о категории, информацию о принадлежности к которой предоставляет сам </a:t>
-            </a:r>
-            <a:r>
-              <a:rPr lang="ru-RU" sz="2600" dirty="0" smtClean="0"/>
-              <a:t>сайт</a:t>
-            </a:r>
+            <a:endParaRPr lang="en-US" dirty="0"/>
+          </a:p>
+          <a:p>
+            <a:r>
+              <a:rPr lang="ru-RU" dirty="0"/>
+              <a:t>использование </a:t>
+            </a:r>
+            <a:r>
+              <a:rPr lang="ru-RU" dirty="0" smtClean="0"/>
+              <a:t>информации, предоставляемой самим сайтом</a:t>
+            </a:r>
+            <a:endParaRPr lang="ru-RU" dirty="0"/>
           </a:p>
         </p:txBody>
       </p:sp>
@@ -17262,8 +17430,8 @@
         </p:nvSpPr>
         <p:spPr>
           <a:xfrm>
-            <a:off x="10423384" y="6065837"/>
-            <a:ext cx="771089" cy="365125"/>
+            <a:off x="7817537" y="6017958"/>
+            <a:ext cx="578317" cy="273844"/>
           </a:xfrm>
         </p:spPr>
         <p:txBody>
@@ -17271,7 +17439,7 @@
           <a:lstStyle/>
           <a:p>
             <a:fld id="{1C4D5114-E5B0-41F9-82DF-C29AB2C90EE3}" type="slidenum">
-              <a:rPr lang="ru-RU" sz="1600" smtClean="0"/>
+              <a:rPr lang="ru-RU" sz="1600"/>
               <a:t>9</a:t>
             </a:fld>
             <a:endParaRPr lang="ru-RU" sz="1600" dirty="0"/>

--- a/diploma/Проектирование и разработка веб-фильтра для обеспечения контроля доступа к сетевым ресурсам.pptx
+++ b/diploma/Проектирование и разработка веб-фильтра для обеспечения контроля доступа к сетевым ресурсам.pptx
@@ -561,7 +561,7 @@
           <a:noFill/>
           <a:extLst>
             <a:ext uri="{909E8E84-426E-40dd-AFC4-6F175D3DCCD1}">
-              <a14:hiddenFill xmlns:a14="http://schemas.microsoft.com/office/drawing/2010/main" xmlns="">
+              <a14:hiddenFill xmlns="" xmlns:a14="http://schemas.microsoft.com/office/drawing/2010/main">
                 <a:solidFill>
                   <a:srgbClr val="FFFFFF"/>
                 </a:solidFill>
@@ -620,7 +620,7 @@
             </a:ln>
             <a:extLst>
               <a:ext uri="{91240B29-F687-4f45-9708-019B960494DF}">
-                <a14:hiddenLine xmlns:a14="http://schemas.microsoft.com/office/drawing/2010/main" xmlns="" w="9525">
+                <a14:hiddenLine xmlns="" xmlns:a14="http://schemas.microsoft.com/office/drawing/2010/main" w="9525">
                   <a:solidFill>
                     <a:srgbClr val="000000"/>
                   </a:solidFill>
@@ -710,7 +710,7 @@
             </a:ln>
             <a:extLst>
               <a:ext uri="{91240B29-F687-4f45-9708-019B960494DF}">
-                <a14:hiddenLine xmlns:a14="http://schemas.microsoft.com/office/drawing/2010/main" xmlns="" w="9525">
+                <a14:hiddenLine xmlns="" xmlns:a14="http://schemas.microsoft.com/office/drawing/2010/main" w="9525">
                   <a:solidFill>
                     <a:srgbClr val="000000"/>
                   </a:solidFill>
@@ -800,7 +800,7 @@
             </a:ln>
             <a:extLst>
               <a:ext uri="{91240B29-F687-4f45-9708-019B960494DF}">
-                <a14:hiddenLine xmlns:a14="http://schemas.microsoft.com/office/drawing/2010/main" xmlns="" w="9525">
+                <a14:hiddenLine xmlns="" xmlns:a14="http://schemas.microsoft.com/office/drawing/2010/main" w="9525">
                   <a:solidFill>
                     <a:srgbClr val="000000"/>
                   </a:solidFill>
@@ -834,7 +834,7 @@
             </a:ln>
             <a:extLst>
               <a:ext uri="{91240B29-F687-4f45-9708-019B960494DF}">
-                <a14:hiddenLine xmlns:a14="http://schemas.microsoft.com/office/drawing/2010/main" xmlns="" w="9525">
+                <a14:hiddenLine xmlns="" xmlns:a14="http://schemas.microsoft.com/office/drawing/2010/main" w="9525">
                   <a:solidFill>
                     <a:srgbClr val="000000"/>
                   </a:solidFill>
@@ -924,7 +924,7 @@
             </a:ln>
             <a:extLst>
               <a:ext uri="{91240B29-F687-4f45-9708-019B960494DF}">
-                <a14:hiddenLine xmlns:a14="http://schemas.microsoft.com/office/drawing/2010/main" xmlns="" w="9525">
+                <a14:hiddenLine xmlns="" xmlns:a14="http://schemas.microsoft.com/office/drawing/2010/main" w="9525">
                   <a:solidFill>
                     <a:srgbClr val="000000"/>
                   </a:solidFill>
@@ -986,7 +986,7 @@
             </a:ln>
             <a:extLst>
               <a:ext uri="{91240B29-F687-4f45-9708-019B960494DF}">
-                <a14:hiddenLine xmlns:a14="http://schemas.microsoft.com/office/drawing/2010/main" xmlns="" w="9525">
+                <a14:hiddenLine xmlns="" xmlns:a14="http://schemas.microsoft.com/office/drawing/2010/main" w="9525">
                   <a:solidFill>
                     <a:srgbClr val="000000"/>
                   </a:solidFill>
@@ -1048,7 +1048,7 @@
             </a:ln>
             <a:extLst>
               <a:ext uri="{91240B29-F687-4f45-9708-019B960494DF}">
-                <a14:hiddenLine xmlns:a14="http://schemas.microsoft.com/office/drawing/2010/main" xmlns="" w="9525">
+                <a14:hiddenLine xmlns="" xmlns:a14="http://schemas.microsoft.com/office/drawing/2010/main" w="9525">
                   <a:solidFill>
                     <a:srgbClr val="000000"/>
                   </a:solidFill>
@@ -1138,7 +1138,7 @@
             </a:ln>
             <a:extLst>
               <a:ext uri="{91240B29-F687-4f45-9708-019B960494DF}">
-                <a14:hiddenLine xmlns:a14="http://schemas.microsoft.com/office/drawing/2010/main" xmlns="" w="9525">
+                <a14:hiddenLine xmlns="" xmlns:a14="http://schemas.microsoft.com/office/drawing/2010/main" w="9525">
                   <a:solidFill>
                     <a:srgbClr val="000000"/>
                   </a:solidFill>
@@ -1200,7 +1200,7 @@
             </a:ln>
             <a:extLst>
               <a:ext uri="{91240B29-F687-4f45-9708-019B960494DF}">
-                <a14:hiddenLine xmlns:a14="http://schemas.microsoft.com/office/drawing/2010/main" xmlns="" w="9525">
+                <a14:hiddenLine xmlns="" xmlns:a14="http://schemas.microsoft.com/office/drawing/2010/main" w="9525">
                   <a:solidFill>
                     <a:srgbClr val="000000"/>
                   </a:solidFill>
@@ -1262,7 +1262,7 @@
             </a:ln>
             <a:extLst>
               <a:ext uri="{91240B29-F687-4f45-9708-019B960494DF}">
-                <a14:hiddenLine xmlns:a14="http://schemas.microsoft.com/office/drawing/2010/main" xmlns="" w="9525">
+                <a14:hiddenLine xmlns="" xmlns:a14="http://schemas.microsoft.com/office/drawing/2010/main" w="9525">
                   <a:solidFill>
                     <a:srgbClr val="000000"/>
                   </a:solidFill>
@@ -1352,7 +1352,7 @@
             </a:ln>
             <a:extLst>
               <a:ext uri="{91240B29-F687-4f45-9708-019B960494DF}">
-                <a14:hiddenLine xmlns:a14="http://schemas.microsoft.com/office/drawing/2010/main" xmlns="" w="9525">
+                <a14:hiddenLine xmlns="" xmlns:a14="http://schemas.microsoft.com/office/drawing/2010/main" w="9525">
                   <a:solidFill>
                     <a:srgbClr val="000000"/>
                   </a:solidFill>
@@ -1442,7 +1442,7 @@
             </a:ln>
             <a:extLst>
               <a:ext uri="{91240B29-F687-4f45-9708-019B960494DF}">
-                <a14:hiddenLine xmlns:a14="http://schemas.microsoft.com/office/drawing/2010/main" xmlns="" w="9525">
+                <a14:hiddenLine xmlns="" xmlns:a14="http://schemas.microsoft.com/office/drawing/2010/main" w="9525">
                   <a:solidFill>
                     <a:srgbClr val="000000"/>
                   </a:solidFill>
@@ -1504,7 +1504,7 @@
             </a:ln>
             <a:extLst>
               <a:ext uri="{91240B29-F687-4f45-9708-019B960494DF}">
-                <a14:hiddenLine xmlns:a14="http://schemas.microsoft.com/office/drawing/2010/main" xmlns="" w="9525">
+                <a14:hiddenLine xmlns="" xmlns:a14="http://schemas.microsoft.com/office/drawing/2010/main" w="9525">
                   <a:solidFill>
                     <a:srgbClr val="000000"/>
                   </a:solidFill>
@@ -1614,7 +1614,7 @@
             </a:ln>
             <a:extLst>
               <a:ext uri="{91240B29-F687-4f45-9708-019B960494DF}">
-                <a14:hiddenLine xmlns:a14="http://schemas.microsoft.com/office/drawing/2010/main" xmlns="" w="9525">
+                <a14:hiddenLine xmlns="" xmlns:a14="http://schemas.microsoft.com/office/drawing/2010/main" w="9525">
                   <a:solidFill>
                     <a:srgbClr val="000000"/>
                   </a:solidFill>
@@ -1676,7 +1676,7 @@
             </a:ln>
             <a:extLst>
               <a:ext uri="{91240B29-F687-4f45-9708-019B960494DF}">
-                <a14:hiddenLine xmlns:a14="http://schemas.microsoft.com/office/drawing/2010/main" xmlns="" w="9525">
+                <a14:hiddenLine xmlns="" xmlns:a14="http://schemas.microsoft.com/office/drawing/2010/main" w="9525">
                   <a:solidFill>
                     <a:srgbClr val="000000"/>
                   </a:solidFill>
@@ -1766,7 +1766,7 @@
             </a:ln>
             <a:extLst>
               <a:ext uri="{91240B29-F687-4f45-9708-019B960494DF}">
-                <a14:hiddenLine xmlns:a14="http://schemas.microsoft.com/office/drawing/2010/main" xmlns="" w="9525">
+                <a14:hiddenLine xmlns="" xmlns:a14="http://schemas.microsoft.com/office/drawing/2010/main" w="9525">
                   <a:solidFill>
                     <a:srgbClr val="000000"/>
                   </a:solidFill>
@@ -1856,7 +1856,7 @@
             </a:ln>
             <a:extLst>
               <a:ext uri="{91240B29-F687-4f45-9708-019B960494DF}">
-                <a14:hiddenLine xmlns:a14="http://schemas.microsoft.com/office/drawing/2010/main" xmlns="" w="9525">
+                <a14:hiddenLine xmlns="" xmlns:a14="http://schemas.microsoft.com/office/drawing/2010/main" w="9525">
                   <a:solidFill>
                     <a:srgbClr val="000000"/>
                   </a:solidFill>
@@ -1918,7 +1918,7 @@
             </a:ln>
             <a:extLst>
               <a:ext uri="{91240B29-F687-4f45-9708-019B960494DF}">
-                <a14:hiddenLine xmlns:a14="http://schemas.microsoft.com/office/drawing/2010/main" xmlns="" w="9525">
+                <a14:hiddenLine xmlns="" xmlns:a14="http://schemas.microsoft.com/office/drawing/2010/main" w="9525">
                   <a:solidFill>
                     <a:srgbClr val="000000"/>
                   </a:solidFill>
@@ -2008,7 +2008,7 @@
             </a:ln>
             <a:extLst>
               <a:ext uri="{91240B29-F687-4f45-9708-019B960494DF}">
-                <a14:hiddenLine xmlns:a14="http://schemas.microsoft.com/office/drawing/2010/main" xmlns="" w="9525">
+                <a14:hiddenLine xmlns="" xmlns:a14="http://schemas.microsoft.com/office/drawing/2010/main" w="9525">
                   <a:solidFill>
                     <a:srgbClr val="000000"/>
                   </a:solidFill>
@@ -2098,7 +2098,7 @@
             </a:ln>
             <a:extLst>
               <a:ext uri="{91240B29-F687-4f45-9708-019B960494DF}">
-                <a14:hiddenLine xmlns:a14="http://schemas.microsoft.com/office/drawing/2010/main" xmlns="" w="9525">
+                <a14:hiddenLine xmlns="" xmlns:a14="http://schemas.microsoft.com/office/drawing/2010/main" w="9525">
                   <a:solidFill>
                     <a:srgbClr val="000000"/>
                   </a:solidFill>
@@ -2154,7 +2154,7 @@
             </a:ln>
             <a:extLst>
               <a:ext uri="{91240B29-F687-4f45-9708-019B960494DF}">
-                <a14:hiddenLine xmlns:a14="http://schemas.microsoft.com/office/drawing/2010/main" xmlns="" w="9525">
+                <a14:hiddenLine xmlns="" xmlns:a14="http://schemas.microsoft.com/office/drawing/2010/main" w="9525">
                   <a:solidFill>
                     <a:srgbClr val="000000"/>
                   </a:solidFill>
@@ -2244,7 +2244,7 @@
             </a:ln>
             <a:extLst>
               <a:ext uri="{91240B29-F687-4f45-9708-019B960494DF}">
-                <a14:hiddenLine xmlns:a14="http://schemas.microsoft.com/office/drawing/2010/main" xmlns="" w="9525">
+                <a14:hiddenLine xmlns="" xmlns:a14="http://schemas.microsoft.com/office/drawing/2010/main" w="9525">
                   <a:solidFill>
                     <a:srgbClr val="000000"/>
                   </a:solidFill>
@@ -2300,7 +2300,7 @@
             </a:ln>
             <a:extLst>
               <a:ext uri="{91240B29-F687-4f45-9708-019B960494DF}">
-                <a14:hiddenLine xmlns:a14="http://schemas.microsoft.com/office/drawing/2010/main" xmlns="" w="9525">
+                <a14:hiddenLine xmlns="" xmlns:a14="http://schemas.microsoft.com/office/drawing/2010/main" w="9525">
                   <a:solidFill>
                     <a:srgbClr val="000000"/>
                   </a:solidFill>
@@ -2390,7 +2390,7 @@
             </a:ln>
             <a:extLst>
               <a:ext uri="{91240B29-F687-4f45-9708-019B960494DF}">
-                <a14:hiddenLine xmlns:a14="http://schemas.microsoft.com/office/drawing/2010/main" xmlns="" w="9525">
+                <a14:hiddenLine xmlns="" xmlns:a14="http://schemas.microsoft.com/office/drawing/2010/main" w="9525">
                   <a:solidFill>
                     <a:srgbClr val="000000"/>
                   </a:solidFill>
@@ -2458,7 +2458,7 @@
             </a:ln>
             <a:extLst>
               <a:ext uri="{91240B29-F687-4f45-9708-019B960494DF}">
-                <a14:hiddenLine xmlns:a14="http://schemas.microsoft.com/office/drawing/2010/main" xmlns="" w="9525">
+                <a14:hiddenLine xmlns="" xmlns:a14="http://schemas.microsoft.com/office/drawing/2010/main" w="9525">
                   <a:solidFill>
                     <a:srgbClr val="000000"/>
                   </a:solidFill>
@@ -2548,7 +2548,7 @@
             </a:ln>
             <a:extLst>
               <a:ext uri="{91240B29-F687-4f45-9708-019B960494DF}">
-                <a14:hiddenLine xmlns:a14="http://schemas.microsoft.com/office/drawing/2010/main" xmlns="" w="9525">
+                <a14:hiddenLine xmlns="" xmlns:a14="http://schemas.microsoft.com/office/drawing/2010/main" w="9525">
                   <a:solidFill>
                     <a:srgbClr val="000000"/>
                   </a:solidFill>
@@ -2616,7 +2616,7 @@
             </a:ln>
             <a:extLst>
               <a:ext uri="{91240B29-F687-4f45-9708-019B960494DF}">
-                <a14:hiddenLine xmlns:a14="http://schemas.microsoft.com/office/drawing/2010/main" xmlns="" w="9525">
+                <a14:hiddenLine xmlns="" xmlns:a14="http://schemas.microsoft.com/office/drawing/2010/main" w="9525">
                   <a:solidFill>
                     <a:srgbClr val="000000"/>
                   </a:solidFill>
@@ -2706,7 +2706,7 @@
             </a:ln>
             <a:extLst>
               <a:ext uri="{91240B29-F687-4f45-9708-019B960494DF}">
-                <a14:hiddenLine xmlns:a14="http://schemas.microsoft.com/office/drawing/2010/main" xmlns="" w="9525">
+                <a14:hiddenLine xmlns="" xmlns:a14="http://schemas.microsoft.com/office/drawing/2010/main" w="9525">
                   <a:solidFill>
                     <a:srgbClr val="000000"/>
                   </a:solidFill>
@@ -2740,7 +2740,7 @@
             </a:ln>
             <a:extLst>
               <a:ext uri="{91240B29-F687-4f45-9708-019B960494DF}">
-                <a14:hiddenLine xmlns:a14="http://schemas.microsoft.com/office/drawing/2010/main" xmlns="" w="9525">
+                <a14:hiddenLine xmlns="" xmlns:a14="http://schemas.microsoft.com/office/drawing/2010/main" w="9525">
                   <a:solidFill>
                     <a:srgbClr val="000000"/>
                   </a:solidFill>
@@ -2830,7 +2830,7 @@
             </a:ln>
             <a:extLst>
               <a:ext uri="{91240B29-F687-4f45-9708-019B960494DF}">
-                <a14:hiddenLine xmlns:a14="http://schemas.microsoft.com/office/drawing/2010/main" xmlns="" w="9525">
+                <a14:hiddenLine xmlns="" xmlns:a14="http://schemas.microsoft.com/office/drawing/2010/main" w="9525">
                   <a:solidFill>
                     <a:srgbClr val="000000"/>
                   </a:solidFill>
@@ -2892,7 +2892,7 @@
             </a:ln>
             <a:extLst>
               <a:ext uri="{91240B29-F687-4f45-9708-019B960494DF}">
-                <a14:hiddenLine xmlns:a14="http://schemas.microsoft.com/office/drawing/2010/main" xmlns="" w="9525">
+                <a14:hiddenLine xmlns="" xmlns:a14="http://schemas.microsoft.com/office/drawing/2010/main" w="9525">
                   <a:solidFill>
                     <a:srgbClr val="000000"/>
                   </a:solidFill>
@@ -2954,7 +2954,7 @@
             </a:ln>
             <a:extLst>
               <a:ext uri="{91240B29-F687-4f45-9708-019B960494DF}">
-                <a14:hiddenLine xmlns:a14="http://schemas.microsoft.com/office/drawing/2010/main" xmlns="" w="9525">
+                <a14:hiddenLine xmlns="" xmlns:a14="http://schemas.microsoft.com/office/drawing/2010/main" w="9525">
                   <a:solidFill>
                     <a:srgbClr val="000000"/>
                   </a:solidFill>
@@ -3044,7 +3044,7 @@
             </a:ln>
             <a:extLst>
               <a:ext uri="{91240B29-F687-4f45-9708-019B960494DF}">
-                <a14:hiddenLine xmlns:a14="http://schemas.microsoft.com/office/drawing/2010/main" xmlns="" w="9525">
+                <a14:hiddenLine xmlns="" xmlns:a14="http://schemas.microsoft.com/office/drawing/2010/main" w="9525">
                   <a:solidFill>
                     <a:srgbClr val="000000"/>
                   </a:solidFill>
@@ -3112,7 +3112,7 @@
             </a:ln>
             <a:extLst>
               <a:ext uri="{91240B29-F687-4f45-9708-019B960494DF}">
-                <a14:hiddenLine xmlns:a14="http://schemas.microsoft.com/office/drawing/2010/main" xmlns="" w="9525">
+                <a14:hiddenLine xmlns="" xmlns:a14="http://schemas.microsoft.com/office/drawing/2010/main" w="9525">
                   <a:solidFill>
                     <a:srgbClr val="000000"/>
                   </a:solidFill>
@@ -3174,7 +3174,7 @@
             </a:ln>
             <a:extLst>
               <a:ext uri="{91240B29-F687-4f45-9708-019B960494DF}">
-                <a14:hiddenLine xmlns:a14="http://schemas.microsoft.com/office/drawing/2010/main" xmlns="" w="9525">
+                <a14:hiddenLine xmlns="" xmlns:a14="http://schemas.microsoft.com/office/drawing/2010/main" w="9525">
                   <a:solidFill>
                     <a:srgbClr val="000000"/>
                   </a:solidFill>
@@ -3264,7 +3264,7 @@
             </a:ln>
             <a:extLst>
               <a:ext uri="{91240B29-F687-4f45-9708-019B960494DF}">
-                <a14:hiddenLine xmlns:a14="http://schemas.microsoft.com/office/drawing/2010/main" xmlns="" w="9525">
+                <a14:hiddenLine xmlns="" xmlns:a14="http://schemas.microsoft.com/office/drawing/2010/main" w="9525">
                   <a:solidFill>
                     <a:srgbClr val="000000"/>
                   </a:solidFill>
@@ -3326,7 +3326,7 @@
             </a:ln>
             <a:extLst>
               <a:ext uri="{91240B29-F687-4f45-9708-019B960494DF}">
-                <a14:hiddenLine xmlns:a14="http://schemas.microsoft.com/office/drawing/2010/main" xmlns="" w="9525">
+                <a14:hiddenLine xmlns="" xmlns:a14="http://schemas.microsoft.com/office/drawing/2010/main" w="9525">
                   <a:solidFill>
                     <a:srgbClr val="000000"/>
                   </a:solidFill>
@@ -3416,7 +3416,7 @@
             </a:ln>
             <a:extLst>
               <a:ext uri="{91240B29-F687-4f45-9708-019B960494DF}">
-                <a14:hiddenLine xmlns:a14="http://schemas.microsoft.com/office/drawing/2010/main" xmlns="" w="9525">
+                <a14:hiddenLine xmlns="" xmlns:a14="http://schemas.microsoft.com/office/drawing/2010/main" w="9525">
                   <a:solidFill>
                     <a:srgbClr val="000000"/>
                   </a:solidFill>
@@ -3478,7 +3478,7 @@
             </a:ln>
             <a:extLst>
               <a:ext uri="{91240B29-F687-4f45-9708-019B960494DF}">
-                <a14:hiddenLine xmlns:a14="http://schemas.microsoft.com/office/drawing/2010/main" xmlns="" w="9525">
+                <a14:hiddenLine xmlns="" xmlns:a14="http://schemas.microsoft.com/office/drawing/2010/main" w="9525">
                   <a:solidFill>
                     <a:srgbClr val="000000"/>
                   </a:solidFill>
@@ -3568,7 +3568,7 @@
             </a:ln>
             <a:extLst>
               <a:ext uri="{91240B29-F687-4f45-9708-019B960494DF}">
-                <a14:hiddenLine xmlns:a14="http://schemas.microsoft.com/office/drawing/2010/main" xmlns="" w="9525">
+                <a14:hiddenLine xmlns="" xmlns:a14="http://schemas.microsoft.com/office/drawing/2010/main" w="9525">
                   <a:solidFill>
                     <a:srgbClr val="000000"/>
                   </a:solidFill>
@@ -3602,7 +3602,7 @@
             </a:ln>
             <a:extLst>
               <a:ext uri="{91240B29-F687-4f45-9708-019B960494DF}">
-                <a14:hiddenLine xmlns:a14="http://schemas.microsoft.com/office/drawing/2010/main" xmlns="" w="9525">
+                <a14:hiddenLine xmlns="" xmlns:a14="http://schemas.microsoft.com/office/drawing/2010/main" w="9525">
                   <a:solidFill>
                     <a:srgbClr val="000000"/>
                   </a:solidFill>
@@ -3667,7 +3667,7 @@
             </a:ln>
             <a:extLst>
               <a:ext uri="{91240B29-F687-4f45-9708-019B960494DF}">
-                <a14:hiddenLine xmlns:a14="http://schemas.microsoft.com/office/drawing/2010/main" xmlns="" w="9525">
+                <a14:hiddenLine xmlns="" xmlns:a14="http://schemas.microsoft.com/office/drawing/2010/main" w="9525">
                   <a:solidFill>
                     <a:srgbClr val="000000"/>
                   </a:solidFill>
@@ -3757,7 +3757,7 @@
             </a:ln>
             <a:extLst>
               <a:ext uri="{91240B29-F687-4f45-9708-019B960494DF}">
-                <a14:hiddenLine xmlns:a14="http://schemas.microsoft.com/office/drawing/2010/main" xmlns="" w="9525">
+                <a14:hiddenLine xmlns="" xmlns:a14="http://schemas.microsoft.com/office/drawing/2010/main" w="9525">
                   <a:solidFill>
                     <a:srgbClr val="000000"/>
                   </a:solidFill>
@@ -3819,7 +3819,7 @@
             </a:ln>
             <a:extLst>
               <a:ext uri="{91240B29-F687-4f45-9708-019B960494DF}">
-                <a14:hiddenLine xmlns:a14="http://schemas.microsoft.com/office/drawing/2010/main" xmlns="" w="9525">
+                <a14:hiddenLine xmlns="" xmlns:a14="http://schemas.microsoft.com/office/drawing/2010/main" w="9525">
                   <a:solidFill>
                     <a:srgbClr val="000000"/>
                   </a:solidFill>
@@ -3909,7 +3909,7 @@
             </a:ln>
             <a:extLst>
               <a:ext uri="{91240B29-F687-4f45-9708-019B960494DF}">
-                <a14:hiddenLine xmlns:a14="http://schemas.microsoft.com/office/drawing/2010/main" xmlns="" w="9525">
+                <a14:hiddenLine xmlns="" xmlns:a14="http://schemas.microsoft.com/office/drawing/2010/main" w="9525">
                   <a:solidFill>
                     <a:srgbClr val="000000"/>
                   </a:solidFill>
@@ -3999,7 +3999,7 @@
             </a:ln>
             <a:extLst>
               <a:ext uri="{91240B29-F687-4f45-9708-019B960494DF}">
-                <a14:hiddenLine xmlns:a14="http://schemas.microsoft.com/office/drawing/2010/main" xmlns="" w="9525">
+                <a14:hiddenLine xmlns="" xmlns:a14="http://schemas.microsoft.com/office/drawing/2010/main" w="9525">
                   <a:solidFill>
                     <a:srgbClr val="000000"/>
                   </a:solidFill>
@@ -4064,7 +4064,7 @@
             </a:ln>
             <a:extLst>
               <a:ext uri="{91240B29-F687-4f45-9708-019B960494DF}">
-                <a14:hiddenLine xmlns:a14="http://schemas.microsoft.com/office/drawing/2010/main" xmlns="" w="9525">
+                <a14:hiddenLine xmlns="" xmlns:a14="http://schemas.microsoft.com/office/drawing/2010/main" w="9525">
                   <a:solidFill>
                     <a:srgbClr val="000000"/>
                   </a:solidFill>
@@ -4126,7 +4126,7 @@
             </a:ln>
             <a:extLst>
               <a:ext uri="{91240B29-F687-4f45-9708-019B960494DF}">
-                <a14:hiddenLine xmlns:a14="http://schemas.microsoft.com/office/drawing/2010/main" xmlns="" w="9525">
+                <a14:hiddenLine xmlns="" xmlns:a14="http://schemas.microsoft.com/office/drawing/2010/main" w="9525">
                   <a:solidFill>
                     <a:srgbClr val="000000"/>
                   </a:solidFill>
@@ -4216,7 +4216,7 @@
             </a:ln>
             <a:extLst>
               <a:ext uri="{91240B29-F687-4f45-9708-019B960494DF}">
-                <a14:hiddenLine xmlns:a14="http://schemas.microsoft.com/office/drawing/2010/main" xmlns="" w="9525">
+                <a14:hiddenLine xmlns="" xmlns:a14="http://schemas.microsoft.com/office/drawing/2010/main" w="9525">
                   <a:solidFill>
                     <a:srgbClr val="000000"/>
                   </a:solidFill>
@@ -4306,7 +4306,7 @@
             </a:ln>
             <a:extLst>
               <a:ext uri="{91240B29-F687-4f45-9708-019B960494DF}">
-                <a14:hiddenLine xmlns:a14="http://schemas.microsoft.com/office/drawing/2010/main" xmlns="" w="9525">
+                <a14:hiddenLine xmlns="" xmlns:a14="http://schemas.microsoft.com/office/drawing/2010/main" w="9525">
                   <a:solidFill>
                     <a:srgbClr val="000000"/>
                   </a:solidFill>
@@ -4368,7 +4368,7 @@
             </a:ln>
             <a:extLst>
               <a:ext uri="{91240B29-F687-4f45-9708-019B960494DF}">
-                <a14:hiddenLine xmlns:a14="http://schemas.microsoft.com/office/drawing/2010/main" xmlns="" w="9525">
+                <a14:hiddenLine xmlns="" xmlns:a14="http://schemas.microsoft.com/office/drawing/2010/main" w="9525">
                   <a:solidFill>
                     <a:srgbClr val="000000"/>
                   </a:solidFill>
@@ -4488,7 +4488,7 @@
             </a:ln>
             <a:extLst>
               <a:ext uri="{91240B29-F687-4f45-9708-019B960494DF}">
-                <a14:hiddenLine xmlns:a14="http://schemas.microsoft.com/office/drawing/2010/main" xmlns="" w="9525">
+                <a14:hiddenLine xmlns="" xmlns:a14="http://schemas.microsoft.com/office/drawing/2010/main" w="9525">
                   <a:solidFill>
                     <a:srgbClr val="000000"/>
                   </a:solidFill>
@@ -4556,7 +4556,7 @@
             </a:ln>
             <a:extLst>
               <a:ext uri="{91240B29-F687-4f45-9708-019B960494DF}">
-                <a14:hiddenLine xmlns:a14="http://schemas.microsoft.com/office/drawing/2010/main" xmlns="" w="9525">
+                <a14:hiddenLine xmlns="" xmlns:a14="http://schemas.microsoft.com/office/drawing/2010/main" w="9525">
                   <a:solidFill>
                     <a:srgbClr val="000000"/>
                   </a:solidFill>
@@ -4646,7 +4646,7 @@
             </a:ln>
             <a:extLst>
               <a:ext uri="{91240B29-F687-4f45-9708-019B960494DF}">
-                <a14:hiddenLine xmlns:a14="http://schemas.microsoft.com/office/drawing/2010/main" xmlns="" w="9525">
+                <a14:hiddenLine xmlns="" xmlns:a14="http://schemas.microsoft.com/office/drawing/2010/main" w="9525">
                   <a:solidFill>
                     <a:srgbClr val="000000"/>
                   </a:solidFill>
@@ -9784,7 +9784,7 @@
           <a:noFill/>
           <a:extLst>
             <a:ext uri="{909E8E84-426E-40dd-AFC4-6F175D3DCCD1}">
-              <a14:hiddenFill xmlns:a14="http://schemas.microsoft.com/office/drawing/2010/main" xmlns="">
+              <a14:hiddenFill xmlns="" xmlns:a14="http://schemas.microsoft.com/office/drawing/2010/main">
                 <a:solidFill>
                   <a:srgbClr val="FFFFFF"/>
                 </a:solidFill>
@@ -9858,7 +9858,7 @@
               </a:ln>
               <a:extLst>
                 <a:ext uri="{91240B29-F687-4f45-9708-019B960494DF}">
-                  <a14:hiddenLine xmlns:a14="http://schemas.microsoft.com/office/drawing/2010/main" xmlns="" w="9525">
+                  <a14:hiddenLine xmlns="" xmlns:a14="http://schemas.microsoft.com/office/drawing/2010/main" w="9525">
                     <a:solidFill>
                       <a:srgbClr val="000000"/>
                     </a:solidFill>
@@ -9948,7 +9948,7 @@
               </a:ln>
               <a:extLst>
                 <a:ext uri="{91240B29-F687-4f45-9708-019B960494DF}">
-                  <a14:hiddenLine xmlns:a14="http://schemas.microsoft.com/office/drawing/2010/main" xmlns="" w="9525">
+                  <a14:hiddenLine xmlns="" xmlns:a14="http://schemas.microsoft.com/office/drawing/2010/main" w="9525">
                     <a:solidFill>
                       <a:srgbClr val="000000"/>
                     </a:solidFill>
@@ -10038,7 +10038,7 @@
               </a:ln>
               <a:extLst>
                 <a:ext uri="{91240B29-F687-4f45-9708-019B960494DF}">
-                  <a14:hiddenLine xmlns:a14="http://schemas.microsoft.com/office/drawing/2010/main" xmlns="" w="9525">
+                  <a14:hiddenLine xmlns="" xmlns:a14="http://schemas.microsoft.com/office/drawing/2010/main" w="9525">
                     <a:solidFill>
                       <a:srgbClr val="000000"/>
                     </a:solidFill>
@@ -10100,7 +10100,7 @@
               </a:ln>
               <a:extLst>
                 <a:ext uri="{91240B29-F687-4f45-9708-019B960494DF}">
-                  <a14:hiddenLine xmlns:a14="http://schemas.microsoft.com/office/drawing/2010/main" xmlns="" w="9525">
+                  <a14:hiddenLine xmlns="" xmlns:a14="http://schemas.microsoft.com/office/drawing/2010/main" w="9525">
                     <a:solidFill>
                       <a:srgbClr val="000000"/>
                     </a:solidFill>
@@ -10190,7 +10190,7 @@
               </a:ln>
               <a:extLst>
                 <a:ext uri="{91240B29-F687-4f45-9708-019B960494DF}">
-                  <a14:hiddenLine xmlns:a14="http://schemas.microsoft.com/office/drawing/2010/main" xmlns="" w="9525">
+                  <a14:hiddenLine xmlns="" xmlns:a14="http://schemas.microsoft.com/office/drawing/2010/main" w="9525">
                     <a:solidFill>
                       <a:srgbClr val="000000"/>
                     </a:solidFill>
@@ -10252,7 +10252,7 @@
               </a:ln>
               <a:extLst>
                 <a:ext uri="{91240B29-F687-4f45-9708-019B960494DF}">
-                  <a14:hiddenLine xmlns:a14="http://schemas.microsoft.com/office/drawing/2010/main" xmlns="" w="9525">
+                  <a14:hiddenLine xmlns="" xmlns:a14="http://schemas.microsoft.com/office/drawing/2010/main" w="9525">
                     <a:solidFill>
                       <a:srgbClr val="000000"/>
                     </a:solidFill>
@@ -10314,7 +10314,7 @@
               </a:ln>
               <a:extLst>
                 <a:ext uri="{91240B29-F687-4f45-9708-019B960494DF}">
-                  <a14:hiddenLine xmlns:a14="http://schemas.microsoft.com/office/drawing/2010/main" xmlns="" w="9525">
+                  <a14:hiddenLine xmlns="" xmlns:a14="http://schemas.microsoft.com/office/drawing/2010/main" w="9525">
                     <a:solidFill>
                       <a:srgbClr val="000000"/>
                     </a:solidFill>
@@ -10404,7 +10404,7 @@
               </a:ln>
               <a:extLst>
                 <a:ext uri="{91240B29-F687-4f45-9708-019B960494DF}">
-                  <a14:hiddenLine xmlns:a14="http://schemas.microsoft.com/office/drawing/2010/main" xmlns="" w="9525">
+                  <a14:hiddenLine xmlns="" xmlns:a14="http://schemas.microsoft.com/office/drawing/2010/main" w="9525">
                     <a:solidFill>
                       <a:srgbClr val="000000"/>
                     </a:solidFill>
@@ -10494,7 +10494,7 @@
               </a:ln>
               <a:extLst>
                 <a:ext uri="{91240B29-F687-4f45-9708-019B960494DF}">
-                  <a14:hiddenLine xmlns:a14="http://schemas.microsoft.com/office/drawing/2010/main" xmlns="" w="9525">
+                  <a14:hiddenLine xmlns="" xmlns:a14="http://schemas.microsoft.com/office/drawing/2010/main" w="9525">
                     <a:solidFill>
                       <a:srgbClr val="000000"/>
                     </a:solidFill>
@@ -10556,7 +10556,7 @@
               </a:ln>
               <a:extLst>
                 <a:ext uri="{91240B29-F687-4f45-9708-019B960494DF}">
-                  <a14:hiddenLine xmlns:a14="http://schemas.microsoft.com/office/drawing/2010/main" xmlns="" w="9525">
+                  <a14:hiddenLine xmlns="" xmlns:a14="http://schemas.microsoft.com/office/drawing/2010/main" w="9525">
                     <a:solidFill>
                       <a:srgbClr val="000000"/>
                     </a:solidFill>
@@ -10666,7 +10666,7 @@
               </a:ln>
               <a:extLst>
                 <a:ext uri="{91240B29-F687-4f45-9708-019B960494DF}">
-                  <a14:hiddenLine xmlns:a14="http://schemas.microsoft.com/office/drawing/2010/main" xmlns="" w="9525">
+                  <a14:hiddenLine xmlns="" xmlns:a14="http://schemas.microsoft.com/office/drawing/2010/main" w="9525">
                     <a:solidFill>
                       <a:srgbClr val="000000"/>
                     </a:solidFill>
@@ -10750,7 +10750,7 @@
               </a:ln>
               <a:extLst>
                 <a:ext uri="{91240B29-F687-4f45-9708-019B960494DF}">
-                  <a14:hiddenLine xmlns:a14="http://schemas.microsoft.com/office/drawing/2010/main" xmlns="" w="9525">
+                  <a14:hiddenLine xmlns="" xmlns:a14="http://schemas.microsoft.com/office/drawing/2010/main" w="9525">
                     <a:solidFill>
                       <a:srgbClr val="000000"/>
                     </a:solidFill>
@@ -10812,7 +10812,7 @@
               </a:ln>
               <a:extLst>
                 <a:ext uri="{91240B29-F687-4f45-9708-019B960494DF}">
-                  <a14:hiddenLine xmlns:a14="http://schemas.microsoft.com/office/drawing/2010/main" xmlns="" w="9525">
+                  <a14:hiddenLine xmlns="" xmlns:a14="http://schemas.microsoft.com/office/drawing/2010/main" w="9525">
                     <a:solidFill>
                       <a:srgbClr val="000000"/>
                     </a:solidFill>
@@ -10874,7 +10874,7 @@
               </a:ln>
               <a:extLst>
                 <a:ext uri="{91240B29-F687-4f45-9708-019B960494DF}">
-                  <a14:hiddenLine xmlns:a14="http://schemas.microsoft.com/office/drawing/2010/main" xmlns="" w="9525">
+                  <a14:hiddenLine xmlns="" xmlns:a14="http://schemas.microsoft.com/office/drawing/2010/main" w="9525">
                     <a:solidFill>
                       <a:srgbClr val="000000"/>
                     </a:solidFill>
@@ -10964,7 +10964,7 @@
               </a:ln>
               <a:extLst>
                 <a:ext uri="{91240B29-F687-4f45-9708-019B960494DF}">
-                  <a14:hiddenLine xmlns:a14="http://schemas.microsoft.com/office/drawing/2010/main" xmlns="" w="9525">
+                  <a14:hiddenLine xmlns="" xmlns:a14="http://schemas.microsoft.com/office/drawing/2010/main" w="9525">
                     <a:solidFill>
                       <a:srgbClr val="000000"/>
                     </a:solidFill>
@@ -10998,7 +10998,7 @@
               </a:ln>
               <a:extLst>
                 <a:ext uri="{91240B29-F687-4f45-9708-019B960494DF}">
-                  <a14:hiddenLine xmlns:a14="http://schemas.microsoft.com/office/drawing/2010/main" xmlns="" w="9525">
+                  <a14:hiddenLine xmlns="" xmlns:a14="http://schemas.microsoft.com/office/drawing/2010/main" w="9525">
                     <a:solidFill>
                       <a:srgbClr val="000000"/>
                     </a:solidFill>
@@ -11063,7 +11063,7 @@
               </a:ln>
               <a:extLst>
                 <a:ext uri="{91240B29-F687-4f45-9708-019B960494DF}">
-                  <a14:hiddenLine xmlns:a14="http://schemas.microsoft.com/office/drawing/2010/main" xmlns="" w="9525">
+                  <a14:hiddenLine xmlns="" xmlns:a14="http://schemas.microsoft.com/office/drawing/2010/main" w="9525">
                     <a:solidFill>
                       <a:srgbClr val="000000"/>
                     </a:solidFill>
@@ -11153,7 +11153,7 @@
               </a:ln>
               <a:extLst>
                 <a:ext uri="{91240B29-F687-4f45-9708-019B960494DF}">
-                  <a14:hiddenLine xmlns:a14="http://schemas.microsoft.com/office/drawing/2010/main" xmlns="" w="9525">
+                  <a14:hiddenLine xmlns="" xmlns:a14="http://schemas.microsoft.com/office/drawing/2010/main" w="9525">
                     <a:solidFill>
                       <a:srgbClr val="000000"/>
                     </a:solidFill>
@@ -11215,7 +11215,7 @@
               </a:ln>
               <a:extLst>
                 <a:ext uri="{91240B29-F687-4f45-9708-019B960494DF}">
-                  <a14:hiddenLine xmlns:a14="http://schemas.microsoft.com/office/drawing/2010/main" xmlns="" w="9525">
+                  <a14:hiddenLine xmlns="" xmlns:a14="http://schemas.microsoft.com/office/drawing/2010/main" w="9525">
                     <a:solidFill>
                       <a:srgbClr val="000000"/>
                     </a:solidFill>
@@ -11305,7 +11305,7 @@
               </a:ln>
               <a:extLst>
                 <a:ext uri="{91240B29-F687-4f45-9708-019B960494DF}">
-                  <a14:hiddenLine xmlns:a14="http://schemas.microsoft.com/office/drawing/2010/main" xmlns="" w="9525">
+                  <a14:hiddenLine xmlns="" xmlns:a14="http://schemas.microsoft.com/office/drawing/2010/main" w="9525">
                     <a:solidFill>
                       <a:srgbClr val="000000"/>
                     </a:solidFill>
@@ -11370,7 +11370,7 @@
               </a:ln>
               <a:extLst>
                 <a:ext uri="{91240B29-F687-4f45-9708-019B960494DF}">
-                  <a14:hiddenLine xmlns:a14="http://schemas.microsoft.com/office/drawing/2010/main" xmlns="" w="9525">
+                  <a14:hiddenLine xmlns="" xmlns:a14="http://schemas.microsoft.com/office/drawing/2010/main" w="9525">
                     <a:solidFill>
                       <a:srgbClr val="000000"/>
                     </a:solidFill>
@@ -11432,7 +11432,7 @@
               </a:ln>
               <a:extLst>
                 <a:ext uri="{91240B29-F687-4f45-9708-019B960494DF}">
-                  <a14:hiddenLine xmlns:a14="http://schemas.microsoft.com/office/drawing/2010/main" xmlns="" w="9525">
+                  <a14:hiddenLine xmlns="" xmlns:a14="http://schemas.microsoft.com/office/drawing/2010/main" w="9525">
                     <a:solidFill>
                       <a:srgbClr val="000000"/>
                     </a:solidFill>
@@ -11522,7 +11522,7 @@
               </a:ln>
               <a:extLst>
                 <a:ext uri="{91240B29-F687-4f45-9708-019B960494DF}">
-                  <a14:hiddenLine xmlns:a14="http://schemas.microsoft.com/office/drawing/2010/main" xmlns="" w="9525">
+                  <a14:hiddenLine xmlns="" xmlns:a14="http://schemas.microsoft.com/office/drawing/2010/main" w="9525">
                     <a:solidFill>
                       <a:srgbClr val="000000"/>
                     </a:solidFill>
@@ -11612,7 +11612,7 @@
               </a:ln>
               <a:extLst>
                 <a:ext uri="{91240B29-F687-4f45-9708-019B960494DF}">
-                  <a14:hiddenLine xmlns:a14="http://schemas.microsoft.com/office/drawing/2010/main" xmlns="" w="9525">
+                  <a14:hiddenLine xmlns="" xmlns:a14="http://schemas.microsoft.com/office/drawing/2010/main" w="9525">
                     <a:solidFill>
                       <a:srgbClr val="000000"/>
                     </a:solidFill>
@@ -11677,7 +11677,7 @@
               </a:ln>
               <a:extLst>
                 <a:ext uri="{91240B29-F687-4f45-9708-019B960494DF}">
-                  <a14:hiddenLine xmlns:a14="http://schemas.microsoft.com/office/drawing/2010/main" xmlns="" w="9525">
+                  <a14:hiddenLine xmlns="" xmlns:a14="http://schemas.microsoft.com/office/drawing/2010/main" w="9525">
                     <a:solidFill>
                       <a:srgbClr val="000000"/>
                     </a:solidFill>
@@ -11797,7 +11797,7 @@
               </a:ln>
               <a:extLst>
                 <a:ext uri="{91240B29-F687-4f45-9708-019B960494DF}">
-                  <a14:hiddenLine xmlns:a14="http://schemas.microsoft.com/office/drawing/2010/main" xmlns="" w="9525">
+                  <a14:hiddenLine xmlns="" xmlns:a14="http://schemas.microsoft.com/office/drawing/2010/main" w="9525">
                     <a:solidFill>
                       <a:srgbClr val="000000"/>
                     </a:solidFill>
@@ -11878,7 +11878,7 @@
               </a:ln>
               <a:extLst>
                 <a:ext uri="{91240B29-F687-4f45-9708-019B960494DF}">
-                  <a14:hiddenLine xmlns:a14="http://schemas.microsoft.com/office/drawing/2010/main" xmlns="" w="9525">
+                  <a14:hiddenLine xmlns="" xmlns:a14="http://schemas.microsoft.com/office/drawing/2010/main" w="9525">
                     <a:solidFill>
                       <a:srgbClr val="000000"/>
                     </a:solidFill>
@@ -11993,7 +11993,7 @@
               </a:ln>
               <a:extLst>
                 <a:ext uri="{91240B29-F687-4f45-9708-019B960494DF}">
-                  <a14:hiddenLine xmlns:a14="http://schemas.microsoft.com/office/drawing/2010/main" xmlns="" w="9525">
+                  <a14:hiddenLine xmlns="" xmlns:a14="http://schemas.microsoft.com/office/drawing/2010/main" w="9525">
                     <a:solidFill>
                       <a:srgbClr val="000000"/>
                     </a:solidFill>
@@ -12083,7 +12083,7 @@
               </a:ln>
               <a:extLst>
                 <a:ext uri="{91240B29-F687-4f45-9708-019B960494DF}">
-                  <a14:hiddenLine xmlns:a14="http://schemas.microsoft.com/office/drawing/2010/main" xmlns="" w="9525">
+                  <a14:hiddenLine xmlns="" xmlns:a14="http://schemas.microsoft.com/office/drawing/2010/main" w="9525">
                     <a:solidFill>
                       <a:srgbClr val="000000"/>
                     </a:solidFill>
@@ -12148,7 +12148,7 @@
               </a:ln>
               <a:extLst>
                 <a:ext uri="{91240B29-F687-4f45-9708-019B960494DF}">
-                  <a14:hiddenLine xmlns:a14="http://schemas.microsoft.com/office/drawing/2010/main" xmlns="" w="9525">
+                  <a14:hiddenLine xmlns="" xmlns:a14="http://schemas.microsoft.com/office/drawing/2010/main" w="9525">
                     <a:solidFill>
                       <a:srgbClr val="000000"/>
                     </a:solidFill>
@@ -12238,7 +12238,7 @@
               </a:ln>
               <a:extLst>
                 <a:ext uri="{91240B29-F687-4f45-9708-019B960494DF}">
-                  <a14:hiddenLine xmlns:a14="http://schemas.microsoft.com/office/drawing/2010/main" xmlns="" w="9525">
+                  <a14:hiddenLine xmlns="" xmlns:a14="http://schemas.microsoft.com/office/drawing/2010/main" w="9525">
                     <a:solidFill>
                       <a:srgbClr val="000000"/>
                     </a:solidFill>
@@ -12306,7 +12306,7 @@
               </a:ln>
               <a:extLst>
                 <a:ext uri="{91240B29-F687-4f45-9708-019B960494DF}">
-                  <a14:hiddenLine xmlns:a14="http://schemas.microsoft.com/office/drawing/2010/main" xmlns="" w="9525">
+                  <a14:hiddenLine xmlns="" xmlns:a14="http://schemas.microsoft.com/office/drawing/2010/main" w="9525">
                     <a:solidFill>
                       <a:srgbClr val="000000"/>
                     </a:solidFill>
@@ -12396,7 +12396,7 @@
               </a:ln>
               <a:extLst>
                 <a:ext uri="{91240B29-F687-4f45-9708-019B960494DF}">
-                  <a14:hiddenLine xmlns:a14="http://schemas.microsoft.com/office/drawing/2010/main" xmlns="" w="9525">
+                  <a14:hiddenLine xmlns="" xmlns:a14="http://schemas.microsoft.com/office/drawing/2010/main" w="9525">
                     <a:solidFill>
                       <a:srgbClr val="000000"/>
                     </a:solidFill>
@@ -12464,7 +12464,7 @@
               </a:ln>
               <a:extLst>
                 <a:ext uri="{91240B29-F687-4f45-9708-019B960494DF}">
-                  <a14:hiddenLine xmlns:a14="http://schemas.microsoft.com/office/drawing/2010/main" xmlns="" w="9525">
+                  <a14:hiddenLine xmlns="" xmlns:a14="http://schemas.microsoft.com/office/drawing/2010/main" w="9525">
                     <a:solidFill>
                       <a:srgbClr val="000000"/>
                     </a:solidFill>
@@ -12554,7 +12554,7 @@
               </a:ln>
               <a:extLst>
                 <a:ext uri="{91240B29-F687-4f45-9708-019B960494DF}">
-                  <a14:hiddenLine xmlns:a14="http://schemas.microsoft.com/office/drawing/2010/main" xmlns="" w="9525">
+                  <a14:hiddenLine xmlns="" xmlns:a14="http://schemas.microsoft.com/office/drawing/2010/main" w="9525">
                     <a:solidFill>
                       <a:srgbClr val="000000"/>
                     </a:solidFill>
@@ -12588,7 +12588,7 @@
               </a:ln>
               <a:extLst>
                 <a:ext uri="{91240B29-F687-4f45-9708-019B960494DF}">
-                  <a14:hiddenLine xmlns:a14="http://schemas.microsoft.com/office/drawing/2010/main" xmlns="" w="9525">
+                  <a14:hiddenLine xmlns="" xmlns:a14="http://schemas.microsoft.com/office/drawing/2010/main" w="9525">
                     <a:solidFill>
                       <a:srgbClr val="000000"/>
                     </a:solidFill>
@@ -14450,17 +14450,19 @@
         </p:nvSpPr>
         <p:spPr>
           <a:xfrm>
-            <a:off x="856059" y="413730"/>
-            <a:ext cx="7429499" cy="1276525"/>
+            <a:off x="856059" y="290985"/>
+            <a:ext cx="7429499" cy="1067271"/>
           </a:xfrm>
         </p:spPr>
         <p:txBody>
-          <a:bodyPr/>
+          <a:bodyPr>
+            <a:normAutofit/>
+          </a:bodyPr>
           <a:lstStyle/>
           <a:p>
             <a:pPr algn="ctr"/>
             <a:r>
-              <a:rPr lang="ru-RU" dirty="0"/>
+              <a:rPr lang="ru-RU" sz="3200" dirty="0"/>
               <a:t>Наивный байесовский классификатор</a:t>
             </a:r>
           </a:p>
@@ -14494,8 +14496,8 @@
           </a:p>
         </p:txBody>
       </p:sp>
-      <mc:AlternateContent xmlns:mc="http://schemas.openxmlformats.org/markup-compatibility/2006" xmlns:a14="http://schemas.microsoft.com/office/drawing/2010/main">
-        <mc:Choice Requires="a14">
+      <mc:AlternateContent xmlns:mc="http://schemas.openxmlformats.org/markup-compatibility/2006">
+        <mc:Choice xmlns:a14="http://schemas.microsoft.com/office/drawing/2010/main" Requires="a14">
           <p:sp>
             <p:nvSpPr>
               <p:cNvPr id="3" name="Объект 2"/>
@@ -14508,8 +14510,8 @@
             </p:nvSpPr>
             <p:spPr>
               <a:xfrm>
-                <a:off x="580501" y="1567509"/>
-                <a:ext cx="7980614" cy="4963920"/>
+                <a:off x="593564" y="1254035"/>
+                <a:ext cx="7980614" cy="5146483"/>
               </a:xfrm>
             </p:spPr>
             <p:txBody>
@@ -15209,13 +15211,10 @@
               <a:p>
                 <a:endParaRPr lang="ru-RU" dirty="0"/>
               </a:p>
-              <a:p>
-                <a:endParaRPr lang="ru-RU" dirty="0"/>
-              </a:p>
             </p:txBody>
           </p:sp>
         </mc:Choice>
-        <mc:Fallback xmlns="">
+        <mc:Fallback>
           <p:sp>
             <p:nvSpPr>
               <p:cNvPr id="3" name="Объект 2"/>
@@ -15228,13 +15227,13 @@
             </p:nvSpPr>
             <p:spPr>
               <a:xfrm>
-                <a:off x="580501" y="1567509"/>
-                <a:ext cx="7980614" cy="4963920"/>
+                <a:off x="593564" y="1254035"/>
+                <a:ext cx="7980614" cy="5146483"/>
               </a:xfrm>
               <a:blipFill>
                 <a:blip r:embed="rId2"/>
                 <a:stretch>
-                  <a:fillRect l="-2979" t="-1720" b="-18428"/>
+                  <a:fillRect l="-2977" t="-1777" b="-17062"/>
                 </a:stretch>
               </a:blipFill>
             </p:spPr>
@@ -15481,7 +15480,11 @@
           <a:p>
             <a:r>
               <a:rPr lang="ru-RU" dirty="0"/>
-              <a:t>Контент-фильтр написан на ЯП </a:t>
+              <a:t>Контент-фильтр написан </a:t>
+            </a:r>
+            <a:r>
+              <a:rPr lang="ru-RU" dirty="0" smtClean="0"/>
+              <a:t>на </a:t>
             </a:r>
             <a:r>
               <a:rPr lang="en-US" i="1" dirty="0"/>
@@ -15506,6 +15509,14 @@
               <a:t>контент-фильтра как прокси реализована на </a:t>
             </a:r>
             <a:r>
+              <a:rPr lang="en-US" i="1" dirty="0" smtClean="0"/>
+              <a:t>TCP</a:t>
+            </a:r>
+            <a:r>
+              <a:rPr lang="en-US" dirty="0" smtClean="0"/>
+              <a:t>-</a:t>
+            </a:r>
+            <a:r>
               <a:rPr lang="ru-RU" dirty="0" smtClean="0"/>
               <a:t>сокетах</a:t>
             </a:r>
@@ -15540,15 +15551,15 @@
               <a:t>качестве хранилища настроек и черных списков используется встроенная (</a:t>
             </a:r>
             <a:r>
-              <a:rPr lang="en-US" i="1" dirty="0"/>
+              <a:rPr lang="en-US" i="1" dirty="0" smtClean="0"/>
               <a:t>embedded</a:t>
             </a:r>
             <a:r>
-              <a:rPr lang="ru-RU" i="1" dirty="0"/>
+              <a:rPr lang="ru-RU" dirty="0"/>
               <a:t>)</a:t>
             </a:r>
             <a:r>
-              <a:rPr lang="en-US" dirty="0"/>
+              <a:rPr lang="en-US" dirty="0" smtClean="0"/>
               <a:t> </a:t>
             </a:r>
             <a:r>
@@ -15685,7 +15696,7 @@
         </p:nvSpPr>
         <p:spPr>
           <a:xfrm>
-            <a:off x="856060" y="1684665"/>
+            <a:off x="681564" y="1683032"/>
             <a:ext cx="7778489" cy="4089118"/>
           </a:xfrm>
         </p:spPr>
@@ -15727,7 +15738,15 @@
           <a:p>
             <a:r>
               <a:rPr lang="ru-RU" dirty="0"/>
-              <a:t>веб-интерфейс управления веб-фильтром</a:t>
+              <a:t>веб-интерфейс управления </a:t>
+            </a:r>
+            <a:r>
+              <a:rPr lang="ru-RU" dirty="0" smtClean="0"/>
+              <a:t>контент</a:t>
+            </a:r>
+            <a:r>
+              <a:rPr lang="ru-RU" dirty="0" smtClean="0"/>
+              <a:t>-фильтром</a:t>
             </a:r>
             <a:r>
               <a:rPr lang="en-US" dirty="0"/>
@@ -15849,7 +15868,7 @@
         </p:nvSpPr>
         <p:spPr>
           <a:xfrm>
-            <a:off x="856060" y="611589"/>
+            <a:off x="856060" y="337744"/>
             <a:ext cx="7429499" cy="731066"/>
           </a:xfrm>
         </p:spPr>
@@ -15878,7 +15897,7 @@
         </p:nvSpPr>
         <p:spPr>
           <a:xfrm>
-            <a:off x="509451" y="1342654"/>
+            <a:off x="521323" y="1068810"/>
             <a:ext cx="8098971" cy="4875265"/>
           </a:xfrm>
         </p:spPr>
@@ -16327,7 +16346,7 @@
         </p:nvSpPr>
         <p:spPr>
           <a:xfrm>
-            <a:off x="457201" y="1308215"/>
+            <a:off x="495197" y="1207425"/>
             <a:ext cx="8151222" cy="4870515"/>
           </a:xfrm>
         </p:spPr>
@@ -16506,7 +16525,7 @@
         </p:nvSpPr>
         <p:spPr>
           <a:xfrm>
-            <a:off x="600891" y="1649839"/>
+            <a:off x="573573" y="1545336"/>
             <a:ext cx="7994469" cy="4202321"/>
           </a:xfrm>
         </p:spPr>
@@ -17024,8 +17043,8 @@
         </p:blipFill>
         <p:spPr bwMode="auto">
           <a:xfrm>
-            <a:off x="1105441" y="1750867"/>
-            <a:ext cx="6791650" cy="4054188"/>
+            <a:off x="856058" y="1646365"/>
+            <a:ext cx="7270074" cy="4323362"/>
           </a:xfrm>
           <a:prstGeom prst="rect">
             <a:avLst/>
@@ -17347,8 +17366,8 @@
         </p:nvSpPr>
         <p:spPr>
           <a:xfrm>
-            <a:off x="856059" y="1939636"/>
-            <a:ext cx="7643706" cy="4173781"/>
+            <a:off x="689582" y="1655514"/>
+            <a:ext cx="7872748" cy="4173781"/>
           </a:xfrm>
         </p:spPr>
         <p:txBody>

--- a/diploma/Проектирование и разработка веб-фильтра для обеспечения контроля доступа к сетевым ресурсам.pptx
+++ b/diploma/Проектирование и разработка веб-фильтра для обеспечения контроля доступа к сетевым ресурсам.pptx
@@ -236,7 +236,7 @@
           <a:p>
             <a:fld id="{02429CAE-21E7-4E13-8CFD-F846C3BDEA47}" type="datetimeFigureOut">
               <a:rPr lang="ru-RU" smtClean="0"/>
-              <a:t>03.12.2018</a:t>
+              <a:t>04.12.2018</a:t>
             </a:fld>
             <a:endParaRPr lang="ru-RU"/>
           </a:p>
@@ -561,7 +561,7 @@
           <a:noFill/>
           <a:extLst>
             <a:ext uri="{909E8E84-426E-40dd-AFC4-6F175D3DCCD1}">
-              <a14:hiddenFill xmlns="" xmlns:a14="http://schemas.microsoft.com/office/drawing/2010/main">
+              <a14:hiddenFill xmlns:a14="http://schemas.microsoft.com/office/drawing/2010/main" xmlns="">
                 <a:solidFill>
                   <a:srgbClr val="FFFFFF"/>
                 </a:solidFill>
@@ -620,7 +620,7 @@
             </a:ln>
             <a:extLst>
               <a:ext uri="{91240B29-F687-4f45-9708-019B960494DF}">
-                <a14:hiddenLine xmlns="" xmlns:a14="http://schemas.microsoft.com/office/drawing/2010/main" w="9525">
+                <a14:hiddenLine xmlns:a14="http://schemas.microsoft.com/office/drawing/2010/main" xmlns="" w="9525">
                   <a:solidFill>
                     <a:srgbClr val="000000"/>
                   </a:solidFill>
@@ -710,7 +710,7 @@
             </a:ln>
             <a:extLst>
               <a:ext uri="{91240B29-F687-4f45-9708-019B960494DF}">
-                <a14:hiddenLine xmlns="" xmlns:a14="http://schemas.microsoft.com/office/drawing/2010/main" w="9525">
+                <a14:hiddenLine xmlns:a14="http://schemas.microsoft.com/office/drawing/2010/main" xmlns="" w="9525">
                   <a:solidFill>
                     <a:srgbClr val="000000"/>
                   </a:solidFill>
@@ -800,7 +800,7 @@
             </a:ln>
             <a:extLst>
               <a:ext uri="{91240B29-F687-4f45-9708-019B960494DF}">
-                <a14:hiddenLine xmlns="" xmlns:a14="http://schemas.microsoft.com/office/drawing/2010/main" w="9525">
+                <a14:hiddenLine xmlns:a14="http://schemas.microsoft.com/office/drawing/2010/main" xmlns="" w="9525">
                   <a:solidFill>
                     <a:srgbClr val="000000"/>
                   </a:solidFill>
@@ -834,7 +834,7 @@
             </a:ln>
             <a:extLst>
               <a:ext uri="{91240B29-F687-4f45-9708-019B960494DF}">
-                <a14:hiddenLine xmlns="" xmlns:a14="http://schemas.microsoft.com/office/drawing/2010/main" w="9525">
+                <a14:hiddenLine xmlns:a14="http://schemas.microsoft.com/office/drawing/2010/main" xmlns="" w="9525">
                   <a:solidFill>
                     <a:srgbClr val="000000"/>
                   </a:solidFill>
@@ -924,7 +924,7 @@
             </a:ln>
             <a:extLst>
               <a:ext uri="{91240B29-F687-4f45-9708-019B960494DF}">
-                <a14:hiddenLine xmlns="" xmlns:a14="http://schemas.microsoft.com/office/drawing/2010/main" w="9525">
+                <a14:hiddenLine xmlns:a14="http://schemas.microsoft.com/office/drawing/2010/main" xmlns="" w="9525">
                   <a:solidFill>
                     <a:srgbClr val="000000"/>
                   </a:solidFill>
@@ -986,7 +986,7 @@
             </a:ln>
             <a:extLst>
               <a:ext uri="{91240B29-F687-4f45-9708-019B960494DF}">
-                <a14:hiddenLine xmlns="" xmlns:a14="http://schemas.microsoft.com/office/drawing/2010/main" w="9525">
+                <a14:hiddenLine xmlns:a14="http://schemas.microsoft.com/office/drawing/2010/main" xmlns="" w="9525">
                   <a:solidFill>
                     <a:srgbClr val="000000"/>
                   </a:solidFill>
@@ -1048,7 +1048,7 @@
             </a:ln>
             <a:extLst>
               <a:ext uri="{91240B29-F687-4f45-9708-019B960494DF}">
-                <a14:hiddenLine xmlns="" xmlns:a14="http://schemas.microsoft.com/office/drawing/2010/main" w="9525">
+                <a14:hiddenLine xmlns:a14="http://schemas.microsoft.com/office/drawing/2010/main" xmlns="" w="9525">
                   <a:solidFill>
                     <a:srgbClr val="000000"/>
                   </a:solidFill>
@@ -1138,7 +1138,7 @@
             </a:ln>
             <a:extLst>
               <a:ext uri="{91240B29-F687-4f45-9708-019B960494DF}">
-                <a14:hiddenLine xmlns="" xmlns:a14="http://schemas.microsoft.com/office/drawing/2010/main" w="9525">
+                <a14:hiddenLine xmlns:a14="http://schemas.microsoft.com/office/drawing/2010/main" xmlns="" w="9525">
                   <a:solidFill>
                     <a:srgbClr val="000000"/>
                   </a:solidFill>
@@ -1200,7 +1200,7 @@
             </a:ln>
             <a:extLst>
               <a:ext uri="{91240B29-F687-4f45-9708-019B960494DF}">
-                <a14:hiddenLine xmlns="" xmlns:a14="http://schemas.microsoft.com/office/drawing/2010/main" w="9525">
+                <a14:hiddenLine xmlns:a14="http://schemas.microsoft.com/office/drawing/2010/main" xmlns="" w="9525">
                   <a:solidFill>
                     <a:srgbClr val="000000"/>
                   </a:solidFill>
@@ -1262,7 +1262,7 @@
             </a:ln>
             <a:extLst>
               <a:ext uri="{91240B29-F687-4f45-9708-019B960494DF}">
-                <a14:hiddenLine xmlns="" xmlns:a14="http://schemas.microsoft.com/office/drawing/2010/main" w="9525">
+                <a14:hiddenLine xmlns:a14="http://schemas.microsoft.com/office/drawing/2010/main" xmlns="" w="9525">
                   <a:solidFill>
                     <a:srgbClr val="000000"/>
                   </a:solidFill>
@@ -1352,7 +1352,7 @@
             </a:ln>
             <a:extLst>
               <a:ext uri="{91240B29-F687-4f45-9708-019B960494DF}">
-                <a14:hiddenLine xmlns="" xmlns:a14="http://schemas.microsoft.com/office/drawing/2010/main" w="9525">
+                <a14:hiddenLine xmlns:a14="http://schemas.microsoft.com/office/drawing/2010/main" xmlns="" w="9525">
                   <a:solidFill>
                     <a:srgbClr val="000000"/>
                   </a:solidFill>
@@ -1442,7 +1442,7 @@
             </a:ln>
             <a:extLst>
               <a:ext uri="{91240B29-F687-4f45-9708-019B960494DF}">
-                <a14:hiddenLine xmlns="" xmlns:a14="http://schemas.microsoft.com/office/drawing/2010/main" w="9525">
+                <a14:hiddenLine xmlns:a14="http://schemas.microsoft.com/office/drawing/2010/main" xmlns="" w="9525">
                   <a:solidFill>
                     <a:srgbClr val="000000"/>
                   </a:solidFill>
@@ -1504,7 +1504,7 @@
             </a:ln>
             <a:extLst>
               <a:ext uri="{91240B29-F687-4f45-9708-019B960494DF}">
-                <a14:hiddenLine xmlns="" xmlns:a14="http://schemas.microsoft.com/office/drawing/2010/main" w="9525">
+                <a14:hiddenLine xmlns:a14="http://schemas.microsoft.com/office/drawing/2010/main" xmlns="" w="9525">
                   <a:solidFill>
                     <a:srgbClr val="000000"/>
                   </a:solidFill>
@@ -1614,7 +1614,7 @@
             </a:ln>
             <a:extLst>
               <a:ext uri="{91240B29-F687-4f45-9708-019B960494DF}">
-                <a14:hiddenLine xmlns="" xmlns:a14="http://schemas.microsoft.com/office/drawing/2010/main" w="9525">
+                <a14:hiddenLine xmlns:a14="http://schemas.microsoft.com/office/drawing/2010/main" xmlns="" w="9525">
                   <a:solidFill>
                     <a:srgbClr val="000000"/>
                   </a:solidFill>
@@ -1676,7 +1676,7 @@
             </a:ln>
             <a:extLst>
               <a:ext uri="{91240B29-F687-4f45-9708-019B960494DF}">
-                <a14:hiddenLine xmlns="" xmlns:a14="http://schemas.microsoft.com/office/drawing/2010/main" w="9525">
+                <a14:hiddenLine xmlns:a14="http://schemas.microsoft.com/office/drawing/2010/main" xmlns="" w="9525">
                   <a:solidFill>
                     <a:srgbClr val="000000"/>
                   </a:solidFill>
@@ -1766,7 +1766,7 @@
             </a:ln>
             <a:extLst>
               <a:ext uri="{91240B29-F687-4f45-9708-019B960494DF}">
-                <a14:hiddenLine xmlns="" xmlns:a14="http://schemas.microsoft.com/office/drawing/2010/main" w="9525">
+                <a14:hiddenLine xmlns:a14="http://schemas.microsoft.com/office/drawing/2010/main" xmlns="" w="9525">
                   <a:solidFill>
                     <a:srgbClr val="000000"/>
                   </a:solidFill>
@@ -1856,7 +1856,7 @@
             </a:ln>
             <a:extLst>
               <a:ext uri="{91240B29-F687-4f45-9708-019B960494DF}">
-                <a14:hiddenLine xmlns="" xmlns:a14="http://schemas.microsoft.com/office/drawing/2010/main" w="9525">
+                <a14:hiddenLine xmlns:a14="http://schemas.microsoft.com/office/drawing/2010/main" xmlns="" w="9525">
                   <a:solidFill>
                     <a:srgbClr val="000000"/>
                   </a:solidFill>
@@ -1918,7 +1918,7 @@
             </a:ln>
             <a:extLst>
               <a:ext uri="{91240B29-F687-4f45-9708-019B960494DF}">
-                <a14:hiddenLine xmlns="" xmlns:a14="http://schemas.microsoft.com/office/drawing/2010/main" w="9525">
+                <a14:hiddenLine xmlns:a14="http://schemas.microsoft.com/office/drawing/2010/main" xmlns="" w="9525">
                   <a:solidFill>
                     <a:srgbClr val="000000"/>
                   </a:solidFill>
@@ -2008,7 +2008,7 @@
             </a:ln>
             <a:extLst>
               <a:ext uri="{91240B29-F687-4f45-9708-019B960494DF}">
-                <a14:hiddenLine xmlns="" xmlns:a14="http://schemas.microsoft.com/office/drawing/2010/main" w="9525">
+                <a14:hiddenLine xmlns:a14="http://schemas.microsoft.com/office/drawing/2010/main" xmlns="" w="9525">
                   <a:solidFill>
                     <a:srgbClr val="000000"/>
                   </a:solidFill>
@@ -2098,7 +2098,7 @@
             </a:ln>
             <a:extLst>
               <a:ext uri="{91240B29-F687-4f45-9708-019B960494DF}">
-                <a14:hiddenLine xmlns="" xmlns:a14="http://schemas.microsoft.com/office/drawing/2010/main" w="9525">
+                <a14:hiddenLine xmlns:a14="http://schemas.microsoft.com/office/drawing/2010/main" xmlns="" w="9525">
                   <a:solidFill>
                     <a:srgbClr val="000000"/>
                   </a:solidFill>
@@ -2154,7 +2154,7 @@
             </a:ln>
             <a:extLst>
               <a:ext uri="{91240B29-F687-4f45-9708-019B960494DF}">
-                <a14:hiddenLine xmlns="" xmlns:a14="http://schemas.microsoft.com/office/drawing/2010/main" w="9525">
+                <a14:hiddenLine xmlns:a14="http://schemas.microsoft.com/office/drawing/2010/main" xmlns="" w="9525">
                   <a:solidFill>
                     <a:srgbClr val="000000"/>
                   </a:solidFill>
@@ -2244,7 +2244,7 @@
             </a:ln>
             <a:extLst>
               <a:ext uri="{91240B29-F687-4f45-9708-019B960494DF}">
-                <a14:hiddenLine xmlns="" xmlns:a14="http://schemas.microsoft.com/office/drawing/2010/main" w="9525">
+                <a14:hiddenLine xmlns:a14="http://schemas.microsoft.com/office/drawing/2010/main" xmlns="" w="9525">
                   <a:solidFill>
                     <a:srgbClr val="000000"/>
                   </a:solidFill>
@@ -2300,7 +2300,7 @@
             </a:ln>
             <a:extLst>
               <a:ext uri="{91240B29-F687-4f45-9708-019B960494DF}">
-                <a14:hiddenLine xmlns="" xmlns:a14="http://schemas.microsoft.com/office/drawing/2010/main" w="9525">
+                <a14:hiddenLine xmlns:a14="http://schemas.microsoft.com/office/drawing/2010/main" xmlns="" w="9525">
                   <a:solidFill>
                     <a:srgbClr val="000000"/>
                   </a:solidFill>
@@ -2390,7 +2390,7 @@
             </a:ln>
             <a:extLst>
               <a:ext uri="{91240B29-F687-4f45-9708-019B960494DF}">
-                <a14:hiddenLine xmlns="" xmlns:a14="http://schemas.microsoft.com/office/drawing/2010/main" w="9525">
+                <a14:hiddenLine xmlns:a14="http://schemas.microsoft.com/office/drawing/2010/main" xmlns="" w="9525">
                   <a:solidFill>
                     <a:srgbClr val="000000"/>
                   </a:solidFill>
@@ -2458,7 +2458,7 @@
             </a:ln>
             <a:extLst>
               <a:ext uri="{91240B29-F687-4f45-9708-019B960494DF}">
-                <a14:hiddenLine xmlns="" xmlns:a14="http://schemas.microsoft.com/office/drawing/2010/main" w="9525">
+                <a14:hiddenLine xmlns:a14="http://schemas.microsoft.com/office/drawing/2010/main" xmlns="" w="9525">
                   <a:solidFill>
                     <a:srgbClr val="000000"/>
                   </a:solidFill>
@@ -2548,7 +2548,7 @@
             </a:ln>
             <a:extLst>
               <a:ext uri="{91240B29-F687-4f45-9708-019B960494DF}">
-                <a14:hiddenLine xmlns="" xmlns:a14="http://schemas.microsoft.com/office/drawing/2010/main" w="9525">
+                <a14:hiddenLine xmlns:a14="http://schemas.microsoft.com/office/drawing/2010/main" xmlns="" w="9525">
                   <a:solidFill>
                     <a:srgbClr val="000000"/>
                   </a:solidFill>
@@ -2616,7 +2616,7 @@
             </a:ln>
             <a:extLst>
               <a:ext uri="{91240B29-F687-4f45-9708-019B960494DF}">
-                <a14:hiddenLine xmlns="" xmlns:a14="http://schemas.microsoft.com/office/drawing/2010/main" w="9525">
+                <a14:hiddenLine xmlns:a14="http://schemas.microsoft.com/office/drawing/2010/main" xmlns="" w="9525">
                   <a:solidFill>
                     <a:srgbClr val="000000"/>
                   </a:solidFill>
@@ -2706,7 +2706,7 @@
             </a:ln>
             <a:extLst>
               <a:ext uri="{91240B29-F687-4f45-9708-019B960494DF}">
-                <a14:hiddenLine xmlns="" xmlns:a14="http://schemas.microsoft.com/office/drawing/2010/main" w="9525">
+                <a14:hiddenLine xmlns:a14="http://schemas.microsoft.com/office/drawing/2010/main" xmlns="" w="9525">
                   <a:solidFill>
                     <a:srgbClr val="000000"/>
                   </a:solidFill>
@@ -2740,7 +2740,7 @@
             </a:ln>
             <a:extLst>
               <a:ext uri="{91240B29-F687-4f45-9708-019B960494DF}">
-                <a14:hiddenLine xmlns="" xmlns:a14="http://schemas.microsoft.com/office/drawing/2010/main" w="9525">
+                <a14:hiddenLine xmlns:a14="http://schemas.microsoft.com/office/drawing/2010/main" xmlns="" w="9525">
                   <a:solidFill>
                     <a:srgbClr val="000000"/>
                   </a:solidFill>
@@ -2830,7 +2830,7 @@
             </a:ln>
             <a:extLst>
               <a:ext uri="{91240B29-F687-4f45-9708-019B960494DF}">
-                <a14:hiddenLine xmlns="" xmlns:a14="http://schemas.microsoft.com/office/drawing/2010/main" w="9525">
+                <a14:hiddenLine xmlns:a14="http://schemas.microsoft.com/office/drawing/2010/main" xmlns="" w="9525">
                   <a:solidFill>
                     <a:srgbClr val="000000"/>
                   </a:solidFill>
@@ -2892,7 +2892,7 @@
             </a:ln>
             <a:extLst>
               <a:ext uri="{91240B29-F687-4f45-9708-019B960494DF}">
-                <a14:hiddenLine xmlns="" xmlns:a14="http://schemas.microsoft.com/office/drawing/2010/main" w="9525">
+                <a14:hiddenLine xmlns:a14="http://schemas.microsoft.com/office/drawing/2010/main" xmlns="" w="9525">
                   <a:solidFill>
                     <a:srgbClr val="000000"/>
                   </a:solidFill>
@@ -2954,7 +2954,7 @@
             </a:ln>
             <a:extLst>
               <a:ext uri="{91240B29-F687-4f45-9708-019B960494DF}">
-                <a14:hiddenLine xmlns="" xmlns:a14="http://schemas.microsoft.com/office/drawing/2010/main" w="9525">
+                <a14:hiddenLine xmlns:a14="http://schemas.microsoft.com/office/drawing/2010/main" xmlns="" w="9525">
                   <a:solidFill>
                     <a:srgbClr val="000000"/>
                   </a:solidFill>
@@ -3044,7 +3044,7 @@
             </a:ln>
             <a:extLst>
               <a:ext uri="{91240B29-F687-4f45-9708-019B960494DF}">
-                <a14:hiddenLine xmlns="" xmlns:a14="http://schemas.microsoft.com/office/drawing/2010/main" w="9525">
+                <a14:hiddenLine xmlns:a14="http://schemas.microsoft.com/office/drawing/2010/main" xmlns="" w="9525">
                   <a:solidFill>
                     <a:srgbClr val="000000"/>
                   </a:solidFill>
@@ -3112,7 +3112,7 @@
             </a:ln>
             <a:extLst>
               <a:ext uri="{91240B29-F687-4f45-9708-019B960494DF}">
-                <a14:hiddenLine xmlns="" xmlns:a14="http://schemas.microsoft.com/office/drawing/2010/main" w="9525">
+                <a14:hiddenLine xmlns:a14="http://schemas.microsoft.com/office/drawing/2010/main" xmlns="" w="9525">
                   <a:solidFill>
                     <a:srgbClr val="000000"/>
                   </a:solidFill>
@@ -3174,7 +3174,7 @@
             </a:ln>
             <a:extLst>
               <a:ext uri="{91240B29-F687-4f45-9708-019B960494DF}">
-                <a14:hiddenLine xmlns="" xmlns:a14="http://schemas.microsoft.com/office/drawing/2010/main" w="9525">
+                <a14:hiddenLine xmlns:a14="http://schemas.microsoft.com/office/drawing/2010/main" xmlns="" w="9525">
                   <a:solidFill>
                     <a:srgbClr val="000000"/>
                   </a:solidFill>
@@ -3264,7 +3264,7 @@
             </a:ln>
             <a:extLst>
               <a:ext uri="{91240B29-F687-4f45-9708-019B960494DF}">
-                <a14:hiddenLine xmlns="" xmlns:a14="http://schemas.microsoft.com/office/drawing/2010/main" w="9525">
+                <a14:hiddenLine xmlns:a14="http://schemas.microsoft.com/office/drawing/2010/main" xmlns="" w="9525">
                   <a:solidFill>
                     <a:srgbClr val="000000"/>
                   </a:solidFill>
@@ -3326,7 +3326,7 @@
             </a:ln>
             <a:extLst>
               <a:ext uri="{91240B29-F687-4f45-9708-019B960494DF}">
-                <a14:hiddenLine xmlns="" xmlns:a14="http://schemas.microsoft.com/office/drawing/2010/main" w="9525">
+                <a14:hiddenLine xmlns:a14="http://schemas.microsoft.com/office/drawing/2010/main" xmlns="" w="9525">
                   <a:solidFill>
                     <a:srgbClr val="000000"/>
                   </a:solidFill>
@@ -3416,7 +3416,7 @@
             </a:ln>
             <a:extLst>
               <a:ext uri="{91240B29-F687-4f45-9708-019B960494DF}">
-                <a14:hiddenLine xmlns="" xmlns:a14="http://schemas.microsoft.com/office/drawing/2010/main" w="9525">
+                <a14:hiddenLine xmlns:a14="http://schemas.microsoft.com/office/drawing/2010/main" xmlns="" w="9525">
                   <a:solidFill>
                     <a:srgbClr val="000000"/>
                   </a:solidFill>
@@ -3478,7 +3478,7 @@
             </a:ln>
             <a:extLst>
               <a:ext uri="{91240B29-F687-4f45-9708-019B960494DF}">
-                <a14:hiddenLine xmlns="" xmlns:a14="http://schemas.microsoft.com/office/drawing/2010/main" w="9525">
+                <a14:hiddenLine xmlns:a14="http://schemas.microsoft.com/office/drawing/2010/main" xmlns="" w="9525">
                   <a:solidFill>
                     <a:srgbClr val="000000"/>
                   </a:solidFill>
@@ -3568,7 +3568,7 @@
             </a:ln>
             <a:extLst>
               <a:ext uri="{91240B29-F687-4f45-9708-019B960494DF}">
-                <a14:hiddenLine xmlns="" xmlns:a14="http://schemas.microsoft.com/office/drawing/2010/main" w="9525">
+                <a14:hiddenLine xmlns:a14="http://schemas.microsoft.com/office/drawing/2010/main" xmlns="" w="9525">
                   <a:solidFill>
                     <a:srgbClr val="000000"/>
                   </a:solidFill>
@@ -3602,7 +3602,7 @@
             </a:ln>
             <a:extLst>
               <a:ext uri="{91240B29-F687-4f45-9708-019B960494DF}">
-                <a14:hiddenLine xmlns="" xmlns:a14="http://schemas.microsoft.com/office/drawing/2010/main" w="9525">
+                <a14:hiddenLine xmlns:a14="http://schemas.microsoft.com/office/drawing/2010/main" xmlns="" w="9525">
                   <a:solidFill>
                     <a:srgbClr val="000000"/>
                   </a:solidFill>
@@ -3667,7 +3667,7 @@
             </a:ln>
             <a:extLst>
               <a:ext uri="{91240B29-F687-4f45-9708-019B960494DF}">
-                <a14:hiddenLine xmlns="" xmlns:a14="http://schemas.microsoft.com/office/drawing/2010/main" w="9525">
+                <a14:hiddenLine xmlns:a14="http://schemas.microsoft.com/office/drawing/2010/main" xmlns="" w="9525">
                   <a:solidFill>
                     <a:srgbClr val="000000"/>
                   </a:solidFill>
@@ -3757,7 +3757,7 @@
             </a:ln>
             <a:extLst>
               <a:ext uri="{91240B29-F687-4f45-9708-019B960494DF}">
-                <a14:hiddenLine xmlns="" xmlns:a14="http://schemas.microsoft.com/office/drawing/2010/main" w="9525">
+                <a14:hiddenLine xmlns:a14="http://schemas.microsoft.com/office/drawing/2010/main" xmlns="" w="9525">
                   <a:solidFill>
                     <a:srgbClr val="000000"/>
                   </a:solidFill>
@@ -3819,7 +3819,7 @@
             </a:ln>
             <a:extLst>
               <a:ext uri="{91240B29-F687-4f45-9708-019B960494DF}">
-                <a14:hiddenLine xmlns="" xmlns:a14="http://schemas.microsoft.com/office/drawing/2010/main" w="9525">
+                <a14:hiddenLine xmlns:a14="http://schemas.microsoft.com/office/drawing/2010/main" xmlns="" w="9525">
                   <a:solidFill>
                     <a:srgbClr val="000000"/>
                   </a:solidFill>
@@ -3909,7 +3909,7 @@
             </a:ln>
             <a:extLst>
               <a:ext uri="{91240B29-F687-4f45-9708-019B960494DF}">
-                <a14:hiddenLine xmlns="" xmlns:a14="http://schemas.microsoft.com/office/drawing/2010/main" w="9525">
+                <a14:hiddenLine xmlns:a14="http://schemas.microsoft.com/office/drawing/2010/main" xmlns="" w="9525">
                   <a:solidFill>
                     <a:srgbClr val="000000"/>
                   </a:solidFill>
@@ -3999,7 +3999,7 @@
             </a:ln>
             <a:extLst>
               <a:ext uri="{91240B29-F687-4f45-9708-019B960494DF}">
-                <a14:hiddenLine xmlns="" xmlns:a14="http://schemas.microsoft.com/office/drawing/2010/main" w="9525">
+                <a14:hiddenLine xmlns:a14="http://schemas.microsoft.com/office/drawing/2010/main" xmlns="" w="9525">
                   <a:solidFill>
                     <a:srgbClr val="000000"/>
                   </a:solidFill>
@@ -4064,7 +4064,7 @@
             </a:ln>
             <a:extLst>
               <a:ext uri="{91240B29-F687-4f45-9708-019B960494DF}">
-                <a14:hiddenLine xmlns="" xmlns:a14="http://schemas.microsoft.com/office/drawing/2010/main" w="9525">
+                <a14:hiddenLine xmlns:a14="http://schemas.microsoft.com/office/drawing/2010/main" xmlns="" w="9525">
                   <a:solidFill>
                     <a:srgbClr val="000000"/>
                   </a:solidFill>
@@ -4126,7 +4126,7 @@
             </a:ln>
             <a:extLst>
               <a:ext uri="{91240B29-F687-4f45-9708-019B960494DF}">
-                <a14:hiddenLine xmlns="" xmlns:a14="http://schemas.microsoft.com/office/drawing/2010/main" w="9525">
+                <a14:hiddenLine xmlns:a14="http://schemas.microsoft.com/office/drawing/2010/main" xmlns="" w="9525">
                   <a:solidFill>
                     <a:srgbClr val="000000"/>
                   </a:solidFill>
@@ -4216,7 +4216,7 @@
             </a:ln>
             <a:extLst>
               <a:ext uri="{91240B29-F687-4f45-9708-019B960494DF}">
-                <a14:hiddenLine xmlns="" xmlns:a14="http://schemas.microsoft.com/office/drawing/2010/main" w="9525">
+                <a14:hiddenLine xmlns:a14="http://schemas.microsoft.com/office/drawing/2010/main" xmlns="" w="9525">
                   <a:solidFill>
                     <a:srgbClr val="000000"/>
                   </a:solidFill>
@@ -4306,7 +4306,7 @@
             </a:ln>
             <a:extLst>
               <a:ext uri="{91240B29-F687-4f45-9708-019B960494DF}">
-                <a14:hiddenLine xmlns="" xmlns:a14="http://schemas.microsoft.com/office/drawing/2010/main" w="9525">
+                <a14:hiddenLine xmlns:a14="http://schemas.microsoft.com/office/drawing/2010/main" xmlns="" w="9525">
                   <a:solidFill>
                     <a:srgbClr val="000000"/>
                   </a:solidFill>
@@ -4368,7 +4368,7 @@
             </a:ln>
             <a:extLst>
               <a:ext uri="{91240B29-F687-4f45-9708-019B960494DF}">
-                <a14:hiddenLine xmlns="" xmlns:a14="http://schemas.microsoft.com/office/drawing/2010/main" w="9525">
+                <a14:hiddenLine xmlns:a14="http://schemas.microsoft.com/office/drawing/2010/main" xmlns="" w="9525">
                   <a:solidFill>
                     <a:srgbClr val="000000"/>
                   </a:solidFill>
@@ -4488,7 +4488,7 @@
             </a:ln>
             <a:extLst>
               <a:ext uri="{91240B29-F687-4f45-9708-019B960494DF}">
-                <a14:hiddenLine xmlns="" xmlns:a14="http://schemas.microsoft.com/office/drawing/2010/main" w="9525">
+                <a14:hiddenLine xmlns:a14="http://schemas.microsoft.com/office/drawing/2010/main" xmlns="" w="9525">
                   <a:solidFill>
                     <a:srgbClr val="000000"/>
                   </a:solidFill>
@@ -4556,7 +4556,7 @@
             </a:ln>
             <a:extLst>
               <a:ext uri="{91240B29-F687-4f45-9708-019B960494DF}">
-                <a14:hiddenLine xmlns="" xmlns:a14="http://schemas.microsoft.com/office/drawing/2010/main" w="9525">
+                <a14:hiddenLine xmlns:a14="http://schemas.microsoft.com/office/drawing/2010/main" xmlns="" w="9525">
                   <a:solidFill>
                     <a:srgbClr val="000000"/>
                   </a:solidFill>
@@ -4646,7 +4646,7 @@
             </a:ln>
             <a:extLst>
               <a:ext uri="{91240B29-F687-4f45-9708-019B960494DF}">
-                <a14:hiddenLine xmlns="" xmlns:a14="http://schemas.microsoft.com/office/drawing/2010/main" w="9525">
+                <a14:hiddenLine xmlns:a14="http://schemas.microsoft.com/office/drawing/2010/main" xmlns="" w="9525">
                   <a:solidFill>
                     <a:srgbClr val="000000"/>
                   </a:solidFill>
@@ -4786,7 +4786,7 @@
           <a:p>
             <a:fld id="{6CE3A0D3-11C0-4218-826D-05D3D9912C1F}" type="datetime1">
               <a:rPr lang="ru-RU" smtClean="0"/>
-              <a:t>03.12.2018</a:t>
+              <a:t>04.12.2018</a:t>
             </a:fld>
             <a:endParaRPr lang="ru-RU"/>
           </a:p>
@@ -5072,7 +5072,7 @@
           <a:p>
             <a:fld id="{55AE26A9-429B-4827-9938-D8FC26BFC5B9}" type="datetime1">
               <a:rPr lang="ru-RU" smtClean="0"/>
-              <a:t>03.12.2018</a:t>
+              <a:t>04.12.2018</a:t>
             </a:fld>
             <a:endParaRPr lang="ru-RU"/>
           </a:p>
@@ -5287,7 +5287,7 @@
           <a:p>
             <a:fld id="{0567A75A-6B72-441B-84AD-470ED9052699}" type="datetime1">
               <a:rPr lang="ru-RU" smtClean="0"/>
-              <a:t>03.12.2018</a:t>
+              <a:t>04.12.2018</a:t>
             </a:fld>
             <a:endParaRPr lang="ru-RU"/>
           </a:p>
@@ -5569,7 +5569,7 @@
           <a:p>
             <a:fld id="{E60C514B-042C-453C-A56D-B30DCB0B24B6}" type="datetime1">
               <a:rPr lang="ru-RU" smtClean="0"/>
-              <a:t>03.12.2018</a:t>
+              <a:t>04.12.2018</a:t>
             </a:fld>
             <a:endParaRPr lang="ru-RU"/>
           </a:p>
@@ -6022,7 +6022,7 @@
           <a:p>
             <a:fld id="{8DC830DF-1054-47DC-B59A-273C5262839E}" type="datetime1">
               <a:rPr lang="ru-RU" smtClean="0"/>
-              <a:t>03.12.2018</a:t>
+              <a:t>04.12.2018</a:t>
             </a:fld>
             <a:endParaRPr lang="ru-RU"/>
           </a:p>
@@ -6587,7 +6587,7 @@
           <a:p>
             <a:fld id="{40A43AC7-122A-40EF-A5D8-9157F5AFC634}" type="datetime1">
               <a:rPr lang="ru-RU" smtClean="0"/>
-              <a:t>03.12.2018</a:t>
+              <a:t>04.12.2018</a:t>
             </a:fld>
             <a:endParaRPr lang="ru-RU"/>
           </a:p>
@@ -7326,7 +7326,7 @@
           <a:p>
             <a:fld id="{C8FDEFFE-A5A7-41C1-ACB0-1BD5D3BF6AFE}" type="datetime1">
               <a:rPr lang="ru-RU" smtClean="0"/>
-              <a:t>03.12.2018</a:t>
+              <a:t>04.12.2018</a:t>
             </a:fld>
             <a:endParaRPr lang="ru-RU"/>
           </a:p>
@@ -7519,7 +7519,7 @@
           <a:p>
             <a:fld id="{CE228D3C-1F67-4C11-96BA-B2B3A2C7659C}" type="datetime1">
               <a:rPr lang="ru-RU" smtClean="0"/>
-              <a:t>03.12.2018</a:t>
+              <a:t>04.12.2018</a:t>
             </a:fld>
             <a:endParaRPr lang="ru-RU"/>
           </a:p>
@@ -7718,7 +7718,7 @@
           <a:p>
             <a:fld id="{3D784623-CFB1-42B8-993B-8A45B33DE479}" type="datetime1">
               <a:rPr lang="ru-RU" smtClean="0"/>
-              <a:t>03.12.2018</a:t>
+              <a:t>04.12.2018</a:t>
             </a:fld>
             <a:endParaRPr lang="ru-RU"/>
           </a:p>
@@ -7922,7 +7922,7 @@
           <a:p>
             <a:fld id="{8AF8D699-DD03-4CB4-928C-5019108BC414}" type="datetime1">
               <a:rPr lang="ru-RU" smtClean="0"/>
-              <a:t>03.12.2018</a:t>
+              <a:t>04.12.2018</a:t>
             </a:fld>
             <a:endParaRPr lang="ru-RU"/>
           </a:p>
@@ -8201,7 +8201,7 @@
           <a:p>
             <a:fld id="{DEADDDC8-5C66-4EB4-8EA8-F92E0D313217}" type="datetime1">
               <a:rPr lang="ru-RU" smtClean="0"/>
-              <a:t>03.12.2018</a:t>
+              <a:t>04.12.2018</a:t>
             </a:fld>
             <a:endParaRPr lang="ru-RU"/>
           </a:p>
@@ -8452,7 +8452,7 @@
           <a:p>
             <a:fld id="{D3EA0D31-CEE4-4AF2-B379-AE6F074CFC71}" type="datetime1">
               <a:rPr lang="ru-RU" smtClean="0"/>
-              <a:t>03.12.2018</a:t>
+              <a:t>04.12.2018</a:t>
             </a:fld>
             <a:endParaRPr lang="ru-RU"/>
           </a:p>
@@ -8852,7 +8852,7 @@
           <a:p>
             <a:fld id="{0D0204F0-FD3D-445A-9F8A-EA8888D7BCAD}" type="datetime1">
               <a:rPr lang="ru-RU" smtClean="0"/>
-              <a:t>03.12.2018</a:t>
+              <a:t>04.12.2018</a:t>
             </a:fld>
             <a:endParaRPr lang="ru-RU"/>
           </a:p>
@@ -8989,7 +8989,7 @@
           <a:p>
             <a:fld id="{79D964CF-661A-4293-AF93-D22D19D6059B}" type="datetime1">
               <a:rPr lang="ru-RU" smtClean="0"/>
-              <a:t>03.12.2018</a:t>
+              <a:t>04.12.2018</a:t>
             </a:fld>
             <a:endParaRPr lang="ru-RU"/>
           </a:p>
@@ -9103,7 +9103,7 @@
           <a:p>
             <a:fld id="{2E3C569C-F533-4640-A0F0-ABBE87EC8E22}" type="datetime1">
               <a:rPr lang="ru-RU" smtClean="0"/>
-              <a:t>03.12.2018</a:t>
+              <a:t>04.12.2018</a:t>
             </a:fld>
             <a:endParaRPr lang="ru-RU"/>
           </a:p>
@@ -9371,7 +9371,7 @@
           <a:p>
             <a:fld id="{98A143AC-6FEB-4281-B0A2-862F882D8863}" type="datetime1">
               <a:rPr lang="ru-RU" smtClean="0"/>
-              <a:t>03.12.2018</a:t>
+              <a:t>04.12.2018</a:t>
             </a:fld>
             <a:endParaRPr lang="ru-RU"/>
           </a:p>
@@ -9642,7 +9642,7 @@
           <a:p>
             <a:fld id="{BA0BBDB4-D773-4C88-8280-304BDB61AD94}" type="datetime1">
               <a:rPr lang="ru-RU" smtClean="0"/>
-              <a:t>03.12.2018</a:t>
+              <a:t>04.12.2018</a:t>
             </a:fld>
             <a:endParaRPr lang="ru-RU"/>
           </a:p>
@@ -9784,7 +9784,7 @@
           <a:noFill/>
           <a:extLst>
             <a:ext uri="{909E8E84-426E-40dd-AFC4-6F175D3DCCD1}">
-              <a14:hiddenFill xmlns="" xmlns:a14="http://schemas.microsoft.com/office/drawing/2010/main">
+              <a14:hiddenFill xmlns:a14="http://schemas.microsoft.com/office/drawing/2010/main" xmlns="">
                 <a:solidFill>
                   <a:srgbClr val="FFFFFF"/>
                 </a:solidFill>
@@ -9858,7 +9858,7 @@
               </a:ln>
               <a:extLst>
                 <a:ext uri="{91240B29-F687-4f45-9708-019B960494DF}">
-                  <a14:hiddenLine xmlns="" xmlns:a14="http://schemas.microsoft.com/office/drawing/2010/main" w="9525">
+                  <a14:hiddenLine xmlns:a14="http://schemas.microsoft.com/office/drawing/2010/main" xmlns="" w="9525">
                     <a:solidFill>
                       <a:srgbClr val="000000"/>
                     </a:solidFill>
@@ -9948,7 +9948,7 @@
               </a:ln>
               <a:extLst>
                 <a:ext uri="{91240B29-F687-4f45-9708-019B960494DF}">
-                  <a14:hiddenLine xmlns="" xmlns:a14="http://schemas.microsoft.com/office/drawing/2010/main" w="9525">
+                  <a14:hiddenLine xmlns:a14="http://schemas.microsoft.com/office/drawing/2010/main" xmlns="" w="9525">
                     <a:solidFill>
                       <a:srgbClr val="000000"/>
                     </a:solidFill>
@@ -10038,7 +10038,7 @@
               </a:ln>
               <a:extLst>
                 <a:ext uri="{91240B29-F687-4f45-9708-019B960494DF}">
-                  <a14:hiddenLine xmlns="" xmlns:a14="http://schemas.microsoft.com/office/drawing/2010/main" w="9525">
+                  <a14:hiddenLine xmlns:a14="http://schemas.microsoft.com/office/drawing/2010/main" xmlns="" w="9525">
                     <a:solidFill>
                       <a:srgbClr val="000000"/>
                     </a:solidFill>
@@ -10100,7 +10100,7 @@
               </a:ln>
               <a:extLst>
                 <a:ext uri="{91240B29-F687-4f45-9708-019B960494DF}">
-                  <a14:hiddenLine xmlns="" xmlns:a14="http://schemas.microsoft.com/office/drawing/2010/main" w="9525">
+                  <a14:hiddenLine xmlns:a14="http://schemas.microsoft.com/office/drawing/2010/main" xmlns="" w="9525">
                     <a:solidFill>
                       <a:srgbClr val="000000"/>
                     </a:solidFill>
@@ -10190,7 +10190,7 @@
               </a:ln>
               <a:extLst>
                 <a:ext uri="{91240B29-F687-4f45-9708-019B960494DF}">
-                  <a14:hiddenLine xmlns="" xmlns:a14="http://schemas.microsoft.com/office/drawing/2010/main" w="9525">
+                  <a14:hiddenLine xmlns:a14="http://schemas.microsoft.com/office/drawing/2010/main" xmlns="" w="9525">
                     <a:solidFill>
                       <a:srgbClr val="000000"/>
                     </a:solidFill>
@@ -10252,7 +10252,7 @@
               </a:ln>
               <a:extLst>
                 <a:ext uri="{91240B29-F687-4f45-9708-019B960494DF}">
-                  <a14:hiddenLine xmlns="" xmlns:a14="http://schemas.microsoft.com/office/drawing/2010/main" w="9525">
+                  <a14:hiddenLine xmlns:a14="http://schemas.microsoft.com/office/drawing/2010/main" xmlns="" w="9525">
                     <a:solidFill>
                       <a:srgbClr val="000000"/>
                     </a:solidFill>
@@ -10314,7 +10314,7 @@
               </a:ln>
               <a:extLst>
                 <a:ext uri="{91240B29-F687-4f45-9708-019B960494DF}">
-                  <a14:hiddenLine xmlns="" xmlns:a14="http://schemas.microsoft.com/office/drawing/2010/main" w="9525">
+                  <a14:hiddenLine xmlns:a14="http://schemas.microsoft.com/office/drawing/2010/main" xmlns="" w="9525">
                     <a:solidFill>
                       <a:srgbClr val="000000"/>
                     </a:solidFill>
@@ -10404,7 +10404,7 @@
               </a:ln>
               <a:extLst>
                 <a:ext uri="{91240B29-F687-4f45-9708-019B960494DF}">
-                  <a14:hiddenLine xmlns="" xmlns:a14="http://schemas.microsoft.com/office/drawing/2010/main" w="9525">
+                  <a14:hiddenLine xmlns:a14="http://schemas.microsoft.com/office/drawing/2010/main" xmlns="" w="9525">
                     <a:solidFill>
                       <a:srgbClr val="000000"/>
                     </a:solidFill>
@@ -10494,7 +10494,7 @@
               </a:ln>
               <a:extLst>
                 <a:ext uri="{91240B29-F687-4f45-9708-019B960494DF}">
-                  <a14:hiddenLine xmlns="" xmlns:a14="http://schemas.microsoft.com/office/drawing/2010/main" w="9525">
+                  <a14:hiddenLine xmlns:a14="http://schemas.microsoft.com/office/drawing/2010/main" xmlns="" w="9525">
                     <a:solidFill>
                       <a:srgbClr val="000000"/>
                     </a:solidFill>
@@ -10556,7 +10556,7 @@
               </a:ln>
               <a:extLst>
                 <a:ext uri="{91240B29-F687-4f45-9708-019B960494DF}">
-                  <a14:hiddenLine xmlns="" xmlns:a14="http://schemas.microsoft.com/office/drawing/2010/main" w="9525">
+                  <a14:hiddenLine xmlns:a14="http://schemas.microsoft.com/office/drawing/2010/main" xmlns="" w="9525">
                     <a:solidFill>
                       <a:srgbClr val="000000"/>
                     </a:solidFill>
@@ -10666,7 +10666,7 @@
               </a:ln>
               <a:extLst>
                 <a:ext uri="{91240B29-F687-4f45-9708-019B960494DF}">
-                  <a14:hiddenLine xmlns="" xmlns:a14="http://schemas.microsoft.com/office/drawing/2010/main" w="9525">
+                  <a14:hiddenLine xmlns:a14="http://schemas.microsoft.com/office/drawing/2010/main" xmlns="" w="9525">
                     <a:solidFill>
                       <a:srgbClr val="000000"/>
                     </a:solidFill>
@@ -10750,7 +10750,7 @@
               </a:ln>
               <a:extLst>
                 <a:ext uri="{91240B29-F687-4f45-9708-019B960494DF}">
-                  <a14:hiddenLine xmlns="" xmlns:a14="http://schemas.microsoft.com/office/drawing/2010/main" w="9525">
+                  <a14:hiddenLine xmlns:a14="http://schemas.microsoft.com/office/drawing/2010/main" xmlns="" w="9525">
                     <a:solidFill>
                       <a:srgbClr val="000000"/>
                     </a:solidFill>
@@ -10812,7 +10812,7 @@
               </a:ln>
               <a:extLst>
                 <a:ext uri="{91240B29-F687-4f45-9708-019B960494DF}">
-                  <a14:hiddenLine xmlns="" xmlns:a14="http://schemas.microsoft.com/office/drawing/2010/main" w="9525">
+                  <a14:hiddenLine xmlns:a14="http://schemas.microsoft.com/office/drawing/2010/main" xmlns="" w="9525">
                     <a:solidFill>
                       <a:srgbClr val="000000"/>
                     </a:solidFill>
@@ -10874,7 +10874,7 @@
               </a:ln>
               <a:extLst>
                 <a:ext uri="{91240B29-F687-4f45-9708-019B960494DF}">
-                  <a14:hiddenLine xmlns="" xmlns:a14="http://schemas.microsoft.com/office/drawing/2010/main" w="9525">
+                  <a14:hiddenLine xmlns:a14="http://schemas.microsoft.com/office/drawing/2010/main" xmlns="" w="9525">
                     <a:solidFill>
                       <a:srgbClr val="000000"/>
                     </a:solidFill>
@@ -10964,7 +10964,7 @@
               </a:ln>
               <a:extLst>
                 <a:ext uri="{91240B29-F687-4f45-9708-019B960494DF}">
-                  <a14:hiddenLine xmlns="" xmlns:a14="http://schemas.microsoft.com/office/drawing/2010/main" w="9525">
+                  <a14:hiddenLine xmlns:a14="http://schemas.microsoft.com/office/drawing/2010/main" xmlns="" w="9525">
                     <a:solidFill>
                       <a:srgbClr val="000000"/>
                     </a:solidFill>
@@ -10998,7 +10998,7 @@
               </a:ln>
               <a:extLst>
                 <a:ext uri="{91240B29-F687-4f45-9708-019B960494DF}">
-                  <a14:hiddenLine xmlns="" xmlns:a14="http://schemas.microsoft.com/office/drawing/2010/main" w="9525">
+                  <a14:hiddenLine xmlns:a14="http://schemas.microsoft.com/office/drawing/2010/main" xmlns="" w="9525">
                     <a:solidFill>
                       <a:srgbClr val="000000"/>
                     </a:solidFill>
@@ -11063,7 +11063,7 @@
               </a:ln>
               <a:extLst>
                 <a:ext uri="{91240B29-F687-4f45-9708-019B960494DF}">
-                  <a14:hiddenLine xmlns="" xmlns:a14="http://schemas.microsoft.com/office/drawing/2010/main" w="9525">
+                  <a14:hiddenLine xmlns:a14="http://schemas.microsoft.com/office/drawing/2010/main" xmlns="" w="9525">
                     <a:solidFill>
                       <a:srgbClr val="000000"/>
                     </a:solidFill>
@@ -11153,7 +11153,7 @@
               </a:ln>
               <a:extLst>
                 <a:ext uri="{91240B29-F687-4f45-9708-019B960494DF}">
-                  <a14:hiddenLine xmlns="" xmlns:a14="http://schemas.microsoft.com/office/drawing/2010/main" w="9525">
+                  <a14:hiddenLine xmlns:a14="http://schemas.microsoft.com/office/drawing/2010/main" xmlns="" w="9525">
                     <a:solidFill>
                       <a:srgbClr val="000000"/>
                     </a:solidFill>
@@ -11215,7 +11215,7 @@
               </a:ln>
               <a:extLst>
                 <a:ext uri="{91240B29-F687-4f45-9708-019B960494DF}">
-                  <a14:hiddenLine xmlns="" xmlns:a14="http://schemas.microsoft.com/office/drawing/2010/main" w="9525">
+                  <a14:hiddenLine xmlns:a14="http://schemas.microsoft.com/office/drawing/2010/main" xmlns="" w="9525">
                     <a:solidFill>
                       <a:srgbClr val="000000"/>
                     </a:solidFill>
@@ -11305,7 +11305,7 @@
               </a:ln>
               <a:extLst>
                 <a:ext uri="{91240B29-F687-4f45-9708-019B960494DF}">
-                  <a14:hiddenLine xmlns="" xmlns:a14="http://schemas.microsoft.com/office/drawing/2010/main" w="9525">
+                  <a14:hiddenLine xmlns:a14="http://schemas.microsoft.com/office/drawing/2010/main" xmlns="" w="9525">
                     <a:solidFill>
                       <a:srgbClr val="000000"/>
                     </a:solidFill>
@@ -11370,7 +11370,7 @@
               </a:ln>
               <a:extLst>
                 <a:ext uri="{91240B29-F687-4f45-9708-019B960494DF}">
-                  <a14:hiddenLine xmlns="" xmlns:a14="http://schemas.microsoft.com/office/drawing/2010/main" w="9525">
+                  <a14:hiddenLine xmlns:a14="http://schemas.microsoft.com/office/drawing/2010/main" xmlns="" w="9525">
                     <a:solidFill>
                       <a:srgbClr val="000000"/>
                     </a:solidFill>
@@ -11432,7 +11432,7 @@
               </a:ln>
               <a:extLst>
                 <a:ext uri="{91240B29-F687-4f45-9708-019B960494DF}">
-                  <a14:hiddenLine xmlns="" xmlns:a14="http://schemas.microsoft.com/office/drawing/2010/main" w="9525">
+                  <a14:hiddenLine xmlns:a14="http://schemas.microsoft.com/office/drawing/2010/main" xmlns="" w="9525">
                     <a:solidFill>
                       <a:srgbClr val="000000"/>
                     </a:solidFill>
@@ -11522,7 +11522,7 @@
               </a:ln>
               <a:extLst>
                 <a:ext uri="{91240B29-F687-4f45-9708-019B960494DF}">
-                  <a14:hiddenLine xmlns="" xmlns:a14="http://schemas.microsoft.com/office/drawing/2010/main" w="9525">
+                  <a14:hiddenLine xmlns:a14="http://schemas.microsoft.com/office/drawing/2010/main" xmlns="" w="9525">
                     <a:solidFill>
                       <a:srgbClr val="000000"/>
                     </a:solidFill>
@@ -11612,7 +11612,7 @@
               </a:ln>
               <a:extLst>
                 <a:ext uri="{91240B29-F687-4f45-9708-019B960494DF}">
-                  <a14:hiddenLine xmlns="" xmlns:a14="http://schemas.microsoft.com/office/drawing/2010/main" w="9525">
+                  <a14:hiddenLine xmlns:a14="http://schemas.microsoft.com/office/drawing/2010/main" xmlns="" w="9525">
                     <a:solidFill>
                       <a:srgbClr val="000000"/>
                     </a:solidFill>
@@ -11677,7 +11677,7 @@
               </a:ln>
               <a:extLst>
                 <a:ext uri="{91240B29-F687-4f45-9708-019B960494DF}">
-                  <a14:hiddenLine xmlns="" xmlns:a14="http://schemas.microsoft.com/office/drawing/2010/main" w="9525">
+                  <a14:hiddenLine xmlns:a14="http://schemas.microsoft.com/office/drawing/2010/main" xmlns="" w="9525">
                     <a:solidFill>
                       <a:srgbClr val="000000"/>
                     </a:solidFill>
@@ -11797,7 +11797,7 @@
               </a:ln>
               <a:extLst>
                 <a:ext uri="{91240B29-F687-4f45-9708-019B960494DF}">
-                  <a14:hiddenLine xmlns="" xmlns:a14="http://schemas.microsoft.com/office/drawing/2010/main" w="9525">
+                  <a14:hiddenLine xmlns:a14="http://schemas.microsoft.com/office/drawing/2010/main" xmlns="" w="9525">
                     <a:solidFill>
                       <a:srgbClr val="000000"/>
                     </a:solidFill>
@@ -11878,7 +11878,7 @@
               </a:ln>
               <a:extLst>
                 <a:ext uri="{91240B29-F687-4f45-9708-019B960494DF}">
-                  <a14:hiddenLine xmlns="" xmlns:a14="http://schemas.microsoft.com/office/drawing/2010/main" w="9525">
+                  <a14:hiddenLine xmlns:a14="http://schemas.microsoft.com/office/drawing/2010/main" xmlns="" w="9525">
                     <a:solidFill>
                       <a:srgbClr val="000000"/>
                     </a:solidFill>
@@ -11993,7 +11993,7 @@
               </a:ln>
               <a:extLst>
                 <a:ext uri="{91240B29-F687-4f45-9708-019B960494DF}">
-                  <a14:hiddenLine xmlns="" xmlns:a14="http://schemas.microsoft.com/office/drawing/2010/main" w="9525">
+                  <a14:hiddenLine xmlns:a14="http://schemas.microsoft.com/office/drawing/2010/main" xmlns="" w="9525">
                     <a:solidFill>
                       <a:srgbClr val="000000"/>
                     </a:solidFill>
@@ -12083,7 +12083,7 @@
               </a:ln>
               <a:extLst>
                 <a:ext uri="{91240B29-F687-4f45-9708-019B960494DF}">
-                  <a14:hiddenLine xmlns="" xmlns:a14="http://schemas.microsoft.com/office/drawing/2010/main" w="9525">
+                  <a14:hiddenLine xmlns:a14="http://schemas.microsoft.com/office/drawing/2010/main" xmlns="" w="9525">
                     <a:solidFill>
                       <a:srgbClr val="000000"/>
                     </a:solidFill>
@@ -12148,7 +12148,7 @@
               </a:ln>
               <a:extLst>
                 <a:ext uri="{91240B29-F687-4f45-9708-019B960494DF}">
-                  <a14:hiddenLine xmlns="" xmlns:a14="http://schemas.microsoft.com/office/drawing/2010/main" w="9525">
+                  <a14:hiddenLine xmlns:a14="http://schemas.microsoft.com/office/drawing/2010/main" xmlns="" w="9525">
                     <a:solidFill>
                       <a:srgbClr val="000000"/>
                     </a:solidFill>
@@ -12238,7 +12238,7 @@
               </a:ln>
               <a:extLst>
                 <a:ext uri="{91240B29-F687-4f45-9708-019B960494DF}">
-                  <a14:hiddenLine xmlns="" xmlns:a14="http://schemas.microsoft.com/office/drawing/2010/main" w="9525">
+                  <a14:hiddenLine xmlns:a14="http://schemas.microsoft.com/office/drawing/2010/main" xmlns="" w="9525">
                     <a:solidFill>
                       <a:srgbClr val="000000"/>
                     </a:solidFill>
@@ -12306,7 +12306,7 @@
               </a:ln>
               <a:extLst>
                 <a:ext uri="{91240B29-F687-4f45-9708-019B960494DF}">
-                  <a14:hiddenLine xmlns="" xmlns:a14="http://schemas.microsoft.com/office/drawing/2010/main" w="9525">
+                  <a14:hiddenLine xmlns:a14="http://schemas.microsoft.com/office/drawing/2010/main" xmlns="" w="9525">
                     <a:solidFill>
                       <a:srgbClr val="000000"/>
                     </a:solidFill>
@@ -12396,7 +12396,7 @@
               </a:ln>
               <a:extLst>
                 <a:ext uri="{91240B29-F687-4f45-9708-019B960494DF}">
-                  <a14:hiddenLine xmlns="" xmlns:a14="http://schemas.microsoft.com/office/drawing/2010/main" w="9525">
+                  <a14:hiddenLine xmlns:a14="http://schemas.microsoft.com/office/drawing/2010/main" xmlns="" w="9525">
                     <a:solidFill>
                       <a:srgbClr val="000000"/>
                     </a:solidFill>
@@ -12464,7 +12464,7 @@
               </a:ln>
               <a:extLst>
                 <a:ext uri="{91240B29-F687-4f45-9708-019B960494DF}">
-                  <a14:hiddenLine xmlns="" xmlns:a14="http://schemas.microsoft.com/office/drawing/2010/main" w="9525">
+                  <a14:hiddenLine xmlns:a14="http://schemas.microsoft.com/office/drawing/2010/main" xmlns="" w="9525">
                     <a:solidFill>
                       <a:srgbClr val="000000"/>
                     </a:solidFill>
@@ -12554,7 +12554,7 @@
               </a:ln>
               <a:extLst>
                 <a:ext uri="{91240B29-F687-4f45-9708-019B960494DF}">
-                  <a14:hiddenLine xmlns="" xmlns:a14="http://schemas.microsoft.com/office/drawing/2010/main" w="9525">
+                  <a14:hiddenLine xmlns:a14="http://schemas.microsoft.com/office/drawing/2010/main" xmlns="" w="9525">
                     <a:solidFill>
                       <a:srgbClr val="000000"/>
                     </a:solidFill>
@@ -12588,7 +12588,7 @@
               </a:ln>
               <a:extLst>
                 <a:ext uri="{91240B29-F687-4f45-9708-019B960494DF}">
-                  <a14:hiddenLine xmlns="" xmlns:a14="http://schemas.microsoft.com/office/drawing/2010/main" w="9525">
+                  <a14:hiddenLine xmlns:a14="http://schemas.microsoft.com/office/drawing/2010/main" xmlns="" w="9525">
                     <a:solidFill>
                       <a:srgbClr val="000000"/>
                     </a:solidFill>
@@ -12728,7 +12728,7 @@
           <a:p>
             <a:fld id="{890B2DC0-7E56-4418-A0C4-B2612185CCB6}" type="datetime1">
               <a:rPr lang="ru-RU" smtClean="0"/>
-              <a:t>03.12.2018</a:t>
+              <a:t>04.12.2018</a:t>
             </a:fld>
             <a:endParaRPr lang="ru-RU"/>
           </a:p>
@@ -14496,8 +14496,8 @@
           </a:p>
         </p:txBody>
       </p:sp>
-      <mc:AlternateContent xmlns:mc="http://schemas.openxmlformats.org/markup-compatibility/2006">
-        <mc:Choice xmlns:a14="http://schemas.microsoft.com/office/drawing/2010/main" Requires="a14">
+      <mc:AlternateContent xmlns:mc="http://schemas.openxmlformats.org/markup-compatibility/2006" xmlns:a14="http://schemas.microsoft.com/office/drawing/2010/main">
+        <mc:Choice Requires="a14">
           <p:sp>
             <p:nvSpPr>
               <p:cNvPr id="3" name="Объект 2"/>
@@ -15214,7 +15214,7 @@
             </p:txBody>
           </p:sp>
         </mc:Choice>
-        <mc:Fallback>
+        <mc:Fallback xmlns="">
           <p:sp>
             <p:nvSpPr>
               <p:cNvPr id="3" name="Объект 2"/>
@@ -15742,11 +15742,7 @@
             </a:r>
             <a:r>
               <a:rPr lang="ru-RU" dirty="0" smtClean="0"/>
-              <a:t>контент</a:t>
-            </a:r>
-            <a:r>
-              <a:rPr lang="ru-RU" dirty="0" smtClean="0"/>
-              <a:t>-фильтром</a:t>
+              <a:t>контент-фильтром</a:t>
             </a:r>
             <a:r>
               <a:rPr lang="en-US" dirty="0"/>
@@ -16219,7 +16215,11 @@
           <a:p>
             <a:r>
               <a:rPr lang="ru-RU" dirty="0" smtClean="0"/>
-              <a:t>Фильтрации веб-контента </a:t>
+              <a:t>Фильтрация </a:t>
+            </a:r>
+            <a:r>
+              <a:rPr lang="ru-RU" dirty="0" smtClean="0"/>
+              <a:t>веб-контента </a:t>
             </a:r>
             <a:r>
               <a:rPr lang="ru-RU" dirty="0"/>

--- a/diploma/Проектирование и разработка веб-фильтра для обеспечения контроля доступа к сетевым ресурсам.pptx
+++ b/diploma/Проектирование и разработка веб-фильтра для обеспечения контроля доступа к сетевым ресурсам.pptx
@@ -4832,14 +4832,20 @@
           <a:p>
             <a:pPr algn="ctr"/>
             <a:r>
-              <a:rPr lang="ru-RU" dirty="0">
+              <a:rPr lang="ru-RU" dirty="0" smtClean="0">
                 <a:solidFill>
                   <a:schemeClr val="bg1"/>
                 </a:solidFill>
                 <a:latin typeface="Elektra Text Pro" panose="02000503030000020004" pitchFamily="50" charset="-52"/>
               </a:rPr>
-              <a:t>Наивный байесовский классификатор</a:t>
-            </a:r>
+              <a:t>НАИВНЫЙ БАЙЕСОВСКИЙ КЛАССИФИКАТОР</a:t>
+            </a:r>
+            <a:endParaRPr lang="ru-RU" dirty="0">
+              <a:solidFill>
+                <a:schemeClr val="bg1"/>
+              </a:solidFill>
+              <a:latin typeface="Elektra Text Pro" panose="02000503030000020004" pitchFamily="50" charset="-52"/>
+            </a:endParaRPr>
           </a:p>
         </p:txBody>
       </p:sp>
@@ -5101,14 +5107,20 @@
           <a:p>
             <a:pPr algn="ctr"/>
             <a:r>
-              <a:rPr lang="ru-RU" dirty="0">
+              <a:rPr lang="ru-RU" dirty="0" smtClean="0">
                 <a:solidFill>
                   <a:schemeClr val="bg1"/>
                 </a:solidFill>
                 <a:latin typeface="Elektra Text Pro" panose="02000503030000020004" pitchFamily="50" charset="-52"/>
               </a:rPr>
-              <a:t>Наивный байесовский классификатор</a:t>
-            </a:r>
+              <a:t>НАИВНЫЙ БАЙЕСОВСКИЙ КЛАССИФИКАТОР</a:t>
+            </a:r>
+            <a:endParaRPr lang="ru-RU" dirty="0">
+              <a:solidFill>
+                <a:schemeClr val="bg1"/>
+              </a:solidFill>
+              <a:latin typeface="Elektra Text Pro" panose="02000503030000020004" pitchFamily="50" charset="-52"/>
+            </a:endParaRPr>
           </a:p>
         </p:txBody>
       </p:sp>
@@ -5996,14 +6008,20 @@
           <a:p>
             <a:pPr algn="ctr"/>
             <a:r>
-              <a:rPr lang="ru-RU" dirty="0">
+              <a:rPr lang="ru-RU" dirty="0" smtClean="0">
                 <a:solidFill>
                   <a:schemeClr val="bg1"/>
                 </a:solidFill>
                 <a:latin typeface="Elektra Text Pro" panose="02000503030000020004" pitchFamily="50" charset="-52"/>
               </a:rPr>
-              <a:t>Реализация веб-фильтра</a:t>
-            </a:r>
+              <a:t>РЕАЛИЗАЦИЯ ВЕБ-ФИЛЬТРА</a:t>
+            </a:r>
+            <a:endParaRPr lang="ru-RU" dirty="0">
+              <a:solidFill>
+                <a:schemeClr val="bg1"/>
+              </a:solidFill>
+              <a:latin typeface="Elektra Text Pro" panose="02000503030000020004" pitchFamily="50" charset="-52"/>
+            </a:endParaRPr>
           </a:p>
         </p:txBody>
       </p:sp>
@@ -6328,17 +6346,14 @@
                 </a:solidFill>
                 <a:latin typeface="Elektra Text Pro" panose="02000503030000020004" pitchFamily="50" charset="-52"/>
               </a:rPr>
-              <a:t>Диаграмма развертывания </a:t>
-            </a:r>
-            <a:r>
-              <a:rPr lang="ru-RU" dirty="0">
-                <a:solidFill>
-                  <a:schemeClr val="bg1"/>
-                </a:solidFill>
-                <a:latin typeface="Elektra Text Pro" panose="02000503030000020004" pitchFamily="50" charset="-52"/>
-              </a:rPr>
-              <a:t>веб-фильтра</a:t>
-            </a:r>
+              <a:t>ДИАГРАММА РАЗВЕРТЫВАНИЯ ВЕБ-ФИЛЬТРА</a:t>
+            </a:r>
+            <a:endParaRPr lang="ru-RU" dirty="0">
+              <a:solidFill>
+                <a:schemeClr val="bg1"/>
+              </a:solidFill>
+              <a:latin typeface="Elektra Text Pro" panose="02000503030000020004" pitchFamily="50" charset="-52"/>
+            </a:endParaRPr>
           </a:p>
         </p:txBody>
       </p:sp>
@@ -6480,17 +6495,14 @@
                 </a:solidFill>
                 <a:latin typeface="Elektra Text Pro" panose="02000503030000020004" pitchFamily="50" charset="-52"/>
               </a:rPr>
-              <a:t>Возможности </a:t>
-            </a:r>
-            <a:r>
-              <a:rPr lang="ru-RU" dirty="0">
-                <a:solidFill>
-                  <a:schemeClr val="bg1"/>
-                </a:solidFill>
-                <a:latin typeface="Elektra Text Pro" panose="02000503030000020004" pitchFamily="50" charset="-52"/>
-              </a:rPr>
-              <a:t>веб-фильтра</a:t>
-            </a:r>
+              <a:t>ВОЗМОЖНОСТИ ВЕБ-ФИЛЬТРА</a:t>
+            </a:r>
+            <a:endParaRPr lang="ru-RU" dirty="0">
+              <a:solidFill>
+                <a:schemeClr val="bg1"/>
+              </a:solidFill>
+              <a:latin typeface="Elektra Text Pro" panose="02000503030000020004" pitchFamily="50" charset="-52"/>
+            </a:endParaRPr>
           </a:p>
         </p:txBody>
       </p:sp>
@@ -6733,7 +6745,7 @@
                 </a:solidFill>
                 <a:latin typeface="Elektra Text Pro" panose="02000503030000020004" pitchFamily="50" charset="-52"/>
               </a:rPr>
-              <a:t>Заключение</a:t>
+              <a:t>ЗАКЛЮЧЕНИЕ</a:t>
             </a:r>
             <a:endParaRPr lang="ru-RU" dirty="0">
               <a:solidFill>
@@ -7110,14 +7122,20 @@
           <a:p>
             <a:pPr algn="ctr"/>
             <a:r>
-              <a:rPr lang="ru-RU" dirty="0">
+              <a:rPr lang="ru-RU" dirty="0" smtClean="0">
                 <a:solidFill>
                   <a:schemeClr val="bg1"/>
                 </a:solidFill>
                 <a:latin typeface="Elektra Text Pro" panose="02000503030000020004" pitchFamily="50" charset="-52"/>
               </a:rPr>
-              <a:t>Актуальность</a:t>
-            </a:r>
+              <a:t>АКТУАЛЬНОСТЬ</a:t>
+            </a:r>
+            <a:endParaRPr lang="ru-RU" dirty="0">
+              <a:solidFill>
+                <a:schemeClr val="bg1"/>
+              </a:solidFill>
+              <a:latin typeface="Elektra Text Pro" panose="02000503030000020004" pitchFamily="50" charset="-52"/>
+            </a:endParaRPr>
           </a:p>
         </p:txBody>
       </p:sp>
@@ -7245,14 +7263,20 @@
           <a:p>
             <a:pPr algn="ctr"/>
             <a:r>
-              <a:rPr lang="ru-RU" dirty="0">
+              <a:rPr lang="ru-RU" dirty="0" smtClean="0">
                 <a:solidFill>
                   <a:schemeClr val="bg1"/>
                 </a:solidFill>
                 <a:latin typeface="Elektra Text Pro" panose="02000503030000020004" pitchFamily="50" charset="-52"/>
               </a:rPr>
-              <a:t>Цель и задачи</a:t>
-            </a:r>
+              <a:t>ЦЕЛЬ И ЗАДАЧИ</a:t>
+            </a:r>
+            <a:endParaRPr lang="ru-RU" dirty="0">
+              <a:solidFill>
+                <a:schemeClr val="bg1"/>
+              </a:solidFill>
+              <a:latin typeface="Elektra Text Pro" panose="02000503030000020004" pitchFamily="50" charset="-52"/>
+            </a:endParaRPr>
           </a:p>
         </p:txBody>
       </p:sp>
@@ -7454,14 +7478,20 @@
           <a:p>
             <a:pPr algn="ctr"/>
             <a:r>
-              <a:rPr lang="ru-RU" dirty="0">
+              <a:rPr lang="ru-RU" dirty="0" smtClean="0">
                 <a:solidFill>
                   <a:schemeClr val="bg1"/>
                 </a:solidFill>
                 <a:latin typeface="Elektra Text Pro" panose="02000503030000020004" pitchFamily="50" charset="-52"/>
               </a:rPr>
-              <a:t>Понятие веб-фильтра</a:t>
-            </a:r>
+              <a:t>ПОНЯТИЕ ВЕБ-ФИЛЬТРА</a:t>
+            </a:r>
+            <a:endParaRPr lang="ru-RU" dirty="0">
+              <a:solidFill>
+                <a:schemeClr val="bg1"/>
+              </a:solidFill>
+              <a:latin typeface="Elektra Text Pro" panose="02000503030000020004" pitchFamily="50" charset="-52"/>
+            </a:endParaRPr>
           </a:p>
         </p:txBody>
       </p:sp>
@@ -7649,32 +7679,20 @@
           <a:p>
             <a:pPr algn="ctr"/>
             <a:r>
-              <a:rPr lang="ru-RU" dirty="0">
-                <a:solidFill>
-                  <a:schemeClr val="bg1"/>
-                </a:solidFill>
-                <a:latin typeface="Elektra Text Pro" panose="02000503030000020004" pitchFamily="50" charset="-52"/>
-              </a:rPr>
-              <a:t>Общая </a:t>
-            </a:r>
-            <a:r>
               <a:rPr lang="ru-RU" dirty="0" smtClean="0">
                 <a:solidFill>
                   <a:schemeClr val="bg1"/>
                 </a:solidFill>
                 <a:latin typeface="Elektra Text Pro" panose="02000503030000020004" pitchFamily="50" charset="-52"/>
               </a:rPr>
-              <a:t>схема </a:t>
-            </a:r>
-            <a:r>
-              <a:rPr lang="ru-RU" dirty="0">
-                <a:solidFill>
-                  <a:schemeClr val="bg1"/>
-                </a:solidFill>
-                <a:latin typeface="Elektra Text Pro" panose="02000503030000020004" pitchFamily="50" charset="-52"/>
-              </a:rPr>
-              <a:t>работы веб-фильтра</a:t>
-            </a:r>
+              <a:t>ОБЩАЯ СХЕМА РАБОТЫ ВЕБ-ФИЛЬТРА</a:t>
+            </a:r>
+            <a:endParaRPr lang="ru-RU" dirty="0">
+              <a:solidFill>
+                <a:schemeClr val="bg1"/>
+              </a:solidFill>
+              <a:latin typeface="Elektra Text Pro" panose="02000503030000020004" pitchFamily="50" charset="-52"/>
+            </a:endParaRPr>
           </a:p>
         </p:txBody>
       </p:sp>
@@ -7886,22 +7904,22 @@
           <a:p>
             <a:pPr algn="ctr"/>
             <a:r>
-              <a:rPr lang="ru-RU" dirty="0">
+              <a:rPr lang="ru-RU" dirty="0" smtClean="0">
                 <a:solidFill>
                   <a:schemeClr val="bg1"/>
                 </a:solidFill>
                 <a:latin typeface="Elektra Text Pro" panose="02000503030000020004" pitchFamily="50" charset="-52"/>
               </a:rPr>
-              <a:t>Схема применения </a:t>
-            </a:r>
-            <a:r>
-              <a:rPr lang="en-US" i="1" dirty="0">
+              <a:t>СХЕМА ПРИМЕНЕНИЯ </a:t>
+            </a:r>
+            <a:r>
+              <a:rPr lang="en-US" i="1" dirty="0" smtClean="0">
                 <a:solidFill>
                   <a:schemeClr val="bg1"/>
                 </a:solidFill>
                 <a:latin typeface="Elektra Text Pro" panose="02000503030000020004" pitchFamily="50" charset="-52"/>
               </a:rPr>
-              <a:t>Trusted MITM</a:t>
+              <a:t>TRUSTED MITM</a:t>
             </a:r>
             <a:endParaRPr lang="ru-RU" i="1" dirty="0">
               <a:solidFill>
@@ -8085,14 +8103,20 @@
           <a:p>
             <a:pPr algn="ctr"/>
             <a:r>
-              <a:rPr lang="ru-RU" dirty="0">
+              <a:rPr lang="ru-RU" dirty="0" smtClean="0">
                 <a:solidFill>
                   <a:schemeClr val="bg1"/>
                 </a:solidFill>
                 <a:latin typeface="Elektra Text Pro" panose="02000503030000020004" pitchFamily="50" charset="-52"/>
               </a:rPr>
-              <a:t>Методы контентной фильтрации</a:t>
-            </a:r>
+              <a:t>МЕТОДЫ КОНТЕНТНОЙ ФИЛЬТРАЦИИ</a:t>
+            </a:r>
+            <a:endParaRPr lang="ru-RU" dirty="0">
+              <a:solidFill>
+                <a:schemeClr val="bg1"/>
+              </a:solidFill>
+              <a:latin typeface="Elektra Text Pro" panose="02000503030000020004" pitchFamily="50" charset="-52"/>
+            </a:endParaRPr>
           </a:p>
         </p:txBody>
       </p:sp>
@@ -8302,14 +8326,20 @@
           <a:p>
             <a:pPr algn="ctr"/>
             <a:r>
-              <a:rPr lang="ru-RU" dirty="0">
+              <a:rPr lang="ru-RU" dirty="0" smtClean="0">
                 <a:solidFill>
                   <a:schemeClr val="bg1"/>
                 </a:solidFill>
                 <a:latin typeface="Elektra Text Pro" panose="02000503030000020004" pitchFamily="50" charset="-52"/>
               </a:rPr>
-              <a:t>Категоризация ресурсов сети интернет</a:t>
-            </a:r>
+              <a:t>КАТЕГОРИЗАЦИЯ РЕСУРСОВ СЕТИ ИНТЕРНЕТ</a:t>
+            </a:r>
+            <a:endParaRPr lang="ru-RU" dirty="0">
+              <a:solidFill>
+                <a:schemeClr val="bg1"/>
+              </a:solidFill>
+              <a:latin typeface="Elektra Text Pro" panose="02000503030000020004" pitchFamily="50" charset="-52"/>
+            </a:endParaRPr>
           </a:p>
         </p:txBody>
       </p:sp>
@@ -8526,32 +8556,20 @@
           <a:p>
             <a:pPr algn="ctr"/>
             <a:r>
-              <a:rPr lang="ru-RU" dirty="0">
-                <a:solidFill>
-                  <a:schemeClr val="bg1"/>
-                </a:solidFill>
-                <a:latin typeface="Elektra Text Pro" panose="02000503030000020004" pitchFamily="50" charset="-52"/>
-              </a:rPr>
-              <a:t>З</a:t>
-            </a:r>
-            <a:r>
               <a:rPr lang="ru-RU" dirty="0" smtClean="0">
                 <a:solidFill>
                   <a:schemeClr val="bg1"/>
                 </a:solidFill>
                 <a:latin typeface="Elektra Text Pro" panose="02000503030000020004" pitchFamily="50" charset="-52"/>
               </a:rPr>
-              <a:t>адача </a:t>
-            </a:r>
-            <a:r>
-              <a:rPr lang="ru-RU" dirty="0">
-                <a:solidFill>
-                  <a:schemeClr val="bg1"/>
-                </a:solidFill>
-                <a:latin typeface="Elektra Text Pro" panose="02000503030000020004" pitchFamily="50" charset="-52"/>
-              </a:rPr>
-              <a:t>классификации текста</a:t>
-            </a:r>
+              <a:t>ЗАДАЧА КЛАССИФИКАЦИИ ТЕКСТА</a:t>
+            </a:r>
+            <a:endParaRPr lang="ru-RU" dirty="0">
+              <a:solidFill>
+                <a:schemeClr val="bg1"/>
+              </a:solidFill>
+              <a:latin typeface="Elektra Text Pro" panose="02000503030000020004" pitchFamily="50" charset="-52"/>
+            </a:endParaRPr>
           </a:p>
         </p:txBody>
       </p:sp>

--- a/diploma/Проектирование и разработка веб-фильтра для обеспечения контроля доступа к сетевым ресурсам.pptx
+++ b/diploma/Проектирование и разработка веб-фильтра для обеспечения контроля доступа к сетевым ресурсам.pptx
@@ -8,7 +8,7 @@
     <p:notesMasterId r:id="rId18"/>
   </p:notesMasterIdLst>
   <p:sldIdLst>
-    <p:sldId id="256" r:id="rId2"/>
+    <p:sldId id="281" r:id="rId2"/>
     <p:sldId id="258" r:id="rId3"/>
     <p:sldId id="259" r:id="rId4"/>
     <p:sldId id="268" r:id="rId5"/>
@@ -1299,7 +1299,7 @@
           <a:p>
             <a:fld id="{77D36C68-DDAB-4D09-8E72-8E937BD7768C}" type="datetimeFigureOut">
               <a:rPr lang="ru-RU" smtClean="0"/>
-              <a:t>24.12.2018</a:t>
+              <a:t>07.01.2019</a:t>
             </a:fld>
             <a:endParaRPr lang="ru-RU"/>
           </a:p>
@@ -1782,7 +1782,7 @@
           <a:p>
             <a:fld id="{0CD2006A-6BE7-43E8-8AD6-C09FC266B36F}" type="datetime1">
               <a:rPr lang="ru-RU" smtClean="0"/>
-              <a:t>24.12.2018</a:t>
+              <a:t>07.01.2019</a:t>
             </a:fld>
             <a:endParaRPr lang="ru-RU"/>
           </a:p>
@@ -1952,7 +1952,7 @@
           <a:p>
             <a:fld id="{DCFD85EE-4AB9-42CD-8126-E74FE77A9ED8}" type="datetime1">
               <a:rPr lang="ru-RU" smtClean="0"/>
-              <a:t>24.12.2018</a:t>
+              <a:t>07.01.2019</a:t>
             </a:fld>
             <a:endParaRPr lang="ru-RU"/>
           </a:p>
@@ -2132,7 +2132,7 @@
           <a:p>
             <a:fld id="{560B916C-83BE-4CC1-8A21-D05CD30C43DB}" type="datetime1">
               <a:rPr lang="ru-RU" smtClean="0"/>
-              <a:t>24.12.2018</a:t>
+              <a:t>07.01.2019</a:t>
             </a:fld>
             <a:endParaRPr lang="ru-RU"/>
           </a:p>
@@ -2302,7 +2302,7 @@
           <a:p>
             <a:fld id="{D2E13183-B2A1-4784-80CE-65A33D52CB0B}" type="datetime1">
               <a:rPr lang="ru-RU" smtClean="0"/>
-              <a:t>24.12.2018</a:t>
+              <a:t>07.01.2019</a:t>
             </a:fld>
             <a:endParaRPr lang="ru-RU"/>
           </a:p>
@@ -2546,7 +2546,7 @@
           <a:p>
             <a:fld id="{DEA388E9-D2C3-4436-BFEE-5F0C2E0896FE}" type="datetime1">
               <a:rPr lang="ru-RU" smtClean="0"/>
-              <a:t>24.12.2018</a:t>
+              <a:t>07.01.2019</a:t>
             </a:fld>
             <a:endParaRPr lang="ru-RU"/>
           </a:p>
@@ -2778,7 +2778,7 @@
           <a:p>
             <a:fld id="{13A15BC7-66CE-44BA-84C4-ADF5D358A8E5}" type="datetime1">
               <a:rPr lang="ru-RU" smtClean="0"/>
-              <a:t>24.12.2018</a:t>
+              <a:t>07.01.2019</a:t>
             </a:fld>
             <a:endParaRPr lang="ru-RU"/>
           </a:p>
@@ -3145,7 +3145,7 @@
           <a:p>
             <a:fld id="{8C55F641-8A7B-48BB-9924-29525D09D843}" type="datetime1">
               <a:rPr lang="ru-RU" smtClean="0"/>
-              <a:t>24.12.2018</a:t>
+              <a:t>07.01.2019</a:t>
             </a:fld>
             <a:endParaRPr lang="ru-RU"/>
           </a:p>
@@ -3263,7 +3263,7 @@
           <a:p>
             <a:fld id="{28C4CC1A-CDB1-4CBC-83A8-3EB958439194}" type="datetime1">
               <a:rPr lang="ru-RU" smtClean="0"/>
-              <a:t>24.12.2018</a:t>
+              <a:t>07.01.2019</a:t>
             </a:fld>
             <a:endParaRPr lang="ru-RU"/>
           </a:p>
@@ -3358,7 +3358,7 @@
           <a:p>
             <a:fld id="{DCA5C5F1-78C0-4305-B0EC-8CEF047F6C93}" type="datetime1">
               <a:rPr lang="ru-RU" smtClean="0"/>
-              <a:t>24.12.2018</a:t>
+              <a:t>07.01.2019</a:t>
             </a:fld>
             <a:endParaRPr lang="ru-RU"/>
           </a:p>
@@ -3635,7 +3635,7 @@
           <a:p>
             <a:fld id="{8FF670FB-17C0-4434-90C8-A4668EF13565}" type="datetime1">
               <a:rPr lang="ru-RU" smtClean="0"/>
-              <a:t>24.12.2018</a:t>
+              <a:t>07.01.2019</a:t>
             </a:fld>
             <a:endParaRPr lang="ru-RU"/>
           </a:p>
@@ -3892,7 +3892,7 @@
           <a:p>
             <a:fld id="{5FA5D1FD-3FC4-47EA-B2EB-FF46800F6009}" type="datetime1">
               <a:rPr lang="ru-RU" smtClean="0"/>
-              <a:t>24.12.2018</a:t>
+              <a:t>07.01.2019</a:t>
             </a:fld>
             <a:endParaRPr lang="ru-RU"/>
           </a:p>
@@ -4114,7 +4114,7 @@
           <a:p>
             <a:fld id="{6C109404-ED28-47FE-9DC5-C6BCEA110D1D}" type="datetime1">
               <a:rPr lang="ru-RU" smtClean="0"/>
-              <a:t>24.12.2018</a:t>
+              <a:t>07.01.2019</a:t>
             </a:fld>
             <a:endParaRPr lang="ru-RU"/>
           </a:p>
@@ -4529,7 +4529,7 @@
           <p:nvPr/>
         </p:nvPicPr>
         <p:blipFill>
-          <a:blip r:embed="rId2">
+          <a:blip r:embed="rId2" cstate="print">
             <a:extLst>
               <a:ext uri="{28A0092B-C50C-407E-A947-70E740481C1C}">
                 <a14:useLocalDpi xmlns:a14="http://schemas.microsoft.com/office/drawing/2010/main" val="0"/>
@@ -4552,64 +4552,136 @@
       </p:pic>
       <p:sp>
         <p:nvSpPr>
-          <p:cNvPr id="7" name="TextBox 6"/>
-          <p:cNvSpPr txBox="1"/>
-          <p:nvPr/>
+          <p:cNvPr id="13" name="Заголовок 1"/>
+          <p:cNvSpPr>
+            <a:spLocks noGrp="1"/>
+          </p:cNvSpPr>
+          <p:nvPr>
+            <p:ph type="ctrTitle"/>
+          </p:nvPr>
         </p:nvSpPr>
         <p:spPr>
           <a:xfrm>
-            <a:off x="4646527" y="2435122"/>
-            <a:ext cx="3831772" cy="1323439"/>
+            <a:off x="3035500" y="2331519"/>
+            <a:ext cx="6108500" cy="1901592"/>
           </a:xfrm>
-          <a:prstGeom prst="rect">
-            <a:avLst/>
-          </a:prstGeom>
-          <a:noFill/>
         </p:spPr>
         <p:txBody>
-          <a:bodyPr wrap="square" rtlCol="0" anchor="ctr" anchorCtr="1">
-            <a:spAutoFit/>
+          <a:bodyPr>
+            <a:normAutofit/>
           </a:bodyPr>
           <a:lstStyle/>
           <a:p>
-            <a:pPr algn="ctr"/>
-            <a:r>
-              <a:rPr lang="ru-RU" sz="2000" dirty="0">
+            <a:r>
+              <a:rPr lang="ru-RU" sz="1600" b="1" dirty="0" smtClean="0">
                 <a:solidFill>
                   <a:schemeClr val="bg1"/>
                 </a:solidFill>
                 <a:latin typeface="Elektra Text Pro" panose="02000503030000020004" pitchFamily="50" charset="-52"/>
+                <a:ea typeface="+mn-ea"/>
+                <a:cs typeface="+mn-cs"/>
               </a:rPr>
-              <a:t>Проектирование и разработка веб-фильтра для обеспечения контроля доступа к сетевым ресурсам</a:t>
-            </a:r>
-          </a:p>
-        </p:txBody>
-      </p:sp>
-      <p:sp>
-        <p:nvSpPr>
-          <p:cNvPr id="8" name="TextBox 7"/>
-          <p:cNvSpPr txBox="1"/>
-          <p:nvPr/>
+              <a:t>ПРОЕКТИРОВАНИЕ И РАЗРАБОТКА ВЕБ-ФИЛЬТРА ДЛЯ ОБЕСПЕЧЕНИЯ КОНТРОЛЯ ДОСТУПА К СЕТЕВЫМ РЕСУРСАМ</a:t>
+            </a:r>
+            <a:r>
+              <a:rPr lang="en-US" sz="1600" b="1" dirty="0" smtClean="0">
+                <a:solidFill>
+                  <a:schemeClr val="bg1"/>
+                </a:solidFill>
+                <a:latin typeface="Elektra Text Pro" panose="02000503030000020004" pitchFamily="50" charset="-52"/>
+                <a:ea typeface="+mn-ea"/>
+                <a:cs typeface="+mn-cs"/>
+              </a:rPr>
+              <a:t/>
+            </a:r>
+            <a:br>
+              <a:rPr lang="en-US" sz="1600" b="1" dirty="0" smtClean="0">
+                <a:solidFill>
+                  <a:schemeClr val="bg1"/>
+                </a:solidFill>
+                <a:latin typeface="Elektra Text Pro" panose="02000503030000020004" pitchFamily="50" charset="-52"/>
+                <a:ea typeface="+mn-ea"/>
+                <a:cs typeface="+mn-cs"/>
+              </a:rPr>
+            </a:br>
+            <a:r>
+              <a:rPr lang="ru-RU" sz="1600" b="1" dirty="0" smtClean="0">
+                <a:solidFill>
+                  <a:schemeClr val="bg1"/>
+                </a:solidFill>
+                <a:latin typeface="Elektra Text Pro" panose="02000503030000020004" pitchFamily="50" charset="-52"/>
+                <a:ea typeface="+mn-ea"/>
+                <a:cs typeface="+mn-cs"/>
+              </a:rPr>
+              <a:t/>
+            </a:r>
+            <a:br>
+              <a:rPr lang="ru-RU" sz="1600" b="1" dirty="0" smtClean="0">
+                <a:solidFill>
+                  <a:schemeClr val="bg1"/>
+                </a:solidFill>
+                <a:latin typeface="Elektra Text Pro" panose="02000503030000020004" pitchFamily="50" charset="-52"/>
+                <a:ea typeface="+mn-ea"/>
+                <a:cs typeface="+mn-cs"/>
+              </a:rPr>
+            </a:br>
+            <a:r>
+              <a:rPr lang="ru-RU" sz="1600" dirty="0" smtClean="0">
+                <a:solidFill>
+                  <a:schemeClr val="bg1"/>
+                </a:solidFill>
+                <a:latin typeface="Elektra Text Pro" panose="02000503030000020004" pitchFamily="50" charset="-52"/>
+                <a:ea typeface="+mn-ea"/>
+                <a:cs typeface="+mn-cs"/>
+              </a:rPr>
+              <a:t>Выпускная квалификационная работа</a:t>
+            </a:r>
+            <a:br>
+              <a:rPr lang="ru-RU" sz="1600" dirty="0" smtClean="0">
+                <a:solidFill>
+                  <a:schemeClr val="bg1"/>
+                </a:solidFill>
+                <a:latin typeface="Elektra Text Pro" panose="02000503030000020004" pitchFamily="50" charset="-52"/>
+                <a:ea typeface="+mn-ea"/>
+                <a:cs typeface="+mn-cs"/>
+              </a:rPr>
+            </a:br>
+            <a:endParaRPr lang="ru-RU" sz="1600" dirty="0">
+              <a:solidFill>
+                <a:schemeClr val="bg1"/>
+              </a:solidFill>
+              <a:latin typeface="Elektra Text Pro" panose="02000503030000020004" pitchFamily="50" charset="-52"/>
+              <a:ea typeface="+mn-ea"/>
+              <a:cs typeface="+mn-cs"/>
+            </a:endParaRPr>
+          </a:p>
+        </p:txBody>
+      </p:sp>
+      <p:sp>
+        <p:nvSpPr>
+          <p:cNvPr id="14" name="Подзаголовок 2"/>
+          <p:cNvSpPr>
+            <a:spLocks noGrp="1"/>
+          </p:cNvSpPr>
+          <p:nvPr>
+            <p:ph type="subTitle" idx="1"/>
+          </p:nvPr>
         </p:nvSpPr>
         <p:spPr>
           <a:xfrm>
-            <a:off x="4639270" y="4491539"/>
-            <a:ext cx="3846286" cy="738664"/>
+            <a:off x="4317261" y="4513807"/>
+            <a:ext cx="4535834" cy="2239690"/>
           </a:xfrm>
-          <a:prstGeom prst="rect">
-            <a:avLst/>
-          </a:prstGeom>
-          <a:noFill/>
         </p:spPr>
         <p:txBody>
-          <a:bodyPr wrap="square" rtlCol="0" anchor="ctr" anchorCtr="1">
-            <a:spAutoFit/>
+          <a:bodyPr>
+            <a:noAutofit/>
           </a:bodyPr>
           <a:lstStyle/>
           <a:p>
-            <a:pPr algn="ctr"/>
-            <a:r>
-              <a:rPr lang="ru-RU" sz="1400" dirty="0">
+            <a:pPr algn="r"/>
+            <a:r>
+              <a:rPr lang="ru-RU" sz="1400" dirty="0" smtClean="0">
                 <a:solidFill>
                   <a:schemeClr val="bg1"/>
                 </a:solidFill>
@@ -4619,21 +4691,36 @@
             </a:r>
           </a:p>
           <a:p>
-            <a:pPr algn="ctr"/>
-            <a:r>
-              <a:rPr lang="ru-RU" sz="1400" dirty="0">
+            <a:pPr algn="r"/>
+            <a:r>
+              <a:rPr lang="ru-RU" sz="1400" dirty="0" smtClean="0">
                 <a:solidFill>
                   <a:schemeClr val="bg1"/>
                 </a:solidFill>
                 <a:latin typeface="Elektra Text Pro" panose="02000503030000020004" pitchFamily="50" charset="-52"/>
               </a:rPr>
-              <a:t>6 курса 6642-100501D группы</a:t>
-            </a:r>
-          </a:p>
-          <a:p>
-            <a:pPr algn="ctr"/>
-            <a:r>
-              <a:rPr lang="ru-RU" sz="1400" dirty="0" err="1">
+              <a:t>6 курса группы 6642-100501</a:t>
+            </a:r>
+            <a:r>
+              <a:rPr lang="en-US" sz="1400" dirty="0" smtClean="0">
+                <a:solidFill>
+                  <a:schemeClr val="bg1"/>
+                </a:solidFill>
+                <a:latin typeface="Elektra Text Pro" panose="02000503030000020004" pitchFamily="50" charset="-52"/>
+              </a:rPr>
+              <a:t>D </a:t>
+            </a:r>
+            <a:endParaRPr lang="ru-RU" sz="1400" dirty="0" smtClean="0">
+              <a:solidFill>
+                <a:schemeClr val="bg1"/>
+              </a:solidFill>
+              <a:latin typeface="Elektra Text Pro" panose="02000503030000020004" pitchFamily="50" charset="-52"/>
+            </a:endParaRPr>
+          </a:p>
+          <a:p>
+            <a:pPr algn="r"/>
+            <a:r>
+              <a:rPr lang="ru-RU" sz="1400" dirty="0" err="1" smtClean="0">
                 <a:solidFill>
                   <a:schemeClr val="bg1"/>
                 </a:solidFill>
@@ -4642,7 +4729,7 @@
               <a:t>Бизин</a:t>
             </a:r>
             <a:r>
-              <a:rPr lang="ru-RU" sz="1400" dirty="0">
+              <a:rPr lang="ru-RU" sz="1400" dirty="0" smtClean="0">
                 <a:solidFill>
                   <a:schemeClr val="bg1"/>
                 </a:solidFill>
@@ -4651,31 +4738,8 @@
               <a:t> Дмитрий Алексеевич</a:t>
             </a:r>
           </a:p>
-        </p:txBody>
-      </p:sp>
-      <p:sp>
-        <p:nvSpPr>
-          <p:cNvPr id="6" name="TextBox 5"/>
-          <p:cNvSpPr txBox="1"/>
-          <p:nvPr/>
-        </p:nvSpPr>
-        <p:spPr>
-          <a:xfrm>
-            <a:off x="4632013" y="6193683"/>
-            <a:ext cx="3846286" cy="307777"/>
-          </a:xfrm>
-          <a:prstGeom prst="rect">
-            <a:avLst/>
-          </a:prstGeom>
-          <a:noFill/>
-        </p:spPr>
-        <p:txBody>
-          <a:bodyPr wrap="square" rtlCol="0" anchor="ctr" anchorCtr="1">
-            <a:spAutoFit/>
-          </a:bodyPr>
-          <a:lstStyle/>
-          <a:p>
-            <a:pPr algn="ctr"/>
+          <a:p>
+            <a:pPr algn="r"/>
             <a:r>
               <a:rPr lang="ru-RU" sz="1400" dirty="0" smtClean="0">
                 <a:solidFill>
@@ -4683,66 +4747,82 @@
                 </a:solidFill>
                 <a:latin typeface="Elektra Text Pro" panose="02000503030000020004" pitchFamily="50" charset="-52"/>
               </a:rPr>
-              <a:t>Самара, 2019</a:t>
-            </a:r>
-            <a:endParaRPr lang="ru-RU" sz="1400" dirty="0">
-              <a:solidFill>
-                <a:schemeClr val="bg1"/>
-              </a:solidFill>
-              <a:latin typeface="Elektra Text Pro" panose="02000503030000020004" pitchFamily="50" charset="-52"/>
-            </a:endParaRPr>
-          </a:p>
-        </p:txBody>
-      </p:sp>
-      <p:sp>
-        <p:nvSpPr>
-          <p:cNvPr id="9" name="TextBox 8"/>
-          <p:cNvSpPr txBox="1"/>
-          <p:nvPr/>
-        </p:nvSpPr>
-        <p:spPr>
-          <a:xfrm>
-            <a:off x="4646527" y="5360089"/>
-            <a:ext cx="3846286" cy="954107"/>
-          </a:xfrm>
-          <a:prstGeom prst="rect">
-            <a:avLst/>
-          </a:prstGeom>
-          <a:noFill/>
-        </p:spPr>
-        <p:txBody>
-          <a:bodyPr wrap="square" rtlCol="0" anchor="ctr" anchorCtr="1">
-            <a:spAutoFit/>
-          </a:bodyPr>
-          <a:lstStyle/>
-          <a:p>
-            <a:pPr algn="ctr"/>
-            <a:r>
-              <a:rPr lang="ru-RU" sz="1400" dirty="0">
+              <a:t>Научный руководитель</a:t>
+            </a:r>
+          </a:p>
+          <a:p>
+            <a:pPr algn="r"/>
+            <a:r>
+              <a:rPr lang="ru-RU" sz="1400" dirty="0" smtClean="0">
                 <a:solidFill>
                   <a:schemeClr val="bg1"/>
                 </a:solidFill>
                 <a:latin typeface="Elektra Text Pro" panose="02000503030000020004" pitchFamily="50" charset="-52"/>
               </a:rPr>
-              <a:t>Научный руководитель</a:t>
-            </a:r>
-          </a:p>
-          <a:p>
-            <a:pPr algn="ctr"/>
-            <a:r>
-              <a:rPr lang="ru-RU" sz="1400" dirty="0">
+              <a:t>Доцент Федина М.Е</a:t>
+            </a:r>
+            <a:r>
+              <a:rPr lang="ru-RU" sz="1600" dirty="0" smtClean="0">
                 <a:solidFill>
                   <a:schemeClr val="bg1"/>
                 </a:solidFill>
                 <a:latin typeface="Elektra Text Pro" panose="02000503030000020004" pitchFamily="50" charset="-52"/>
               </a:rPr>
-              <a:t>старший преподаватель кафедры БИС</a:t>
-            </a:r>
-          </a:p>
-          <a:p>
-            <a:pPr algn="ctr"/>
-            <a:r>
-              <a:rPr lang="ru-RU" sz="1400" dirty="0" err="1">
+              <a:t>.</a:t>
+            </a:r>
+          </a:p>
+          <a:p>
+            <a:pPr algn="r"/>
+            <a:r>
+              <a:rPr lang="ru-RU" sz="1400" dirty="0" smtClean="0">
+                <a:solidFill>
+                  <a:schemeClr val="bg1"/>
+                </a:solidFill>
+                <a:latin typeface="Elektra Text Pro" panose="02000503030000020004" pitchFamily="50" charset="-52"/>
+              </a:rPr>
+              <a:t>Консультант</a:t>
+            </a:r>
+          </a:p>
+          <a:p>
+            <a:pPr algn="r"/>
+            <a:r>
+              <a:rPr lang="ru-RU" sz="1400" dirty="0" smtClean="0">
+                <a:solidFill>
+                  <a:schemeClr val="bg1"/>
+                </a:solidFill>
+                <a:latin typeface="Elektra Text Pro" panose="02000503030000020004" pitchFamily="50" charset="-52"/>
+              </a:rPr>
+              <a:t>Старший </a:t>
+            </a:r>
+            <a:r>
+              <a:rPr lang="ru-RU" sz="1400" dirty="0" smtClean="0">
+                <a:solidFill>
+                  <a:schemeClr val="bg1"/>
+                </a:solidFill>
+                <a:latin typeface="Elektra Text Pro" panose="02000503030000020004" pitchFamily="50" charset="-52"/>
+              </a:rPr>
+              <a:t>преп</a:t>
+            </a:r>
+            <a:r>
+              <a:rPr lang="ru-RU" sz="1400" dirty="0" smtClean="0">
+                <a:solidFill>
+                  <a:schemeClr val="bg1"/>
+                </a:solidFill>
+                <a:latin typeface="Elektra Text Pro" panose="02000503030000020004" pitchFamily="50" charset="-52"/>
+              </a:rPr>
+              <a:t>одаватель</a:t>
+            </a:r>
+            <a:r>
+              <a:rPr lang="ru-RU" sz="1400" dirty="0" smtClean="0">
+                <a:solidFill>
+                  <a:schemeClr val="bg1"/>
+                </a:solidFill>
+                <a:latin typeface="Elektra Text Pro" panose="02000503030000020004" pitchFamily="50" charset="-52"/>
+              </a:rPr>
+              <a:t> </a:t>
+            </a:r>
+            <a:r>
+              <a:rPr lang="ru-RU" sz="1400" dirty="0" err="1" smtClean="0">
                 <a:solidFill>
                   <a:schemeClr val="bg1"/>
                 </a:solidFill>
@@ -4751,18 +4831,26 @@
               <a:t>Бурлов</a:t>
             </a:r>
             <a:r>
-              <a:rPr lang="ru-RU" sz="1400" dirty="0">
+              <a:rPr lang="ru-RU" sz="1400" dirty="0" smtClean="0">
                 <a:solidFill>
                   <a:schemeClr val="bg1"/>
                 </a:solidFill>
                 <a:latin typeface="Elektra Text Pro" panose="02000503030000020004" pitchFamily="50" charset="-52"/>
               </a:rPr>
-              <a:t> Сергей Александрович</a:t>
-            </a:r>
-          </a:p>
-          <a:p>
-            <a:pPr algn="ctr"/>
-            <a:endParaRPr lang="ru-RU" sz="1400" dirty="0">
+              <a:t> С.А.</a:t>
+            </a:r>
+            <a:r>
+              <a:rPr lang="ru-RU" sz="1600" dirty="0" smtClean="0">
+                <a:solidFill>
+                  <a:schemeClr val="bg1"/>
+                </a:solidFill>
+                <a:latin typeface="Elektra Text Pro" panose="02000503030000020004" pitchFamily="50" charset="-52"/>
+              </a:rPr>
+              <a:t> </a:t>
+            </a:r>
+          </a:p>
+          <a:p>
+            <a:endParaRPr lang="ru-RU" sz="1600" dirty="0">
               <a:solidFill>
                 <a:schemeClr val="bg1"/>
               </a:solidFill>
@@ -4771,10 +4859,91 @@
           </a:p>
         </p:txBody>
       </p:sp>
+      <p:sp>
+        <p:nvSpPr>
+          <p:cNvPr id="15" name="Подзаголовок 2"/>
+          <p:cNvSpPr txBox="1">
+            <a:spLocks/>
+          </p:cNvSpPr>
+          <p:nvPr/>
+        </p:nvSpPr>
+        <p:spPr>
+          <a:xfrm>
+            <a:off x="2886076" y="1546759"/>
+            <a:ext cx="7120220" cy="1139593"/>
+          </a:xfrm>
+          <a:prstGeom prst="rect">
+            <a:avLst/>
+          </a:prstGeom>
+        </p:spPr>
+        <p:txBody>
+          <a:bodyPr vert="horz" lIns="91440" tIns="45720" rIns="91440" bIns="45720" rtlCol="0">
+            <a:noAutofit/>
+          </a:bodyPr>
+          <a:lstStyle/>
+          <a:p>
+            <a:pPr algn="ctr"/>
+            <a:r>
+              <a:rPr lang="ru-RU" sz="1600" dirty="0">
+                <a:solidFill>
+                  <a:schemeClr val="bg1"/>
+                </a:solidFill>
+                <a:latin typeface="Elektra Text Pro" panose="02000503030000020004" pitchFamily="50" charset="-52"/>
+              </a:rPr>
+              <a:t>Институт информатики, математики и электроники</a:t>
+            </a:r>
+          </a:p>
+          <a:p>
+            <a:pPr algn="ctr"/>
+            <a:r>
+              <a:rPr lang="ru-RU" sz="1600" dirty="0">
+                <a:solidFill>
+                  <a:schemeClr val="bg1"/>
+                </a:solidFill>
+                <a:latin typeface="Elektra Text Pro" panose="02000503030000020004" pitchFamily="50" charset="-52"/>
+              </a:rPr>
+              <a:t>Факультет математики</a:t>
+            </a:r>
+          </a:p>
+          <a:p>
+            <a:pPr algn="ctr"/>
+            <a:r>
+              <a:rPr lang="ru-RU" sz="1600" dirty="0">
+                <a:solidFill>
+                  <a:schemeClr val="bg1"/>
+                </a:solidFill>
+                <a:latin typeface="Elektra Text Pro" panose="02000503030000020004" pitchFamily="50" charset="-52"/>
+              </a:rPr>
+              <a:t>Кафедра безопасности информационных систем</a:t>
+            </a:r>
+          </a:p>
+          <a:p>
+            <a:pPr algn="ctr"/>
+            <a:r>
+              <a:rPr lang="ru-RU" sz="1600" dirty="0" smtClean="0">
+                <a:solidFill>
+                  <a:schemeClr val="bg1"/>
+                </a:solidFill>
+                <a:latin typeface="Elektra Text Pro" panose="02000503030000020004" pitchFamily="50" charset="-52"/>
+              </a:rPr>
+              <a:t>Специальность </a:t>
+            </a:r>
+            <a:r>
+              <a:rPr lang="ru-RU" sz="1600" dirty="0">
+                <a:solidFill>
+                  <a:schemeClr val="bg1"/>
+                </a:solidFill>
+                <a:latin typeface="Elektra Text Pro" panose="02000503030000020004" pitchFamily="50" charset="-52"/>
+              </a:rPr>
+              <a:t>«Компьютерная безопасность»</a:t>
+            </a:r>
+          </a:p>
+        </p:txBody>
+      </p:sp>
     </p:spTree>
     <p:extLst>
       <p:ext uri="{BB962C8B-B14F-4D97-AF65-F5344CB8AC3E}">
-        <p14:creationId xmlns:p14="http://schemas.microsoft.com/office/powerpoint/2010/main" val="3482473584"/>
+        <p14:creationId xmlns:p14="http://schemas.microsoft.com/office/powerpoint/2010/main" val="195636660"/>
       </p:ext>
     </p:extLst>
   </p:cSld>
@@ -6420,8 +6589,8 @@
         </p:blipFill>
         <p:spPr>
           <a:xfrm>
-            <a:off x="535578" y="1397382"/>
-            <a:ext cx="8190412" cy="4219646"/>
+            <a:off x="248195" y="1477749"/>
+            <a:ext cx="8572500" cy="4048125"/>
           </a:xfrm>
           <a:prstGeom prst="rect">
             <a:avLst/>
@@ -6805,8 +6974,8 @@
         </p:nvSpPr>
         <p:spPr>
           <a:xfrm>
-            <a:off x="314599" y="993433"/>
-            <a:ext cx="8411390" cy="5016758"/>
+            <a:off x="314599" y="915056"/>
+            <a:ext cx="8411390" cy="5509200"/>
           </a:xfrm>
           <a:prstGeom prst="rect">
             <a:avLst/>
@@ -6839,8 +7008,12 @@
           </a:p>
           <a:p>
             <a:r>
+              <a:rPr lang="ru-RU" sz="3200" dirty="0" smtClean="0"/>
+              <a:t>Для этого </a:t>
+            </a:r>
+            <a:r>
               <a:rPr lang="ru-RU" sz="3200" dirty="0"/>
-              <a:t>Также были выполнены поставленные задачи:</a:t>
+              <a:t>были выполнены поставленные задачи:</a:t>
             </a:r>
           </a:p>
           <a:p>
@@ -7739,9 +7912,9 @@
       </p:sp>
       <p:pic>
         <p:nvPicPr>
-          <p:cNvPr id="6" name="Объект 5" descr="Снимок"/>
+          <p:cNvPr id="2" name="Рисунок 1"/>
           <p:cNvPicPr>
-            <a:picLocks/>
+            <a:picLocks noChangeAspect="1"/>
           </p:cNvPicPr>
           <p:nvPr/>
         </p:nvPicPr>
@@ -7753,96 +7926,20 @@
               </a:ext>
             </a:extLst>
           </a:blip>
-          <a:srcRect/>
           <a:stretch>
             <a:fillRect/>
           </a:stretch>
         </p:blipFill>
-        <p:spPr bwMode="auto">
+        <p:spPr>
           <a:xfrm>
-            <a:off x="404595" y="903166"/>
-            <a:ext cx="8132051" cy="3086099"/>
+            <a:off x="170836" y="1900024"/>
+            <a:ext cx="8802328" cy="3057952"/>
           </a:xfrm>
           <a:prstGeom prst="rect">
             <a:avLst/>
           </a:prstGeom>
-          <a:noFill/>
-          <a:ln>
-            <a:noFill/>
-          </a:ln>
         </p:spPr>
       </p:pic>
-      <p:sp>
-        <p:nvSpPr>
-          <p:cNvPr id="7" name="TextBox 6"/>
-          <p:cNvSpPr txBox="1"/>
-          <p:nvPr/>
-        </p:nvSpPr>
-        <p:spPr>
-          <a:xfrm>
-            <a:off x="314599" y="4038355"/>
-            <a:ext cx="8411390" cy="2062103"/>
-          </a:xfrm>
-          <a:prstGeom prst="rect">
-            <a:avLst/>
-          </a:prstGeom>
-          <a:noFill/>
-        </p:spPr>
-        <p:txBody>
-          <a:bodyPr wrap="square" rtlCol="0">
-            <a:spAutoFit/>
-          </a:bodyPr>
-          <a:lstStyle/>
-          <a:p>
-            <a:pPr marL="285750" indent="-285750">
-              <a:buFont typeface="Arial" panose="020B0604020202020204" pitchFamily="34" charset="0"/>
-              <a:buChar char="•"/>
-            </a:pPr>
-            <a:r>
-              <a:rPr lang="ru-RU" sz="3200" dirty="0"/>
-              <a:t>Приведенная схема применима только к сайтам, работающим по протоколу </a:t>
-            </a:r>
-            <a:r>
-              <a:rPr lang="en-US" sz="3200" i="1" dirty="0" smtClean="0"/>
-              <a:t>HTTP.</a:t>
-            </a:r>
-          </a:p>
-          <a:p>
-            <a:pPr marL="285750" indent="-285750">
-              <a:buFont typeface="Arial" panose="020B0604020202020204" pitchFamily="34" charset="0"/>
-              <a:buChar char="•"/>
-            </a:pPr>
-            <a:r>
-              <a:rPr lang="ru-RU" sz="3200" dirty="0" smtClean="0"/>
-              <a:t>Применение </a:t>
-            </a:r>
-            <a:r>
-              <a:rPr lang="ru-RU" sz="3200" dirty="0"/>
-              <a:t>технологии </a:t>
-            </a:r>
-            <a:r>
-              <a:rPr lang="en-US" sz="3200" i="1" dirty="0"/>
-              <a:t>Trusted MITM</a:t>
-            </a:r>
-            <a:r>
-              <a:rPr lang="ru-RU" sz="3200" dirty="0"/>
-              <a:t> для работы с </a:t>
-            </a:r>
-            <a:r>
-              <a:rPr lang="en-US" sz="3200" i="1" dirty="0"/>
-              <a:t>HTTPS</a:t>
-            </a:r>
-            <a:r>
-              <a:rPr lang="ru-RU" sz="3200" dirty="0" smtClean="0"/>
-              <a:t>-трафиком</a:t>
-            </a:r>
-            <a:r>
-              <a:rPr lang="en-US" sz="3200" dirty="0" smtClean="0"/>
-              <a:t>.</a:t>
-            </a:r>
-          </a:p>
-        </p:txBody>
-      </p:sp>
     </p:spTree>
     <p:extLst>
       <p:ext uri="{BB962C8B-B14F-4D97-AF65-F5344CB8AC3E}">
@@ -7973,10 +8070,8 @@
       </p:sp>
       <p:pic>
         <p:nvPicPr>
-          <p:cNvPr id="6" name="Объект 5"/>
-          <p:cNvPicPr>
-            <a:picLocks/>
-          </p:cNvPicPr>
+          <p:cNvPr id="8" name="Рисунок 7"/>
+          <p:cNvPicPr/>
           <p:nvPr/>
         </p:nvPicPr>
         <p:blipFill>
@@ -7994,8 +8089,8 @@
         </p:blipFill>
         <p:spPr bwMode="auto">
           <a:xfrm>
-            <a:off x="1032018" y="882930"/>
-            <a:ext cx="7270074" cy="4323362"/>
+            <a:off x="827314" y="906574"/>
+            <a:ext cx="7619048" cy="5190476"/>
           </a:xfrm>
           <a:prstGeom prst="rect">
             <a:avLst/>
@@ -8008,40 +8103,6 @@
           </a:ln>
         </p:spPr>
       </p:pic>
-      <p:sp>
-        <p:nvSpPr>
-          <p:cNvPr id="7" name="TextBox 6"/>
-          <p:cNvSpPr txBox="1"/>
-          <p:nvPr/>
-        </p:nvSpPr>
-        <p:spPr>
-          <a:xfrm>
-            <a:off x="314599" y="5108233"/>
-            <a:ext cx="8411390" cy="1077218"/>
-          </a:xfrm>
-          <a:prstGeom prst="rect">
-            <a:avLst/>
-          </a:prstGeom>
-          <a:noFill/>
-        </p:spPr>
-        <p:txBody>
-          <a:bodyPr wrap="square" rtlCol="0">
-            <a:spAutoFit/>
-          </a:bodyPr>
-          <a:lstStyle/>
-          <a:p>
-            <a:pPr marL="285750" indent="-285750">
-              <a:buFont typeface="Arial" panose="020B0604020202020204" pitchFamily="34" charset="0"/>
-              <a:buChar char="•"/>
-            </a:pPr>
-            <a:r>
-              <a:rPr lang="ru-RU" sz="3200" dirty="0" smtClean="0"/>
-              <a:t>Пользователь доверяет веб-фильтру и устанавливает его корневой сертификат.</a:t>
-            </a:r>
-            <a:endParaRPr lang="ru-RU" sz="3200" dirty="0"/>
-          </a:p>
-        </p:txBody>
-      </p:sp>
     </p:spTree>
     <p:extLst>
       <p:ext uri="{BB962C8B-B14F-4D97-AF65-F5344CB8AC3E}">

--- a/diploma/Проектирование и разработка веб-фильтра для обеспечения контроля доступа к сетевым ресурсам.pptx
+++ b/diploma/Проектирование и разработка веб-фильтра для обеспечения контроля доступа к сетевым ресурсам.pptx
@@ -5,7 +5,7 @@
     <p:sldMasterId id="2147483660" r:id="rId1"/>
   </p:sldMasterIdLst>
   <p:notesMasterIdLst>
-    <p:notesMasterId r:id="rId18"/>
+    <p:notesMasterId r:id="rId19"/>
   </p:notesMasterIdLst>
   <p:sldIdLst>
     <p:sldId id="281" r:id="rId2"/>
@@ -21,9 +21,10 @@
     <p:sldId id="276" r:id="rId12"/>
     <p:sldId id="277" r:id="rId13"/>
     <p:sldId id="280" r:id="rId14"/>
-    <p:sldId id="278" r:id="rId15"/>
-    <p:sldId id="279" r:id="rId16"/>
-    <p:sldId id="267" r:id="rId17"/>
+    <p:sldId id="282" r:id="rId15"/>
+    <p:sldId id="278" r:id="rId16"/>
+    <p:sldId id="279" r:id="rId17"/>
+    <p:sldId id="267" r:id="rId18"/>
   </p:sldIdLst>
   <p:sldSz cx="9144000" cy="6858000" type="screen4x3"/>
   <p:notesSz cx="6858000" cy="9144000"/>
@@ -124,7 +125,7 @@
   </p:defaultTextStyle>
   <p:extLst>
     <p:ext uri="{EFAFB233-063F-42B5-8137-9DF3F51BA10A}">
-      <p15:sldGuideLst xmlns:p15="http://schemas.microsoft.com/office/powerpoint/2012/main">
+      <p15:sldGuideLst xmlns:p15="http://schemas.microsoft.com/office/powerpoint/2012/main" xmlns="">
         <p15:guide id="1" orient="horz" pos="2160">
           <p15:clr>
             <a:srgbClr val="A4A3A4"/>
@@ -142,18 +143,9 @@
 </file>
 
 <file path=ppt/charts/chart1.xml><?xml version="1.0" encoding="utf-8"?>
-<c:chartSpace xmlns:c="http://schemas.openxmlformats.org/drawingml/2006/chart" xmlns:a="http://schemas.openxmlformats.org/drawingml/2006/main" xmlns:r="http://schemas.openxmlformats.org/officeDocument/2006/relationships" xmlns:c16r2="http://schemas.microsoft.com/office/drawing/2015/06/chart">
-  <c:date1904 val="0"/>
+<c:chartSpace xmlns:c="http://schemas.openxmlformats.org/drawingml/2006/chart" xmlns:a="http://schemas.openxmlformats.org/drawingml/2006/main" xmlns:r="http://schemas.openxmlformats.org/officeDocument/2006/relationships">
   <c:lang val="ru-RU"/>
-  <c:roundedCorners val="0"/>
-  <mc:AlternateContent xmlns:mc="http://schemas.openxmlformats.org/markup-compatibility/2006">
-    <mc:Choice xmlns:c14="http://schemas.microsoft.com/office/drawing/2007/8/2/chart" Requires="c14">
-      <c14:style val="103"/>
-    </mc:Choice>
-    <mc:Fallback>
-      <c:style val="3"/>
-    </mc:Fallback>
-  </mc:AlternateContent>
+  <c:style val="3"/>
   <c:chart>
     <c:title>
       <c:tx>
@@ -182,7 +174,17 @@
           </a:p>
           <a:p>
             <a:pPr>
-              <a:defRPr/>
+              <a:defRPr sz="1862" b="0" i="0" u="none" strike="noStrike" kern="1200" spc="0" baseline="0">
+                <a:solidFill>
+                  <a:schemeClr val="tx1">
+                    <a:lumMod val="65000"/>
+                    <a:lumOff val="35000"/>
+                  </a:schemeClr>
+                </a:solidFill>
+                <a:latin typeface="+mn-lt"/>
+                <a:ea typeface="+mn-ea"/>
+                <a:cs typeface="+mn-cs"/>
+              </a:defRPr>
             </a:pPr>
             <a:r>
               <a:rPr lang="en-US" dirty="0" smtClean="0"/>
@@ -209,7 +211,6 @@
         </c:rich>
       </c:tx>
       <c:layout/>
-      <c:overlay val="0"/>
       <c:spPr>
         <a:noFill/>
         <a:ln>
@@ -217,28 +218,7 @@
         </a:ln>
         <a:effectLst/>
       </c:spPr>
-      <c:txPr>
-        <a:bodyPr rot="0" spcFirstLastPara="1" vertOverflow="ellipsis" vert="horz" wrap="square" anchor="ctr" anchorCtr="1"/>
-        <a:lstStyle/>
-        <a:p>
-          <a:pPr>
-            <a:defRPr sz="1862" b="0" i="0" u="none" strike="noStrike" kern="1200" spc="0" baseline="0">
-              <a:solidFill>
-                <a:schemeClr val="tx1">
-                  <a:lumMod val="65000"/>
-                  <a:lumOff val="35000"/>
-                </a:schemeClr>
-              </a:solidFill>
-              <a:latin typeface="+mn-lt"/>
-              <a:ea typeface="+mn-ea"/>
-              <a:cs typeface="+mn-cs"/>
-            </a:defRPr>
-          </a:pPr>
-          <a:endParaRPr lang="ru-RU"/>
-        </a:p>
-      </c:txPr>
     </c:title>
-    <c:autoTitleDeleted val="0"/>
     <c:plotArea>
       <c:layout/>
       <c:pieChart>
@@ -259,7 +239,6 @@
           </c:tx>
           <c:dPt>
             <c:idx val="0"/>
-            <c:bubble3D val="0"/>
             <c:spPr>
               <a:solidFill>
                 <a:schemeClr val="accent1">
@@ -273,7 +252,7 @@
               </a:ln>
               <a:effectLst/>
             </c:spPr>
-            <c:extLst>
+            <c:extLst xmlns:c16r2="http://schemas.microsoft.com/office/drawing/2015/06/chart">
               <c:ext xmlns:c16="http://schemas.microsoft.com/office/drawing/2014/chart" uri="{C3380CC4-5D6E-409C-BE32-E72D297353CC}">
                 <c16:uniqueId val="{00000003-D575-419A-B3FD-FDB5B69513D0}"/>
               </c:ext>
@@ -281,7 +260,6 @@
           </c:dPt>
           <c:dPt>
             <c:idx val="1"/>
-            <c:bubble3D val="0"/>
             <c:spPr>
               <a:solidFill>
                 <a:schemeClr val="accent1">
@@ -295,7 +273,7 @@
               </a:ln>
               <a:effectLst/>
             </c:spPr>
-            <c:extLst>
+            <c:extLst xmlns:c16r2="http://schemas.microsoft.com/office/drawing/2015/06/chart">
               <c:ext xmlns:c16="http://schemas.microsoft.com/office/drawing/2014/chart" uri="{C3380CC4-5D6E-409C-BE32-E72D297353CC}">
                 <c16:uniqueId val="{00000002-D575-419A-B3FD-FDB5B69513D0}"/>
               </c:ext>
@@ -303,7 +281,6 @@
           </c:dPt>
           <c:dPt>
             <c:idx val="2"/>
-            <c:bubble3D val="0"/>
             <c:spPr>
               <a:solidFill>
                 <a:schemeClr val="accent1">
@@ -317,7 +294,7 @@
               </a:ln>
               <a:effectLst/>
             </c:spPr>
-            <c:extLst>
+            <c:extLst xmlns:c16r2="http://schemas.microsoft.com/office/drawing/2015/06/chart">
               <c:ext xmlns:c16="http://schemas.microsoft.com/office/drawing/2014/chart" uri="{C3380CC4-5D6E-409C-BE32-E72D297353CC}">
                 <c16:uniqueId val="{00000005-EF22-4690-8457-D8CCF83E7C2A}"/>
               </c:ext>
@@ -325,7 +302,6 @@
           </c:dPt>
           <c:dPt>
             <c:idx val="3"/>
-            <c:bubble3D val="0"/>
             <c:spPr>
               <a:solidFill>
                 <a:schemeClr val="accent1"/>
@@ -337,7 +313,7 @@
               </a:ln>
               <a:effectLst/>
             </c:spPr>
-            <c:extLst>
+            <c:extLst xmlns:c16r2="http://schemas.microsoft.com/office/drawing/2015/06/chart">
               <c:ext xmlns:c16="http://schemas.microsoft.com/office/drawing/2014/chart" uri="{C3380CC4-5D6E-409C-BE32-E72D297353CC}">
                 <c16:uniqueId val="{00000005-D575-419A-B3FD-FDB5B69513D0}"/>
               </c:ext>
@@ -345,7 +321,6 @@
           </c:dPt>
           <c:dPt>
             <c:idx val="4"/>
-            <c:bubble3D val="0"/>
             <c:spPr>
               <a:solidFill>
                 <a:schemeClr val="accent1">
@@ -359,7 +334,7 @@
               </a:ln>
               <a:effectLst/>
             </c:spPr>
-            <c:extLst>
+            <c:extLst xmlns:c16r2="http://schemas.microsoft.com/office/drawing/2015/06/chart">
               <c:ext xmlns:c16="http://schemas.microsoft.com/office/drawing/2014/chart" uri="{C3380CC4-5D6E-409C-BE32-E72D297353CC}">
                 <c16:uniqueId val="{00000004-D575-419A-B3FD-FDB5B69513D0}"/>
               </c:ext>
@@ -367,7 +342,6 @@
           </c:dPt>
           <c:dPt>
             <c:idx val="5"/>
-            <c:bubble3D val="0"/>
             <c:spPr>
               <a:solidFill>
                 <a:schemeClr val="accent1">
@@ -381,7 +355,7 @@
               </a:ln>
               <a:effectLst/>
             </c:spPr>
-            <c:extLst>
+            <c:extLst xmlns:c16r2="http://schemas.microsoft.com/office/drawing/2015/06/chart">
               <c:ext xmlns:c16="http://schemas.microsoft.com/office/drawing/2014/chart" uri="{C3380CC4-5D6E-409C-BE32-E72D297353CC}">
                 <c16:uniqueId val="{0000000B-EF22-4690-8457-D8CCF83E7C2A}"/>
               </c:ext>
@@ -389,7 +363,6 @@
           </c:dPt>
           <c:dPt>
             <c:idx val="6"/>
-            <c:bubble3D val="0"/>
             <c:spPr>
               <a:solidFill>
                 <a:schemeClr val="accent1">
@@ -403,7 +376,7 @@
               </a:ln>
               <a:effectLst/>
             </c:spPr>
-            <c:extLst>
+            <c:extLst xmlns:c16r2="http://schemas.microsoft.com/office/drawing/2015/06/chart">
               <c:ext xmlns:c16="http://schemas.microsoft.com/office/drawing/2014/chart" uri="{C3380CC4-5D6E-409C-BE32-E72D297353CC}">
                 <c16:uniqueId val="{00000001-D575-419A-B3FD-FDB5B69513D0}"/>
               </c:ext>
@@ -414,18 +387,13 @@
               <c:idx val="0"/>
               <c:layout>
                 <c:manualLayout>
-                  <c:x val="-5.8844136240295058E-3"/>
-                  <c:y val="-5.6800476814728414E-3"/>
+                  <c:x val="-5.8844136240295076E-3"/>
+                  <c:y val="-5.6800476814728431E-3"/>
                 </c:manualLayout>
               </c:layout>
               <c:dLblPos val="bestFit"/>
-              <c:showLegendKey val="0"/>
               <c:showVal val="1"/>
-              <c:showCatName val="0"/>
-              <c:showSerName val="0"/>
-              <c:showPercent val="0"/>
-              <c:showBubbleSize val="0"/>
-              <c:extLst>
+              <c:extLst xmlns:c16r2="http://schemas.microsoft.com/office/drawing/2015/06/chart">
                 <c:ext xmlns:c15="http://schemas.microsoft.com/office/drawing/2012/chart" uri="{CE6537A1-D6FC-4f65-9D91-7224C49458BB}">
                   <c15:layout/>
                 </c:ext>
@@ -438,18 +406,13 @@
               <c:idx val="2"/>
               <c:layout>
                 <c:manualLayout>
-                  <c:x val="1.8894397312236664E-2"/>
-                  <c:y val="1.1990305181630199E-3"/>
+                  <c:x val="1.8894397312236667E-2"/>
+                  <c:y val="1.1990305181630203E-3"/>
                 </c:manualLayout>
               </c:layout>
               <c:dLblPos val="bestFit"/>
-              <c:showLegendKey val="0"/>
               <c:showVal val="1"/>
-              <c:showCatName val="0"/>
-              <c:showSerName val="0"/>
-              <c:showPercent val="0"/>
-              <c:showBubbleSize val="0"/>
-              <c:extLst>
+              <c:extLst xmlns:c16r2="http://schemas.microsoft.com/office/drawing/2015/06/chart">
                 <c:ext xmlns:c15="http://schemas.microsoft.com/office/drawing/2012/chart" uri="{CE6537A1-D6FC-4f65-9D91-7224C49458BB}">
                   <c15:layout/>
                 </c:ext>
@@ -462,18 +425,13 @@
               <c:idx val="3"/>
               <c:layout>
                 <c:manualLayout>
-                  <c:x val="2.0365981041943787E-2"/>
-                  <c:y val="1.2768548256121622E-2"/>
+                  <c:x val="2.036598104194379E-2"/>
+                  <c:y val="1.2768548256121623E-2"/>
                 </c:manualLayout>
               </c:layout>
               <c:dLblPos val="bestFit"/>
-              <c:showLegendKey val="0"/>
               <c:showVal val="1"/>
-              <c:showCatName val="0"/>
-              <c:showSerName val="0"/>
-              <c:showPercent val="0"/>
-              <c:showBubbleSize val="0"/>
-              <c:extLst>
+              <c:extLst xmlns:c16r2="http://schemas.microsoft.com/office/drawing/2015/06/chart">
                 <c:ext xmlns:c15="http://schemas.microsoft.com/office/drawing/2012/chart" uri="{CE6537A1-D6FC-4f65-9D91-7224C49458BB}">
                   <c15:layout/>
                 </c:ext>
@@ -512,12 +470,7 @@
               </a:p>
             </c:txPr>
             <c:dLblPos val="bestFit"/>
-            <c:showLegendKey val="0"/>
             <c:showVal val="1"/>
-            <c:showCatName val="0"/>
-            <c:showSerName val="0"/>
-            <c:showPercent val="0"/>
-            <c:showBubbleSize val="0"/>
             <c:showLeaderLines val="1"/>
             <c:leaderLines>
               <c:spPr>
@@ -533,7 +486,7 @@
                 <a:effectLst/>
               </c:spPr>
             </c:leaderLines>
-            <c:extLst>
+            <c:extLst xmlns:c16r2="http://schemas.microsoft.com/office/drawing/2015/06/chart">
               <c:ext xmlns:c15="http://schemas.microsoft.com/office/drawing/2012/chart" uri="{CE6537A1-D6FC-4f65-9D91-7224C49458BB}">
                 <c15:layout/>
               </c:ext>
@@ -590,7 +543,7 @@
                   <c:v>10.29</c:v>
                 </c:pt>
                 <c:pt idx="5">
-                  <c:v>10.64</c:v>
+                  <c:v>10.639999999999999</c:v>
                 </c:pt>
                 <c:pt idx="6">
                   <c:v>67.760000000000005</c:v>
@@ -598,21 +551,14 @@
               </c:numCache>
             </c:numRef>
           </c:val>
-          <c:extLst>
+          <c:extLst xmlns:c16r2="http://schemas.microsoft.com/office/drawing/2015/06/chart">
             <c:ext xmlns:c16="http://schemas.microsoft.com/office/drawing/2014/chart" uri="{C3380CC4-5D6E-409C-BE32-E72D297353CC}">
               <c16:uniqueId val="{00000000-D575-419A-B3FD-FDB5B69513D0}"/>
             </c:ext>
           </c:extLst>
         </c:ser>
         <c:dLbls>
-          <c:dLblPos val="bestFit"/>
-          <c:showLegendKey val="0"/>
           <c:showVal val="1"/>
-          <c:showCatName val="0"/>
-          <c:showSerName val="0"/>
-          <c:showPercent val="0"/>
-          <c:showBubbleSize val="0"/>
-          <c:showLeaderLines val="1"/>
         </c:dLbls>
         <c:firstSliceAng val="0"/>
       </c:pieChart>
@@ -630,13 +576,12 @@
         <c:manualLayout>
           <c:xMode val="edge"/>
           <c:yMode val="edge"/>
-          <c:x val="9.7307945770813878E-2"/>
-          <c:y val="0.7496383292235016"/>
+          <c:x val="9.7307945770813906E-2"/>
+          <c:y val="0.74963832922350171"/>
           <c:w val="0.81514415795092632"/>
-          <c:h val="0.23616864223565903"/>
+          <c:h val="0.236168642235659"/>
         </c:manualLayout>
       </c:layout>
-      <c:overlay val="0"/>
       <c:spPr>
         <a:noFill/>
         <a:ln>
@@ -666,8 +611,7 @@
       </c:txPr>
     </c:legend>
     <c:plotVisOnly val="1"/>
-    <c:dispBlanksAs val="gap"/>
-    <c:showDLblsOverMax val="0"/>
+    <c:dispBlanksAs val="zero"/>
   </c:chart>
   <c:spPr>
     <a:noFill/>
@@ -686,9 +630,7 @@
       <a:endParaRPr lang="ru-RU"/>
     </a:p>
   </c:txPr>
-  <c:externalData r:id="rId3">
-    <c:autoUpdate val="0"/>
-  </c:externalData>
+  <c:externalData r:id="rId1"/>
 </c:chartSpace>
 </file>
 
@@ -1299,7 +1241,8 @@
           <a:p>
             <a:fld id="{77D36C68-DDAB-4D09-8E72-8E937BD7768C}" type="datetimeFigureOut">
               <a:rPr lang="ru-RU" smtClean="0"/>
-              <a:t>07.01.2019</a:t>
+              <a:pPr/>
+              <a:t>12.01.2019</a:t>
             </a:fld>
             <a:endParaRPr lang="ru-RU"/>
           </a:p>
@@ -1458,6 +1401,7 @@
           <a:p>
             <a:fld id="{0048289E-2F4B-4BDB-9E3D-307BE649A8BF}" type="slidenum">
               <a:rPr lang="ru-RU" smtClean="0"/>
+              <a:pPr/>
               <a:t>‹#›</a:t>
             </a:fld>
             <a:endParaRPr lang="ru-RU"/>
@@ -1467,7 +1411,7 @@
     </p:spTree>
     <p:extLst>
       <p:ext uri="{BB962C8B-B14F-4D97-AF65-F5344CB8AC3E}">
-        <p14:creationId xmlns:p14="http://schemas.microsoft.com/office/powerpoint/2010/main" val="940579474"/>
+        <p14:creationId xmlns:p14="http://schemas.microsoft.com/office/powerpoint/2010/main" xmlns="" val="940579474"/>
       </p:ext>
     </p:extLst>
   </p:cSld>
@@ -1632,6 +1576,7 @@
           <a:p>
             <a:fld id="{0048289E-2F4B-4BDB-9E3D-307BE649A8BF}" type="slidenum">
               <a:rPr lang="ru-RU" smtClean="0"/>
+              <a:pPr/>
               <a:t>2</a:t>
             </a:fld>
             <a:endParaRPr lang="ru-RU"/>
@@ -1641,7 +1586,7 @@
     </p:spTree>
     <p:extLst>
       <p:ext uri="{BB962C8B-B14F-4D97-AF65-F5344CB8AC3E}">
-        <p14:creationId xmlns:p14="http://schemas.microsoft.com/office/powerpoint/2010/main" val="422915947"/>
+        <p14:creationId xmlns:p14="http://schemas.microsoft.com/office/powerpoint/2010/main" xmlns="" val="422915947"/>
       </p:ext>
     </p:extLst>
   </p:cSld>
@@ -1782,7 +1727,8 @@
           <a:p>
             <a:fld id="{0CD2006A-6BE7-43E8-8AD6-C09FC266B36F}" type="datetime1">
               <a:rPr lang="ru-RU" smtClean="0"/>
-              <a:t>07.01.2019</a:t>
+              <a:pPr/>
+              <a:t>12.01.2019</a:t>
             </a:fld>
             <a:endParaRPr lang="ru-RU"/>
           </a:p>
@@ -1824,6 +1770,7 @@
           <a:p>
             <a:fld id="{3320F9EB-2112-4866-8AFC-0758B0B74D1C}" type="slidenum">
               <a:rPr lang="ru-RU" smtClean="0"/>
+              <a:pPr/>
               <a:t>‹#›</a:t>
             </a:fld>
             <a:endParaRPr lang="ru-RU"/>
@@ -1833,7 +1780,7 @@
     </p:spTree>
     <p:extLst>
       <p:ext uri="{BB962C8B-B14F-4D97-AF65-F5344CB8AC3E}">
-        <p14:creationId xmlns:p14="http://schemas.microsoft.com/office/powerpoint/2010/main" val="3336282062"/>
+        <p14:creationId xmlns:p14="http://schemas.microsoft.com/office/powerpoint/2010/main" xmlns="" val="3336282062"/>
       </p:ext>
     </p:extLst>
   </p:cSld>
@@ -1952,7 +1899,8 @@
           <a:p>
             <a:fld id="{DCFD85EE-4AB9-42CD-8126-E74FE77A9ED8}" type="datetime1">
               <a:rPr lang="ru-RU" smtClean="0"/>
-              <a:t>07.01.2019</a:t>
+              <a:pPr/>
+              <a:t>12.01.2019</a:t>
             </a:fld>
             <a:endParaRPr lang="ru-RU"/>
           </a:p>
@@ -1994,6 +1942,7 @@
           <a:p>
             <a:fld id="{3320F9EB-2112-4866-8AFC-0758B0B74D1C}" type="slidenum">
               <a:rPr lang="ru-RU" smtClean="0"/>
+              <a:pPr/>
               <a:t>‹#›</a:t>
             </a:fld>
             <a:endParaRPr lang="ru-RU"/>
@@ -2003,7 +1952,7 @@
     </p:spTree>
     <p:extLst>
       <p:ext uri="{BB962C8B-B14F-4D97-AF65-F5344CB8AC3E}">
-        <p14:creationId xmlns:p14="http://schemas.microsoft.com/office/powerpoint/2010/main" val="3760797002"/>
+        <p14:creationId xmlns:p14="http://schemas.microsoft.com/office/powerpoint/2010/main" xmlns="" val="3760797002"/>
       </p:ext>
     </p:extLst>
   </p:cSld>
@@ -2132,7 +2081,8 @@
           <a:p>
             <a:fld id="{560B916C-83BE-4CC1-8A21-D05CD30C43DB}" type="datetime1">
               <a:rPr lang="ru-RU" smtClean="0"/>
-              <a:t>07.01.2019</a:t>
+              <a:pPr/>
+              <a:t>12.01.2019</a:t>
             </a:fld>
             <a:endParaRPr lang="ru-RU"/>
           </a:p>
@@ -2174,6 +2124,7 @@
           <a:p>
             <a:fld id="{3320F9EB-2112-4866-8AFC-0758B0B74D1C}" type="slidenum">
               <a:rPr lang="ru-RU" smtClean="0"/>
+              <a:pPr/>
               <a:t>‹#›</a:t>
             </a:fld>
             <a:endParaRPr lang="ru-RU"/>
@@ -2183,7 +2134,7 @@
     </p:spTree>
     <p:extLst>
       <p:ext uri="{BB962C8B-B14F-4D97-AF65-F5344CB8AC3E}">
-        <p14:creationId xmlns:p14="http://schemas.microsoft.com/office/powerpoint/2010/main" val="53315605"/>
+        <p14:creationId xmlns:p14="http://schemas.microsoft.com/office/powerpoint/2010/main" xmlns="" val="53315605"/>
       </p:ext>
     </p:extLst>
   </p:cSld>
@@ -2302,7 +2253,8 @@
           <a:p>
             <a:fld id="{D2E13183-B2A1-4784-80CE-65A33D52CB0B}" type="datetime1">
               <a:rPr lang="ru-RU" smtClean="0"/>
-              <a:t>07.01.2019</a:t>
+              <a:pPr/>
+              <a:t>12.01.2019</a:t>
             </a:fld>
             <a:endParaRPr lang="ru-RU"/>
           </a:p>
@@ -2344,6 +2296,7 @@
           <a:p>
             <a:fld id="{3320F9EB-2112-4866-8AFC-0758B0B74D1C}" type="slidenum">
               <a:rPr lang="ru-RU" smtClean="0"/>
+              <a:pPr/>
               <a:t>‹#›</a:t>
             </a:fld>
             <a:endParaRPr lang="ru-RU"/>
@@ -2353,7 +2306,7 @@
     </p:spTree>
     <p:extLst>
       <p:ext uri="{BB962C8B-B14F-4D97-AF65-F5344CB8AC3E}">
-        <p14:creationId xmlns:p14="http://schemas.microsoft.com/office/powerpoint/2010/main" val="119630039"/>
+        <p14:creationId xmlns:p14="http://schemas.microsoft.com/office/powerpoint/2010/main" xmlns="" val="119630039"/>
       </p:ext>
     </p:extLst>
   </p:cSld>
@@ -2546,7 +2499,8 @@
           <a:p>
             <a:fld id="{DEA388E9-D2C3-4436-BFEE-5F0C2E0896FE}" type="datetime1">
               <a:rPr lang="ru-RU" smtClean="0"/>
-              <a:t>07.01.2019</a:t>
+              <a:pPr/>
+              <a:t>12.01.2019</a:t>
             </a:fld>
             <a:endParaRPr lang="ru-RU"/>
           </a:p>
@@ -2588,6 +2542,7 @@
           <a:p>
             <a:fld id="{3320F9EB-2112-4866-8AFC-0758B0B74D1C}" type="slidenum">
               <a:rPr lang="ru-RU" smtClean="0"/>
+              <a:pPr/>
               <a:t>‹#›</a:t>
             </a:fld>
             <a:endParaRPr lang="ru-RU"/>
@@ -2597,7 +2552,7 @@
     </p:spTree>
     <p:extLst>
       <p:ext uri="{BB962C8B-B14F-4D97-AF65-F5344CB8AC3E}">
-        <p14:creationId xmlns:p14="http://schemas.microsoft.com/office/powerpoint/2010/main" val="4240392508"/>
+        <p14:creationId xmlns:p14="http://schemas.microsoft.com/office/powerpoint/2010/main" xmlns="" val="4240392508"/>
       </p:ext>
     </p:extLst>
   </p:cSld>
@@ -2778,7 +2733,8 @@
           <a:p>
             <a:fld id="{13A15BC7-66CE-44BA-84C4-ADF5D358A8E5}" type="datetime1">
               <a:rPr lang="ru-RU" smtClean="0"/>
-              <a:t>07.01.2019</a:t>
+              <a:pPr/>
+              <a:t>12.01.2019</a:t>
             </a:fld>
             <a:endParaRPr lang="ru-RU"/>
           </a:p>
@@ -2820,6 +2776,7 @@
           <a:p>
             <a:fld id="{3320F9EB-2112-4866-8AFC-0758B0B74D1C}" type="slidenum">
               <a:rPr lang="ru-RU" smtClean="0"/>
+              <a:pPr/>
               <a:t>‹#›</a:t>
             </a:fld>
             <a:endParaRPr lang="ru-RU"/>
@@ -2829,7 +2786,7 @@
     </p:spTree>
     <p:extLst>
       <p:ext uri="{BB962C8B-B14F-4D97-AF65-F5344CB8AC3E}">
-        <p14:creationId xmlns:p14="http://schemas.microsoft.com/office/powerpoint/2010/main" val="2092770617"/>
+        <p14:creationId xmlns:p14="http://schemas.microsoft.com/office/powerpoint/2010/main" xmlns="" val="2092770617"/>
       </p:ext>
     </p:extLst>
   </p:cSld>
@@ -3145,7 +3102,8 @@
           <a:p>
             <a:fld id="{8C55F641-8A7B-48BB-9924-29525D09D843}" type="datetime1">
               <a:rPr lang="ru-RU" smtClean="0"/>
-              <a:t>07.01.2019</a:t>
+              <a:pPr/>
+              <a:t>12.01.2019</a:t>
             </a:fld>
             <a:endParaRPr lang="ru-RU"/>
           </a:p>
@@ -3187,6 +3145,7 @@
           <a:p>
             <a:fld id="{3320F9EB-2112-4866-8AFC-0758B0B74D1C}" type="slidenum">
               <a:rPr lang="ru-RU" smtClean="0"/>
+              <a:pPr/>
               <a:t>‹#›</a:t>
             </a:fld>
             <a:endParaRPr lang="ru-RU"/>
@@ -3196,7 +3155,7 @@
     </p:spTree>
     <p:extLst>
       <p:ext uri="{BB962C8B-B14F-4D97-AF65-F5344CB8AC3E}">
-        <p14:creationId xmlns:p14="http://schemas.microsoft.com/office/powerpoint/2010/main" val="67491165"/>
+        <p14:creationId xmlns:p14="http://schemas.microsoft.com/office/powerpoint/2010/main" xmlns="" val="67491165"/>
       </p:ext>
     </p:extLst>
   </p:cSld>
@@ -3263,7 +3222,8 @@
           <a:p>
             <a:fld id="{28C4CC1A-CDB1-4CBC-83A8-3EB958439194}" type="datetime1">
               <a:rPr lang="ru-RU" smtClean="0"/>
-              <a:t>07.01.2019</a:t>
+              <a:pPr/>
+              <a:t>12.01.2019</a:t>
             </a:fld>
             <a:endParaRPr lang="ru-RU"/>
           </a:p>
@@ -3305,6 +3265,7 @@
           <a:p>
             <a:fld id="{3320F9EB-2112-4866-8AFC-0758B0B74D1C}" type="slidenum">
               <a:rPr lang="ru-RU" smtClean="0"/>
+              <a:pPr/>
               <a:t>‹#›</a:t>
             </a:fld>
             <a:endParaRPr lang="ru-RU"/>
@@ -3314,7 +3275,7 @@
     </p:spTree>
     <p:extLst>
       <p:ext uri="{BB962C8B-B14F-4D97-AF65-F5344CB8AC3E}">
-        <p14:creationId xmlns:p14="http://schemas.microsoft.com/office/powerpoint/2010/main" val="3765722631"/>
+        <p14:creationId xmlns:p14="http://schemas.microsoft.com/office/powerpoint/2010/main" xmlns="" val="3765722631"/>
       </p:ext>
     </p:extLst>
   </p:cSld>
@@ -3358,7 +3319,8 @@
           <a:p>
             <a:fld id="{DCA5C5F1-78C0-4305-B0EC-8CEF047F6C93}" type="datetime1">
               <a:rPr lang="ru-RU" smtClean="0"/>
-              <a:t>07.01.2019</a:t>
+              <a:pPr/>
+              <a:t>12.01.2019</a:t>
             </a:fld>
             <a:endParaRPr lang="ru-RU"/>
           </a:p>
@@ -3400,6 +3362,7 @@
           <a:p>
             <a:fld id="{3320F9EB-2112-4866-8AFC-0758B0B74D1C}" type="slidenum">
               <a:rPr lang="ru-RU" smtClean="0"/>
+              <a:pPr/>
               <a:t>‹#›</a:t>
             </a:fld>
             <a:endParaRPr lang="ru-RU"/>
@@ -3409,7 +3372,7 @@
     </p:spTree>
     <p:extLst>
       <p:ext uri="{BB962C8B-B14F-4D97-AF65-F5344CB8AC3E}">
-        <p14:creationId xmlns:p14="http://schemas.microsoft.com/office/powerpoint/2010/main" val="192673202"/>
+        <p14:creationId xmlns:p14="http://schemas.microsoft.com/office/powerpoint/2010/main" xmlns="" val="192673202"/>
       </p:ext>
     </p:extLst>
   </p:cSld>
@@ -3635,7 +3598,8 @@
           <a:p>
             <a:fld id="{8FF670FB-17C0-4434-90C8-A4668EF13565}" type="datetime1">
               <a:rPr lang="ru-RU" smtClean="0"/>
-              <a:t>07.01.2019</a:t>
+              <a:pPr/>
+              <a:t>12.01.2019</a:t>
             </a:fld>
             <a:endParaRPr lang="ru-RU"/>
           </a:p>
@@ -3677,6 +3641,7 @@
           <a:p>
             <a:fld id="{3320F9EB-2112-4866-8AFC-0758B0B74D1C}" type="slidenum">
               <a:rPr lang="ru-RU" smtClean="0"/>
+              <a:pPr/>
               <a:t>‹#›</a:t>
             </a:fld>
             <a:endParaRPr lang="ru-RU"/>
@@ -3686,7 +3651,7 @@
     </p:spTree>
     <p:extLst>
       <p:ext uri="{BB962C8B-B14F-4D97-AF65-F5344CB8AC3E}">
-        <p14:creationId xmlns:p14="http://schemas.microsoft.com/office/powerpoint/2010/main" val="1955095555"/>
+        <p14:creationId xmlns:p14="http://schemas.microsoft.com/office/powerpoint/2010/main" xmlns="" val="1955095555"/>
       </p:ext>
     </p:extLst>
   </p:cSld>
@@ -3892,7 +3857,8 @@
           <a:p>
             <a:fld id="{5FA5D1FD-3FC4-47EA-B2EB-FF46800F6009}" type="datetime1">
               <a:rPr lang="ru-RU" smtClean="0"/>
-              <a:t>07.01.2019</a:t>
+              <a:pPr/>
+              <a:t>12.01.2019</a:t>
             </a:fld>
             <a:endParaRPr lang="ru-RU"/>
           </a:p>
@@ -3934,6 +3900,7 @@
           <a:p>
             <a:fld id="{3320F9EB-2112-4866-8AFC-0758B0B74D1C}" type="slidenum">
               <a:rPr lang="ru-RU" smtClean="0"/>
+              <a:pPr/>
               <a:t>‹#›</a:t>
             </a:fld>
             <a:endParaRPr lang="ru-RU"/>
@@ -3943,7 +3910,7 @@
     </p:spTree>
     <p:extLst>
       <p:ext uri="{BB962C8B-B14F-4D97-AF65-F5344CB8AC3E}">
-        <p14:creationId xmlns:p14="http://schemas.microsoft.com/office/powerpoint/2010/main" val="1515277320"/>
+        <p14:creationId xmlns:p14="http://schemas.microsoft.com/office/powerpoint/2010/main" xmlns="" val="1515277320"/>
       </p:ext>
     </p:extLst>
   </p:cSld>
@@ -3959,7 +3926,7 @@
     <p:bg>
       <p:bgPr>
         <a:blipFill dpi="0" rotWithShape="1">
-          <a:blip r:embed="rId13">
+          <a:blip r:embed="rId13" cstate="print">
             <a:lum/>
           </a:blip>
           <a:srcRect/>
@@ -4114,7 +4081,8 @@
           <a:p>
             <a:fld id="{6C109404-ED28-47FE-9DC5-C6BCEA110D1D}" type="datetime1">
               <a:rPr lang="ru-RU" smtClean="0"/>
-              <a:t>07.01.2019</a:t>
+              <a:pPr/>
+              <a:t>12.01.2019</a:t>
             </a:fld>
             <a:endParaRPr lang="ru-RU"/>
           </a:p>
@@ -4192,6 +4160,7 @@
           <a:p>
             <a:fld id="{3320F9EB-2112-4866-8AFC-0758B0B74D1C}" type="slidenum">
               <a:rPr lang="ru-RU" smtClean="0"/>
+              <a:pPr/>
               <a:t>‹#›</a:t>
             </a:fld>
             <a:endParaRPr lang="ru-RU"/>
@@ -4201,7 +4170,7 @@
     </p:spTree>
     <p:extLst>
       <p:ext uri="{BB962C8B-B14F-4D97-AF65-F5344CB8AC3E}">
-        <p14:creationId xmlns:p14="http://schemas.microsoft.com/office/powerpoint/2010/main" val="1479013764"/>
+        <p14:creationId xmlns:p14="http://schemas.microsoft.com/office/powerpoint/2010/main" xmlns="" val="1479013764"/>
       </p:ext>
     </p:extLst>
   </p:cSld>
@@ -4532,7 +4501,7 @@
           <a:blip r:embed="rId2" cstate="print">
             <a:extLst>
               <a:ext uri="{28A0092B-C50C-407E-A947-70E740481C1C}">
-                <a14:useLocalDpi xmlns:a14="http://schemas.microsoft.com/office/drawing/2010/main" val="0"/>
+                <a14:useLocalDpi xmlns:a14="http://schemas.microsoft.com/office/drawing/2010/main" xmlns="" val="0"/>
               </a:ext>
             </a:extLst>
           </a:blip>
@@ -4792,34 +4761,7 @@
                 </a:solidFill>
                 <a:latin typeface="Elektra Text Pro" panose="02000503030000020004" pitchFamily="50" charset="-52"/>
               </a:rPr>
-              <a:t>Старший </a:t>
-            </a:r>
-            <a:r>
-              <a:rPr lang="ru-RU" sz="1400" dirty="0" smtClean="0">
-                <a:solidFill>
-                  <a:schemeClr val="bg1"/>
-                </a:solidFill>
-                <a:latin typeface="Elektra Text Pro" panose="02000503030000020004" pitchFamily="50" charset="-52"/>
-              </a:rPr>
-              <a:t>преп</a:t>
-            </a:r>
-            <a:r>
-              <a:rPr lang="ru-RU" sz="1400" dirty="0" smtClean="0">
-                <a:solidFill>
-                  <a:schemeClr val="bg1"/>
-                </a:solidFill>
-                <a:latin typeface="Elektra Text Pro" panose="02000503030000020004" pitchFamily="50" charset="-52"/>
-              </a:rPr>
-              <a:t>одаватель</a:t>
-            </a:r>
-            <a:r>
-              <a:rPr lang="ru-RU" sz="1400" dirty="0" smtClean="0">
-                <a:solidFill>
-                  <a:schemeClr val="bg1"/>
-                </a:solidFill>
-                <a:latin typeface="Elektra Text Pro" panose="02000503030000020004" pitchFamily="50" charset="-52"/>
-              </a:rPr>
-              <a:t> </a:t>
+              <a:t>Старший преподаватель </a:t>
             </a:r>
             <a:r>
               <a:rPr lang="ru-RU" sz="1400" dirty="0" err="1" smtClean="0">
@@ -4943,7 +4885,7 @@
     </p:spTree>
     <p:extLst>
       <p:ext uri="{BB962C8B-B14F-4D97-AF65-F5344CB8AC3E}">
-        <p14:creationId xmlns:p14="http://schemas.microsoft.com/office/powerpoint/2010/main" val="195636660"/>
+        <p14:creationId xmlns:p14="http://schemas.microsoft.com/office/powerpoint/2010/main" xmlns="" val="195636660"/>
       </p:ext>
     </p:extLst>
   </p:cSld>
@@ -5048,6 +4990,7 @@
                 </a:solidFill>
                 <a:latin typeface="Elektra Medium Pro" panose="02000803000000020004" pitchFamily="50" charset="-52"/>
               </a:rPr>
+              <a:pPr algn="ctr"/>
               <a:t>10</a:t>
             </a:fld>
             <a:endParaRPr lang="ru-RU" dirty="0">
@@ -5218,7 +5161,7 @@
     </p:spTree>
     <p:extLst>
       <p:ext uri="{BB962C8B-B14F-4D97-AF65-F5344CB8AC3E}">
-        <p14:creationId xmlns:p14="http://schemas.microsoft.com/office/powerpoint/2010/main" val="3584112560"/>
+        <p14:creationId xmlns:p14="http://schemas.microsoft.com/office/powerpoint/2010/main" xmlns="" val="3584112560"/>
       </p:ext>
     </p:extLst>
   </p:cSld>
@@ -5323,6 +5266,7 @@
                 </a:solidFill>
                 <a:latin typeface="Elektra Medium Pro" panose="02000803000000020004" pitchFamily="50" charset="-52"/>
               </a:rPr>
+              <a:pPr algn="ctr"/>
               <a:t>11</a:t>
             </a:fld>
             <a:endParaRPr lang="ru-RU" dirty="0">
@@ -5334,8 +5278,8 @@
           </a:p>
         </p:txBody>
       </p:sp>
-      <mc:AlternateContent xmlns:mc="http://schemas.openxmlformats.org/markup-compatibility/2006" xmlns:a14="http://schemas.microsoft.com/office/drawing/2010/main">
-        <mc:Choice Requires="a14">
+      <mc:AlternateContent xmlns:mc="http://schemas.openxmlformats.org/markup-compatibility/2006">
+        <mc:Choice xmlns:a14="http://schemas.microsoft.com/office/drawing/2010/main" xmlns="" Requires="a14">
           <p:sp>
             <p:nvSpPr>
               <p:cNvPr id="5" name="TextBox 4"/>
@@ -6077,7 +6021,7 @@
             </p:txBody>
           </p:sp>
         </mc:Choice>
-        <mc:Fallback xmlns="">
+        <mc:Fallback>
           <p:sp>
             <p:nvSpPr>
               <p:cNvPr id="5" name="TextBox 4"/>
@@ -6095,7 +6039,7 @@
                 <a:avLst/>
               </a:prstGeom>
               <a:blipFill>
-                <a:blip r:embed="rId2"/>
+                <a:blip r:embed="rId2" cstate="print"/>
                 <a:stretch>
                   <a:fillRect l="-1305" t="-1287" b="-1931"/>
                 </a:stretch>
@@ -6119,7 +6063,7 @@
     </p:spTree>
     <p:extLst>
       <p:ext uri="{BB962C8B-B14F-4D97-AF65-F5344CB8AC3E}">
-        <p14:creationId xmlns:p14="http://schemas.microsoft.com/office/powerpoint/2010/main" val="1822759005"/>
+        <p14:creationId xmlns:p14="http://schemas.microsoft.com/office/powerpoint/2010/main" xmlns="" val="1822759005"/>
       </p:ext>
     </p:extLst>
   </p:cSld>
@@ -6224,6 +6168,7 @@
                 </a:solidFill>
                 <a:latin typeface="Elektra Medium Pro" panose="02000803000000020004" pitchFamily="50" charset="-52"/>
               </a:rPr>
+              <a:pPr algn="ctr"/>
               <a:t>12</a:t>
             </a:fld>
             <a:endParaRPr lang="ru-RU" dirty="0">
@@ -6400,7 +6345,7 @@
           <a:blip r:embed="rId2" cstate="print">
             <a:extLst>
               <a:ext uri="{28A0092B-C50C-407E-A947-70E740481C1C}">
-                <a14:useLocalDpi xmlns:a14="http://schemas.microsoft.com/office/drawing/2010/main" val="0"/>
+                <a14:useLocalDpi xmlns:a14="http://schemas.microsoft.com/office/drawing/2010/main" xmlns="" val="0"/>
               </a:ext>
             </a:extLst>
           </a:blip>
@@ -6427,10 +6372,10 @@
           <p:nvPr/>
         </p:nvPicPr>
         <p:blipFill>
-          <a:blip r:embed="rId3">
+          <a:blip r:embed="rId3" cstate="print">
             <a:extLst>
               <a:ext uri="{28A0092B-C50C-407E-A947-70E740481C1C}">
-                <a14:useLocalDpi xmlns:a14="http://schemas.microsoft.com/office/drawing/2010/main" val="0"/>
+                <a14:useLocalDpi xmlns:a14="http://schemas.microsoft.com/office/drawing/2010/main" xmlns="" val="0"/>
               </a:ext>
             </a:extLst>
           </a:blip>
@@ -6451,7 +6396,7 @@
     </p:spTree>
     <p:extLst>
       <p:ext uri="{BB962C8B-B14F-4D97-AF65-F5344CB8AC3E}">
-        <p14:creationId xmlns:p14="http://schemas.microsoft.com/office/powerpoint/2010/main" val="19432384"/>
+        <p14:creationId xmlns:p14="http://schemas.microsoft.com/office/powerpoint/2010/main" xmlns="" val="19432384"/>
       </p:ext>
     </p:extLst>
   </p:cSld>
@@ -6556,6 +6501,7 @@
                 </a:solidFill>
                 <a:latin typeface="Elektra Medium Pro" panose="02000803000000020004" pitchFamily="50" charset="-52"/>
               </a:rPr>
+              <a:pPr algn="ctr"/>
               <a:t>13</a:t>
             </a:fld>
             <a:endParaRPr lang="ru-RU" dirty="0">
@@ -6576,10 +6522,10 @@
           <p:nvPr/>
         </p:nvPicPr>
         <p:blipFill>
-          <a:blip r:embed="rId2">
+          <a:blip r:embed="rId2" cstate="print">
             <a:extLst>
               <a:ext uri="{28A0092B-C50C-407E-A947-70E740481C1C}">
-                <a14:useLocalDpi xmlns:a14="http://schemas.microsoft.com/office/drawing/2010/main" val="0"/>
+                <a14:useLocalDpi xmlns:a14="http://schemas.microsoft.com/office/drawing/2010/main" xmlns="" val="0"/>
               </a:ext>
             </a:extLst>
           </a:blip>
@@ -6600,7 +6546,7 @@
     </p:spTree>
     <p:extLst>
       <p:ext uri="{BB962C8B-B14F-4D97-AF65-F5344CB8AC3E}">
-        <p14:creationId xmlns:p14="http://schemas.microsoft.com/office/powerpoint/2010/main" val="3011833475"/>
+        <p14:creationId xmlns:p14="http://schemas.microsoft.com/office/powerpoint/2010/main" xmlns="" val="3011833475"/>
       </p:ext>
     </p:extLst>
   </p:cSld>
@@ -6664,7 +6610,25 @@
                 </a:solidFill>
                 <a:latin typeface="Elektra Text Pro" panose="02000503030000020004" pitchFamily="50" charset="-52"/>
               </a:rPr>
-              <a:t>ВОЗМОЖНОСТИ ВЕБ-ФИЛЬТРА</a:t>
+              <a:t>ДИАГРАММА </a:t>
+            </a:r>
+            <a:r>
+              <a:rPr lang="ru-RU" dirty="0" smtClean="0">
+                <a:solidFill>
+                  <a:schemeClr val="bg1"/>
+                </a:solidFill>
+                <a:latin typeface="Elektra Text Pro" panose="02000503030000020004" pitchFamily="50" charset="-52"/>
+              </a:rPr>
+              <a:t>ПОСЛЕДОВАТЕЛЬНОСТИ </a:t>
+            </a:r>
+            <a:r>
+              <a:rPr lang="ru-RU" dirty="0" smtClean="0">
+                <a:solidFill>
+                  <a:schemeClr val="bg1"/>
+                </a:solidFill>
+                <a:latin typeface="Elektra Text Pro" panose="02000503030000020004" pitchFamily="50" charset="-52"/>
+              </a:rPr>
+              <a:t>ВЕБ-ФИЛЬТРА</a:t>
             </a:r>
             <a:endParaRPr lang="ru-RU" dirty="0">
               <a:solidFill>
@@ -6705,6 +6669,7 @@
                 </a:solidFill>
                 <a:latin typeface="Elektra Medium Pro" panose="02000803000000020004" pitchFamily="50" charset="-52"/>
               </a:rPr>
+              <a:pPr algn="ctr"/>
               <a:t>14</a:t>
             </a:fld>
             <a:endParaRPr lang="ru-RU" dirty="0">
@@ -6716,141 +6681,34 @@
           </a:p>
         </p:txBody>
       </p:sp>
-      <p:sp>
-        <p:nvSpPr>
-          <p:cNvPr id="5" name="TextBox 4"/>
-          <p:cNvSpPr txBox="1"/>
+      <p:pic>
+        <p:nvPicPr>
+          <p:cNvPr id="5" name="Рисунок 4" descr="SequenceDiagram1.jpg"/>
+          <p:cNvPicPr>
+            <a:picLocks noChangeAspect="1"/>
+          </p:cNvPicPr>
           <p:nvPr/>
-        </p:nvSpPr>
+        </p:nvPicPr>
+        <p:blipFill>
+          <a:blip r:embed="rId2" cstate="print"/>
+          <a:stretch>
+            <a:fillRect/>
+          </a:stretch>
+        </p:blipFill>
         <p:spPr>
           <a:xfrm>
-            <a:off x="314599" y="962655"/>
-            <a:ext cx="8411390" cy="5078313"/>
+            <a:off x="169817" y="1137147"/>
+            <a:ext cx="8811578" cy="4955858"/>
           </a:xfrm>
           <a:prstGeom prst="rect">
             <a:avLst/>
           </a:prstGeom>
-          <a:noFill/>
         </p:spPr>
-        <p:txBody>
-          <a:bodyPr wrap="square" rtlCol="0">
-            <a:spAutoFit/>
-          </a:bodyPr>
-          <a:lstStyle/>
-          <a:p>
-            <a:pPr marL="285750" indent="-285750">
-              <a:buFont typeface="Arial" panose="020B0604020202020204" pitchFamily="34" charset="0"/>
-              <a:buChar char="•"/>
-            </a:pPr>
-            <a:r>
-              <a:rPr lang="ru-RU" sz="3600" dirty="0"/>
-              <a:t>Ф</a:t>
-            </a:r>
-            <a:r>
-              <a:rPr lang="ru-RU" sz="3600" dirty="0" smtClean="0"/>
-              <a:t>ункционал </a:t>
-            </a:r>
-            <a:r>
-              <a:rPr lang="ru-RU" sz="3600" dirty="0"/>
-              <a:t>фильтрации по </a:t>
-            </a:r>
-            <a:r>
-              <a:rPr lang="en-US" sz="3600" i="1" dirty="0" smtClean="0"/>
-              <a:t>IP/URL</a:t>
-            </a:r>
-            <a:r>
-              <a:rPr lang="ru-RU" sz="3600" i="1" dirty="0" smtClean="0"/>
-              <a:t>.</a:t>
-            </a:r>
-            <a:endParaRPr lang="ru-RU" sz="3600" i="1" dirty="0"/>
-          </a:p>
-          <a:p>
-            <a:pPr marL="285750" indent="-285750">
-              <a:buFont typeface="Arial" panose="020B0604020202020204" pitchFamily="34" charset="0"/>
-              <a:buChar char="•"/>
-            </a:pPr>
-            <a:r>
-              <a:rPr lang="ru-RU" sz="3600" dirty="0" smtClean="0"/>
-              <a:t>Фильтрация </a:t>
-            </a:r>
-            <a:r>
-              <a:rPr lang="ru-RU" sz="3600" dirty="0"/>
-              <a:t>контента «на лету» </a:t>
-            </a:r>
-            <a:r>
-              <a:rPr lang="ru-RU" sz="3600" dirty="0" smtClean="0"/>
-              <a:t>по содержимому </a:t>
-            </a:r>
-            <a:r>
-              <a:rPr lang="ru-RU" sz="3600" dirty="0"/>
-              <a:t>с </a:t>
-            </a:r>
-            <a:r>
-              <a:rPr lang="ru-RU" sz="3600" dirty="0" smtClean="0"/>
-              <a:t>использованием байесовского классификатора.</a:t>
-            </a:r>
-            <a:endParaRPr lang="en-US" sz="3600" dirty="0"/>
-          </a:p>
-          <a:p>
-            <a:pPr marL="285750" indent="-285750">
-              <a:buFont typeface="Arial" panose="020B0604020202020204" pitchFamily="34" charset="0"/>
-              <a:buChar char="•"/>
-            </a:pPr>
-            <a:r>
-              <a:rPr lang="ru-RU" sz="3600" dirty="0" smtClean="0"/>
-              <a:t>Веб-интерфейс </a:t>
-            </a:r>
-            <a:r>
-              <a:rPr lang="ru-RU" sz="3600" dirty="0"/>
-              <a:t>управления </a:t>
-            </a:r>
-            <a:r>
-              <a:rPr lang="ru-RU" sz="3600" dirty="0" smtClean="0"/>
-              <a:t>контент-фильтром.</a:t>
-            </a:r>
-            <a:endParaRPr lang="ru-RU" sz="3600" dirty="0"/>
-          </a:p>
-          <a:p>
-            <a:pPr marL="285750" indent="-285750">
-              <a:buFont typeface="Arial" panose="020B0604020202020204" pitchFamily="34" charset="0"/>
-              <a:buChar char="•"/>
-            </a:pPr>
-            <a:r>
-              <a:rPr lang="ru-RU" sz="3600" dirty="0" smtClean="0"/>
-              <a:t>Работа </a:t>
-            </a:r>
-            <a:r>
-              <a:rPr lang="ru-RU" sz="3600" dirty="0"/>
-              <a:t>веб-фильтра по протоколу </a:t>
-            </a:r>
-            <a:r>
-              <a:rPr lang="en-US" sz="3600" i="1" dirty="0"/>
-              <a:t>HTTPS</a:t>
-            </a:r>
-            <a:r>
-              <a:rPr lang="en-US" sz="3600" dirty="0"/>
-              <a:t> </a:t>
-            </a:r>
-            <a:r>
-              <a:rPr lang="ru-RU" sz="3600" dirty="0"/>
-              <a:t>с использованием технологии </a:t>
-            </a:r>
-            <a:r>
-              <a:rPr lang="en-US" sz="3600" i="1" dirty="0"/>
-              <a:t>Trusted </a:t>
-            </a:r>
-            <a:r>
-              <a:rPr lang="en-US" sz="3600" i="1" dirty="0" smtClean="0"/>
-              <a:t>MITM.</a:t>
-            </a:r>
-            <a:endParaRPr lang="ru-RU" sz="3600" dirty="0"/>
-          </a:p>
-        </p:txBody>
-      </p:sp>
+      </p:pic>
     </p:spTree>
     <p:extLst>
       <p:ext uri="{BB962C8B-B14F-4D97-AF65-F5344CB8AC3E}">
-        <p14:creationId xmlns:p14="http://schemas.microsoft.com/office/powerpoint/2010/main" val="1018606561"/>
+        <p14:creationId xmlns:p14="http://schemas.microsoft.com/office/powerpoint/2010/main" xmlns="" val="3011833475"/>
       </p:ext>
     </p:extLst>
   </p:cSld>
@@ -6914,7 +6772,7 @@
                 </a:solidFill>
                 <a:latin typeface="Elektra Text Pro" panose="02000503030000020004" pitchFamily="50" charset="-52"/>
               </a:rPr>
-              <a:t>ЗАКЛЮЧЕНИЕ</a:t>
+              <a:t>ВОЗМОЖНОСТИ ВЕБ-ФИЛЬТРА</a:t>
             </a:r>
             <a:endParaRPr lang="ru-RU" dirty="0">
               <a:solidFill>
@@ -6955,6 +6813,7 @@
                 </a:solidFill>
                 <a:latin typeface="Elektra Medium Pro" panose="02000803000000020004" pitchFamily="50" charset="-52"/>
               </a:rPr>
+              <a:pPr algn="ctr"/>
               <a:t>15</a:t>
             </a:fld>
             <a:endParaRPr lang="ru-RU" dirty="0">
@@ -6974,8 +6833,8 @@
         </p:nvSpPr>
         <p:spPr>
           <a:xfrm>
-            <a:off x="314599" y="915056"/>
-            <a:ext cx="8411390" cy="5509200"/>
+            <a:off x="314599" y="962655"/>
+            <a:ext cx="8411390" cy="5078313"/>
           </a:xfrm>
           <a:prstGeom prst="rect">
             <a:avLst/>
@@ -6993,28 +6852,26 @@
               <a:buChar char="•"/>
             </a:pPr>
             <a:r>
-              <a:rPr lang="ru-RU" sz="3200" dirty="0"/>
-              <a:t>В результате работы была достигнута поставленная цель: проектирование и разработка веб-фильтра для обеспечения контроля доступа к </a:t>
-            </a:r>
-            <a:r>
-              <a:rPr lang="ru-RU" sz="3200" dirty="0" smtClean="0"/>
-              <a:t>веб-ресурсам</a:t>
-            </a:r>
-            <a:r>
-              <a:rPr lang="en-US" sz="3200" dirty="0" smtClean="0"/>
+              <a:rPr lang="ru-RU" sz="3600" dirty="0"/>
+              <a:t>Ф</a:t>
+            </a:r>
+            <a:r>
+              <a:rPr lang="ru-RU" sz="3600" dirty="0" smtClean="0"/>
+              <a:t>ункционал </a:t>
+            </a:r>
+            <a:r>
+              <a:rPr lang="ru-RU" sz="3600" dirty="0"/>
+              <a:t>фильтрации по </a:t>
+            </a:r>
+            <a:r>
+              <a:rPr lang="en-US" sz="3600" i="1" dirty="0" smtClean="0"/>
+              <a:t>IP/URL</a:t>
+            </a:r>
+            <a:r>
+              <a:rPr lang="ru-RU" sz="3600" i="1" dirty="0" smtClean="0"/>
               <a:t>.</a:t>
             </a:r>
-            <a:endParaRPr lang="ru-RU" sz="3200" dirty="0"/>
-          </a:p>
-          <a:p>
-            <a:r>
-              <a:rPr lang="ru-RU" sz="3200" dirty="0" smtClean="0"/>
-              <a:t>Для этого </a:t>
-            </a:r>
-            <a:r>
-              <a:rPr lang="ru-RU" sz="3200" dirty="0"/>
-              <a:t>были выполнены поставленные задачи:</a:t>
-            </a:r>
+            <a:endParaRPr lang="ru-RU" sz="3600" i="1" dirty="0"/>
           </a:p>
           <a:p>
             <a:pPr marL="285750" indent="-285750">
@@ -7022,13 +6879,26 @@
               <a:buChar char="•"/>
             </a:pPr>
             <a:r>
-              <a:rPr lang="ru-RU" sz="3200" dirty="0"/>
-              <a:t>проанализирована предметная область и текущие решения</a:t>
-            </a:r>
-            <a:r>
-              <a:rPr lang="en-US" sz="3200" dirty="0"/>
-              <a:t>;</a:t>
-            </a:r>
+              <a:rPr lang="ru-RU" sz="3600" dirty="0" smtClean="0"/>
+              <a:t>Фильтрация </a:t>
+            </a:r>
+            <a:r>
+              <a:rPr lang="ru-RU" sz="3600" dirty="0"/>
+              <a:t>контента «на лету» </a:t>
+            </a:r>
+            <a:r>
+              <a:rPr lang="ru-RU" sz="3600" dirty="0" smtClean="0"/>
+              <a:t>по содержимому </a:t>
+            </a:r>
+            <a:r>
+              <a:rPr lang="ru-RU" sz="3600" dirty="0"/>
+              <a:t>с </a:t>
+            </a:r>
+            <a:r>
+              <a:rPr lang="ru-RU" sz="3600" dirty="0" smtClean="0"/>
+              <a:t>использованием байесовского классификатора.</a:t>
+            </a:r>
+            <a:endParaRPr lang="en-US" sz="3600" dirty="0"/>
           </a:p>
           <a:p>
             <a:pPr marL="285750" indent="-285750">
@@ -7036,13 +6906,18 @@
               <a:buChar char="•"/>
             </a:pPr>
             <a:r>
-              <a:rPr lang="ru-RU" sz="3200" dirty="0"/>
-              <a:t>спроектирован веб-фильтр</a:t>
-            </a:r>
-            <a:r>
-              <a:rPr lang="en-US" sz="3200" dirty="0"/>
-              <a:t>;</a:t>
-            </a:r>
+              <a:rPr lang="ru-RU" sz="3600" dirty="0" smtClean="0"/>
+              <a:t>Веб-интерфейс </a:t>
+            </a:r>
+            <a:r>
+              <a:rPr lang="ru-RU" sz="3600" dirty="0"/>
+              <a:t>управления </a:t>
+            </a:r>
+            <a:r>
+              <a:rPr lang="ru-RU" sz="3600" dirty="0" smtClean="0"/>
+              <a:t>контент-фильтром.</a:t>
+            </a:r>
+            <a:endParaRPr lang="ru-RU" sz="3600" dirty="0"/>
           </a:p>
           <a:p>
             <a:pPr marL="285750" indent="-285750">
@@ -7050,25 +6925,41 @@
               <a:buChar char="•"/>
             </a:pPr>
             <a:r>
-              <a:rPr lang="ru-RU" sz="3200" dirty="0"/>
-              <a:t>разработан веб-фильтр и протестирована его </a:t>
-            </a:r>
-            <a:r>
-              <a:rPr lang="ru-RU" sz="3200" dirty="0" smtClean="0"/>
-              <a:t>работа</a:t>
-            </a:r>
-            <a:r>
-              <a:rPr lang="en-US" sz="3200" dirty="0" smtClean="0"/>
-              <a:t>.</a:t>
-            </a:r>
-            <a:endParaRPr lang="en-US" sz="3200" dirty="0"/>
+              <a:rPr lang="ru-RU" sz="3600" dirty="0" smtClean="0"/>
+              <a:t>Работа </a:t>
+            </a:r>
+            <a:r>
+              <a:rPr lang="ru-RU" sz="3600" dirty="0"/>
+              <a:t>веб-фильтра по протоколу </a:t>
+            </a:r>
+            <a:r>
+              <a:rPr lang="en-US" sz="3600" i="1" dirty="0"/>
+              <a:t>HTTPS</a:t>
+            </a:r>
+            <a:r>
+              <a:rPr lang="en-US" sz="3600" dirty="0"/>
+              <a:t> </a:t>
+            </a:r>
+            <a:r>
+              <a:rPr lang="ru-RU" sz="3600" dirty="0"/>
+              <a:t>с использованием технологии </a:t>
+            </a:r>
+            <a:r>
+              <a:rPr lang="en-US" sz="3600" i="1" dirty="0"/>
+              <a:t>Trusted </a:t>
+            </a:r>
+            <a:r>
+              <a:rPr lang="en-US" sz="3600" i="1" dirty="0" smtClean="0"/>
+              <a:t>MITM.</a:t>
+            </a:r>
+            <a:endParaRPr lang="ru-RU" sz="3600" dirty="0"/>
           </a:p>
         </p:txBody>
       </p:sp>
     </p:spTree>
     <p:extLst>
       <p:ext uri="{BB962C8B-B14F-4D97-AF65-F5344CB8AC3E}">
-        <p14:creationId xmlns:p14="http://schemas.microsoft.com/office/powerpoint/2010/main" val="966450425"/>
+        <p14:creationId xmlns:p14="http://schemas.microsoft.com/office/powerpoint/2010/main" xmlns="" val="1018606561"/>
       </p:ext>
     </p:extLst>
   </p:cSld>
@@ -7086,6 +6977,249 @@
 </file>
 
 <file path=ppt/slides/slide16.xml><?xml version="1.0" encoding="utf-8"?>
+<p:sld xmlns:a="http://schemas.openxmlformats.org/drawingml/2006/main" xmlns:r="http://schemas.openxmlformats.org/officeDocument/2006/relationships" xmlns:p="http://schemas.openxmlformats.org/presentationml/2006/main">
+  <p:cSld>
+    <p:spTree>
+      <p:nvGrpSpPr>
+        <p:cNvPr id="1" name=""/>
+        <p:cNvGrpSpPr/>
+        <p:nvPr/>
+      </p:nvGrpSpPr>
+      <p:grpSpPr>
+        <a:xfrm>
+          <a:off x="0" y="0"/>
+          <a:ext cx="0" cy="0"/>
+          <a:chOff x="0" y="0"/>
+          <a:chExt cx="0" cy="0"/>
+        </a:xfrm>
+      </p:grpSpPr>
+      <p:sp>
+        <p:nvSpPr>
+          <p:cNvPr id="3" name="TextBox 2"/>
+          <p:cNvSpPr txBox="1"/>
+          <p:nvPr/>
+        </p:nvSpPr>
+        <p:spPr>
+          <a:xfrm>
+            <a:off x="827314" y="301532"/>
+            <a:ext cx="7898675" cy="369332"/>
+          </a:xfrm>
+          <a:prstGeom prst="rect">
+            <a:avLst/>
+          </a:prstGeom>
+          <a:noFill/>
+        </p:spPr>
+        <p:txBody>
+          <a:bodyPr wrap="square" rtlCol="0" anchor="ctr" anchorCtr="1">
+            <a:spAutoFit/>
+          </a:bodyPr>
+          <a:lstStyle/>
+          <a:p>
+            <a:pPr algn="ctr"/>
+            <a:r>
+              <a:rPr lang="ru-RU" dirty="0" smtClean="0">
+                <a:solidFill>
+                  <a:schemeClr val="bg1"/>
+                </a:solidFill>
+                <a:latin typeface="Elektra Text Pro" panose="02000503030000020004" pitchFamily="50" charset="-52"/>
+              </a:rPr>
+              <a:t>ЗАКЛЮЧЕНИЕ</a:t>
+            </a:r>
+            <a:endParaRPr lang="ru-RU" dirty="0">
+              <a:solidFill>
+                <a:schemeClr val="bg1"/>
+              </a:solidFill>
+              <a:latin typeface="Elektra Text Pro" panose="02000503030000020004" pitchFamily="50" charset="-52"/>
+            </a:endParaRPr>
+          </a:p>
+        </p:txBody>
+      </p:sp>
+      <p:sp>
+        <p:nvSpPr>
+          <p:cNvPr id="4" name="TextBox 3"/>
+          <p:cNvSpPr txBox="1"/>
+          <p:nvPr/>
+        </p:nvSpPr>
+        <p:spPr>
+          <a:xfrm>
+            <a:off x="8067539" y="6332760"/>
+            <a:ext cx="469107" cy="369332"/>
+          </a:xfrm>
+          <a:prstGeom prst="rect">
+            <a:avLst/>
+          </a:prstGeom>
+          <a:noFill/>
+        </p:spPr>
+        <p:txBody>
+          <a:bodyPr wrap="square" rtlCol="0">
+            <a:spAutoFit/>
+          </a:bodyPr>
+          <a:lstStyle/>
+          <a:p>
+            <a:pPr algn="ctr"/>
+            <a:fld id="{4CB11690-5800-4A0D-8C28-71894E2CF362}" type="slidenum">
+              <a:rPr lang="ru-RU" smtClean="0">
+                <a:solidFill>
+                  <a:schemeClr val="bg1"/>
+                </a:solidFill>
+                <a:latin typeface="Elektra Medium Pro" panose="02000803000000020004" pitchFamily="50" charset="-52"/>
+              </a:rPr>
+              <a:pPr algn="ctr"/>
+              <a:t>16</a:t>
+            </a:fld>
+            <a:endParaRPr lang="ru-RU" dirty="0">
+              <a:solidFill>
+                <a:schemeClr val="bg1"/>
+              </a:solidFill>
+              <a:latin typeface="Elektra Medium Pro" panose="02000803000000020004" pitchFamily="50" charset="-52"/>
+            </a:endParaRPr>
+          </a:p>
+        </p:txBody>
+      </p:sp>
+      <p:sp>
+        <p:nvSpPr>
+          <p:cNvPr id="5" name="TextBox 4"/>
+          <p:cNvSpPr txBox="1"/>
+          <p:nvPr/>
+        </p:nvSpPr>
+        <p:spPr>
+          <a:xfrm>
+            <a:off x="314599" y="915056"/>
+            <a:ext cx="8411390" cy="5509200"/>
+          </a:xfrm>
+          <a:prstGeom prst="rect">
+            <a:avLst/>
+          </a:prstGeom>
+          <a:noFill/>
+        </p:spPr>
+        <p:txBody>
+          <a:bodyPr wrap="square" rtlCol="0">
+            <a:spAutoFit/>
+          </a:bodyPr>
+          <a:lstStyle/>
+          <a:p>
+            <a:pPr marL="285750" indent="-285750">
+              <a:buFont typeface="Arial" panose="020B0604020202020204" pitchFamily="34" charset="0"/>
+              <a:buChar char="•"/>
+            </a:pPr>
+            <a:r>
+              <a:rPr lang="ru-RU" sz="3200" dirty="0"/>
+              <a:t>В результате работы была достигнута поставленная цель: </a:t>
+            </a:r>
+            <a:r>
+              <a:rPr lang="ru-RU" sz="3200" dirty="0" smtClean="0"/>
+              <a:t>спроектирован </a:t>
+            </a:r>
+            <a:r>
+              <a:rPr lang="ru-RU" sz="3200" dirty="0"/>
+              <a:t>и </a:t>
+            </a:r>
+            <a:r>
+              <a:rPr lang="ru-RU" sz="3200" dirty="0" smtClean="0"/>
+              <a:t>разработан </a:t>
+            </a:r>
+            <a:r>
+              <a:rPr lang="ru-RU" sz="3200" dirty="0" err="1" smtClean="0"/>
+              <a:t>веб-фильтр</a:t>
+            </a:r>
+            <a:r>
+              <a:rPr lang="ru-RU" sz="3200" dirty="0" smtClean="0"/>
+              <a:t> </a:t>
+            </a:r>
+            <a:r>
+              <a:rPr lang="ru-RU" sz="3200" dirty="0"/>
+              <a:t>для обеспечения контроля доступа к </a:t>
+            </a:r>
+            <a:r>
+              <a:rPr lang="ru-RU" sz="3200" dirty="0" smtClean="0"/>
+              <a:t>веб-ресурсам</a:t>
+            </a:r>
+            <a:r>
+              <a:rPr lang="en-US" sz="3200" dirty="0" smtClean="0"/>
+              <a:t>.</a:t>
+            </a:r>
+            <a:endParaRPr lang="ru-RU" sz="3200" dirty="0"/>
+          </a:p>
+          <a:p>
+            <a:r>
+              <a:rPr lang="ru-RU" sz="3200" dirty="0" smtClean="0"/>
+              <a:t>Для этого </a:t>
+            </a:r>
+            <a:r>
+              <a:rPr lang="ru-RU" sz="3200" dirty="0"/>
+              <a:t>были выполнены поставленные задачи:</a:t>
+            </a:r>
+          </a:p>
+          <a:p>
+            <a:pPr marL="285750" indent="-285750">
+              <a:buFont typeface="Arial" panose="020B0604020202020204" pitchFamily="34" charset="0"/>
+              <a:buChar char="•"/>
+            </a:pPr>
+            <a:r>
+              <a:rPr lang="ru-RU" sz="3200" dirty="0"/>
+              <a:t>проанализирована предметная область и текущие решения</a:t>
+            </a:r>
+            <a:r>
+              <a:rPr lang="en-US" sz="3200" dirty="0"/>
+              <a:t>;</a:t>
+            </a:r>
+          </a:p>
+          <a:p>
+            <a:pPr marL="285750" indent="-285750">
+              <a:buFont typeface="Arial" panose="020B0604020202020204" pitchFamily="34" charset="0"/>
+              <a:buChar char="•"/>
+            </a:pPr>
+            <a:r>
+              <a:rPr lang="ru-RU" sz="3200" dirty="0"/>
+              <a:t>спроектирован веб-фильтр</a:t>
+            </a:r>
+            <a:r>
+              <a:rPr lang="en-US" sz="3200" dirty="0"/>
+              <a:t>;</a:t>
+            </a:r>
+          </a:p>
+          <a:p>
+            <a:pPr marL="285750" indent="-285750">
+              <a:buFont typeface="Arial" panose="020B0604020202020204" pitchFamily="34" charset="0"/>
+              <a:buChar char="•"/>
+            </a:pPr>
+            <a:r>
+              <a:rPr lang="ru-RU" sz="3200" dirty="0"/>
+              <a:t>разработан веб-фильтр и протестирована его </a:t>
+            </a:r>
+            <a:r>
+              <a:rPr lang="ru-RU" sz="3200" dirty="0" smtClean="0"/>
+              <a:t>работа</a:t>
+            </a:r>
+            <a:r>
+              <a:rPr lang="en-US" sz="3200" dirty="0" smtClean="0"/>
+              <a:t>.</a:t>
+            </a:r>
+            <a:endParaRPr lang="en-US" sz="3200" dirty="0"/>
+          </a:p>
+        </p:txBody>
+      </p:sp>
+    </p:spTree>
+    <p:extLst>
+      <p:ext uri="{BB962C8B-B14F-4D97-AF65-F5344CB8AC3E}">
+        <p14:creationId xmlns:p14="http://schemas.microsoft.com/office/powerpoint/2010/main" xmlns="" val="966450425"/>
+      </p:ext>
+    </p:extLst>
+  </p:cSld>
+  <p:clrMapOvr>
+    <a:masterClrMapping/>
+  </p:clrMapOvr>
+  <p:timing>
+    <p:tnLst>
+      <p:par>
+        <p:cTn id="1" dur="indefinite" restart="never" nodeType="tmRoot"/>
+      </p:par>
+    </p:tnLst>
+  </p:timing>
+</p:sld>
+</file>
+
+<file path=ppt/slides/slide17.xml><?xml version="1.0" encoding="utf-8"?>
 <p:sld xmlns:a="http://schemas.openxmlformats.org/drawingml/2006/main" xmlns:r="http://schemas.openxmlformats.org/officeDocument/2006/relationships" xmlns:p="http://schemas.openxmlformats.org/presentationml/2006/main">
   <p:cSld>
     <p:bg>
@@ -7160,10 +7294,10 @@
           <p:nvPr/>
         </p:nvPicPr>
         <p:blipFill>
-          <a:blip r:embed="rId2">
+          <a:blip r:embed="rId2" cstate="print">
             <a:extLst>
               <a:ext uri="{28A0092B-C50C-407E-A947-70E740481C1C}">
-                <a14:useLocalDpi xmlns:a14="http://schemas.microsoft.com/office/drawing/2010/main" val="0"/>
+                <a14:useLocalDpi xmlns:a14="http://schemas.microsoft.com/office/drawing/2010/main" xmlns="" val="0"/>
               </a:ext>
             </a:extLst>
           </a:blip>
@@ -7237,7 +7371,7 @@
     </p:spTree>
     <p:extLst>
       <p:ext uri="{BB962C8B-B14F-4D97-AF65-F5344CB8AC3E}">
-        <p14:creationId xmlns:p14="http://schemas.microsoft.com/office/powerpoint/2010/main" val="451246388"/>
+        <p14:creationId xmlns:p14="http://schemas.microsoft.com/office/powerpoint/2010/main" xmlns="" val="451246388"/>
       </p:ext>
     </p:extLst>
   </p:cSld>
@@ -7342,6 +7476,7 @@
                 </a:solidFill>
                 <a:latin typeface="Elektra Medium Pro" panose="02000803000000020004" pitchFamily="50" charset="-52"/>
               </a:rPr>
+              <a:pPr algn="ctr"/>
               <a:t>2</a:t>
             </a:fld>
             <a:endParaRPr lang="ru-RU" dirty="0">
@@ -7360,7 +7495,7 @@
           <p:nvPr>
             <p:extLst>
               <p:ext uri="{D42A27DB-BD31-4B8C-83A1-F6EECF244321}">
-                <p14:modId xmlns:p14="http://schemas.microsoft.com/office/powerpoint/2010/main" val="700683847"/>
+                <p14:modId xmlns:p14="http://schemas.microsoft.com/office/powerpoint/2010/main" xmlns="" val="700683847"/>
               </p:ext>
             </p:extLst>
           </p:nvPr>
@@ -7378,7 +7513,7 @@
     </p:spTree>
     <p:extLst>
       <p:ext uri="{BB962C8B-B14F-4D97-AF65-F5344CB8AC3E}">
-        <p14:creationId xmlns:p14="http://schemas.microsoft.com/office/powerpoint/2010/main" val="1806022529"/>
+        <p14:creationId xmlns:p14="http://schemas.microsoft.com/office/powerpoint/2010/main" xmlns="" val="1806022529"/>
       </p:ext>
     </p:extLst>
   </p:cSld>
@@ -7483,6 +7618,7 @@
                 </a:solidFill>
                 <a:latin typeface="Elektra Medium Pro" panose="02000803000000020004" pitchFamily="50" charset="-52"/>
               </a:rPr>
+              <a:pPr algn="ctr"/>
               <a:t>3</a:t>
             </a:fld>
             <a:endParaRPr lang="ru-RU" dirty="0">
@@ -7593,7 +7729,7 @@
     </p:spTree>
     <p:extLst>
       <p:ext uri="{BB962C8B-B14F-4D97-AF65-F5344CB8AC3E}">
-        <p14:creationId xmlns:p14="http://schemas.microsoft.com/office/powerpoint/2010/main" val="1878654547"/>
+        <p14:creationId xmlns:p14="http://schemas.microsoft.com/office/powerpoint/2010/main" xmlns="" val="1878654547"/>
       </p:ext>
     </p:extLst>
   </p:cSld>
@@ -7698,6 +7834,7 @@
                 </a:solidFill>
                 <a:latin typeface="Elektra Medium Pro" panose="02000803000000020004" pitchFamily="50" charset="-52"/>
               </a:rPr>
+              <a:pPr algn="ctr"/>
               <a:t>4</a:t>
             </a:fld>
             <a:endParaRPr lang="ru-RU" dirty="0">
@@ -7794,7 +7931,7 @@
     </p:spTree>
     <p:extLst>
       <p:ext uri="{BB962C8B-B14F-4D97-AF65-F5344CB8AC3E}">
-        <p14:creationId xmlns:p14="http://schemas.microsoft.com/office/powerpoint/2010/main" val="3132513744"/>
+        <p14:creationId xmlns:p14="http://schemas.microsoft.com/office/powerpoint/2010/main" xmlns="" val="3132513744"/>
       </p:ext>
     </p:extLst>
   </p:cSld>
@@ -7899,6 +8036,7 @@
                 </a:solidFill>
                 <a:latin typeface="Elektra Medium Pro" panose="02000803000000020004" pitchFamily="50" charset="-52"/>
               </a:rPr>
+              <a:pPr algn="ctr"/>
               <a:t>5</a:t>
             </a:fld>
             <a:endParaRPr lang="ru-RU" dirty="0">
@@ -7919,10 +8057,10 @@
           <p:nvPr/>
         </p:nvPicPr>
         <p:blipFill>
-          <a:blip r:embed="rId2">
+          <a:blip r:embed="rId2" cstate="print">
             <a:extLst>
               <a:ext uri="{28A0092B-C50C-407E-A947-70E740481C1C}">
-                <a14:useLocalDpi xmlns:a14="http://schemas.microsoft.com/office/drawing/2010/main" val="0"/>
+                <a14:useLocalDpi xmlns:a14="http://schemas.microsoft.com/office/drawing/2010/main" xmlns="" val="0"/>
               </a:ext>
             </a:extLst>
           </a:blip>
@@ -7943,7 +8081,7 @@
     </p:spTree>
     <p:extLst>
       <p:ext uri="{BB962C8B-B14F-4D97-AF65-F5344CB8AC3E}">
-        <p14:creationId xmlns:p14="http://schemas.microsoft.com/office/powerpoint/2010/main" val="1695635370"/>
+        <p14:creationId xmlns:p14="http://schemas.microsoft.com/office/powerpoint/2010/main" xmlns="" val="1695635370"/>
       </p:ext>
     </p:extLst>
   </p:cSld>
@@ -8057,6 +8195,7 @@
                 </a:solidFill>
                 <a:latin typeface="Elektra Medium Pro" panose="02000803000000020004" pitchFamily="50" charset="-52"/>
               </a:rPr>
+              <a:pPr algn="ctr"/>
               <a:t>6</a:t>
             </a:fld>
             <a:endParaRPr lang="ru-RU" dirty="0">
@@ -8075,10 +8214,10 @@
           <p:nvPr/>
         </p:nvPicPr>
         <p:blipFill>
-          <a:blip r:embed="rId2">
+          <a:blip r:embed="rId2" cstate="print">
             <a:extLst>
               <a:ext uri="{28A0092B-C50C-407E-A947-70E740481C1C}">
-                <a14:useLocalDpi xmlns:a14="http://schemas.microsoft.com/office/drawing/2010/main" val="0"/>
+                <a14:useLocalDpi xmlns:a14="http://schemas.microsoft.com/office/drawing/2010/main" xmlns="" val="0"/>
               </a:ext>
             </a:extLst>
           </a:blip>
@@ -8106,7 +8245,7 @@
     </p:spTree>
     <p:extLst>
       <p:ext uri="{BB962C8B-B14F-4D97-AF65-F5344CB8AC3E}">
-        <p14:creationId xmlns:p14="http://schemas.microsoft.com/office/powerpoint/2010/main" val="3766069944"/>
+        <p14:creationId xmlns:p14="http://schemas.microsoft.com/office/powerpoint/2010/main" xmlns="" val="3766069944"/>
       </p:ext>
     </p:extLst>
   </p:cSld>
@@ -8211,6 +8350,7 @@
                 </a:solidFill>
                 <a:latin typeface="Elektra Medium Pro" panose="02000803000000020004" pitchFamily="50" charset="-52"/>
               </a:rPr>
+              <a:pPr algn="ctr"/>
               <a:t>7</a:t>
             </a:fld>
             <a:endParaRPr lang="ru-RU" dirty="0">
@@ -8329,7 +8469,7 @@
     </p:spTree>
     <p:extLst>
       <p:ext uri="{BB962C8B-B14F-4D97-AF65-F5344CB8AC3E}">
-        <p14:creationId xmlns:p14="http://schemas.microsoft.com/office/powerpoint/2010/main" val="2521866885"/>
+        <p14:creationId xmlns:p14="http://schemas.microsoft.com/office/powerpoint/2010/main" xmlns="" val="2521866885"/>
       </p:ext>
     </p:extLst>
   </p:cSld>
@@ -8434,6 +8574,7 @@
                 </a:solidFill>
                 <a:latin typeface="Elektra Medium Pro" panose="02000803000000020004" pitchFamily="50" charset="-52"/>
               </a:rPr>
+              <a:pPr algn="ctr"/>
               <a:t>8</a:t>
             </a:fld>
             <a:endParaRPr lang="ru-RU" dirty="0">
@@ -8559,7 +8700,7 @@
     </p:spTree>
     <p:extLst>
       <p:ext uri="{BB962C8B-B14F-4D97-AF65-F5344CB8AC3E}">
-        <p14:creationId xmlns:p14="http://schemas.microsoft.com/office/powerpoint/2010/main" val="3401062844"/>
+        <p14:creationId xmlns:p14="http://schemas.microsoft.com/office/powerpoint/2010/main" xmlns="" val="3401062844"/>
       </p:ext>
     </p:extLst>
   </p:cSld>
@@ -8664,6 +8805,7 @@
                 </a:solidFill>
                 <a:latin typeface="Elektra Medium Pro" panose="02000803000000020004" pitchFamily="50" charset="-52"/>
               </a:rPr>
+              <a:pPr algn="ctr"/>
               <a:t>9</a:t>
             </a:fld>
             <a:endParaRPr lang="ru-RU" dirty="0">
@@ -8675,8 +8817,8 @@
           </a:p>
         </p:txBody>
       </p:sp>
-      <mc:AlternateContent xmlns:mc="http://schemas.openxmlformats.org/markup-compatibility/2006" xmlns:a14="http://schemas.microsoft.com/office/drawing/2010/main">
-        <mc:Choice Requires="a14">
+      <mc:AlternateContent xmlns:mc="http://schemas.openxmlformats.org/markup-compatibility/2006">
+        <mc:Choice xmlns:a14="http://schemas.microsoft.com/office/drawing/2010/main" xmlns="" Requires="a14">
           <p:sp>
             <p:nvSpPr>
               <p:cNvPr id="5" name="TextBox 4"/>
@@ -9152,7 +9294,7 @@
             </p:txBody>
           </p:sp>
         </mc:Choice>
-        <mc:Fallback xmlns="">
+        <mc:Fallback>
           <p:sp>
             <p:nvSpPr>
               <p:cNvPr id="5" name="TextBox 4"/>
@@ -9170,7 +9312,7 @@
                 <a:avLst/>
               </a:prstGeom>
               <a:blipFill>
-                <a:blip r:embed="rId2"/>
+                <a:blip r:embed="rId2" cstate="print"/>
                 <a:stretch>
                   <a:fillRect l="-1668" t="-1664" r="-1015" b="-3606"/>
                 </a:stretch>
@@ -9194,7 +9336,7 @@
     </p:spTree>
     <p:extLst>
       <p:ext uri="{BB962C8B-B14F-4D97-AF65-F5344CB8AC3E}">
-        <p14:creationId xmlns:p14="http://schemas.microsoft.com/office/powerpoint/2010/main" val="466129449"/>
+        <p14:creationId xmlns:p14="http://schemas.microsoft.com/office/powerpoint/2010/main" xmlns="" val="466129449"/>
       </p:ext>
     </p:extLst>
   </p:cSld>
@@ -9466,7 +9608,7 @@
   <a:extraClrSchemeLst/>
   <a:extLst>
     <a:ext uri="{05A4C25C-085E-4340-85A3-A5531E510DB2}">
-      <thm15:themeFamily xmlns:thm15="http://schemas.microsoft.com/office/thememl/2012/main" name="Office Theme" id="{62F939B6-93AF-4DB8-9C6B-D6C7DFDC589F}" vid="{4A3C46E8-61CC-4603-A589-7422A47A8E4A}"/>
+      <thm15:themeFamily xmlns:thm15="http://schemas.microsoft.com/office/thememl/2012/main" xmlns="" name="Office Theme" id="{62F939B6-93AF-4DB8-9C6B-D6C7DFDC589F}" vid="{4A3C46E8-61CC-4603-A589-7422A47A8E4A}"/>
     </a:ext>
   </a:extLst>
 </a:theme>
